--- a/New Microsoft PowerPoint Presentation.pptx
+++ b/New Microsoft PowerPoint Presentation.pptx
@@ -2,13 +2,16 @@
 <file path=ppt/presentation.xml><?xml version="1.0" encoding="utf-8"?>
 <p:presentation xmlns:a="http://schemas.openxmlformats.org/drawingml/2006/main" xmlns:r="http://schemas.openxmlformats.org/officeDocument/2006/relationships" xmlns:p="http://schemas.openxmlformats.org/presentationml/2006/main" saveSubsetFonts="1">
   <p:sldMasterIdLst>
-    <p:sldMasterId id="2147483648" r:id="rId1"/>
+    <p:sldMasterId id="2147483660" r:id="rId1"/>
   </p:sldMasterIdLst>
   <p:sldIdLst>
     <p:sldId id="256" r:id="rId2"/>
     <p:sldId id="257" r:id="rId3"/>
     <p:sldId id="258" r:id="rId4"/>
     <p:sldId id="259" r:id="rId5"/>
+    <p:sldId id="260" r:id="rId6"/>
+    <p:sldId id="261" r:id="rId7"/>
+    <p:sldId id="262" r:id="rId8"/>
   </p:sldIdLst>
   <p:sldSz cx="12192000" cy="6858000"/>
   <p:notesSz cx="6858000" cy="9144000"/>
@@ -16,7 +19,7 @@
     <a:defPPr>
       <a:defRPr lang="en-US"/>
     </a:defPPr>
-    <a:lvl1pPr marL="0" algn="l" defTabSz="914400" rtl="0" eaLnBrk="1" latinLnBrk="0" hangingPunct="1">
+    <a:lvl1pPr marL="0" algn="l" defTabSz="457200" rtl="0" eaLnBrk="1" latinLnBrk="0" hangingPunct="1">
       <a:defRPr sz="1800" kern="1200">
         <a:solidFill>
           <a:schemeClr val="tx1"/>
@@ -26,7 +29,7 @@
         <a:cs typeface="+mn-cs"/>
       </a:defRPr>
     </a:lvl1pPr>
-    <a:lvl2pPr marL="457200" algn="l" defTabSz="914400" rtl="0" eaLnBrk="1" latinLnBrk="0" hangingPunct="1">
+    <a:lvl2pPr marL="457200" algn="l" defTabSz="457200" rtl="0" eaLnBrk="1" latinLnBrk="0" hangingPunct="1">
       <a:defRPr sz="1800" kern="1200">
         <a:solidFill>
           <a:schemeClr val="tx1"/>
@@ -36,7 +39,7 @@
         <a:cs typeface="+mn-cs"/>
       </a:defRPr>
     </a:lvl2pPr>
-    <a:lvl3pPr marL="914400" algn="l" defTabSz="914400" rtl="0" eaLnBrk="1" latinLnBrk="0" hangingPunct="1">
+    <a:lvl3pPr marL="914400" algn="l" defTabSz="457200" rtl="0" eaLnBrk="1" latinLnBrk="0" hangingPunct="1">
       <a:defRPr sz="1800" kern="1200">
         <a:solidFill>
           <a:schemeClr val="tx1"/>
@@ -46,7 +49,7 @@
         <a:cs typeface="+mn-cs"/>
       </a:defRPr>
     </a:lvl3pPr>
-    <a:lvl4pPr marL="1371600" algn="l" defTabSz="914400" rtl="0" eaLnBrk="1" latinLnBrk="0" hangingPunct="1">
+    <a:lvl4pPr marL="1371600" algn="l" defTabSz="457200" rtl="0" eaLnBrk="1" latinLnBrk="0" hangingPunct="1">
       <a:defRPr sz="1800" kern="1200">
         <a:solidFill>
           <a:schemeClr val="tx1"/>
@@ -56,7 +59,7 @@
         <a:cs typeface="+mn-cs"/>
       </a:defRPr>
     </a:lvl4pPr>
-    <a:lvl5pPr marL="1828800" algn="l" defTabSz="914400" rtl="0" eaLnBrk="1" latinLnBrk="0" hangingPunct="1">
+    <a:lvl5pPr marL="1828800" algn="l" defTabSz="457200" rtl="0" eaLnBrk="1" latinLnBrk="0" hangingPunct="1">
       <a:defRPr sz="1800" kern="1200">
         <a:solidFill>
           <a:schemeClr val="tx1"/>
@@ -66,7 +69,7 @@
         <a:cs typeface="+mn-cs"/>
       </a:defRPr>
     </a:lvl5pPr>
-    <a:lvl6pPr marL="2286000" algn="l" defTabSz="914400" rtl="0" eaLnBrk="1" latinLnBrk="0" hangingPunct="1">
+    <a:lvl6pPr marL="2286000" algn="l" defTabSz="457200" rtl="0" eaLnBrk="1" latinLnBrk="0" hangingPunct="1">
       <a:defRPr sz="1800" kern="1200">
         <a:solidFill>
           <a:schemeClr val="tx1"/>
@@ -76,7 +79,7 @@
         <a:cs typeface="+mn-cs"/>
       </a:defRPr>
     </a:lvl6pPr>
-    <a:lvl7pPr marL="2743200" algn="l" defTabSz="914400" rtl="0" eaLnBrk="1" latinLnBrk="0" hangingPunct="1">
+    <a:lvl7pPr marL="2743200" algn="l" defTabSz="457200" rtl="0" eaLnBrk="1" latinLnBrk="0" hangingPunct="1">
       <a:defRPr sz="1800" kern="1200">
         <a:solidFill>
           <a:schemeClr val="tx1"/>
@@ -86,7 +89,7 @@
         <a:cs typeface="+mn-cs"/>
       </a:defRPr>
     </a:lvl7pPr>
-    <a:lvl8pPr marL="3200400" algn="l" defTabSz="914400" rtl="0" eaLnBrk="1" latinLnBrk="0" hangingPunct="1">
+    <a:lvl8pPr marL="3200400" algn="l" defTabSz="457200" rtl="0" eaLnBrk="1" latinLnBrk="0" hangingPunct="1">
       <a:defRPr sz="1800" kern="1200">
         <a:solidFill>
           <a:schemeClr val="tx1"/>
@@ -96,7 +99,7 @@
         <a:cs typeface="+mn-cs"/>
       </a:defRPr>
     </a:lvl8pPr>
-    <a:lvl9pPr marL="3657600" algn="l" defTabSz="914400" rtl="0" eaLnBrk="1" latinLnBrk="0" hangingPunct="1">
+    <a:lvl9pPr marL="3657600" algn="l" defTabSz="457200" rtl="0" eaLnBrk="1" latinLnBrk="0" hangingPunct="1">
       <a:defRPr sz="1800" kern="1200">
         <a:solidFill>
           <a:schemeClr val="tx1"/>
@@ -129,13 +132,7 @@
       </p:grpSpPr>
       <p:sp>
         <p:nvSpPr>
-          <p:cNvPr id="2" name="Title 1">
-            <a:extLst>
-              <a:ext uri="{FF2B5EF4-FFF2-40B4-BE49-F238E27FC236}">
-                <a16:creationId xmlns:a16="http://schemas.microsoft.com/office/drawing/2014/main" id="{48DC40D0-5F3B-4D33-9354-D7CB262FCD77}"/>
-              </a:ext>
-            </a:extLst>
-          </p:cNvPr>
+          <p:cNvPr id="2" name="Title 1"/>
           <p:cNvSpPr>
             <a:spLocks noGrp="1"/>
           </p:cNvSpPr>
@@ -145,15 +142,15 @@
         </p:nvSpPr>
         <p:spPr>
           <a:xfrm>
-            <a:off x="1524000" y="1122363"/>
-            <a:ext cx="9144000" cy="2387600"/>
+            <a:off x="1154955" y="1447800"/>
+            <a:ext cx="8825658" cy="3329581"/>
           </a:xfrm>
         </p:spPr>
         <p:txBody>
           <a:bodyPr anchor="b"/>
           <a:lstStyle>
-            <a:lvl1pPr algn="ctr">
-              <a:defRPr sz="6000"/>
+            <a:lvl1pPr>
+              <a:defRPr sz="7200"/>
             </a:lvl1pPr>
           </a:lstStyle>
           <a:p>
@@ -161,19 +158,13 @@
               <a:rPr lang="en-US"/>
               <a:t>Click to edit Master title style</a:t>
             </a:r>
-            <a:endParaRPr lang="en-IN"/>
-          </a:p>
-        </p:txBody>
-      </p:sp>
-      <p:sp>
-        <p:nvSpPr>
-          <p:cNvPr id="3" name="Subtitle 2">
-            <a:extLst>
-              <a:ext uri="{FF2B5EF4-FFF2-40B4-BE49-F238E27FC236}">
-                <a16:creationId xmlns:a16="http://schemas.microsoft.com/office/drawing/2014/main" id="{212F9A79-1810-490E-872E-D5845AE89A64}"/>
-              </a:ext>
-            </a:extLst>
-          </p:cNvPr>
+            <a:endParaRPr lang="en-US" dirty="0"/>
+          </a:p>
+        </p:txBody>
+      </p:sp>
+      <p:sp>
+        <p:nvSpPr>
+          <p:cNvPr id="3" name="Subtitle 2"/>
           <p:cNvSpPr>
             <a:spLocks noGrp="1"/>
           </p:cNvSpPr>
@@ -183,48 +174,103 @@
         </p:nvSpPr>
         <p:spPr>
           <a:xfrm>
-            <a:off x="1524000" y="3602038"/>
-            <a:ext cx="9144000" cy="1655762"/>
+            <a:off x="1154955" y="4777380"/>
+            <a:ext cx="8825658" cy="861420"/>
           </a:xfrm>
         </p:spPr>
         <p:txBody>
-          <a:bodyPr/>
+          <a:bodyPr anchor="t"/>
           <a:lstStyle>
-            <a:lvl1pPr marL="0" indent="0" algn="ctr">
-              <a:buNone/>
-              <a:defRPr sz="2400"/>
+            <a:lvl1pPr marL="0" indent="0" algn="l">
+              <a:buNone/>
+              <a:defRPr cap="all">
+                <a:solidFill>
+                  <a:schemeClr val="bg2">
+                    <a:lumMod val="40000"/>
+                    <a:lumOff val="60000"/>
+                  </a:schemeClr>
+                </a:solidFill>
+              </a:defRPr>
             </a:lvl1pPr>
             <a:lvl2pPr marL="457200" indent="0" algn="ctr">
               <a:buNone/>
-              <a:defRPr sz="2000"/>
+              <a:defRPr>
+                <a:solidFill>
+                  <a:schemeClr val="tx1">
+                    <a:tint val="75000"/>
+                  </a:schemeClr>
+                </a:solidFill>
+              </a:defRPr>
             </a:lvl2pPr>
             <a:lvl3pPr marL="914400" indent="0" algn="ctr">
               <a:buNone/>
-              <a:defRPr sz="1800"/>
+              <a:defRPr>
+                <a:solidFill>
+                  <a:schemeClr val="tx1">
+                    <a:tint val="75000"/>
+                  </a:schemeClr>
+                </a:solidFill>
+              </a:defRPr>
             </a:lvl3pPr>
             <a:lvl4pPr marL="1371600" indent="0" algn="ctr">
               <a:buNone/>
-              <a:defRPr sz="1600"/>
+              <a:defRPr>
+                <a:solidFill>
+                  <a:schemeClr val="tx1">
+                    <a:tint val="75000"/>
+                  </a:schemeClr>
+                </a:solidFill>
+              </a:defRPr>
             </a:lvl4pPr>
             <a:lvl5pPr marL="1828800" indent="0" algn="ctr">
               <a:buNone/>
-              <a:defRPr sz="1600"/>
+              <a:defRPr>
+                <a:solidFill>
+                  <a:schemeClr val="tx1">
+                    <a:tint val="75000"/>
+                  </a:schemeClr>
+                </a:solidFill>
+              </a:defRPr>
             </a:lvl5pPr>
             <a:lvl6pPr marL="2286000" indent="0" algn="ctr">
               <a:buNone/>
-              <a:defRPr sz="1600"/>
+              <a:defRPr>
+                <a:solidFill>
+                  <a:schemeClr val="tx1">
+                    <a:tint val="75000"/>
+                  </a:schemeClr>
+                </a:solidFill>
+              </a:defRPr>
             </a:lvl6pPr>
             <a:lvl7pPr marL="2743200" indent="0" algn="ctr">
               <a:buNone/>
-              <a:defRPr sz="1600"/>
+              <a:defRPr>
+                <a:solidFill>
+                  <a:schemeClr val="tx1">
+                    <a:tint val="75000"/>
+                  </a:schemeClr>
+                </a:solidFill>
+              </a:defRPr>
             </a:lvl7pPr>
             <a:lvl8pPr marL="3200400" indent="0" algn="ctr">
               <a:buNone/>
-              <a:defRPr sz="1600"/>
+              <a:defRPr>
+                <a:solidFill>
+                  <a:schemeClr val="tx1">
+                    <a:tint val="75000"/>
+                  </a:schemeClr>
+                </a:solidFill>
+              </a:defRPr>
             </a:lvl8pPr>
             <a:lvl9pPr marL="3657600" indent="0" algn="ctr">
               <a:buNone/>
-              <a:defRPr sz="1600"/>
+              <a:defRPr>
+                <a:solidFill>
+                  <a:schemeClr val="tx1">
+                    <a:tint val="75000"/>
+                  </a:schemeClr>
+                </a:solidFill>
+              </a:defRPr>
             </a:lvl9pPr>
           </a:lstStyle>
           <a:p>
@@ -232,19 +278,13 @@
               <a:rPr lang="en-US"/>
               <a:t>Click to edit Master subtitle style</a:t>
             </a:r>
-            <a:endParaRPr lang="en-IN"/>
-          </a:p>
-        </p:txBody>
-      </p:sp>
-      <p:sp>
-        <p:nvSpPr>
-          <p:cNvPr id="4" name="Date Placeholder 3">
-            <a:extLst>
-              <a:ext uri="{FF2B5EF4-FFF2-40B4-BE49-F238E27FC236}">
-                <a16:creationId xmlns:a16="http://schemas.microsoft.com/office/drawing/2014/main" id="{91662EBF-C5AC-49C7-857D-A053865505D0}"/>
-              </a:ext>
-            </a:extLst>
-          </p:cNvPr>
+            <a:endParaRPr lang="en-US" dirty="0"/>
+          </a:p>
+        </p:txBody>
+      </p:sp>
+      <p:sp>
+        <p:nvSpPr>
+          <p:cNvPr id="4" name="Date Placeholder 3"/>
           <p:cNvSpPr>
             <a:spLocks noGrp="1"/>
           </p:cNvSpPr>
@@ -267,13 +307,7 @@
       </p:sp>
       <p:sp>
         <p:nvSpPr>
-          <p:cNvPr id="5" name="Footer Placeholder 4">
-            <a:extLst>
-              <a:ext uri="{FF2B5EF4-FFF2-40B4-BE49-F238E27FC236}">
-                <a16:creationId xmlns:a16="http://schemas.microsoft.com/office/drawing/2014/main" id="{A2CB9E16-3B38-436D-84BF-00FD55176BF7}"/>
-              </a:ext>
-            </a:extLst>
-          </p:cNvPr>
+          <p:cNvPr id="5" name="Footer Placeholder 4"/>
           <p:cNvSpPr>
             <a:spLocks noGrp="1"/>
           </p:cNvSpPr>
@@ -292,13 +326,7 @@
       </p:sp>
       <p:sp>
         <p:nvSpPr>
-          <p:cNvPr id="6" name="Slide Number Placeholder 5">
-            <a:extLst>
-              <a:ext uri="{FF2B5EF4-FFF2-40B4-BE49-F238E27FC236}">
-                <a16:creationId xmlns:a16="http://schemas.microsoft.com/office/drawing/2014/main" id="{73E89DB7-01D7-491E-8A76-0A9B72B57353}"/>
-              </a:ext>
-            </a:extLst>
-          </p:cNvPr>
+          <p:cNvPr id="6" name="Slide Number Placeholder 5"/>
           <p:cNvSpPr>
             <a:spLocks noGrp="1"/>
           </p:cNvSpPr>
@@ -322,7 +350,7 @@
     </p:spTree>
     <p:extLst>
       <p:ext uri="{BB962C8B-B14F-4D97-AF65-F5344CB8AC3E}">
-        <p14:creationId xmlns:p14="http://schemas.microsoft.com/office/powerpoint/2010/main" val="3385816972"/>
+        <p14:creationId xmlns:p14="http://schemas.microsoft.com/office/powerpoint/2010/main" val="3898217605"/>
       </p:ext>
     </p:extLst>
   </p:cSld>
@@ -333,6 +361,2572 @@
 </file>
 
 <file path=ppt/slideLayouts/slideLayout10.xml><?xml version="1.0" encoding="utf-8"?>
+<p:sldLayout xmlns:a="http://schemas.openxmlformats.org/drawingml/2006/main" xmlns:r="http://schemas.openxmlformats.org/officeDocument/2006/relationships" xmlns:p="http://schemas.openxmlformats.org/presentationml/2006/main" preserve="1">
+  <p:cSld name="Panoramic Picture with Caption">
+    <p:spTree>
+      <p:nvGrpSpPr>
+        <p:cNvPr id="1" name=""/>
+        <p:cNvGrpSpPr/>
+        <p:nvPr/>
+      </p:nvGrpSpPr>
+      <p:grpSpPr>
+        <a:xfrm>
+          <a:off x="0" y="0"/>
+          <a:ext cx="0" cy="0"/>
+          <a:chOff x="0" y="0"/>
+          <a:chExt cx="0" cy="0"/>
+        </a:xfrm>
+      </p:grpSpPr>
+      <p:sp>
+        <p:nvSpPr>
+          <p:cNvPr id="2" name="Title 1"/>
+          <p:cNvSpPr>
+            <a:spLocks noGrp="1"/>
+          </p:cNvSpPr>
+          <p:nvPr>
+            <p:ph type="title"/>
+          </p:nvPr>
+        </p:nvSpPr>
+        <p:spPr>
+          <a:xfrm>
+            <a:off x="1154956" y="4800587"/>
+            <a:ext cx="8825657" cy="566738"/>
+          </a:xfrm>
+        </p:spPr>
+        <p:txBody>
+          <a:bodyPr anchor="b">
+            <a:normAutofit/>
+          </a:bodyPr>
+          <a:lstStyle>
+            <a:lvl1pPr algn="l">
+              <a:defRPr sz="2400" b="0"/>
+            </a:lvl1pPr>
+          </a:lstStyle>
+          <a:p>
+            <a:r>
+              <a:rPr lang="en-US"/>
+              <a:t>Click to edit Master title style</a:t>
+            </a:r>
+            <a:endParaRPr lang="en-US" dirty="0"/>
+          </a:p>
+        </p:txBody>
+      </p:sp>
+      <p:sp>
+        <p:nvSpPr>
+          <p:cNvPr id="3" name="Picture Placeholder 2"/>
+          <p:cNvSpPr>
+            <a:spLocks noGrp="1" noChangeAspect="1"/>
+          </p:cNvSpPr>
+          <p:nvPr>
+            <p:ph type="pic" idx="1"/>
+          </p:nvPr>
+        </p:nvSpPr>
+        <p:spPr>
+          <a:xfrm>
+            <a:off x="1154955" y="685800"/>
+            <a:ext cx="8825658" cy="3640666"/>
+          </a:xfrm>
+          <a:prstGeom prst="roundRect">
+            <a:avLst>
+              <a:gd name="adj" fmla="val 1858"/>
+            </a:avLst>
+          </a:prstGeom>
+          <a:effectLst>
+            <a:outerShdw blurRad="50800" dist="50800" dir="5400000" algn="tl" rotWithShape="0">
+              <a:srgbClr val="000000">
+                <a:alpha val="43000"/>
+              </a:srgbClr>
+            </a:outerShdw>
+          </a:effectLst>
+        </p:spPr>
+        <p:txBody>
+          <a:bodyPr anchor="t">
+            <a:normAutofit/>
+          </a:bodyPr>
+          <a:lstStyle>
+            <a:lvl1pPr marL="0" indent="0" algn="ctr">
+              <a:buNone/>
+              <a:defRPr sz="1600"/>
+            </a:lvl1pPr>
+            <a:lvl2pPr marL="457200" indent="0">
+              <a:buNone/>
+              <a:defRPr sz="1600"/>
+            </a:lvl2pPr>
+            <a:lvl3pPr marL="914400" indent="0">
+              <a:buNone/>
+              <a:defRPr sz="1600"/>
+            </a:lvl3pPr>
+            <a:lvl4pPr marL="1371600" indent="0">
+              <a:buNone/>
+              <a:defRPr sz="1600"/>
+            </a:lvl4pPr>
+            <a:lvl5pPr marL="1828800" indent="0">
+              <a:buNone/>
+              <a:defRPr sz="1600"/>
+            </a:lvl5pPr>
+            <a:lvl6pPr marL="2286000" indent="0">
+              <a:buNone/>
+              <a:defRPr sz="1600"/>
+            </a:lvl6pPr>
+            <a:lvl7pPr marL="2743200" indent="0">
+              <a:buNone/>
+              <a:defRPr sz="1600"/>
+            </a:lvl7pPr>
+            <a:lvl8pPr marL="3200400" indent="0">
+              <a:buNone/>
+              <a:defRPr sz="1600"/>
+            </a:lvl8pPr>
+            <a:lvl9pPr marL="3657600" indent="0">
+              <a:buNone/>
+              <a:defRPr sz="1600"/>
+            </a:lvl9pPr>
+          </a:lstStyle>
+          <a:p>
+            <a:r>
+              <a:rPr lang="en-US"/>
+              <a:t>Click icon to add picture</a:t>
+            </a:r>
+            <a:endParaRPr lang="en-US" dirty="0"/>
+          </a:p>
+        </p:txBody>
+      </p:sp>
+      <p:sp>
+        <p:nvSpPr>
+          <p:cNvPr id="4" name="Text Placeholder 3"/>
+          <p:cNvSpPr>
+            <a:spLocks noGrp="1"/>
+          </p:cNvSpPr>
+          <p:nvPr>
+            <p:ph type="body" sz="half" idx="2"/>
+          </p:nvPr>
+        </p:nvSpPr>
+        <p:spPr>
+          <a:xfrm>
+            <a:off x="1154956" y="5367325"/>
+            <a:ext cx="8825656" cy="493712"/>
+          </a:xfrm>
+        </p:spPr>
+        <p:txBody>
+          <a:bodyPr>
+            <a:normAutofit/>
+          </a:bodyPr>
+          <a:lstStyle>
+            <a:lvl1pPr marL="0" indent="0">
+              <a:buNone/>
+              <a:defRPr sz="1200"/>
+            </a:lvl1pPr>
+            <a:lvl2pPr marL="457200" indent="0">
+              <a:buNone/>
+              <a:defRPr sz="1200"/>
+            </a:lvl2pPr>
+            <a:lvl3pPr marL="914400" indent="0">
+              <a:buNone/>
+              <a:defRPr sz="1000"/>
+            </a:lvl3pPr>
+            <a:lvl4pPr marL="1371600" indent="0">
+              <a:buNone/>
+              <a:defRPr sz="900"/>
+            </a:lvl4pPr>
+            <a:lvl5pPr marL="1828800" indent="0">
+              <a:buNone/>
+              <a:defRPr sz="900"/>
+            </a:lvl5pPr>
+            <a:lvl6pPr marL="2286000" indent="0">
+              <a:buNone/>
+              <a:defRPr sz="900"/>
+            </a:lvl6pPr>
+            <a:lvl7pPr marL="2743200" indent="0">
+              <a:buNone/>
+              <a:defRPr sz="900"/>
+            </a:lvl7pPr>
+            <a:lvl8pPr marL="3200400" indent="0">
+              <a:buNone/>
+              <a:defRPr sz="900"/>
+            </a:lvl8pPr>
+            <a:lvl9pPr marL="3657600" indent="0">
+              <a:buNone/>
+              <a:defRPr sz="900"/>
+            </a:lvl9pPr>
+          </a:lstStyle>
+          <a:p>
+            <a:pPr lvl="0"/>
+            <a:r>
+              <a:rPr lang="en-US"/>
+              <a:t>Click to edit Master text styles</a:t>
+            </a:r>
+          </a:p>
+        </p:txBody>
+      </p:sp>
+      <p:sp>
+        <p:nvSpPr>
+          <p:cNvPr id="5" name="Date Placeholder 4"/>
+          <p:cNvSpPr>
+            <a:spLocks noGrp="1"/>
+          </p:cNvSpPr>
+          <p:nvPr>
+            <p:ph type="dt" sz="half" idx="10"/>
+          </p:nvPr>
+        </p:nvSpPr>
+        <p:spPr/>
+        <p:txBody>
+          <a:bodyPr/>
+          <a:lstStyle/>
+          <a:p>
+            <a:fld id="{196A9782-DDD8-4320-9083-74C1B0D6F4EC}" type="datetimeFigureOut">
+              <a:rPr lang="en-IN" smtClean="0"/>
+              <a:t>2020/07/14</a:t>
+            </a:fld>
+            <a:endParaRPr lang="en-IN"/>
+          </a:p>
+        </p:txBody>
+      </p:sp>
+      <p:sp>
+        <p:nvSpPr>
+          <p:cNvPr id="6" name="Footer Placeholder 5"/>
+          <p:cNvSpPr>
+            <a:spLocks noGrp="1"/>
+          </p:cNvSpPr>
+          <p:nvPr>
+            <p:ph type="ftr" sz="quarter" idx="11"/>
+          </p:nvPr>
+        </p:nvSpPr>
+        <p:spPr/>
+        <p:txBody>
+          <a:bodyPr/>
+          <a:lstStyle/>
+          <a:p>
+            <a:endParaRPr lang="en-IN"/>
+          </a:p>
+        </p:txBody>
+      </p:sp>
+      <p:sp>
+        <p:nvSpPr>
+          <p:cNvPr id="7" name="Slide Number Placeholder 6"/>
+          <p:cNvSpPr>
+            <a:spLocks noGrp="1"/>
+          </p:cNvSpPr>
+          <p:nvPr>
+            <p:ph type="sldNum" sz="quarter" idx="12"/>
+          </p:nvPr>
+        </p:nvSpPr>
+        <p:spPr/>
+        <p:txBody>
+          <a:bodyPr/>
+          <a:lstStyle/>
+          <a:p>
+            <a:fld id="{B0934C4B-494C-4345-98AD-060CF3C50BA2}" type="slidenum">
+              <a:rPr lang="en-IN" smtClean="0"/>
+              <a:t>‹#›</a:t>
+            </a:fld>
+            <a:endParaRPr lang="en-IN"/>
+          </a:p>
+        </p:txBody>
+      </p:sp>
+    </p:spTree>
+    <p:extLst>
+      <p:ext uri="{BB962C8B-B14F-4D97-AF65-F5344CB8AC3E}">
+        <p14:creationId xmlns:p14="http://schemas.microsoft.com/office/powerpoint/2010/main" val="2082395979"/>
+      </p:ext>
+    </p:extLst>
+  </p:cSld>
+  <p:clrMapOvr>
+    <a:masterClrMapping/>
+  </p:clrMapOvr>
+</p:sldLayout>
+</file>
+
+<file path=ppt/slideLayouts/slideLayout11.xml><?xml version="1.0" encoding="utf-8"?>
+<p:sldLayout xmlns:a="http://schemas.openxmlformats.org/drawingml/2006/main" xmlns:r="http://schemas.openxmlformats.org/officeDocument/2006/relationships" xmlns:p="http://schemas.openxmlformats.org/presentationml/2006/main" preserve="1">
+  <p:cSld name="Title and Caption">
+    <p:spTree>
+      <p:nvGrpSpPr>
+        <p:cNvPr id="1" name=""/>
+        <p:cNvGrpSpPr/>
+        <p:nvPr/>
+      </p:nvGrpSpPr>
+      <p:grpSpPr>
+        <a:xfrm>
+          <a:off x="0" y="0"/>
+          <a:ext cx="0" cy="0"/>
+          <a:chOff x="0" y="0"/>
+          <a:chExt cx="0" cy="0"/>
+        </a:xfrm>
+      </p:grpSpPr>
+      <p:sp>
+        <p:nvSpPr>
+          <p:cNvPr id="2" name="Title 1"/>
+          <p:cNvSpPr>
+            <a:spLocks noGrp="1"/>
+          </p:cNvSpPr>
+          <p:nvPr>
+            <p:ph type="title"/>
+          </p:nvPr>
+        </p:nvSpPr>
+        <p:spPr>
+          <a:xfrm>
+            <a:off x="1154954" y="1447800"/>
+            <a:ext cx="8825659" cy="1981200"/>
+          </a:xfrm>
+        </p:spPr>
+        <p:txBody>
+          <a:bodyPr/>
+          <a:lstStyle>
+            <a:lvl1pPr>
+              <a:defRPr sz="4800"/>
+            </a:lvl1pPr>
+          </a:lstStyle>
+          <a:p>
+            <a:r>
+              <a:rPr lang="en-US"/>
+              <a:t>Click to edit Master title style</a:t>
+            </a:r>
+            <a:endParaRPr lang="en-US" dirty="0"/>
+          </a:p>
+        </p:txBody>
+      </p:sp>
+      <p:sp>
+        <p:nvSpPr>
+          <p:cNvPr id="8" name="Text Placeholder 3"/>
+          <p:cNvSpPr>
+            <a:spLocks noGrp="1"/>
+          </p:cNvSpPr>
+          <p:nvPr>
+            <p:ph type="body" sz="half" idx="2"/>
+          </p:nvPr>
+        </p:nvSpPr>
+        <p:spPr>
+          <a:xfrm>
+            <a:off x="1154954" y="3657600"/>
+            <a:ext cx="8825659" cy="2362200"/>
+          </a:xfrm>
+        </p:spPr>
+        <p:txBody>
+          <a:bodyPr anchor="ctr">
+            <a:normAutofit/>
+          </a:bodyPr>
+          <a:lstStyle>
+            <a:lvl1pPr marL="0" indent="0">
+              <a:buNone/>
+              <a:defRPr sz="1800"/>
+            </a:lvl1pPr>
+            <a:lvl2pPr marL="457200" indent="0">
+              <a:buNone/>
+              <a:defRPr sz="1200"/>
+            </a:lvl2pPr>
+            <a:lvl3pPr marL="914400" indent="0">
+              <a:buNone/>
+              <a:defRPr sz="1000"/>
+            </a:lvl3pPr>
+            <a:lvl4pPr marL="1371600" indent="0">
+              <a:buNone/>
+              <a:defRPr sz="900"/>
+            </a:lvl4pPr>
+            <a:lvl5pPr marL="1828800" indent="0">
+              <a:buNone/>
+              <a:defRPr sz="900"/>
+            </a:lvl5pPr>
+            <a:lvl6pPr marL="2286000" indent="0">
+              <a:buNone/>
+              <a:defRPr sz="900"/>
+            </a:lvl6pPr>
+            <a:lvl7pPr marL="2743200" indent="0">
+              <a:buNone/>
+              <a:defRPr sz="900"/>
+            </a:lvl7pPr>
+            <a:lvl8pPr marL="3200400" indent="0">
+              <a:buNone/>
+              <a:defRPr sz="900"/>
+            </a:lvl8pPr>
+            <a:lvl9pPr marL="3657600" indent="0">
+              <a:buNone/>
+              <a:defRPr sz="900"/>
+            </a:lvl9pPr>
+          </a:lstStyle>
+          <a:p>
+            <a:pPr lvl="0"/>
+            <a:r>
+              <a:rPr lang="en-US"/>
+              <a:t>Click to edit Master text styles</a:t>
+            </a:r>
+          </a:p>
+        </p:txBody>
+      </p:sp>
+      <p:sp>
+        <p:nvSpPr>
+          <p:cNvPr id="4" name="Date Placeholder 3"/>
+          <p:cNvSpPr>
+            <a:spLocks noGrp="1"/>
+          </p:cNvSpPr>
+          <p:nvPr>
+            <p:ph type="dt" sz="half" idx="10"/>
+          </p:nvPr>
+        </p:nvSpPr>
+        <p:spPr/>
+        <p:txBody>
+          <a:bodyPr/>
+          <a:lstStyle/>
+          <a:p>
+            <a:fld id="{196A9782-DDD8-4320-9083-74C1B0D6F4EC}" type="datetimeFigureOut">
+              <a:rPr lang="en-IN" smtClean="0"/>
+              <a:t>2020/07/14</a:t>
+            </a:fld>
+            <a:endParaRPr lang="en-IN"/>
+          </a:p>
+        </p:txBody>
+      </p:sp>
+      <p:sp>
+        <p:nvSpPr>
+          <p:cNvPr id="5" name="Footer Placeholder 4"/>
+          <p:cNvSpPr>
+            <a:spLocks noGrp="1"/>
+          </p:cNvSpPr>
+          <p:nvPr>
+            <p:ph type="ftr" sz="quarter" idx="11"/>
+          </p:nvPr>
+        </p:nvSpPr>
+        <p:spPr/>
+        <p:txBody>
+          <a:bodyPr/>
+          <a:lstStyle/>
+          <a:p>
+            <a:endParaRPr lang="en-IN"/>
+          </a:p>
+        </p:txBody>
+      </p:sp>
+      <p:sp>
+        <p:nvSpPr>
+          <p:cNvPr id="6" name="Slide Number Placeholder 5"/>
+          <p:cNvSpPr>
+            <a:spLocks noGrp="1"/>
+          </p:cNvSpPr>
+          <p:nvPr>
+            <p:ph type="sldNum" sz="quarter" idx="12"/>
+          </p:nvPr>
+        </p:nvSpPr>
+        <p:spPr/>
+        <p:txBody>
+          <a:bodyPr/>
+          <a:lstStyle/>
+          <a:p>
+            <a:fld id="{B0934C4B-494C-4345-98AD-060CF3C50BA2}" type="slidenum">
+              <a:rPr lang="en-IN" smtClean="0"/>
+              <a:t>‹#›</a:t>
+            </a:fld>
+            <a:endParaRPr lang="en-IN"/>
+          </a:p>
+        </p:txBody>
+      </p:sp>
+    </p:spTree>
+    <p:extLst>
+      <p:ext uri="{BB962C8B-B14F-4D97-AF65-F5344CB8AC3E}">
+        <p14:creationId xmlns:p14="http://schemas.microsoft.com/office/powerpoint/2010/main" val="1563571864"/>
+      </p:ext>
+    </p:extLst>
+  </p:cSld>
+  <p:clrMapOvr>
+    <a:masterClrMapping/>
+  </p:clrMapOvr>
+</p:sldLayout>
+</file>
+
+<file path=ppt/slideLayouts/slideLayout12.xml><?xml version="1.0" encoding="utf-8"?>
+<p:sldLayout xmlns:a="http://schemas.openxmlformats.org/drawingml/2006/main" xmlns:r="http://schemas.openxmlformats.org/officeDocument/2006/relationships" xmlns:p="http://schemas.openxmlformats.org/presentationml/2006/main" preserve="1">
+  <p:cSld name="Quote with Caption">
+    <p:spTree>
+      <p:nvGrpSpPr>
+        <p:cNvPr id="1" name=""/>
+        <p:cNvGrpSpPr/>
+        <p:nvPr/>
+      </p:nvGrpSpPr>
+      <p:grpSpPr>
+        <a:xfrm>
+          <a:off x="0" y="0"/>
+          <a:ext cx="0" cy="0"/>
+          <a:chOff x="0" y="0"/>
+          <a:chExt cx="0" cy="0"/>
+        </a:xfrm>
+      </p:grpSpPr>
+      <p:sp>
+        <p:nvSpPr>
+          <p:cNvPr id="2" name="Title 1"/>
+          <p:cNvSpPr>
+            <a:spLocks noGrp="1"/>
+          </p:cNvSpPr>
+          <p:nvPr>
+            <p:ph type="title"/>
+          </p:nvPr>
+        </p:nvSpPr>
+        <p:spPr>
+          <a:xfrm>
+            <a:off x="1574801" y="1447800"/>
+            <a:ext cx="7999315" cy="2323374"/>
+          </a:xfrm>
+        </p:spPr>
+        <p:txBody>
+          <a:bodyPr/>
+          <a:lstStyle>
+            <a:lvl1pPr>
+              <a:defRPr sz="4800"/>
+            </a:lvl1pPr>
+          </a:lstStyle>
+          <a:p>
+            <a:r>
+              <a:rPr lang="en-US"/>
+              <a:t>Click to edit Master title style</a:t>
+            </a:r>
+            <a:endParaRPr lang="en-US" dirty="0"/>
+          </a:p>
+        </p:txBody>
+      </p:sp>
+      <p:sp>
+        <p:nvSpPr>
+          <p:cNvPr id="11" name="Text Placeholder 3"/>
+          <p:cNvSpPr>
+            <a:spLocks noGrp="1"/>
+          </p:cNvSpPr>
+          <p:nvPr>
+            <p:ph type="body" sz="half" idx="14"/>
+          </p:nvPr>
+        </p:nvSpPr>
+        <p:spPr>
+          <a:xfrm>
+            <a:off x="1930400" y="3771174"/>
+            <a:ext cx="7279649" cy="342174"/>
+          </a:xfrm>
+        </p:spPr>
+        <p:txBody>
+          <a:bodyPr vert="horz" lIns="91440" tIns="45720" rIns="91440" bIns="45720" rtlCol="0" anchor="t">
+            <a:normAutofit/>
+          </a:bodyPr>
+          <a:lstStyle>
+            <a:lvl1pPr marL="0" indent="0">
+              <a:buNone/>
+              <a:defRPr lang="en-US" sz="1400" b="0" i="0" kern="1200" cap="small" dirty="0">
+                <a:solidFill>
+                  <a:schemeClr val="bg2">
+                    <a:lumMod val="40000"/>
+                    <a:lumOff val="60000"/>
+                  </a:schemeClr>
+                </a:solidFill>
+                <a:latin typeface="+mj-lt"/>
+                <a:ea typeface="+mj-ea"/>
+                <a:cs typeface="+mj-cs"/>
+              </a:defRPr>
+            </a:lvl1pPr>
+            <a:lvl2pPr marL="457200" indent="0">
+              <a:buNone/>
+              <a:defRPr sz="1200"/>
+            </a:lvl2pPr>
+            <a:lvl3pPr marL="914400" indent="0">
+              <a:buNone/>
+              <a:defRPr sz="1000"/>
+            </a:lvl3pPr>
+            <a:lvl4pPr marL="1371600" indent="0">
+              <a:buNone/>
+              <a:defRPr sz="900"/>
+            </a:lvl4pPr>
+            <a:lvl5pPr marL="1828800" indent="0">
+              <a:buNone/>
+              <a:defRPr sz="900"/>
+            </a:lvl5pPr>
+            <a:lvl6pPr marL="2286000" indent="0">
+              <a:buNone/>
+              <a:defRPr sz="900"/>
+            </a:lvl6pPr>
+            <a:lvl7pPr marL="2743200" indent="0">
+              <a:buNone/>
+              <a:defRPr sz="900"/>
+            </a:lvl7pPr>
+            <a:lvl8pPr marL="3200400" indent="0">
+              <a:buNone/>
+              <a:defRPr sz="900"/>
+            </a:lvl8pPr>
+            <a:lvl9pPr marL="3657600" indent="0">
+              <a:buNone/>
+              <a:defRPr sz="900"/>
+            </a:lvl9pPr>
+          </a:lstStyle>
+          <a:p>
+            <a:pPr marL="0" lvl="0" indent="0">
+              <a:buNone/>
+            </a:pPr>
+            <a:r>
+              <a:rPr lang="en-US"/>
+              <a:t>Click to edit Master text styles</a:t>
+            </a:r>
+          </a:p>
+        </p:txBody>
+      </p:sp>
+      <p:sp>
+        <p:nvSpPr>
+          <p:cNvPr id="10" name="Text Placeholder 3"/>
+          <p:cNvSpPr>
+            <a:spLocks noGrp="1"/>
+          </p:cNvSpPr>
+          <p:nvPr>
+            <p:ph type="body" sz="half" idx="2"/>
+          </p:nvPr>
+        </p:nvSpPr>
+        <p:spPr>
+          <a:xfrm>
+            <a:off x="1154954" y="4350657"/>
+            <a:ext cx="8825659" cy="1676400"/>
+          </a:xfrm>
+        </p:spPr>
+        <p:txBody>
+          <a:bodyPr anchor="ctr">
+            <a:normAutofit/>
+          </a:bodyPr>
+          <a:lstStyle>
+            <a:lvl1pPr marL="0" indent="0">
+              <a:buNone/>
+              <a:defRPr sz="1800"/>
+            </a:lvl1pPr>
+            <a:lvl2pPr marL="457200" indent="0">
+              <a:buNone/>
+              <a:defRPr sz="1200"/>
+            </a:lvl2pPr>
+            <a:lvl3pPr marL="914400" indent="0">
+              <a:buNone/>
+              <a:defRPr sz="1000"/>
+            </a:lvl3pPr>
+            <a:lvl4pPr marL="1371600" indent="0">
+              <a:buNone/>
+              <a:defRPr sz="900"/>
+            </a:lvl4pPr>
+            <a:lvl5pPr marL="1828800" indent="0">
+              <a:buNone/>
+              <a:defRPr sz="900"/>
+            </a:lvl5pPr>
+            <a:lvl6pPr marL="2286000" indent="0">
+              <a:buNone/>
+              <a:defRPr sz="900"/>
+            </a:lvl6pPr>
+            <a:lvl7pPr marL="2743200" indent="0">
+              <a:buNone/>
+              <a:defRPr sz="900"/>
+            </a:lvl7pPr>
+            <a:lvl8pPr marL="3200400" indent="0">
+              <a:buNone/>
+              <a:defRPr sz="900"/>
+            </a:lvl8pPr>
+            <a:lvl9pPr marL="3657600" indent="0">
+              <a:buNone/>
+              <a:defRPr sz="900"/>
+            </a:lvl9pPr>
+          </a:lstStyle>
+          <a:p>
+            <a:pPr lvl="0"/>
+            <a:r>
+              <a:rPr lang="en-US"/>
+              <a:t>Click to edit Master text styles</a:t>
+            </a:r>
+          </a:p>
+        </p:txBody>
+      </p:sp>
+      <p:sp>
+        <p:nvSpPr>
+          <p:cNvPr id="4" name="Date Placeholder 3"/>
+          <p:cNvSpPr>
+            <a:spLocks noGrp="1"/>
+          </p:cNvSpPr>
+          <p:nvPr>
+            <p:ph type="dt" sz="half" idx="10"/>
+          </p:nvPr>
+        </p:nvSpPr>
+        <p:spPr/>
+        <p:txBody>
+          <a:bodyPr/>
+          <a:lstStyle/>
+          <a:p>
+            <a:fld id="{196A9782-DDD8-4320-9083-74C1B0D6F4EC}" type="datetimeFigureOut">
+              <a:rPr lang="en-IN" smtClean="0"/>
+              <a:t>2020/07/14</a:t>
+            </a:fld>
+            <a:endParaRPr lang="en-IN"/>
+          </a:p>
+        </p:txBody>
+      </p:sp>
+      <p:sp>
+        <p:nvSpPr>
+          <p:cNvPr id="5" name="Footer Placeholder 4"/>
+          <p:cNvSpPr>
+            <a:spLocks noGrp="1"/>
+          </p:cNvSpPr>
+          <p:nvPr>
+            <p:ph type="ftr" sz="quarter" idx="11"/>
+          </p:nvPr>
+        </p:nvSpPr>
+        <p:spPr/>
+        <p:txBody>
+          <a:bodyPr/>
+          <a:lstStyle/>
+          <a:p>
+            <a:endParaRPr lang="en-IN"/>
+          </a:p>
+        </p:txBody>
+      </p:sp>
+      <p:sp>
+        <p:nvSpPr>
+          <p:cNvPr id="6" name="Slide Number Placeholder 5"/>
+          <p:cNvSpPr>
+            <a:spLocks noGrp="1"/>
+          </p:cNvSpPr>
+          <p:nvPr>
+            <p:ph type="sldNum" sz="quarter" idx="12"/>
+          </p:nvPr>
+        </p:nvSpPr>
+        <p:spPr/>
+        <p:txBody>
+          <a:bodyPr/>
+          <a:lstStyle/>
+          <a:p>
+            <a:fld id="{B0934C4B-494C-4345-98AD-060CF3C50BA2}" type="slidenum">
+              <a:rPr lang="en-IN" smtClean="0"/>
+              <a:t>‹#›</a:t>
+            </a:fld>
+            <a:endParaRPr lang="en-IN"/>
+          </a:p>
+        </p:txBody>
+      </p:sp>
+      <p:sp>
+        <p:nvSpPr>
+          <p:cNvPr id="12" name="TextBox 11"/>
+          <p:cNvSpPr txBox="1"/>
+          <p:nvPr/>
+        </p:nvSpPr>
+        <p:spPr>
+          <a:xfrm>
+            <a:off x="898295" y="971253"/>
+            <a:ext cx="801912" cy="1969770"/>
+          </a:xfrm>
+          <a:prstGeom prst="rect">
+            <a:avLst/>
+          </a:prstGeom>
+          <a:noFill/>
+        </p:spPr>
+        <p:txBody>
+          <a:bodyPr wrap="square" rtlCol="0">
+            <a:spAutoFit/>
+          </a:bodyPr>
+          <a:lstStyle>
+            <a:defPPr>
+              <a:defRPr lang="en-US"/>
+            </a:defPPr>
+            <a:lvl1pPr algn="r">
+              <a:defRPr sz="12200" b="0" i="0">
+                <a:solidFill>
+                  <a:schemeClr val="bg2">
+                    <a:lumMod val="40000"/>
+                    <a:lumOff val="60000"/>
+                  </a:schemeClr>
+                </a:solidFill>
+                <a:latin typeface="Arial"/>
+                <a:ea typeface="+mj-ea"/>
+                <a:cs typeface="+mj-cs"/>
+              </a:defRPr>
+            </a:lvl1pPr>
+          </a:lstStyle>
+          <a:p>
+            <a:pPr lvl="0"/>
+            <a:r>
+              <a:rPr lang="en-US" dirty="0"/>
+              <a:t>“</a:t>
+            </a:r>
+          </a:p>
+        </p:txBody>
+      </p:sp>
+      <p:sp>
+        <p:nvSpPr>
+          <p:cNvPr id="15" name="TextBox 14"/>
+          <p:cNvSpPr txBox="1"/>
+          <p:nvPr/>
+        </p:nvSpPr>
+        <p:spPr>
+          <a:xfrm>
+            <a:off x="9330490" y="2613787"/>
+            <a:ext cx="801912" cy="1969770"/>
+          </a:xfrm>
+          <a:prstGeom prst="rect">
+            <a:avLst/>
+          </a:prstGeom>
+          <a:noFill/>
+        </p:spPr>
+        <p:txBody>
+          <a:bodyPr wrap="square" rtlCol="0">
+            <a:spAutoFit/>
+          </a:bodyPr>
+          <a:lstStyle>
+            <a:defPPr>
+              <a:defRPr lang="en-US"/>
+            </a:defPPr>
+            <a:lvl1pPr algn="r">
+              <a:defRPr sz="12200" b="0" i="0">
+                <a:solidFill>
+                  <a:schemeClr val="bg2">
+                    <a:lumMod val="40000"/>
+                    <a:lumOff val="60000"/>
+                  </a:schemeClr>
+                </a:solidFill>
+                <a:latin typeface="Arial"/>
+                <a:ea typeface="+mj-ea"/>
+                <a:cs typeface="+mj-cs"/>
+              </a:defRPr>
+            </a:lvl1pPr>
+          </a:lstStyle>
+          <a:p>
+            <a:pPr lvl="0"/>
+            <a:r>
+              <a:rPr lang="en-US" dirty="0"/>
+              <a:t>”</a:t>
+            </a:r>
+          </a:p>
+        </p:txBody>
+      </p:sp>
+    </p:spTree>
+    <p:extLst>
+      <p:ext uri="{BB962C8B-B14F-4D97-AF65-F5344CB8AC3E}">
+        <p14:creationId xmlns:p14="http://schemas.microsoft.com/office/powerpoint/2010/main" val="1219848013"/>
+      </p:ext>
+    </p:extLst>
+  </p:cSld>
+  <p:clrMapOvr>
+    <a:masterClrMapping/>
+  </p:clrMapOvr>
+</p:sldLayout>
+</file>
+
+<file path=ppt/slideLayouts/slideLayout13.xml><?xml version="1.0" encoding="utf-8"?>
+<p:sldLayout xmlns:a="http://schemas.openxmlformats.org/drawingml/2006/main" xmlns:r="http://schemas.openxmlformats.org/officeDocument/2006/relationships" xmlns:p="http://schemas.openxmlformats.org/presentationml/2006/main" preserve="1">
+  <p:cSld name="Name Card">
+    <p:spTree>
+      <p:nvGrpSpPr>
+        <p:cNvPr id="1" name=""/>
+        <p:cNvGrpSpPr/>
+        <p:nvPr/>
+      </p:nvGrpSpPr>
+      <p:grpSpPr>
+        <a:xfrm>
+          <a:off x="0" y="0"/>
+          <a:ext cx="0" cy="0"/>
+          <a:chOff x="0" y="0"/>
+          <a:chExt cx="0" cy="0"/>
+        </a:xfrm>
+      </p:grpSpPr>
+      <p:sp>
+        <p:nvSpPr>
+          <p:cNvPr id="2" name="Title 1"/>
+          <p:cNvSpPr>
+            <a:spLocks noGrp="1"/>
+          </p:cNvSpPr>
+          <p:nvPr>
+            <p:ph type="title"/>
+          </p:nvPr>
+        </p:nvSpPr>
+        <p:spPr>
+          <a:xfrm>
+            <a:off x="1154954" y="3124201"/>
+            <a:ext cx="8825660" cy="1653180"/>
+          </a:xfrm>
+        </p:spPr>
+        <p:txBody>
+          <a:bodyPr anchor="b"/>
+          <a:lstStyle>
+            <a:lvl1pPr algn="l">
+              <a:defRPr sz="4000" b="0" cap="none"/>
+            </a:lvl1pPr>
+          </a:lstStyle>
+          <a:p>
+            <a:r>
+              <a:rPr lang="en-US"/>
+              <a:t>Click to edit Master title style</a:t>
+            </a:r>
+            <a:endParaRPr lang="en-US" dirty="0"/>
+          </a:p>
+        </p:txBody>
+      </p:sp>
+      <p:sp>
+        <p:nvSpPr>
+          <p:cNvPr id="3" name="Text Placeholder 2"/>
+          <p:cNvSpPr>
+            <a:spLocks noGrp="1"/>
+          </p:cNvSpPr>
+          <p:nvPr>
+            <p:ph type="body" idx="1"/>
+          </p:nvPr>
+        </p:nvSpPr>
+        <p:spPr>
+          <a:xfrm>
+            <a:off x="1154954" y="4777381"/>
+            <a:ext cx="8825659" cy="860400"/>
+          </a:xfrm>
+        </p:spPr>
+        <p:txBody>
+          <a:bodyPr anchor="t"/>
+          <a:lstStyle>
+            <a:lvl1pPr marL="0" indent="0" algn="l">
+              <a:buNone/>
+              <a:defRPr sz="2000" cap="none">
+                <a:solidFill>
+                  <a:schemeClr val="bg2">
+                    <a:lumMod val="40000"/>
+                    <a:lumOff val="60000"/>
+                  </a:schemeClr>
+                </a:solidFill>
+              </a:defRPr>
+            </a:lvl1pPr>
+            <a:lvl2pPr marL="457200" indent="0">
+              <a:buNone/>
+              <a:defRPr sz="1800">
+                <a:solidFill>
+                  <a:schemeClr val="tx1">
+                    <a:tint val="75000"/>
+                  </a:schemeClr>
+                </a:solidFill>
+              </a:defRPr>
+            </a:lvl2pPr>
+            <a:lvl3pPr marL="914400" indent="0">
+              <a:buNone/>
+              <a:defRPr sz="1600">
+                <a:solidFill>
+                  <a:schemeClr val="tx1">
+                    <a:tint val="75000"/>
+                  </a:schemeClr>
+                </a:solidFill>
+              </a:defRPr>
+            </a:lvl3pPr>
+            <a:lvl4pPr marL="1371600" indent="0">
+              <a:buNone/>
+              <a:defRPr sz="1400">
+                <a:solidFill>
+                  <a:schemeClr val="tx1">
+                    <a:tint val="75000"/>
+                  </a:schemeClr>
+                </a:solidFill>
+              </a:defRPr>
+            </a:lvl4pPr>
+            <a:lvl5pPr marL="1828800" indent="0">
+              <a:buNone/>
+              <a:defRPr sz="1400">
+                <a:solidFill>
+                  <a:schemeClr val="tx1">
+                    <a:tint val="75000"/>
+                  </a:schemeClr>
+                </a:solidFill>
+              </a:defRPr>
+            </a:lvl5pPr>
+            <a:lvl6pPr marL="2286000" indent="0">
+              <a:buNone/>
+              <a:defRPr sz="1400">
+                <a:solidFill>
+                  <a:schemeClr val="tx1">
+                    <a:tint val="75000"/>
+                  </a:schemeClr>
+                </a:solidFill>
+              </a:defRPr>
+            </a:lvl6pPr>
+            <a:lvl7pPr marL="2743200" indent="0">
+              <a:buNone/>
+              <a:defRPr sz="1400">
+                <a:solidFill>
+                  <a:schemeClr val="tx1">
+                    <a:tint val="75000"/>
+                  </a:schemeClr>
+                </a:solidFill>
+              </a:defRPr>
+            </a:lvl7pPr>
+            <a:lvl8pPr marL="3200400" indent="0">
+              <a:buNone/>
+              <a:defRPr sz="1400">
+                <a:solidFill>
+                  <a:schemeClr val="tx1">
+                    <a:tint val="75000"/>
+                  </a:schemeClr>
+                </a:solidFill>
+              </a:defRPr>
+            </a:lvl8pPr>
+            <a:lvl9pPr marL="3657600" indent="0">
+              <a:buNone/>
+              <a:defRPr sz="1400">
+                <a:solidFill>
+                  <a:schemeClr val="tx1">
+                    <a:tint val="75000"/>
+                  </a:schemeClr>
+                </a:solidFill>
+              </a:defRPr>
+            </a:lvl9pPr>
+          </a:lstStyle>
+          <a:p>
+            <a:pPr lvl="0"/>
+            <a:r>
+              <a:rPr lang="en-US"/>
+              <a:t>Click to edit Master text styles</a:t>
+            </a:r>
+          </a:p>
+        </p:txBody>
+      </p:sp>
+      <p:sp>
+        <p:nvSpPr>
+          <p:cNvPr id="4" name="Date Placeholder 3"/>
+          <p:cNvSpPr>
+            <a:spLocks noGrp="1"/>
+          </p:cNvSpPr>
+          <p:nvPr>
+            <p:ph type="dt" sz="half" idx="10"/>
+          </p:nvPr>
+        </p:nvSpPr>
+        <p:spPr/>
+        <p:txBody>
+          <a:bodyPr/>
+          <a:lstStyle/>
+          <a:p>
+            <a:fld id="{196A9782-DDD8-4320-9083-74C1B0D6F4EC}" type="datetimeFigureOut">
+              <a:rPr lang="en-IN" smtClean="0"/>
+              <a:t>2020/07/14</a:t>
+            </a:fld>
+            <a:endParaRPr lang="en-IN"/>
+          </a:p>
+        </p:txBody>
+      </p:sp>
+      <p:sp>
+        <p:nvSpPr>
+          <p:cNvPr id="5" name="Footer Placeholder 4"/>
+          <p:cNvSpPr>
+            <a:spLocks noGrp="1"/>
+          </p:cNvSpPr>
+          <p:nvPr>
+            <p:ph type="ftr" sz="quarter" idx="11"/>
+          </p:nvPr>
+        </p:nvSpPr>
+        <p:spPr/>
+        <p:txBody>
+          <a:bodyPr/>
+          <a:lstStyle/>
+          <a:p>
+            <a:endParaRPr lang="en-IN"/>
+          </a:p>
+        </p:txBody>
+      </p:sp>
+      <p:sp>
+        <p:nvSpPr>
+          <p:cNvPr id="6" name="Slide Number Placeholder 5"/>
+          <p:cNvSpPr>
+            <a:spLocks noGrp="1"/>
+          </p:cNvSpPr>
+          <p:nvPr>
+            <p:ph type="sldNum" sz="quarter" idx="12"/>
+          </p:nvPr>
+        </p:nvSpPr>
+        <p:spPr/>
+        <p:txBody>
+          <a:bodyPr/>
+          <a:lstStyle/>
+          <a:p>
+            <a:fld id="{B0934C4B-494C-4345-98AD-060CF3C50BA2}" type="slidenum">
+              <a:rPr lang="en-IN" smtClean="0"/>
+              <a:t>‹#›</a:t>
+            </a:fld>
+            <a:endParaRPr lang="en-IN"/>
+          </a:p>
+        </p:txBody>
+      </p:sp>
+    </p:spTree>
+    <p:extLst>
+      <p:ext uri="{BB962C8B-B14F-4D97-AF65-F5344CB8AC3E}">
+        <p14:creationId xmlns:p14="http://schemas.microsoft.com/office/powerpoint/2010/main" val="2504919062"/>
+      </p:ext>
+    </p:extLst>
+  </p:cSld>
+  <p:clrMapOvr>
+    <a:masterClrMapping/>
+  </p:clrMapOvr>
+</p:sldLayout>
+</file>
+
+<file path=ppt/slideLayouts/slideLayout14.xml><?xml version="1.0" encoding="utf-8"?>
+<p:sldLayout xmlns:a="http://schemas.openxmlformats.org/drawingml/2006/main" xmlns:r="http://schemas.openxmlformats.org/officeDocument/2006/relationships" xmlns:p="http://schemas.openxmlformats.org/presentationml/2006/main" preserve="1">
+  <p:cSld name="3 Column">
+    <p:spTree>
+      <p:nvGrpSpPr>
+        <p:cNvPr id="1" name=""/>
+        <p:cNvGrpSpPr/>
+        <p:nvPr/>
+      </p:nvGrpSpPr>
+      <p:grpSpPr>
+        <a:xfrm>
+          <a:off x="0" y="0"/>
+          <a:ext cx="0" cy="0"/>
+          <a:chOff x="0" y="0"/>
+          <a:chExt cx="0" cy="0"/>
+        </a:xfrm>
+      </p:grpSpPr>
+      <p:sp>
+        <p:nvSpPr>
+          <p:cNvPr id="2" name="Title 1"/>
+          <p:cNvSpPr>
+            <a:spLocks noGrp="1"/>
+          </p:cNvSpPr>
+          <p:nvPr>
+            <p:ph type="title"/>
+          </p:nvPr>
+        </p:nvSpPr>
+        <p:spPr/>
+        <p:txBody>
+          <a:bodyPr/>
+          <a:lstStyle>
+            <a:lvl1pPr>
+              <a:defRPr sz="4200"/>
+            </a:lvl1pPr>
+          </a:lstStyle>
+          <a:p>
+            <a:r>
+              <a:rPr lang="en-US"/>
+              <a:t>Click to edit Master title style</a:t>
+            </a:r>
+            <a:endParaRPr lang="en-US" dirty="0"/>
+          </a:p>
+        </p:txBody>
+      </p:sp>
+      <p:sp>
+        <p:nvSpPr>
+          <p:cNvPr id="3" name="Text Placeholder 2"/>
+          <p:cNvSpPr>
+            <a:spLocks noGrp="1"/>
+          </p:cNvSpPr>
+          <p:nvPr>
+            <p:ph type="body" idx="1"/>
+          </p:nvPr>
+        </p:nvSpPr>
+        <p:spPr>
+          <a:xfrm>
+            <a:off x="632947" y="1981200"/>
+            <a:ext cx="2946866" cy="576262"/>
+          </a:xfrm>
+        </p:spPr>
+        <p:txBody>
+          <a:bodyPr anchor="b">
+            <a:noAutofit/>
+          </a:bodyPr>
+          <a:lstStyle>
+            <a:lvl1pPr marL="0" indent="0">
+              <a:buNone/>
+              <a:defRPr sz="2400" b="0">
+                <a:solidFill>
+                  <a:schemeClr val="bg2">
+                    <a:lumMod val="40000"/>
+                    <a:lumOff val="60000"/>
+                  </a:schemeClr>
+                </a:solidFill>
+              </a:defRPr>
+            </a:lvl1pPr>
+            <a:lvl2pPr marL="457200" indent="0">
+              <a:buNone/>
+              <a:defRPr sz="2000" b="1"/>
+            </a:lvl2pPr>
+            <a:lvl3pPr marL="914400" indent="0">
+              <a:buNone/>
+              <a:defRPr sz="1800" b="1"/>
+            </a:lvl3pPr>
+            <a:lvl4pPr marL="1371600" indent="0">
+              <a:buNone/>
+              <a:defRPr sz="1600" b="1"/>
+            </a:lvl4pPr>
+            <a:lvl5pPr marL="1828800" indent="0">
+              <a:buNone/>
+              <a:defRPr sz="1600" b="1"/>
+            </a:lvl5pPr>
+            <a:lvl6pPr marL="2286000" indent="0">
+              <a:buNone/>
+              <a:defRPr sz="1600" b="1"/>
+            </a:lvl6pPr>
+            <a:lvl7pPr marL="2743200" indent="0">
+              <a:buNone/>
+              <a:defRPr sz="1600" b="1"/>
+            </a:lvl7pPr>
+            <a:lvl8pPr marL="3200400" indent="0">
+              <a:buNone/>
+              <a:defRPr sz="1600" b="1"/>
+            </a:lvl8pPr>
+            <a:lvl9pPr marL="3657600" indent="0">
+              <a:buNone/>
+              <a:defRPr sz="1600" b="1"/>
+            </a:lvl9pPr>
+          </a:lstStyle>
+          <a:p>
+            <a:pPr lvl="0"/>
+            <a:r>
+              <a:rPr lang="en-US"/>
+              <a:t>Click to edit Master text styles</a:t>
+            </a:r>
+          </a:p>
+        </p:txBody>
+      </p:sp>
+      <p:sp>
+        <p:nvSpPr>
+          <p:cNvPr id="16" name="Text Placeholder 3"/>
+          <p:cNvSpPr>
+            <a:spLocks noGrp="1"/>
+          </p:cNvSpPr>
+          <p:nvPr>
+            <p:ph type="body" sz="half" idx="15"/>
+          </p:nvPr>
+        </p:nvSpPr>
+        <p:spPr>
+          <a:xfrm>
+            <a:off x="652463" y="2667000"/>
+            <a:ext cx="2927350" cy="3589338"/>
+          </a:xfrm>
+        </p:spPr>
+        <p:txBody>
+          <a:bodyPr anchor="t">
+            <a:normAutofit/>
+          </a:bodyPr>
+          <a:lstStyle>
+            <a:lvl1pPr marL="0" indent="0">
+              <a:buNone/>
+              <a:defRPr sz="1400"/>
+            </a:lvl1pPr>
+            <a:lvl2pPr marL="457200" indent="0">
+              <a:buNone/>
+              <a:defRPr sz="1200"/>
+            </a:lvl2pPr>
+            <a:lvl3pPr marL="914400" indent="0">
+              <a:buNone/>
+              <a:defRPr sz="1000"/>
+            </a:lvl3pPr>
+            <a:lvl4pPr marL="1371600" indent="0">
+              <a:buNone/>
+              <a:defRPr sz="900"/>
+            </a:lvl4pPr>
+            <a:lvl5pPr marL="1828800" indent="0">
+              <a:buNone/>
+              <a:defRPr sz="900"/>
+            </a:lvl5pPr>
+            <a:lvl6pPr marL="2286000" indent="0">
+              <a:buNone/>
+              <a:defRPr sz="900"/>
+            </a:lvl6pPr>
+            <a:lvl7pPr marL="2743200" indent="0">
+              <a:buNone/>
+              <a:defRPr sz="900"/>
+            </a:lvl7pPr>
+            <a:lvl8pPr marL="3200400" indent="0">
+              <a:buNone/>
+              <a:defRPr sz="900"/>
+            </a:lvl8pPr>
+            <a:lvl9pPr marL="3657600" indent="0">
+              <a:buNone/>
+              <a:defRPr sz="900"/>
+            </a:lvl9pPr>
+          </a:lstStyle>
+          <a:p>
+            <a:pPr lvl="0"/>
+            <a:r>
+              <a:rPr lang="en-US"/>
+              <a:t>Click to edit Master text styles</a:t>
+            </a:r>
+          </a:p>
+        </p:txBody>
+      </p:sp>
+      <p:sp>
+        <p:nvSpPr>
+          <p:cNvPr id="5" name="Text Placeholder 4"/>
+          <p:cNvSpPr>
+            <a:spLocks noGrp="1"/>
+          </p:cNvSpPr>
+          <p:nvPr>
+            <p:ph type="body" sz="quarter" idx="3"/>
+          </p:nvPr>
+        </p:nvSpPr>
+        <p:spPr>
+          <a:xfrm>
+            <a:off x="3883659" y="1981200"/>
+            <a:ext cx="2936241" cy="576262"/>
+          </a:xfrm>
+        </p:spPr>
+        <p:txBody>
+          <a:bodyPr anchor="b">
+            <a:noAutofit/>
+          </a:bodyPr>
+          <a:lstStyle>
+            <a:lvl1pPr marL="0" indent="0">
+              <a:buNone/>
+              <a:defRPr sz="2400" b="0">
+                <a:solidFill>
+                  <a:schemeClr val="bg2">
+                    <a:lumMod val="40000"/>
+                    <a:lumOff val="60000"/>
+                  </a:schemeClr>
+                </a:solidFill>
+              </a:defRPr>
+            </a:lvl1pPr>
+            <a:lvl2pPr marL="457200" indent="0">
+              <a:buNone/>
+              <a:defRPr sz="2000" b="1"/>
+            </a:lvl2pPr>
+            <a:lvl3pPr marL="914400" indent="0">
+              <a:buNone/>
+              <a:defRPr sz="1800" b="1"/>
+            </a:lvl3pPr>
+            <a:lvl4pPr marL="1371600" indent="0">
+              <a:buNone/>
+              <a:defRPr sz="1600" b="1"/>
+            </a:lvl4pPr>
+            <a:lvl5pPr marL="1828800" indent="0">
+              <a:buNone/>
+              <a:defRPr sz="1600" b="1"/>
+            </a:lvl5pPr>
+            <a:lvl6pPr marL="2286000" indent="0">
+              <a:buNone/>
+              <a:defRPr sz="1600" b="1"/>
+            </a:lvl6pPr>
+            <a:lvl7pPr marL="2743200" indent="0">
+              <a:buNone/>
+              <a:defRPr sz="1600" b="1"/>
+            </a:lvl7pPr>
+            <a:lvl8pPr marL="3200400" indent="0">
+              <a:buNone/>
+              <a:defRPr sz="1600" b="1"/>
+            </a:lvl8pPr>
+            <a:lvl9pPr marL="3657600" indent="0">
+              <a:buNone/>
+              <a:defRPr sz="1600" b="1"/>
+            </a:lvl9pPr>
+          </a:lstStyle>
+          <a:p>
+            <a:pPr lvl="0"/>
+            <a:r>
+              <a:rPr lang="en-US"/>
+              <a:t>Click to edit Master text styles</a:t>
+            </a:r>
+          </a:p>
+        </p:txBody>
+      </p:sp>
+      <p:sp>
+        <p:nvSpPr>
+          <p:cNvPr id="19" name="Text Placeholder 3"/>
+          <p:cNvSpPr>
+            <a:spLocks noGrp="1"/>
+          </p:cNvSpPr>
+          <p:nvPr>
+            <p:ph type="body" sz="half" idx="16"/>
+          </p:nvPr>
+        </p:nvSpPr>
+        <p:spPr>
+          <a:xfrm>
+            <a:off x="3873106" y="2667000"/>
+            <a:ext cx="2946794" cy="3589338"/>
+          </a:xfrm>
+        </p:spPr>
+        <p:txBody>
+          <a:bodyPr anchor="t">
+            <a:normAutofit/>
+          </a:bodyPr>
+          <a:lstStyle>
+            <a:lvl1pPr marL="0" indent="0">
+              <a:buNone/>
+              <a:defRPr sz="1400"/>
+            </a:lvl1pPr>
+            <a:lvl2pPr marL="457200" indent="0">
+              <a:buNone/>
+              <a:defRPr sz="1200"/>
+            </a:lvl2pPr>
+            <a:lvl3pPr marL="914400" indent="0">
+              <a:buNone/>
+              <a:defRPr sz="1000"/>
+            </a:lvl3pPr>
+            <a:lvl4pPr marL="1371600" indent="0">
+              <a:buNone/>
+              <a:defRPr sz="900"/>
+            </a:lvl4pPr>
+            <a:lvl5pPr marL="1828800" indent="0">
+              <a:buNone/>
+              <a:defRPr sz="900"/>
+            </a:lvl5pPr>
+            <a:lvl6pPr marL="2286000" indent="0">
+              <a:buNone/>
+              <a:defRPr sz="900"/>
+            </a:lvl6pPr>
+            <a:lvl7pPr marL="2743200" indent="0">
+              <a:buNone/>
+              <a:defRPr sz="900"/>
+            </a:lvl7pPr>
+            <a:lvl8pPr marL="3200400" indent="0">
+              <a:buNone/>
+              <a:defRPr sz="900"/>
+            </a:lvl8pPr>
+            <a:lvl9pPr marL="3657600" indent="0">
+              <a:buNone/>
+              <a:defRPr sz="900"/>
+            </a:lvl9pPr>
+          </a:lstStyle>
+          <a:p>
+            <a:pPr lvl="0"/>
+            <a:r>
+              <a:rPr lang="en-US"/>
+              <a:t>Click to edit Master text styles</a:t>
+            </a:r>
+          </a:p>
+        </p:txBody>
+      </p:sp>
+      <p:sp>
+        <p:nvSpPr>
+          <p:cNvPr id="14" name="Text Placeholder 4"/>
+          <p:cNvSpPr>
+            <a:spLocks noGrp="1"/>
+          </p:cNvSpPr>
+          <p:nvPr>
+            <p:ph type="body" sz="quarter" idx="13"/>
+          </p:nvPr>
+        </p:nvSpPr>
+        <p:spPr>
+          <a:xfrm>
+            <a:off x="7124700" y="1981200"/>
+            <a:ext cx="2932113" cy="576262"/>
+          </a:xfrm>
+        </p:spPr>
+        <p:txBody>
+          <a:bodyPr anchor="b">
+            <a:noAutofit/>
+          </a:bodyPr>
+          <a:lstStyle>
+            <a:lvl1pPr marL="0" indent="0">
+              <a:buNone/>
+              <a:defRPr sz="2400" b="0">
+                <a:solidFill>
+                  <a:schemeClr val="bg2">
+                    <a:lumMod val="40000"/>
+                    <a:lumOff val="60000"/>
+                  </a:schemeClr>
+                </a:solidFill>
+              </a:defRPr>
+            </a:lvl1pPr>
+            <a:lvl2pPr marL="457200" indent="0">
+              <a:buNone/>
+              <a:defRPr sz="2000" b="1"/>
+            </a:lvl2pPr>
+            <a:lvl3pPr marL="914400" indent="0">
+              <a:buNone/>
+              <a:defRPr sz="1800" b="1"/>
+            </a:lvl3pPr>
+            <a:lvl4pPr marL="1371600" indent="0">
+              <a:buNone/>
+              <a:defRPr sz="1600" b="1"/>
+            </a:lvl4pPr>
+            <a:lvl5pPr marL="1828800" indent="0">
+              <a:buNone/>
+              <a:defRPr sz="1600" b="1"/>
+            </a:lvl5pPr>
+            <a:lvl6pPr marL="2286000" indent="0">
+              <a:buNone/>
+              <a:defRPr sz="1600" b="1"/>
+            </a:lvl6pPr>
+            <a:lvl7pPr marL="2743200" indent="0">
+              <a:buNone/>
+              <a:defRPr sz="1600" b="1"/>
+            </a:lvl7pPr>
+            <a:lvl8pPr marL="3200400" indent="0">
+              <a:buNone/>
+              <a:defRPr sz="1600" b="1"/>
+            </a:lvl8pPr>
+            <a:lvl9pPr marL="3657600" indent="0">
+              <a:buNone/>
+              <a:defRPr sz="1600" b="1"/>
+            </a:lvl9pPr>
+          </a:lstStyle>
+          <a:p>
+            <a:pPr lvl="0"/>
+            <a:r>
+              <a:rPr lang="en-US"/>
+              <a:t>Click to edit Master text styles</a:t>
+            </a:r>
+          </a:p>
+        </p:txBody>
+      </p:sp>
+      <p:sp>
+        <p:nvSpPr>
+          <p:cNvPr id="20" name="Text Placeholder 3"/>
+          <p:cNvSpPr>
+            <a:spLocks noGrp="1"/>
+          </p:cNvSpPr>
+          <p:nvPr>
+            <p:ph type="body" sz="half" idx="17"/>
+          </p:nvPr>
+        </p:nvSpPr>
+        <p:spPr>
+          <a:xfrm>
+            <a:off x="7124700" y="2667000"/>
+            <a:ext cx="2932113" cy="3589338"/>
+          </a:xfrm>
+        </p:spPr>
+        <p:txBody>
+          <a:bodyPr anchor="t">
+            <a:normAutofit/>
+          </a:bodyPr>
+          <a:lstStyle>
+            <a:lvl1pPr marL="0" indent="0">
+              <a:buNone/>
+              <a:defRPr sz="1400"/>
+            </a:lvl1pPr>
+            <a:lvl2pPr marL="457200" indent="0">
+              <a:buNone/>
+              <a:defRPr sz="1200"/>
+            </a:lvl2pPr>
+            <a:lvl3pPr marL="914400" indent="0">
+              <a:buNone/>
+              <a:defRPr sz="1000"/>
+            </a:lvl3pPr>
+            <a:lvl4pPr marL="1371600" indent="0">
+              <a:buNone/>
+              <a:defRPr sz="900"/>
+            </a:lvl4pPr>
+            <a:lvl5pPr marL="1828800" indent="0">
+              <a:buNone/>
+              <a:defRPr sz="900"/>
+            </a:lvl5pPr>
+            <a:lvl6pPr marL="2286000" indent="0">
+              <a:buNone/>
+              <a:defRPr sz="900"/>
+            </a:lvl6pPr>
+            <a:lvl7pPr marL="2743200" indent="0">
+              <a:buNone/>
+              <a:defRPr sz="900"/>
+            </a:lvl7pPr>
+            <a:lvl8pPr marL="3200400" indent="0">
+              <a:buNone/>
+              <a:defRPr sz="900"/>
+            </a:lvl8pPr>
+            <a:lvl9pPr marL="3657600" indent="0">
+              <a:buNone/>
+              <a:defRPr sz="900"/>
+            </a:lvl9pPr>
+          </a:lstStyle>
+          <a:p>
+            <a:pPr lvl="0"/>
+            <a:r>
+              <a:rPr lang="en-US"/>
+              <a:t>Click to edit Master text styles</a:t>
+            </a:r>
+          </a:p>
+        </p:txBody>
+      </p:sp>
+      <p:cxnSp>
+        <p:nvCxnSpPr>
+          <p:cNvPr id="17" name="Straight Connector 16"/>
+          <p:cNvCxnSpPr/>
+          <p:nvPr/>
+        </p:nvCxnSpPr>
+        <p:spPr>
+          <a:xfrm>
+            <a:off x="3726142" y="2133600"/>
+            <a:ext cx="0" cy="3962400"/>
+          </a:xfrm>
+          <a:prstGeom prst="line">
+            <a:avLst/>
+          </a:prstGeom>
+          <a:ln w="12700" cmpd="sng">
+            <a:solidFill>
+              <a:schemeClr val="bg2">
+                <a:lumMod val="40000"/>
+                <a:lumOff val="60000"/>
+                <a:alpha val="40000"/>
+              </a:schemeClr>
+            </a:solidFill>
+          </a:ln>
+        </p:spPr>
+        <p:style>
+          <a:lnRef idx="2">
+            <a:schemeClr val="accent1"/>
+          </a:lnRef>
+          <a:fillRef idx="0">
+            <a:schemeClr val="accent1"/>
+          </a:fillRef>
+          <a:effectRef idx="1">
+            <a:schemeClr val="accent1"/>
+          </a:effectRef>
+          <a:fontRef idx="minor">
+            <a:schemeClr val="tx1"/>
+          </a:fontRef>
+        </p:style>
+      </p:cxnSp>
+      <p:cxnSp>
+        <p:nvCxnSpPr>
+          <p:cNvPr id="18" name="Straight Connector 17"/>
+          <p:cNvCxnSpPr/>
+          <p:nvPr/>
+        </p:nvCxnSpPr>
+        <p:spPr>
+          <a:xfrm>
+            <a:off x="6962227" y="2133600"/>
+            <a:ext cx="0" cy="3966882"/>
+          </a:xfrm>
+          <a:prstGeom prst="line">
+            <a:avLst/>
+          </a:prstGeom>
+          <a:ln w="12700" cmpd="sng">
+            <a:solidFill>
+              <a:schemeClr val="bg2">
+                <a:lumMod val="40000"/>
+                <a:lumOff val="60000"/>
+                <a:alpha val="40000"/>
+              </a:schemeClr>
+            </a:solidFill>
+          </a:ln>
+        </p:spPr>
+        <p:style>
+          <a:lnRef idx="2">
+            <a:schemeClr val="accent1"/>
+          </a:lnRef>
+          <a:fillRef idx="0">
+            <a:schemeClr val="accent1"/>
+          </a:fillRef>
+          <a:effectRef idx="1">
+            <a:schemeClr val="accent1"/>
+          </a:effectRef>
+          <a:fontRef idx="minor">
+            <a:schemeClr val="tx1"/>
+          </a:fontRef>
+        </p:style>
+      </p:cxnSp>
+      <p:sp>
+        <p:nvSpPr>
+          <p:cNvPr id="7" name="Date Placeholder 3"/>
+          <p:cNvSpPr>
+            <a:spLocks noGrp="1"/>
+          </p:cNvSpPr>
+          <p:nvPr>
+            <p:ph type="dt" sz="half" idx="10"/>
+          </p:nvPr>
+        </p:nvSpPr>
+        <p:spPr/>
+        <p:txBody>
+          <a:bodyPr/>
+          <a:lstStyle/>
+          <a:p>
+            <a:fld id="{196A9782-DDD8-4320-9083-74C1B0D6F4EC}" type="datetimeFigureOut">
+              <a:rPr lang="en-IN" smtClean="0"/>
+              <a:t>2020/07/14</a:t>
+            </a:fld>
+            <a:endParaRPr lang="en-IN"/>
+          </a:p>
+        </p:txBody>
+      </p:sp>
+      <p:sp>
+        <p:nvSpPr>
+          <p:cNvPr id="4" name="Footer Placeholder 4"/>
+          <p:cNvSpPr>
+            <a:spLocks noGrp="1"/>
+          </p:cNvSpPr>
+          <p:nvPr>
+            <p:ph type="ftr" sz="quarter" idx="11"/>
+          </p:nvPr>
+        </p:nvSpPr>
+        <p:spPr/>
+        <p:txBody>
+          <a:bodyPr/>
+          <a:lstStyle/>
+          <a:p>
+            <a:endParaRPr lang="en-IN"/>
+          </a:p>
+        </p:txBody>
+      </p:sp>
+      <p:sp>
+        <p:nvSpPr>
+          <p:cNvPr id="6" name="Slide Number Placeholder 5"/>
+          <p:cNvSpPr>
+            <a:spLocks noGrp="1"/>
+          </p:cNvSpPr>
+          <p:nvPr>
+            <p:ph type="sldNum" sz="quarter" idx="12"/>
+          </p:nvPr>
+        </p:nvSpPr>
+        <p:spPr/>
+        <p:txBody>
+          <a:bodyPr/>
+          <a:lstStyle/>
+          <a:p>
+            <a:fld id="{B0934C4B-494C-4345-98AD-060CF3C50BA2}" type="slidenum">
+              <a:rPr lang="en-IN" smtClean="0"/>
+              <a:t>‹#›</a:t>
+            </a:fld>
+            <a:endParaRPr lang="en-IN"/>
+          </a:p>
+        </p:txBody>
+      </p:sp>
+    </p:spTree>
+    <p:extLst>
+      <p:ext uri="{BB962C8B-B14F-4D97-AF65-F5344CB8AC3E}">
+        <p14:creationId xmlns:p14="http://schemas.microsoft.com/office/powerpoint/2010/main" val="1701953270"/>
+      </p:ext>
+    </p:extLst>
+  </p:cSld>
+  <p:clrMapOvr>
+    <a:masterClrMapping/>
+  </p:clrMapOvr>
+</p:sldLayout>
+</file>
+
+<file path=ppt/slideLayouts/slideLayout15.xml><?xml version="1.0" encoding="utf-8"?>
+<p:sldLayout xmlns:a="http://schemas.openxmlformats.org/drawingml/2006/main" xmlns:r="http://schemas.openxmlformats.org/officeDocument/2006/relationships" xmlns:p="http://schemas.openxmlformats.org/presentationml/2006/main" preserve="1">
+  <p:cSld name="3 Picture Column">
+    <p:spTree>
+      <p:nvGrpSpPr>
+        <p:cNvPr id="1" name=""/>
+        <p:cNvGrpSpPr/>
+        <p:nvPr/>
+      </p:nvGrpSpPr>
+      <p:grpSpPr>
+        <a:xfrm>
+          <a:off x="0" y="0"/>
+          <a:ext cx="0" cy="0"/>
+          <a:chOff x="0" y="0"/>
+          <a:chExt cx="0" cy="0"/>
+        </a:xfrm>
+      </p:grpSpPr>
+      <p:sp>
+        <p:nvSpPr>
+          <p:cNvPr id="2" name="Title 1"/>
+          <p:cNvSpPr>
+            <a:spLocks noGrp="1"/>
+          </p:cNvSpPr>
+          <p:nvPr>
+            <p:ph type="title"/>
+          </p:nvPr>
+        </p:nvSpPr>
+        <p:spPr/>
+        <p:txBody>
+          <a:bodyPr/>
+          <a:lstStyle>
+            <a:lvl1pPr>
+              <a:defRPr sz="4200"/>
+            </a:lvl1pPr>
+          </a:lstStyle>
+          <a:p>
+            <a:r>
+              <a:rPr lang="en-US"/>
+              <a:t>Click to edit Master title style</a:t>
+            </a:r>
+            <a:endParaRPr lang="en-US" dirty="0"/>
+          </a:p>
+        </p:txBody>
+      </p:sp>
+      <p:sp>
+        <p:nvSpPr>
+          <p:cNvPr id="3" name="Text Placeholder 2"/>
+          <p:cNvSpPr>
+            <a:spLocks noGrp="1"/>
+          </p:cNvSpPr>
+          <p:nvPr>
+            <p:ph type="body" idx="1"/>
+          </p:nvPr>
+        </p:nvSpPr>
+        <p:spPr>
+          <a:xfrm>
+            <a:off x="652463" y="4250949"/>
+            <a:ext cx="2940050" cy="576262"/>
+          </a:xfrm>
+        </p:spPr>
+        <p:txBody>
+          <a:bodyPr anchor="b">
+            <a:noAutofit/>
+          </a:bodyPr>
+          <a:lstStyle>
+            <a:lvl1pPr marL="0" indent="0">
+              <a:buNone/>
+              <a:defRPr sz="2400" b="0">
+                <a:solidFill>
+                  <a:schemeClr val="bg2">
+                    <a:lumMod val="40000"/>
+                    <a:lumOff val="60000"/>
+                  </a:schemeClr>
+                </a:solidFill>
+              </a:defRPr>
+            </a:lvl1pPr>
+            <a:lvl2pPr marL="457200" indent="0">
+              <a:buNone/>
+              <a:defRPr sz="2000" b="1"/>
+            </a:lvl2pPr>
+            <a:lvl3pPr marL="914400" indent="0">
+              <a:buNone/>
+              <a:defRPr sz="1800" b="1"/>
+            </a:lvl3pPr>
+            <a:lvl4pPr marL="1371600" indent="0">
+              <a:buNone/>
+              <a:defRPr sz="1600" b="1"/>
+            </a:lvl4pPr>
+            <a:lvl5pPr marL="1828800" indent="0">
+              <a:buNone/>
+              <a:defRPr sz="1600" b="1"/>
+            </a:lvl5pPr>
+            <a:lvl6pPr marL="2286000" indent="0">
+              <a:buNone/>
+              <a:defRPr sz="1600" b="1"/>
+            </a:lvl6pPr>
+            <a:lvl7pPr marL="2743200" indent="0">
+              <a:buNone/>
+              <a:defRPr sz="1600" b="1"/>
+            </a:lvl7pPr>
+            <a:lvl8pPr marL="3200400" indent="0">
+              <a:buNone/>
+              <a:defRPr sz="1600" b="1"/>
+            </a:lvl8pPr>
+            <a:lvl9pPr marL="3657600" indent="0">
+              <a:buNone/>
+              <a:defRPr sz="1600" b="1"/>
+            </a:lvl9pPr>
+          </a:lstStyle>
+          <a:p>
+            <a:pPr lvl="0"/>
+            <a:r>
+              <a:rPr lang="en-US"/>
+              <a:t>Click to edit Master text styles</a:t>
+            </a:r>
+          </a:p>
+        </p:txBody>
+      </p:sp>
+      <p:sp>
+        <p:nvSpPr>
+          <p:cNvPr id="29" name="Picture Placeholder 2"/>
+          <p:cNvSpPr>
+            <a:spLocks noGrp="1" noChangeAspect="1"/>
+          </p:cNvSpPr>
+          <p:nvPr>
+            <p:ph type="pic" idx="15"/>
+          </p:nvPr>
+        </p:nvSpPr>
+        <p:spPr>
+          <a:xfrm>
+            <a:off x="652463" y="2209800"/>
+            <a:ext cx="2940050" cy="1524000"/>
+          </a:xfrm>
+          <a:prstGeom prst="roundRect">
+            <a:avLst>
+              <a:gd name="adj" fmla="val 1858"/>
+            </a:avLst>
+          </a:prstGeom>
+          <a:effectLst>
+            <a:outerShdw blurRad="50800" dist="50800" dir="5400000" algn="tl" rotWithShape="0">
+              <a:srgbClr val="000000">
+                <a:alpha val="43000"/>
+              </a:srgbClr>
+            </a:outerShdw>
+          </a:effectLst>
+        </p:spPr>
+        <p:txBody>
+          <a:bodyPr anchor="t">
+            <a:normAutofit/>
+          </a:bodyPr>
+          <a:lstStyle>
+            <a:lvl1pPr marL="0" indent="0" algn="ctr">
+              <a:buNone/>
+              <a:defRPr sz="1600"/>
+            </a:lvl1pPr>
+            <a:lvl2pPr marL="457200" indent="0">
+              <a:buNone/>
+              <a:defRPr sz="1600"/>
+            </a:lvl2pPr>
+            <a:lvl3pPr marL="914400" indent="0">
+              <a:buNone/>
+              <a:defRPr sz="1600"/>
+            </a:lvl3pPr>
+            <a:lvl4pPr marL="1371600" indent="0">
+              <a:buNone/>
+              <a:defRPr sz="1600"/>
+            </a:lvl4pPr>
+            <a:lvl5pPr marL="1828800" indent="0">
+              <a:buNone/>
+              <a:defRPr sz="1600"/>
+            </a:lvl5pPr>
+            <a:lvl6pPr marL="2286000" indent="0">
+              <a:buNone/>
+              <a:defRPr sz="1600"/>
+            </a:lvl6pPr>
+            <a:lvl7pPr marL="2743200" indent="0">
+              <a:buNone/>
+              <a:defRPr sz="1600"/>
+            </a:lvl7pPr>
+            <a:lvl8pPr marL="3200400" indent="0">
+              <a:buNone/>
+              <a:defRPr sz="1600"/>
+            </a:lvl8pPr>
+            <a:lvl9pPr marL="3657600" indent="0">
+              <a:buNone/>
+              <a:defRPr sz="1600"/>
+            </a:lvl9pPr>
+          </a:lstStyle>
+          <a:p>
+            <a:r>
+              <a:rPr lang="en-US"/>
+              <a:t>Click icon to add picture</a:t>
+            </a:r>
+            <a:endParaRPr lang="en-US" dirty="0"/>
+          </a:p>
+        </p:txBody>
+      </p:sp>
+      <p:sp>
+        <p:nvSpPr>
+          <p:cNvPr id="22" name="Text Placeholder 3"/>
+          <p:cNvSpPr>
+            <a:spLocks noGrp="1"/>
+          </p:cNvSpPr>
+          <p:nvPr>
+            <p:ph type="body" sz="half" idx="18"/>
+          </p:nvPr>
+        </p:nvSpPr>
+        <p:spPr>
+          <a:xfrm>
+            <a:off x="652463" y="4827211"/>
+            <a:ext cx="2940050" cy="659189"/>
+          </a:xfrm>
+        </p:spPr>
+        <p:txBody>
+          <a:bodyPr anchor="t">
+            <a:normAutofit/>
+          </a:bodyPr>
+          <a:lstStyle>
+            <a:lvl1pPr marL="0" indent="0">
+              <a:buNone/>
+              <a:defRPr sz="1400"/>
+            </a:lvl1pPr>
+            <a:lvl2pPr marL="457200" indent="0">
+              <a:buNone/>
+              <a:defRPr sz="1200"/>
+            </a:lvl2pPr>
+            <a:lvl3pPr marL="914400" indent="0">
+              <a:buNone/>
+              <a:defRPr sz="1000"/>
+            </a:lvl3pPr>
+            <a:lvl4pPr marL="1371600" indent="0">
+              <a:buNone/>
+              <a:defRPr sz="900"/>
+            </a:lvl4pPr>
+            <a:lvl5pPr marL="1828800" indent="0">
+              <a:buNone/>
+              <a:defRPr sz="900"/>
+            </a:lvl5pPr>
+            <a:lvl6pPr marL="2286000" indent="0">
+              <a:buNone/>
+              <a:defRPr sz="900"/>
+            </a:lvl6pPr>
+            <a:lvl7pPr marL="2743200" indent="0">
+              <a:buNone/>
+              <a:defRPr sz="900"/>
+            </a:lvl7pPr>
+            <a:lvl8pPr marL="3200400" indent="0">
+              <a:buNone/>
+              <a:defRPr sz="900"/>
+            </a:lvl8pPr>
+            <a:lvl9pPr marL="3657600" indent="0">
+              <a:buNone/>
+              <a:defRPr sz="900"/>
+            </a:lvl9pPr>
+          </a:lstStyle>
+          <a:p>
+            <a:pPr lvl="0"/>
+            <a:r>
+              <a:rPr lang="en-US"/>
+              <a:t>Click to edit Master text styles</a:t>
+            </a:r>
+          </a:p>
+        </p:txBody>
+      </p:sp>
+      <p:sp>
+        <p:nvSpPr>
+          <p:cNvPr id="5" name="Text Placeholder 4"/>
+          <p:cNvSpPr>
+            <a:spLocks noGrp="1"/>
+          </p:cNvSpPr>
+          <p:nvPr>
+            <p:ph type="body" sz="quarter" idx="3"/>
+          </p:nvPr>
+        </p:nvSpPr>
+        <p:spPr>
+          <a:xfrm>
+            <a:off x="3889375" y="4250949"/>
+            <a:ext cx="2930525" cy="576262"/>
+          </a:xfrm>
+        </p:spPr>
+        <p:txBody>
+          <a:bodyPr anchor="b">
+            <a:noAutofit/>
+          </a:bodyPr>
+          <a:lstStyle>
+            <a:lvl1pPr marL="0" indent="0">
+              <a:buNone/>
+              <a:defRPr sz="2400" b="0">
+                <a:solidFill>
+                  <a:schemeClr val="bg2">
+                    <a:lumMod val="40000"/>
+                    <a:lumOff val="60000"/>
+                  </a:schemeClr>
+                </a:solidFill>
+              </a:defRPr>
+            </a:lvl1pPr>
+            <a:lvl2pPr marL="457200" indent="0">
+              <a:buNone/>
+              <a:defRPr sz="2000" b="1"/>
+            </a:lvl2pPr>
+            <a:lvl3pPr marL="914400" indent="0">
+              <a:buNone/>
+              <a:defRPr sz="1800" b="1"/>
+            </a:lvl3pPr>
+            <a:lvl4pPr marL="1371600" indent="0">
+              <a:buNone/>
+              <a:defRPr sz="1600" b="1"/>
+            </a:lvl4pPr>
+            <a:lvl5pPr marL="1828800" indent="0">
+              <a:buNone/>
+              <a:defRPr sz="1600" b="1"/>
+            </a:lvl5pPr>
+            <a:lvl6pPr marL="2286000" indent="0">
+              <a:buNone/>
+              <a:defRPr sz="1600" b="1"/>
+            </a:lvl6pPr>
+            <a:lvl7pPr marL="2743200" indent="0">
+              <a:buNone/>
+              <a:defRPr sz="1600" b="1"/>
+            </a:lvl7pPr>
+            <a:lvl8pPr marL="3200400" indent="0">
+              <a:buNone/>
+              <a:defRPr sz="1600" b="1"/>
+            </a:lvl8pPr>
+            <a:lvl9pPr marL="3657600" indent="0">
+              <a:buNone/>
+              <a:defRPr sz="1600" b="1"/>
+            </a:lvl9pPr>
+          </a:lstStyle>
+          <a:p>
+            <a:pPr lvl="0"/>
+            <a:r>
+              <a:rPr lang="en-US"/>
+              <a:t>Click to edit Master text styles</a:t>
+            </a:r>
+          </a:p>
+        </p:txBody>
+      </p:sp>
+      <p:sp>
+        <p:nvSpPr>
+          <p:cNvPr id="30" name="Picture Placeholder 2"/>
+          <p:cNvSpPr>
+            <a:spLocks noGrp="1" noChangeAspect="1"/>
+          </p:cNvSpPr>
+          <p:nvPr>
+            <p:ph type="pic" idx="21"/>
+          </p:nvPr>
+        </p:nvSpPr>
+        <p:spPr>
+          <a:xfrm>
+            <a:off x="3889374" y="2209800"/>
+            <a:ext cx="2930525" cy="1524000"/>
+          </a:xfrm>
+          <a:prstGeom prst="roundRect">
+            <a:avLst>
+              <a:gd name="adj" fmla="val 1858"/>
+            </a:avLst>
+          </a:prstGeom>
+          <a:effectLst>
+            <a:outerShdw blurRad="50800" dist="50800" dir="5400000" algn="tl" rotWithShape="0">
+              <a:srgbClr val="000000">
+                <a:alpha val="43000"/>
+              </a:srgbClr>
+            </a:outerShdw>
+          </a:effectLst>
+        </p:spPr>
+        <p:txBody>
+          <a:bodyPr anchor="t">
+            <a:normAutofit/>
+          </a:bodyPr>
+          <a:lstStyle>
+            <a:lvl1pPr marL="0" indent="0" algn="ctr">
+              <a:buNone/>
+              <a:defRPr sz="1600"/>
+            </a:lvl1pPr>
+            <a:lvl2pPr marL="457200" indent="0">
+              <a:buNone/>
+              <a:defRPr sz="1600"/>
+            </a:lvl2pPr>
+            <a:lvl3pPr marL="914400" indent="0">
+              <a:buNone/>
+              <a:defRPr sz="1600"/>
+            </a:lvl3pPr>
+            <a:lvl4pPr marL="1371600" indent="0">
+              <a:buNone/>
+              <a:defRPr sz="1600"/>
+            </a:lvl4pPr>
+            <a:lvl5pPr marL="1828800" indent="0">
+              <a:buNone/>
+              <a:defRPr sz="1600"/>
+            </a:lvl5pPr>
+            <a:lvl6pPr marL="2286000" indent="0">
+              <a:buNone/>
+              <a:defRPr sz="1600"/>
+            </a:lvl6pPr>
+            <a:lvl7pPr marL="2743200" indent="0">
+              <a:buNone/>
+              <a:defRPr sz="1600"/>
+            </a:lvl7pPr>
+            <a:lvl8pPr marL="3200400" indent="0">
+              <a:buNone/>
+              <a:defRPr sz="1600"/>
+            </a:lvl8pPr>
+            <a:lvl9pPr marL="3657600" indent="0">
+              <a:buNone/>
+              <a:defRPr sz="1600"/>
+            </a:lvl9pPr>
+          </a:lstStyle>
+          <a:p>
+            <a:r>
+              <a:rPr lang="en-US"/>
+              <a:t>Click icon to add picture</a:t>
+            </a:r>
+            <a:endParaRPr lang="en-US" dirty="0"/>
+          </a:p>
+        </p:txBody>
+      </p:sp>
+      <p:sp>
+        <p:nvSpPr>
+          <p:cNvPr id="23" name="Text Placeholder 3"/>
+          <p:cNvSpPr>
+            <a:spLocks noGrp="1"/>
+          </p:cNvSpPr>
+          <p:nvPr>
+            <p:ph type="body" sz="half" idx="19"/>
+          </p:nvPr>
+        </p:nvSpPr>
+        <p:spPr>
+          <a:xfrm>
+            <a:off x="3888022" y="4827210"/>
+            <a:ext cx="2934406" cy="659189"/>
+          </a:xfrm>
+        </p:spPr>
+        <p:txBody>
+          <a:bodyPr anchor="t">
+            <a:normAutofit/>
+          </a:bodyPr>
+          <a:lstStyle>
+            <a:lvl1pPr marL="0" indent="0">
+              <a:buNone/>
+              <a:defRPr sz="1400"/>
+            </a:lvl1pPr>
+            <a:lvl2pPr marL="457200" indent="0">
+              <a:buNone/>
+              <a:defRPr sz="1200"/>
+            </a:lvl2pPr>
+            <a:lvl3pPr marL="914400" indent="0">
+              <a:buNone/>
+              <a:defRPr sz="1000"/>
+            </a:lvl3pPr>
+            <a:lvl4pPr marL="1371600" indent="0">
+              <a:buNone/>
+              <a:defRPr sz="900"/>
+            </a:lvl4pPr>
+            <a:lvl5pPr marL="1828800" indent="0">
+              <a:buNone/>
+              <a:defRPr sz="900"/>
+            </a:lvl5pPr>
+            <a:lvl6pPr marL="2286000" indent="0">
+              <a:buNone/>
+              <a:defRPr sz="900"/>
+            </a:lvl6pPr>
+            <a:lvl7pPr marL="2743200" indent="0">
+              <a:buNone/>
+              <a:defRPr sz="900"/>
+            </a:lvl7pPr>
+            <a:lvl8pPr marL="3200400" indent="0">
+              <a:buNone/>
+              <a:defRPr sz="900"/>
+            </a:lvl8pPr>
+            <a:lvl9pPr marL="3657600" indent="0">
+              <a:buNone/>
+              <a:defRPr sz="900"/>
+            </a:lvl9pPr>
+          </a:lstStyle>
+          <a:p>
+            <a:pPr lvl="0"/>
+            <a:r>
+              <a:rPr lang="en-US"/>
+              <a:t>Click to edit Master text styles</a:t>
+            </a:r>
+          </a:p>
+        </p:txBody>
+      </p:sp>
+      <p:sp>
+        <p:nvSpPr>
+          <p:cNvPr id="14" name="Text Placeholder 4"/>
+          <p:cNvSpPr>
+            <a:spLocks noGrp="1"/>
+          </p:cNvSpPr>
+          <p:nvPr>
+            <p:ph type="body" sz="quarter" idx="13"/>
+          </p:nvPr>
+        </p:nvSpPr>
+        <p:spPr>
+          <a:xfrm>
+            <a:off x="7124700" y="4250949"/>
+            <a:ext cx="2932113" cy="576262"/>
+          </a:xfrm>
+        </p:spPr>
+        <p:txBody>
+          <a:bodyPr anchor="b">
+            <a:noAutofit/>
+          </a:bodyPr>
+          <a:lstStyle>
+            <a:lvl1pPr marL="0" indent="0">
+              <a:buNone/>
+              <a:defRPr sz="2400" b="0">
+                <a:solidFill>
+                  <a:schemeClr val="bg2">
+                    <a:lumMod val="40000"/>
+                    <a:lumOff val="60000"/>
+                  </a:schemeClr>
+                </a:solidFill>
+              </a:defRPr>
+            </a:lvl1pPr>
+            <a:lvl2pPr marL="457200" indent="0">
+              <a:buNone/>
+              <a:defRPr sz="2000" b="1"/>
+            </a:lvl2pPr>
+            <a:lvl3pPr marL="914400" indent="0">
+              <a:buNone/>
+              <a:defRPr sz="1800" b="1"/>
+            </a:lvl3pPr>
+            <a:lvl4pPr marL="1371600" indent="0">
+              <a:buNone/>
+              <a:defRPr sz="1600" b="1"/>
+            </a:lvl4pPr>
+            <a:lvl5pPr marL="1828800" indent="0">
+              <a:buNone/>
+              <a:defRPr sz="1600" b="1"/>
+            </a:lvl5pPr>
+            <a:lvl6pPr marL="2286000" indent="0">
+              <a:buNone/>
+              <a:defRPr sz="1600" b="1"/>
+            </a:lvl6pPr>
+            <a:lvl7pPr marL="2743200" indent="0">
+              <a:buNone/>
+              <a:defRPr sz="1600" b="1"/>
+            </a:lvl7pPr>
+            <a:lvl8pPr marL="3200400" indent="0">
+              <a:buNone/>
+              <a:defRPr sz="1600" b="1"/>
+            </a:lvl8pPr>
+            <a:lvl9pPr marL="3657600" indent="0">
+              <a:buNone/>
+              <a:defRPr sz="1600" b="1"/>
+            </a:lvl9pPr>
+          </a:lstStyle>
+          <a:p>
+            <a:pPr lvl="0"/>
+            <a:r>
+              <a:rPr lang="en-US"/>
+              <a:t>Click to edit Master text styles</a:t>
+            </a:r>
+          </a:p>
+        </p:txBody>
+      </p:sp>
+      <p:sp>
+        <p:nvSpPr>
+          <p:cNvPr id="31" name="Picture Placeholder 2"/>
+          <p:cNvSpPr>
+            <a:spLocks noGrp="1" noChangeAspect="1"/>
+          </p:cNvSpPr>
+          <p:nvPr>
+            <p:ph type="pic" idx="22"/>
+          </p:nvPr>
+        </p:nvSpPr>
+        <p:spPr>
+          <a:xfrm>
+            <a:off x="7124699" y="2209800"/>
+            <a:ext cx="2932113" cy="1524000"/>
+          </a:xfrm>
+          <a:prstGeom prst="roundRect">
+            <a:avLst>
+              <a:gd name="adj" fmla="val 1858"/>
+            </a:avLst>
+          </a:prstGeom>
+          <a:effectLst>
+            <a:outerShdw blurRad="50800" dist="50800" dir="5400000" algn="tl" rotWithShape="0">
+              <a:srgbClr val="000000">
+                <a:alpha val="43000"/>
+              </a:srgbClr>
+            </a:outerShdw>
+          </a:effectLst>
+        </p:spPr>
+        <p:txBody>
+          <a:bodyPr anchor="t">
+            <a:normAutofit/>
+          </a:bodyPr>
+          <a:lstStyle>
+            <a:lvl1pPr marL="0" indent="0" algn="ctr">
+              <a:buNone/>
+              <a:defRPr sz="1600"/>
+            </a:lvl1pPr>
+            <a:lvl2pPr marL="457200" indent="0">
+              <a:buNone/>
+              <a:defRPr sz="1600"/>
+            </a:lvl2pPr>
+            <a:lvl3pPr marL="914400" indent="0">
+              <a:buNone/>
+              <a:defRPr sz="1600"/>
+            </a:lvl3pPr>
+            <a:lvl4pPr marL="1371600" indent="0">
+              <a:buNone/>
+              <a:defRPr sz="1600"/>
+            </a:lvl4pPr>
+            <a:lvl5pPr marL="1828800" indent="0">
+              <a:buNone/>
+              <a:defRPr sz="1600"/>
+            </a:lvl5pPr>
+            <a:lvl6pPr marL="2286000" indent="0">
+              <a:buNone/>
+              <a:defRPr sz="1600"/>
+            </a:lvl6pPr>
+            <a:lvl7pPr marL="2743200" indent="0">
+              <a:buNone/>
+              <a:defRPr sz="1600"/>
+            </a:lvl7pPr>
+            <a:lvl8pPr marL="3200400" indent="0">
+              <a:buNone/>
+              <a:defRPr sz="1600"/>
+            </a:lvl8pPr>
+            <a:lvl9pPr marL="3657600" indent="0">
+              <a:buNone/>
+              <a:defRPr sz="1600"/>
+            </a:lvl9pPr>
+          </a:lstStyle>
+          <a:p>
+            <a:r>
+              <a:rPr lang="en-US"/>
+              <a:t>Click icon to add picture</a:t>
+            </a:r>
+            <a:endParaRPr lang="en-US" dirty="0"/>
+          </a:p>
+        </p:txBody>
+      </p:sp>
+      <p:sp>
+        <p:nvSpPr>
+          <p:cNvPr id="24" name="Text Placeholder 3"/>
+          <p:cNvSpPr>
+            <a:spLocks noGrp="1"/>
+          </p:cNvSpPr>
+          <p:nvPr>
+            <p:ph type="body" sz="half" idx="20"/>
+          </p:nvPr>
+        </p:nvSpPr>
+        <p:spPr>
+          <a:xfrm>
+            <a:off x="7124575" y="4827208"/>
+            <a:ext cx="2935997" cy="659189"/>
+          </a:xfrm>
+        </p:spPr>
+        <p:txBody>
+          <a:bodyPr anchor="t">
+            <a:normAutofit/>
+          </a:bodyPr>
+          <a:lstStyle>
+            <a:lvl1pPr marL="0" indent="0">
+              <a:buNone/>
+              <a:defRPr sz="1400"/>
+            </a:lvl1pPr>
+            <a:lvl2pPr marL="457200" indent="0">
+              <a:buNone/>
+              <a:defRPr sz="1200"/>
+            </a:lvl2pPr>
+            <a:lvl3pPr marL="914400" indent="0">
+              <a:buNone/>
+              <a:defRPr sz="1000"/>
+            </a:lvl3pPr>
+            <a:lvl4pPr marL="1371600" indent="0">
+              <a:buNone/>
+              <a:defRPr sz="900"/>
+            </a:lvl4pPr>
+            <a:lvl5pPr marL="1828800" indent="0">
+              <a:buNone/>
+              <a:defRPr sz="900"/>
+            </a:lvl5pPr>
+            <a:lvl6pPr marL="2286000" indent="0">
+              <a:buNone/>
+              <a:defRPr sz="900"/>
+            </a:lvl6pPr>
+            <a:lvl7pPr marL="2743200" indent="0">
+              <a:buNone/>
+              <a:defRPr sz="900"/>
+            </a:lvl7pPr>
+            <a:lvl8pPr marL="3200400" indent="0">
+              <a:buNone/>
+              <a:defRPr sz="900"/>
+            </a:lvl8pPr>
+            <a:lvl9pPr marL="3657600" indent="0">
+              <a:buNone/>
+              <a:defRPr sz="900"/>
+            </a:lvl9pPr>
+          </a:lstStyle>
+          <a:p>
+            <a:pPr lvl="0"/>
+            <a:r>
+              <a:rPr lang="en-US"/>
+              <a:t>Click to edit Master text styles</a:t>
+            </a:r>
+          </a:p>
+        </p:txBody>
+      </p:sp>
+      <p:cxnSp>
+        <p:nvCxnSpPr>
+          <p:cNvPr id="19" name="Straight Connector 18"/>
+          <p:cNvCxnSpPr/>
+          <p:nvPr/>
+        </p:nvCxnSpPr>
+        <p:spPr>
+          <a:xfrm>
+            <a:off x="3726142" y="2133600"/>
+            <a:ext cx="0" cy="3962400"/>
+          </a:xfrm>
+          <a:prstGeom prst="line">
+            <a:avLst/>
+          </a:prstGeom>
+          <a:ln w="12700" cmpd="sng">
+            <a:solidFill>
+              <a:schemeClr val="bg2">
+                <a:lumMod val="40000"/>
+                <a:lumOff val="60000"/>
+                <a:alpha val="40000"/>
+              </a:schemeClr>
+            </a:solidFill>
+          </a:ln>
+        </p:spPr>
+        <p:style>
+          <a:lnRef idx="2">
+            <a:schemeClr val="accent1"/>
+          </a:lnRef>
+          <a:fillRef idx="0">
+            <a:schemeClr val="accent1"/>
+          </a:fillRef>
+          <a:effectRef idx="1">
+            <a:schemeClr val="accent1"/>
+          </a:effectRef>
+          <a:fontRef idx="minor">
+            <a:schemeClr val="tx1"/>
+          </a:fontRef>
+        </p:style>
+      </p:cxnSp>
+      <p:cxnSp>
+        <p:nvCxnSpPr>
+          <p:cNvPr id="20" name="Straight Connector 19"/>
+          <p:cNvCxnSpPr/>
+          <p:nvPr/>
+        </p:nvCxnSpPr>
+        <p:spPr>
+          <a:xfrm>
+            <a:off x="6962227" y="2133600"/>
+            <a:ext cx="0" cy="3966882"/>
+          </a:xfrm>
+          <a:prstGeom prst="line">
+            <a:avLst/>
+          </a:prstGeom>
+          <a:ln w="12700" cmpd="sng">
+            <a:solidFill>
+              <a:schemeClr val="bg2">
+                <a:lumMod val="40000"/>
+                <a:lumOff val="60000"/>
+                <a:alpha val="40000"/>
+              </a:schemeClr>
+            </a:solidFill>
+          </a:ln>
+        </p:spPr>
+        <p:style>
+          <a:lnRef idx="2">
+            <a:schemeClr val="accent1"/>
+          </a:lnRef>
+          <a:fillRef idx="0">
+            <a:schemeClr val="accent1"/>
+          </a:fillRef>
+          <a:effectRef idx="1">
+            <a:schemeClr val="accent1"/>
+          </a:effectRef>
+          <a:fontRef idx="minor">
+            <a:schemeClr val="tx1"/>
+          </a:fontRef>
+        </p:style>
+      </p:cxnSp>
+      <p:sp>
+        <p:nvSpPr>
+          <p:cNvPr id="7" name="Date Placeholder 3"/>
+          <p:cNvSpPr>
+            <a:spLocks noGrp="1"/>
+          </p:cNvSpPr>
+          <p:nvPr>
+            <p:ph type="dt" sz="half" idx="10"/>
+          </p:nvPr>
+        </p:nvSpPr>
+        <p:spPr/>
+        <p:txBody>
+          <a:bodyPr/>
+          <a:lstStyle/>
+          <a:p>
+            <a:fld id="{196A9782-DDD8-4320-9083-74C1B0D6F4EC}" type="datetimeFigureOut">
+              <a:rPr lang="en-IN" smtClean="0"/>
+              <a:t>2020/07/14</a:t>
+            </a:fld>
+            <a:endParaRPr lang="en-IN"/>
+          </a:p>
+        </p:txBody>
+      </p:sp>
+      <p:sp>
+        <p:nvSpPr>
+          <p:cNvPr id="4" name="Footer Placeholder 4"/>
+          <p:cNvSpPr>
+            <a:spLocks noGrp="1"/>
+          </p:cNvSpPr>
+          <p:nvPr>
+            <p:ph type="ftr" sz="quarter" idx="11"/>
+          </p:nvPr>
+        </p:nvSpPr>
+        <p:spPr/>
+        <p:txBody>
+          <a:bodyPr/>
+          <a:lstStyle/>
+          <a:p>
+            <a:endParaRPr lang="en-IN"/>
+          </a:p>
+        </p:txBody>
+      </p:sp>
+      <p:sp>
+        <p:nvSpPr>
+          <p:cNvPr id="6" name="Slide Number Placeholder 5"/>
+          <p:cNvSpPr>
+            <a:spLocks noGrp="1"/>
+          </p:cNvSpPr>
+          <p:nvPr>
+            <p:ph type="sldNum" sz="quarter" idx="12"/>
+          </p:nvPr>
+        </p:nvSpPr>
+        <p:spPr/>
+        <p:txBody>
+          <a:bodyPr/>
+          <a:lstStyle/>
+          <a:p>
+            <a:fld id="{B0934C4B-494C-4345-98AD-060CF3C50BA2}" type="slidenum">
+              <a:rPr lang="en-IN" smtClean="0"/>
+              <a:t>‹#›</a:t>
+            </a:fld>
+            <a:endParaRPr lang="en-IN"/>
+          </a:p>
+        </p:txBody>
+      </p:sp>
+    </p:spTree>
+    <p:extLst>
+      <p:ext uri="{BB962C8B-B14F-4D97-AF65-F5344CB8AC3E}">
+        <p14:creationId xmlns:p14="http://schemas.microsoft.com/office/powerpoint/2010/main" val="2546159041"/>
+      </p:ext>
+    </p:extLst>
+  </p:cSld>
+  <p:clrMapOvr>
+    <a:masterClrMapping/>
+  </p:clrMapOvr>
+</p:sldLayout>
+</file>
+
+<file path=ppt/slideLayouts/slideLayout16.xml><?xml version="1.0" encoding="utf-8"?>
 <p:sldLayout xmlns:a="http://schemas.openxmlformats.org/drawingml/2006/main" xmlns:r="http://schemas.openxmlformats.org/officeDocument/2006/relationships" xmlns:p="http://schemas.openxmlformats.org/presentationml/2006/main" type="vertTx" preserve="1">
   <p:cSld name="Title and Vertical Text">
     <p:spTree>
@@ -351,13 +2945,7 @@
       </p:grpSpPr>
       <p:sp>
         <p:nvSpPr>
-          <p:cNvPr id="2" name="Title 1">
-            <a:extLst>
-              <a:ext uri="{FF2B5EF4-FFF2-40B4-BE49-F238E27FC236}">
-                <a16:creationId xmlns:a16="http://schemas.microsoft.com/office/drawing/2014/main" id="{392900A7-3D08-4CA6-8640-701F5604B0B4}"/>
-              </a:ext>
-            </a:extLst>
-          </p:cNvPr>
+          <p:cNvPr id="2" name="Title 1"/>
           <p:cNvSpPr>
             <a:spLocks noGrp="1"/>
           </p:cNvSpPr>
@@ -374,19 +2962,13 @@
               <a:rPr lang="en-US"/>
               <a:t>Click to edit Master title style</a:t>
             </a:r>
-            <a:endParaRPr lang="en-IN"/>
-          </a:p>
-        </p:txBody>
-      </p:sp>
-      <p:sp>
-        <p:nvSpPr>
-          <p:cNvPr id="3" name="Vertical Text Placeholder 2">
-            <a:extLst>
-              <a:ext uri="{FF2B5EF4-FFF2-40B4-BE49-F238E27FC236}">
-                <a16:creationId xmlns:a16="http://schemas.microsoft.com/office/drawing/2014/main" id="{CBCE464A-547A-42D0-A1A5-28FB78DEDDEA}"/>
-              </a:ext>
-            </a:extLst>
-          </p:cNvPr>
+            <a:endParaRPr lang="en-US" dirty="0"/>
+          </a:p>
+        </p:txBody>
+      </p:sp>
+      <p:sp>
+        <p:nvSpPr>
+          <p:cNvPr id="3" name="Vertical Text Placeholder 2"/>
           <p:cNvSpPr>
             <a:spLocks noGrp="1"/>
           </p:cNvSpPr>
@@ -396,7 +2978,7 @@
         </p:nvSpPr>
         <p:spPr/>
         <p:txBody>
-          <a:bodyPr vert="eaVert"/>
+          <a:bodyPr vert="eaVert" anchor="t" anchorCtr="0"/>
           <a:lstStyle/>
           <a:p>
             <a:pPr lvl="0"/>
@@ -432,19 +3014,13 @@
               <a:rPr lang="en-US"/>
               <a:t>Fifth level</a:t>
             </a:r>
-            <a:endParaRPr lang="en-IN"/>
-          </a:p>
-        </p:txBody>
-      </p:sp>
-      <p:sp>
-        <p:nvSpPr>
-          <p:cNvPr id="4" name="Date Placeholder 3">
-            <a:extLst>
-              <a:ext uri="{FF2B5EF4-FFF2-40B4-BE49-F238E27FC236}">
-                <a16:creationId xmlns:a16="http://schemas.microsoft.com/office/drawing/2014/main" id="{22FC1BEB-8879-42AD-ADDA-25C7B3EE0E65}"/>
-              </a:ext>
-            </a:extLst>
-          </p:cNvPr>
+            <a:endParaRPr lang="en-US" dirty="0"/>
+          </a:p>
+        </p:txBody>
+      </p:sp>
+      <p:sp>
+        <p:nvSpPr>
+          <p:cNvPr id="4" name="Date Placeholder 3"/>
           <p:cNvSpPr>
             <a:spLocks noGrp="1"/>
           </p:cNvSpPr>
@@ -467,13 +3043,7 @@
       </p:sp>
       <p:sp>
         <p:nvSpPr>
-          <p:cNvPr id="5" name="Footer Placeholder 4">
-            <a:extLst>
-              <a:ext uri="{FF2B5EF4-FFF2-40B4-BE49-F238E27FC236}">
-                <a16:creationId xmlns:a16="http://schemas.microsoft.com/office/drawing/2014/main" id="{B5C340E3-A00E-4D1A-B562-A9F4DCC73A89}"/>
-              </a:ext>
-            </a:extLst>
-          </p:cNvPr>
+          <p:cNvPr id="5" name="Footer Placeholder 4"/>
           <p:cNvSpPr>
             <a:spLocks noGrp="1"/>
           </p:cNvSpPr>
@@ -492,13 +3062,7 @@
       </p:sp>
       <p:sp>
         <p:nvSpPr>
-          <p:cNvPr id="6" name="Slide Number Placeholder 5">
-            <a:extLst>
-              <a:ext uri="{FF2B5EF4-FFF2-40B4-BE49-F238E27FC236}">
-                <a16:creationId xmlns:a16="http://schemas.microsoft.com/office/drawing/2014/main" id="{6EFFAD26-786C-4292-9A0B-B9993C5777DB}"/>
-              </a:ext>
-            </a:extLst>
-          </p:cNvPr>
+          <p:cNvPr id="6" name="Slide Number Placeholder 5"/>
           <p:cNvSpPr>
             <a:spLocks noGrp="1"/>
           </p:cNvSpPr>
@@ -522,7 +3086,7 @@
     </p:spTree>
     <p:extLst>
       <p:ext uri="{BB962C8B-B14F-4D97-AF65-F5344CB8AC3E}">
-        <p14:creationId xmlns:p14="http://schemas.microsoft.com/office/powerpoint/2010/main" val="2402730762"/>
+        <p14:creationId xmlns:p14="http://schemas.microsoft.com/office/powerpoint/2010/main" val="3585484250"/>
       </p:ext>
     </p:extLst>
   </p:cSld>
@@ -532,7 +3096,7 @@
 </p:sldLayout>
 </file>
 
-<file path=ppt/slideLayouts/slideLayout11.xml><?xml version="1.0" encoding="utf-8"?>
+<file path=ppt/slideLayouts/slideLayout17.xml><?xml version="1.0" encoding="utf-8"?>
 <p:sldLayout xmlns:a="http://schemas.openxmlformats.org/drawingml/2006/main" xmlns:r="http://schemas.openxmlformats.org/officeDocument/2006/relationships" xmlns:p="http://schemas.openxmlformats.org/presentationml/2006/main" type="vertTitleAndTx" preserve="1">
   <p:cSld name="Vertical Title and Text">
     <p:spTree>
@@ -551,13 +3115,7 @@
       </p:grpSpPr>
       <p:sp>
         <p:nvSpPr>
-          <p:cNvPr id="2" name="Vertical Title 1">
-            <a:extLst>
-              <a:ext uri="{FF2B5EF4-FFF2-40B4-BE49-F238E27FC236}">
-                <a16:creationId xmlns:a16="http://schemas.microsoft.com/office/drawing/2014/main" id="{2BD573C0-3A15-42C6-9FFF-65A662308993}"/>
-              </a:ext>
-            </a:extLst>
-          </p:cNvPr>
+          <p:cNvPr id="2" name="Vertical Title 1"/>
           <p:cNvSpPr>
             <a:spLocks noGrp="1"/>
           </p:cNvSpPr>
@@ -567,48 +3125,42 @@
         </p:nvSpPr>
         <p:spPr>
           <a:xfrm>
-            <a:off x="8724900" y="365125"/>
-            <a:ext cx="2628900" cy="5811838"/>
+            <a:off x="8304212" y="430213"/>
+            <a:ext cx="1752601" cy="5826125"/>
           </a:xfrm>
         </p:spPr>
         <p:txBody>
+          <a:bodyPr vert="eaVert" anchor="b" anchorCtr="0"/>
+          <a:lstStyle/>
+          <a:p>
+            <a:r>
+              <a:rPr lang="en-US"/>
+              <a:t>Click to edit Master title style</a:t>
+            </a:r>
+            <a:endParaRPr lang="en-US" dirty="0"/>
+          </a:p>
+        </p:txBody>
+      </p:sp>
+      <p:sp>
+        <p:nvSpPr>
+          <p:cNvPr id="3" name="Vertical Text Placeholder 2"/>
+          <p:cNvSpPr>
+            <a:spLocks noGrp="1"/>
+          </p:cNvSpPr>
+          <p:nvPr>
+            <p:ph type="body" orient="vert" idx="1"/>
+          </p:nvPr>
+        </p:nvSpPr>
+        <p:spPr>
+          <a:xfrm>
+            <a:off x="652463" y="887414"/>
+            <a:ext cx="7423149" cy="5368924"/>
+          </a:xfrm>
+        </p:spPr>
+        <p:txBody>
           <a:bodyPr vert="eaVert"/>
           <a:lstStyle/>
           <a:p>
-            <a:r>
-              <a:rPr lang="en-US"/>
-              <a:t>Click to edit Master title style</a:t>
-            </a:r>
-            <a:endParaRPr lang="en-IN"/>
-          </a:p>
-        </p:txBody>
-      </p:sp>
-      <p:sp>
-        <p:nvSpPr>
-          <p:cNvPr id="3" name="Vertical Text Placeholder 2">
-            <a:extLst>
-              <a:ext uri="{FF2B5EF4-FFF2-40B4-BE49-F238E27FC236}">
-                <a16:creationId xmlns:a16="http://schemas.microsoft.com/office/drawing/2014/main" id="{AC39E51E-4A5D-4533-B8FC-3DEBECF76597}"/>
-              </a:ext>
-            </a:extLst>
-          </p:cNvPr>
-          <p:cNvSpPr>
-            <a:spLocks noGrp="1"/>
-          </p:cNvSpPr>
-          <p:nvPr>
-            <p:ph type="body" orient="vert" idx="1"/>
-          </p:nvPr>
-        </p:nvSpPr>
-        <p:spPr>
-          <a:xfrm>
-            <a:off x="838200" y="365125"/>
-            <a:ext cx="7734300" cy="5811838"/>
-          </a:xfrm>
-        </p:spPr>
-        <p:txBody>
-          <a:bodyPr vert="eaVert"/>
-          <a:lstStyle/>
-          <a:p>
             <a:pPr lvl="0"/>
             <a:r>
               <a:rPr lang="en-US"/>
@@ -642,19 +3194,13 @@
               <a:rPr lang="en-US"/>
               <a:t>Fifth level</a:t>
             </a:r>
-            <a:endParaRPr lang="en-IN"/>
-          </a:p>
-        </p:txBody>
-      </p:sp>
-      <p:sp>
-        <p:nvSpPr>
-          <p:cNvPr id="4" name="Date Placeholder 3">
-            <a:extLst>
-              <a:ext uri="{FF2B5EF4-FFF2-40B4-BE49-F238E27FC236}">
-                <a16:creationId xmlns:a16="http://schemas.microsoft.com/office/drawing/2014/main" id="{93EF8243-5ED9-45E0-B9B8-2FBBA9ED1E8F}"/>
-              </a:ext>
-            </a:extLst>
-          </p:cNvPr>
+            <a:endParaRPr lang="en-US" dirty="0"/>
+          </a:p>
+        </p:txBody>
+      </p:sp>
+      <p:sp>
+        <p:nvSpPr>
+          <p:cNvPr id="4" name="Date Placeholder 3"/>
           <p:cNvSpPr>
             <a:spLocks noGrp="1"/>
           </p:cNvSpPr>
@@ -677,13 +3223,7 @@
       </p:sp>
       <p:sp>
         <p:nvSpPr>
-          <p:cNvPr id="5" name="Footer Placeholder 4">
-            <a:extLst>
-              <a:ext uri="{FF2B5EF4-FFF2-40B4-BE49-F238E27FC236}">
-                <a16:creationId xmlns:a16="http://schemas.microsoft.com/office/drawing/2014/main" id="{E4DBD2F0-7C70-4234-AD41-4B004D8F6046}"/>
-              </a:ext>
-            </a:extLst>
-          </p:cNvPr>
+          <p:cNvPr id="5" name="Footer Placeholder 4"/>
           <p:cNvSpPr>
             <a:spLocks noGrp="1"/>
           </p:cNvSpPr>
@@ -702,13 +3242,7 @@
       </p:sp>
       <p:sp>
         <p:nvSpPr>
-          <p:cNvPr id="6" name="Slide Number Placeholder 5">
-            <a:extLst>
-              <a:ext uri="{FF2B5EF4-FFF2-40B4-BE49-F238E27FC236}">
-                <a16:creationId xmlns:a16="http://schemas.microsoft.com/office/drawing/2014/main" id="{FB15D4E4-17C8-4719-A750-8C549B3F69A5}"/>
-              </a:ext>
-            </a:extLst>
-          </p:cNvPr>
+          <p:cNvPr id="6" name="Slide Number Placeholder 5"/>
           <p:cNvSpPr>
             <a:spLocks noGrp="1"/>
           </p:cNvSpPr>
@@ -732,7 +3266,7 @@
     </p:spTree>
     <p:extLst>
       <p:ext uri="{BB962C8B-B14F-4D97-AF65-F5344CB8AC3E}">
-        <p14:creationId xmlns:p14="http://schemas.microsoft.com/office/powerpoint/2010/main" val="624468800"/>
+        <p14:creationId xmlns:p14="http://schemas.microsoft.com/office/powerpoint/2010/main" val="2692190487"/>
       </p:ext>
     </p:extLst>
   </p:cSld>
@@ -761,13 +3295,7 @@
       </p:grpSpPr>
       <p:sp>
         <p:nvSpPr>
-          <p:cNvPr id="2" name="Title 1">
-            <a:extLst>
-              <a:ext uri="{FF2B5EF4-FFF2-40B4-BE49-F238E27FC236}">
-                <a16:creationId xmlns:a16="http://schemas.microsoft.com/office/drawing/2014/main" id="{9A217FFB-EBB9-4EE1-8F54-43C67E53DC4A}"/>
-              </a:ext>
-            </a:extLst>
-          </p:cNvPr>
+          <p:cNvPr id="2" name="Title 1"/>
           <p:cNvSpPr>
             <a:spLocks noGrp="1"/>
           </p:cNvSpPr>
@@ -784,19 +3312,13 @@
               <a:rPr lang="en-US"/>
               <a:t>Click to edit Master title style</a:t>
             </a:r>
-            <a:endParaRPr lang="en-IN"/>
-          </a:p>
-        </p:txBody>
-      </p:sp>
-      <p:sp>
-        <p:nvSpPr>
-          <p:cNvPr id="3" name="Content Placeholder 2">
-            <a:extLst>
-              <a:ext uri="{FF2B5EF4-FFF2-40B4-BE49-F238E27FC236}">
-                <a16:creationId xmlns:a16="http://schemas.microsoft.com/office/drawing/2014/main" id="{C9F52901-51E0-436C-83A0-4872B400BD4B}"/>
-              </a:ext>
-            </a:extLst>
-          </p:cNvPr>
+            <a:endParaRPr lang="en-US" dirty="0"/>
+          </a:p>
+        </p:txBody>
+      </p:sp>
+      <p:sp>
+        <p:nvSpPr>
+          <p:cNvPr id="3" name="Content Placeholder 2"/>
           <p:cNvSpPr>
             <a:spLocks noGrp="1"/>
           </p:cNvSpPr>
@@ -842,19 +3364,13 @@
               <a:rPr lang="en-US"/>
               <a:t>Fifth level</a:t>
             </a:r>
-            <a:endParaRPr lang="en-IN"/>
-          </a:p>
-        </p:txBody>
-      </p:sp>
-      <p:sp>
-        <p:nvSpPr>
-          <p:cNvPr id="4" name="Date Placeholder 3">
-            <a:extLst>
-              <a:ext uri="{FF2B5EF4-FFF2-40B4-BE49-F238E27FC236}">
-                <a16:creationId xmlns:a16="http://schemas.microsoft.com/office/drawing/2014/main" id="{980220D0-B4CE-49B8-B87F-331FB62E494E}"/>
-              </a:ext>
-            </a:extLst>
-          </p:cNvPr>
+            <a:endParaRPr lang="en-US" dirty="0"/>
+          </a:p>
+        </p:txBody>
+      </p:sp>
+      <p:sp>
+        <p:nvSpPr>
+          <p:cNvPr id="7" name="Date Placeholder 3"/>
           <p:cNvSpPr>
             <a:spLocks noGrp="1"/>
           </p:cNvSpPr>
@@ -877,13 +3393,7 @@
       </p:sp>
       <p:sp>
         <p:nvSpPr>
-          <p:cNvPr id="5" name="Footer Placeholder 4">
-            <a:extLst>
-              <a:ext uri="{FF2B5EF4-FFF2-40B4-BE49-F238E27FC236}">
-                <a16:creationId xmlns:a16="http://schemas.microsoft.com/office/drawing/2014/main" id="{F316EF8E-DFFE-4A64-B5E8-9182A7C3F7C3}"/>
-              </a:ext>
-            </a:extLst>
-          </p:cNvPr>
+          <p:cNvPr id="5" name="Footer Placeholder 4"/>
           <p:cNvSpPr>
             <a:spLocks noGrp="1"/>
           </p:cNvSpPr>
@@ -902,13 +3412,7 @@
       </p:sp>
       <p:sp>
         <p:nvSpPr>
-          <p:cNvPr id="6" name="Slide Number Placeholder 5">
-            <a:extLst>
-              <a:ext uri="{FF2B5EF4-FFF2-40B4-BE49-F238E27FC236}">
-                <a16:creationId xmlns:a16="http://schemas.microsoft.com/office/drawing/2014/main" id="{568F99FF-DEB0-4CB4-AC41-3296BA820615}"/>
-              </a:ext>
-            </a:extLst>
-          </p:cNvPr>
+          <p:cNvPr id="6" name="Slide Number Placeholder 5"/>
           <p:cNvSpPr>
             <a:spLocks noGrp="1"/>
           </p:cNvSpPr>
@@ -932,7 +3436,7 @@
     </p:spTree>
     <p:extLst>
       <p:ext uri="{BB962C8B-B14F-4D97-AF65-F5344CB8AC3E}">
-        <p14:creationId xmlns:p14="http://schemas.microsoft.com/office/powerpoint/2010/main" val="1159981627"/>
+        <p14:creationId xmlns:p14="http://schemas.microsoft.com/office/powerpoint/2010/main" val="2401024889"/>
       </p:ext>
     </p:extLst>
   </p:cSld>
@@ -961,13 +3465,7 @@
       </p:grpSpPr>
       <p:sp>
         <p:nvSpPr>
-          <p:cNvPr id="2" name="Title 1">
-            <a:extLst>
-              <a:ext uri="{FF2B5EF4-FFF2-40B4-BE49-F238E27FC236}">
-                <a16:creationId xmlns:a16="http://schemas.microsoft.com/office/drawing/2014/main" id="{125B85F7-954C-45D0-A57D-22F2CE0FA6DF}"/>
-              </a:ext>
-            </a:extLst>
-          </p:cNvPr>
+          <p:cNvPr id="2" name="Title 1"/>
           <p:cNvSpPr>
             <a:spLocks noGrp="1"/>
           </p:cNvSpPr>
@@ -977,15 +3475,15 @@
         </p:nvSpPr>
         <p:spPr>
           <a:xfrm>
-            <a:off x="831850" y="1709738"/>
-            <a:ext cx="10515600" cy="2852737"/>
+            <a:off x="1154956" y="2861733"/>
+            <a:ext cx="8825657" cy="1915647"/>
           </a:xfrm>
         </p:spPr>
         <p:txBody>
           <a:bodyPr anchor="b"/>
           <a:lstStyle>
-            <a:lvl1pPr>
-              <a:defRPr sz="6000"/>
+            <a:lvl1pPr algn="l">
+              <a:defRPr sz="4000" b="0" cap="none"/>
             </a:lvl1pPr>
           </a:lstStyle>
           <a:p>
@@ -993,19 +3491,13 @@
               <a:rPr lang="en-US"/>
               <a:t>Click to edit Master title style</a:t>
             </a:r>
-            <a:endParaRPr lang="en-IN"/>
-          </a:p>
-        </p:txBody>
-      </p:sp>
-      <p:sp>
-        <p:nvSpPr>
-          <p:cNvPr id="3" name="Text Placeholder 2">
-            <a:extLst>
-              <a:ext uri="{FF2B5EF4-FFF2-40B4-BE49-F238E27FC236}">
-                <a16:creationId xmlns:a16="http://schemas.microsoft.com/office/drawing/2014/main" id="{A36A0FEB-7BB8-497D-A70B-1229254348B6}"/>
-              </a:ext>
-            </a:extLst>
-          </p:cNvPr>
+            <a:endParaRPr lang="en-US" dirty="0"/>
+          </a:p>
+        </p:txBody>
+      </p:sp>
+      <p:sp>
+        <p:nvSpPr>
+          <p:cNvPr id="3" name="Text Placeholder 2"/>
           <p:cNvSpPr>
             <a:spLocks noGrp="1"/>
           </p:cNvSpPr>
@@ -1015,26 +3507,27 @@
         </p:nvSpPr>
         <p:spPr>
           <a:xfrm>
-            <a:off x="831850" y="4589463"/>
-            <a:ext cx="10515600" cy="1500187"/>
+            <a:off x="1154955" y="4777381"/>
+            <a:ext cx="8825658" cy="860400"/>
           </a:xfrm>
         </p:spPr>
         <p:txBody>
-          <a:bodyPr/>
+          <a:bodyPr anchor="t"/>
           <a:lstStyle>
-            <a:lvl1pPr marL="0" indent="0">
-              <a:buNone/>
-              <a:defRPr sz="2400">
+            <a:lvl1pPr marL="0" indent="0" algn="l">
+              <a:buNone/>
+              <a:defRPr sz="2000" cap="all">
                 <a:solidFill>
-                  <a:schemeClr val="tx1">
-                    <a:tint val="75000"/>
+                  <a:schemeClr val="bg2">
+                    <a:lumMod val="40000"/>
+                    <a:lumOff val="60000"/>
                   </a:schemeClr>
                 </a:solidFill>
               </a:defRPr>
             </a:lvl1pPr>
             <a:lvl2pPr marL="457200" indent="0">
               <a:buNone/>
-              <a:defRPr sz="2000">
+              <a:defRPr sz="1800">
                 <a:solidFill>
                   <a:schemeClr val="tx1">
                     <a:tint val="75000"/>
@@ -1044,7 +3537,7 @@
             </a:lvl2pPr>
             <a:lvl3pPr marL="914400" indent="0">
               <a:buNone/>
-              <a:defRPr sz="1800">
+              <a:defRPr sz="1600">
                 <a:solidFill>
                   <a:schemeClr val="tx1">
                     <a:tint val="75000"/>
@@ -1054,7 +3547,7 @@
             </a:lvl3pPr>
             <a:lvl4pPr marL="1371600" indent="0">
               <a:buNone/>
-              <a:defRPr sz="1600">
+              <a:defRPr sz="1400">
                 <a:solidFill>
                   <a:schemeClr val="tx1">
                     <a:tint val="75000"/>
@@ -1064,7 +3557,7 @@
             </a:lvl4pPr>
             <a:lvl5pPr marL="1828800" indent="0">
               <a:buNone/>
-              <a:defRPr sz="1600">
+              <a:defRPr sz="1400">
                 <a:solidFill>
                   <a:schemeClr val="tx1">
                     <a:tint val="75000"/>
@@ -1074,7 +3567,7 @@
             </a:lvl5pPr>
             <a:lvl6pPr marL="2286000" indent="0">
               <a:buNone/>
-              <a:defRPr sz="1600">
+              <a:defRPr sz="1400">
                 <a:solidFill>
                   <a:schemeClr val="tx1">
                     <a:tint val="75000"/>
@@ -1084,7 +3577,7 @@
             </a:lvl6pPr>
             <a:lvl7pPr marL="2743200" indent="0">
               <a:buNone/>
-              <a:defRPr sz="1600">
+              <a:defRPr sz="1400">
                 <a:solidFill>
                   <a:schemeClr val="tx1">
                     <a:tint val="75000"/>
@@ -1094,7 +3587,7 @@
             </a:lvl7pPr>
             <a:lvl8pPr marL="3200400" indent="0">
               <a:buNone/>
-              <a:defRPr sz="1600">
+              <a:defRPr sz="1400">
                 <a:solidFill>
                   <a:schemeClr val="tx1">
                     <a:tint val="75000"/>
@@ -1104,7 +3597,7 @@
             </a:lvl8pPr>
             <a:lvl9pPr marL="3657600" indent="0">
               <a:buNone/>
-              <a:defRPr sz="1600">
+              <a:defRPr sz="1400">
                 <a:solidFill>
                   <a:schemeClr val="tx1">
                     <a:tint val="75000"/>
@@ -1124,13 +3617,7 @@
       </p:sp>
       <p:sp>
         <p:nvSpPr>
-          <p:cNvPr id="4" name="Date Placeholder 3">
-            <a:extLst>
-              <a:ext uri="{FF2B5EF4-FFF2-40B4-BE49-F238E27FC236}">
-                <a16:creationId xmlns:a16="http://schemas.microsoft.com/office/drawing/2014/main" id="{0D361509-AE93-4FB6-874A-8E39C2F0A912}"/>
-              </a:ext>
-            </a:extLst>
-          </p:cNvPr>
+          <p:cNvPr id="4" name="Date Placeholder 3"/>
           <p:cNvSpPr>
             <a:spLocks noGrp="1"/>
           </p:cNvSpPr>
@@ -1153,13 +3640,7 @@
       </p:sp>
       <p:sp>
         <p:nvSpPr>
-          <p:cNvPr id="5" name="Footer Placeholder 4">
-            <a:extLst>
-              <a:ext uri="{FF2B5EF4-FFF2-40B4-BE49-F238E27FC236}">
-                <a16:creationId xmlns:a16="http://schemas.microsoft.com/office/drawing/2014/main" id="{1D6B6009-DCBA-41A3-A054-FC2BDB8F47E8}"/>
-              </a:ext>
-            </a:extLst>
-          </p:cNvPr>
+          <p:cNvPr id="5" name="Footer Placeholder 4"/>
           <p:cNvSpPr>
             <a:spLocks noGrp="1"/>
           </p:cNvSpPr>
@@ -1178,13 +3659,7 @@
       </p:sp>
       <p:sp>
         <p:nvSpPr>
-          <p:cNvPr id="6" name="Slide Number Placeholder 5">
-            <a:extLst>
-              <a:ext uri="{FF2B5EF4-FFF2-40B4-BE49-F238E27FC236}">
-                <a16:creationId xmlns:a16="http://schemas.microsoft.com/office/drawing/2014/main" id="{76DC8703-DA29-4047-958D-19234017C1C9}"/>
-              </a:ext>
-            </a:extLst>
-          </p:cNvPr>
+          <p:cNvPr id="6" name="Slide Number Placeholder 5"/>
           <p:cNvSpPr>
             <a:spLocks noGrp="1"/>
           </p:cNvSpPr>
@@ -1208,7 +3683,7 @@
     </p:spTree>
     <p:extLst>
       <p:ext uri="{BB962C8B-B14F-4D97-AF65-F5344CB8AC3E}">
-        <p14:creationId xmlns:p14="http://schemas.microsoft.com/office/powerpoint/2010/main" val="4291719788"/>
+        <p14:creationId xmlns:p14="http://schemas.microsoft.com/office/powerpoint/2010/main" val="1764047162"/>
       </p:ext>
     </p:extLst>
   </p:cSld>
@@ -1237,13 +3712,7 @@
       </p:grpSpPr>
       <p:sp>
         <p:nvSpPr>
-          <p:cNvPr id="2" name="Title 1">
-            <a:extLst>
-              <a:ext uri="{FF2B5EF4-FFF2-40B4-BE49-F238E27FC236}">
-                <a16:creationId xmlns:a16="http://schemas.microsoft.com/office/drawing/2014/main" id="{B1AB86DD-AC31-40A8-9CB7-B5376689F2B6}"/>
-              </a:ext>
-            </a:extLst>
-          </p:cNvPr>
+          <p:cNvPr id="2" name="Title 1"/>
           <p:cNvSpPr>
             <a:spLocks noGrp="1"/>
           </p:cNvSpPr>
@@ -1260,19 +3729,13 @@
               <a:rPr lang="en-US"/>
               <a:t>Click to edit Master title style</a:t>
             </a:r>
-            <a:endParaRPr lang="en-IN"/>
-          </a:p>
-        </p:txBody>
-      </p:sp>
-      <p:sp>
-        <p:nvSpPr>
-          <p:cNvPr id="3" name="Content Placeholder 2">
-            <a:extLst>
-              <a:ext uri="{FF2B5EF4-FFF2-40B4-BE49-F238E27FC236}">
-                <a16:creationId xmlns:a16="http://schemas.microsoft.com/office/drawing/2014/main" id="{49FE6E63-38A0-424D-9B90-D4FA90C50DDC}"/>
-              </a:ext>
-            </a:extLst>
-          </p:cNvPr>
+            <a:endParaRPr lang="en-US" dirty="0"/>
+          </a:p>
+        </p:txBody>
+      </p:sp>
+      <p:sp>
+        <p:nvSpPr>
+          <p:cNvPr id="3" name="Content Placeholder 2"/>
           <p:cNvSpPr>
             <a:spLocks noGrp="1"/>
           </p:cNvSpPr>
@@ -1282,13 +3745,43 @@
         </p:nvSpPr>
         <p:spPr>
           <a:xfrm>
-            <a:off x="838200" y="1825625"/>
-            <a:ext cx="5181600" cy="4351338"/>
+            <a:off x="1103312" y="2060575"/>
+            <a:ext cx="4396339" cy="4195763"/>
           </a:xfrm>
         </p:spPr>
         <p:txBody>
-          <a:bodyPr/>
-          <a:lstStyle/>
+          <a:bodyPr>
+            <a:normAutofit/>
+          </a:bodyPr>
+          <a:lstStyle>
+            <a:lvl1pPr>
+              <a:defRPr sz="1800"/>
+            </a:lvl1pPr>
+            <a:lvl2pPr>
+              <a:defRPr sz="1600"/>
+            </a:lvl2pPr>
+            <a:lvl3pPr>
+              <a:defRPr sz="1400"/>
+            </a:lvl3pPr>
+            <a:lvl4pPr>
+              <a:defRPr sz="1200"/>
+            </a:lvl4pPr>
+            <a:lvl5pPr>
+              <a:defRPr sz="1200"/>
+            </a:lvl5pPr>
+            <a:lvl6pPr>
+              <a:defRPr sz="1200"/>
+            </a:lvl6pPr>
+            <a:lvl7pPr>
+              <a:defRPr sz="1200"/>
+            </a:lvl7pPr>
+            <a:lvl8pPr>
+              <a:defRPr sz="1200"/>
+            </a:lvl8pPr>
+            <a:lvl9pPr>
+              <a:defRPr sz="1200"/>
+            </a:lvl9pPr>
+          </a:lstStyle>
           <a:p>
             <a:pPr lvl="0"/>
             <a:r>
@@ -1323,19 +3816,13 @@
               <a:rPr lang="en-US"/>
               <a:t>Fifth level</a:t>
             </a:r>
-            <a:endParaRPr lang="en-IN"/>
-          </a:p>
-        </p:txBody>
-      </p:sp>
-      <p:sp>
-        <p:nvSpPr>
-          <p:cNvPr id="4" name="Content Placeholder 3">
-            <a:extLst>
-              <a:ext uri="{FF2B5EF4-FFF2-40B4-BE49-F238E27FC236}">
-                <a16:creationId xmlns:a16="http://schemas.microsoft.com/office/drawing/2014/main" id="{62DC5E1F-7B92-47C7-816B-39DB73E96CC0}"/>
-              </a:ext>
-            </a:extLst>
-          </p:cNvPr>
+            <a:endParaRPr lang="en-US" dirty="0"/>
+          </a:p>
+        </p:txBody>
+      </p:sp>
+      <p:sp>
+        <p:nvSpPr>
+          <p:cNvPr id="4" name="Content Placeholder 3"/>
           <p:cNvSpPr>
             <a:spLocks noGrp="1"/>
           </p:cNvSpPr>
@@ -1345,13 +3832,43 @@
         </p:nvSpPr>
         <p:spPr>
           <a:xfrm>
-            <a:off x="6172200" y="1825625"/>
-            <a:ext cx="5181600" cy="4351338"/>
+            <a:off x="5654493" y="2056092"/>
+            <a:ext cx="4396341" cy="4200245"/>
           </a:xfrm>
         </p:spPr>
         <p:txBody>
-          <a:bodyPr/>
-          <a:lstStyle/>
+          <a:bodyPr>
+            <a:normAutofit/>
+          </a:bodyPr>
+          <a:lstStyle>
+            <a:lvl1pPr>
+              <a:defRPr sz="1800"/>
+            </a:lvl1pPr>
+            <a:lvl2pPr>
+              <a:defRPr sz="1600"/>
+            </a:lvl2pPr>
+            <a:lvl3pPr>
+              <a:defRPr sz="1400"/>
+            </a:lvl3pPr>
+            <a:lvl4pPr>
+              <a:defRPr sz="1200"/>
+            </a:lvl4pPr>
+            <a:lvl5pPr>
+              <a:defRPr sz="1200"/>
+            </a:lvl5pPr>
+            <a:lvl6pPr>
+              <a:defRPr sz="1200"/>
+            </a:lvl6pPr>
+            <a:lvl7pPr>
+              <a:defRPr sz="1200"/>
+            </a:lvl7pPr>
+            <a:lvl8pPr>
+              <a:defRPr sz="1200"/>
+            </a:lvl8pPr>
+            <a:lvl9pPr>
+              <a:defRPr sz="1200"/>
+            </a:lvl9pPr>
+          </a:lstStyle>
           <a:p>
             <a:pPr lvl="0"/>
             <a:r>
@@ -1386,19 +3903,13 @@
               <a:rPr lang="en-US"/>
               <a:t>Fifth level</a:t>
             </a:r>
-            <a:endParaRPr lang="en-IN"/>
-          </a:p>
-        </p:txBody>
-      </p:sp>
-      <p:sp>
-        <p:nvSpPr>
-          <p:cNvPr id="5" name="Date Placeholder 4">
-            <a:extLst>
-              <a:ext uri="{FF2B5EF4-FFF2-40B4-BE49-F238E27FC236}">
-                <a16:creationId xmlns:a16="http://schemas.microsoft.com/office/drawing/2014/main" id="{246F9A86-CB9F-4F41-8863-0ADFDB748E88}"/>
-              </a:ext>
-            </a:extLst>
-          </p:cNvPr>
+            <a:endParaRPr lang="en-US" dirty="0"/>
+          </a:p>
+        </p:txBody>
+      </p:sp>
+      <p:sp>
+        <p:nvSpPr>
+          <p:cNvPr id="5" name="Date Placeholder 4"/>
           <p:cNvSpPr>
             <a:spLocks noGrp="1"/>
           </p:cNvSpPr>
@@ -1421,13 +3932,7 @@
       </p:sp>
       <p:sp>
         <p:nvSpPr>
-          <p:cNvPr id="6" name="Footer Placeholder 5">
-            <a:extLst>
-              <a:ext uri="{FF2B5EF4-FFF2-40B4-BE49-F238E27FC236}">
-                <a16:creationId xmlns:a16="http://schemas.microsoft.com/office/drawing/2014/main" id="{D89A5EBC-F8A7-42CA-B77E-1AF00ECB3653}"/>
-              </a:ext>
-            </a:extLst>
-          </p:cNvPr>
+          <p:cNvPr id="6" name="Footer Placeholder 5"/>
           <p:cNvSpPr>
             <a:spLocks noGrp="1"/>
           </p:cNvSpPr>
@@ -1446,13 +3951,7 @@
       </p:sp>
       <p:sp>
         <p:nvSpPr>
-          <p:cNvPr id="7" name="Slide Number Placeholder 6">
-            <a:extLst>
-              <a:ext uri="{FF2B5EF4-FFF2-40B4-BE49-F238E27FC236}">
-                <a16:creationId xmlns:a16="http://schemas.microsoft.com/office/drawing/2014/main" id="{9C3FA9CB-8378-4076-AA7F-AA16CF909CF4}"/>
-              </a:ext>
-            </a:extLst>
-          </p:cNvPr>
+          <p:cNvPr id="7" name="Slide Number Placeholder 6"/>
           <p:cNvSpPr>
             <a:spLocks noGrp="1"/>
           </p:cNvSpPr>
@@ -1476,7 +3975,7 @@
     </p:spTree>
     <p:extLst>
       <p:ext uri="{BB962C8B-B14F-4D97-AF65-F5344CB8AC3E}">
-        <p14:creationId xmlns:p14="http://schemas.microsoft.com/office/powerpoint/2010/main" val="1956103802"/>
+        <p14:creationId xmlns:p14="http://schemas.microsoft.com/office/powerpoint/2010/main" val="1431759347"/>
       </p:ext>
     </p:extLst>
   </p:cSld>
@@ -1505,66 +4004,62 @@
       </p:grpSpPr>
       <p:sp>
         <p:nvSpPr>
-          <p:cNvPr id="2" name="Title 1">
-            <a:extLst>
-              <a:ext uri="{FF2B5EF4-FFF2-40B4-BE49-F238E27FC236}">
-                <a16:creationId xmlns:a16="http://schemas.microsoft.com/office/drawing/2014/main" id="{5D61C9EC-7FC8-4627-8EC2-750B761CA8AF}"/>
-              </a:ext>
-            </a:extLst>
-          </p:cNvPr>
+          <p:cNvPr id="2" name="Title 1"/>
           <p:cNvSpPr>
             <a:spLocks noGrp="1"/>
           </p:cNvSpPr>
           <p:nvPr>
             <p:ph type="title"/>
+          </p:nvPr>
+        </p:nvSpPr>
+        <p:spPr/>
+        <p:txBody>
+          <a:bodyPr/>
+          <a:lstStyle>
+            <a:lvl1pPr>
+              <a:defRPr/>
+            </a:lvl1pPr>
+          </a:lstStyle>
+          <a:p>
+            <a:r>
+              <a:rPr lang="en-US"/>
+              <a:t>Click to edit Master title style</a:t>
+            </a:r>
+            <a:endParaRPr lang="en-US" dirty="0"/>
+          </a:p>
+        </p:txBody>
+      </p:sp>
+      <p:sp>
+        <p:nvSpPr>
+          <p:cNvPr id="3" name="Text Placeholder 2"/>
+          <p:cNvSpPr>
+            <a:spLocks noGrp="1"/>
+          </p:cNvSpPr>
+          <p:nvPr>
+            <p:ph type="body" idx="1"/>
           </p:nvPr>
         </p:nvSpPr>
         <p:spPr>
           <a:xfrm>
-            <a:off x="839788" y="365125"/>
-            <a:ext cx="10515600" cy="1325563"/>
+            <a:off x="1103313" y="1905000"/>
+            <a:ext cx="4396338" cy="576262"/>
           </a:xfrm>
         </p:spPr>
         <p:txBody>
-          <a:bodyPr/>
-          <a:lstStyle/>
-          <a:p>
-            <a:r>
-              <a:rPr lang="en-US"/>
-              <a:t>Click to edit Master title style</a:t>
-            </a:r>
-            <a:endParaRPr lang="en-IN"/>
-          </a:p>
-        </p:txBody>
-      </p:sp>
-      <p:sp>
-        <p:nvSpPr>
-          <p:cNvPr id="3" name="Text Placeholder 2">
-            <a:extLst>
-              <a:ext uri="{FF2B5EF4-FFF2-40B4-BE49-F238E27FC236}">
-                <a16:creationId xmlns:a16="http://schemas.microsoft.com/office/drawing/2014/main" id="{1C073C9C-160E-4811-A7D0-D59DC2544AFD}"/>
-              </a:ext>
-            </a:extLst>
-          </p:cNvPr>
-          <p:cNvSpPr>
-            <a:spLocks noGrp="1"/>
-          </p:cNvSpPr>
-          <p:nvPr>
-            <p:ph type="body" idx="1"/>
-          </p:nvPr>
-        </p:nvSpPr>
-        <p:spPr>
-          <a:xfrm>
-            <a:off x="839788" y="1681163"/>
-            <a:ext cx="5157787" cy="823912"/>
-          </a:xfrm>
-        </p:spPr>
-        <p:txBody>
-          <a:bodyPr anchor="b"/>
+          <a:bodyPr anchor="b">
+            <a:noAutofit/>
+          </a:bodyPr>
           <a:lstStyle>
             <a:lvl1pPr marL="0" indent="0">
               <a:buNone/>
-              <a:defRPr sz="2400" b="1"/>
+              <a:defRPr sz="2400" b="0">
+                <a:solidFill>
+                  <a:schemeClr val="bg2">
+                    <a:lumMod val="40000"/>
+                    <a:lumOff val="60000"/>
+                  </a:schemeClr>
+                </a:solidFill>
+              </a:defRPr>
             </a:lvl1pPr>
             <a:lvl2pPr marL="457200" indent="0">
               <a:buNone/>
@@ -1610,13 +4105,7 @@
       </p:sp>
       <p:sp>
         <p:nvSpPr>
-          <p:cNvPr id="4" name="Content Placeholder 3">
-            <a:extLst>
-              <a:ext uri="{FF2B5EF4-FFF2-40B4-BE49-F238E27FC236}">
-                <a16:creationId xmlns:a16="http://schemas.microsoft.com/office/drawing/2014/main" id="{FA4E1C9B-09E3-4ADF-A025-94D67C6BDFCF}"/>
-              </a:ext>
-            </a:extLst>
-          </p:cNvPr>
+          <p:cNvPr id="4" name="Content Placeholder 3"/>
           <p:cNvSpPr>
             <a:spLocks noGrp="1"/>
           </p:cNvSpPr>
@@ -1626,13 +4115,43 @@
         </p:nvSpPr>
         <p:spPr>
           <a:xfrm>
-            <a:off x="839788" y="2505075"/>
-            <a:ext cx="5157787" cy="3684588"/>
+            <a:off x="1103312" y="2514600"/>
+            <a:ext cx="4396339" cy="3741738"/>
           </a:xfrm>
         </p:spPr>
         <p:txBody>
-          <a:bodyPr/>
-          <a:lstStyle/>
+          <a:bodyPr>
+            <a:normAutofit/>
+          </a:bodyPr>
+          <a:lstStyle>
+            <a:lvl1pPr>
+              <a:defRPr sz="1800"/>
+            </a:lvl1pPr>
+            <a:lvl2pPr>
+              <a:defRPr sz="1600"/>
+            </a:lvl2pPr>
+            <a:lvl3pPr>
+              <a:defRPr sz="1400"/>
+            </a:lvl3pPr>
+            <a:lvl4pPr>
+              <a:defRPr sz="1200"/>
+            </a:lvl4pPr>
+            <a:lvl5pPr>
+              <a:defRPr sz="1200"/>
+            </a:lvl5pPr>
+            <a:lvl6pPr>
+              <a:defRPr sz="1200"/>
+            </a:lvl6pPr>
+            <a:lvl7pPr>
+              <a:defRPr sz="1200"/>
+            </a:lvl7pPr>
+            <a:lvl8pPr>
+              <a:defRPr sz="1200"/>
+            </a:lvl8pPr>
+            <a:lvl9pPr>
+              <a:defRPr sz="1200"/>
+            </a:lvl9pPr>
+          </a:lstStyle>
           <a:p>
             <a:pPr lvl="0"/>
             <a:r>
@@ -1667,19 +4186,13 @@
               <a:rPr lang="en-US"/>
               <a:t>Fifth level</a:t>
             </a:r>
-            <a:endParaRPr lang="en-IN"/>
-          </a:p>
-        </p:txBody>
-      </p:sp>
-      <p:sp>
-        <p:nvSpPr>
-          <p:cNvPr id="5" name="Text Placeholder 4">
-            <a:extLst>
-              <a:ext uri="{FF2B5EF4-FFF2-40B4-BE49-F238E27FC236}">
-                <a16:creationId xmlns:a16="http://schemas.microsoft.com/office/drawing/2014/main" id="{46B4A100-6147-447F-BD0F-9B332E4D2BD8}"/>
-              </a:ext>
-            </a:extLst>
-          </p:cNvPr>
+            <a:endParaRPr lang="en-US" dirty="0"/>
+          </a:p>
+        </p:txBody>
+      </p:sp>
+      <p:sp>
+        <p:nvSpPr>
+          <p:cNvPr id="5" name="Text Placeholder 4"/>
           <p:cNvSpPr>
             <a:spLocks noGrp="1"/>
           </p:cNvSpPr>
@@ -1689,16 +4202,25 @@
         </p:nvSpPr>
         <p:spPr>
           <a:xfrm>
-            <a:off x="6172200" y="1681163"/>
-            <a:ext cx="5183188" cy="823912"/>
+            <a:off x="5654495" y="1905000"/>
+            <a:ext cx="4396339" cy="576262"/>
           </a:xfrm>
         </p:spPr>
         <p:txBody>
-          <a:bodyPr anchor="b"/>
+          <a:bodyPr anchor="b">
+            <a:noAutofit/>
+          </a:bodyPr>
           <a:lstStyle>
             <a:lvl1pPr marL="0" indent="0">
               <a:buNone/>
-              <a:defRPr sz="2400" b="1"/>
+              <a:defRPr sz="2400" b="0">
+                <a:solidFill>
+                  <a:schemeClr val="bg2">
+                    <a:lumMod val="40000"/>
+                    <a:lumOff val="60000"/>
+                  </a:schemeClr>
+                </a:solidFill>
+              </a:defRPr>
             </a:lvl1pPr>
             <a:lvl2pPr marL="457200" indent="0">
               <a:buNone/>
@@ -1744,13 +4266,7 @@
       </p:sp>
       <p:sp>
         <p:nvSpPr>
-          <p:cNvPr id="6" name="Content Placeholder 5">
-            <a:extLst>
-              <a:ext uri="{FF2B5EF4-FFF2-40B4-BE49-F238E27FC236}">
-                <a16:creationId xmlns:a16="http://schemas.microsoft.com/office/drawing/2014/main" id="{B1BE8887-E5BD-42F8-9151-7DF9465FE5A2}"/>
-              </a:ext>
-            </a:extLst>
-          </p:cNvPr>
+          <p:cNvPr id="6" name="Content Placeholder 5"/>
           <p:cNvSpPr>
             <a:spLocks noGrp="1"/>
           </p:cNvSpPr>
@@ -1760,13 +4276,43 @@
         </p:nvSpPr>
         <p:spPr>
           <a:xfrm>
-            <a:off x="6172200" y="2505075"/>
-            <a:ext cx="5183188" cy="3684588"/>
+            <a:off x="5654495" y="2514600"/>
+            <a:ext cx="4396339" cy="3741738"/>
           </a:xfrm>
         </p:spPr>
         <p:txBody>
-          <a:bodyPr/>
-          <a:lstStyle/>
+          <a:bodyPr>
+            <a:normAutofit/>
+          </a:bodyPr>
+          <a:lstStyle>
+            <a:lvl1pPr>
+              <a:defRPr sz="1800"/>
+            </a:lvl1pPr>
+            <a:lvl2pPr>
+              <a:defRPr sz="1600"/>
+            </a:lvl2pPr>
+            <a:lvl3pPr>
+              <a:defRPr sz="1400"/>
+            </a:lvl3pPr>
+            <a:lvl4pPr>
+              <a:defRPr sz="1200"/>
+            </a:lvl4pPr>
+            <a:lvl5pPr>
+              <a:defRPr sz="1200"/>
+            </a:lvl5pPr>
+            <a:lvl6pPr>
+              <a:defRPr sz="1200"/>
+            </a:lvl6pPr>
+            <a:lvl7pPr>
+              <a:defRPr sz="1200"/>
+            </a:lvl7pPr>
+            <a:lvl8pPr>
+              <a:defRPr sz="1200"/>
+            </a:lvl8pPr>
+            <a:lvl9pPr>
+              <a:defRPr sz="1200"/>
+            </a:lvl9pPr>
+          </a:lstStyle>
           <a:p>
             <a:pPr lvl="0"/>
             <a:r>
@@ -1801,19 +4347,13 @@
               <a:rPr lang="en-US"/>
               <a:t>Fifth level</a:t>
             </a:r>
-            <a:endParaRPr lang="en-IN"/>
-          </a:p>
-        </p:txBody>
-      </p:sp>
-      <p:sp>
-        <p:nvSpPr>
-          <p:cNvPr id="7" name="Date Placeholder 6">
-            <a:extLst>
-              <a:ext uri="{FF2B5EF4-FFF2-40B4-BE49-F238E27FC236}">
-                <a16:creationId xmlns:a16="http://schemas.microsoft.com/office/drawing/2014/main" id="{D2A66704-532C-4C57-B97E-FBF2D4B72C10}"/>
-              </a:ext>
-            </a:extLst>
-          </p:cNvPr>
+            <a:endParaRPr lang="en-US" dirty="0"/>
+          </a:p>
+        </p:txBody>
+      </p:sp>
+      <p:sp>
+        <p:nvSpPr>
+          <p:cNvPr id="7" name="Date Placeholder 6"/>
           <p:cNvSpPr>
             <a:spLocks noGrp="1"/>
           </p:cNvSpPr>
@@ -1836,13 +4376,7 @@
       </p:sp>
       <p:sp>
         <p:nvSpPr>
-          <p:cNvPr id="8" name="Footer Placeholder 7">
-            <a:extLst>
-              <a:ext uri="{FF2B5EF4-FFF2-40B4-BE49-F238E27FC236}">
-                <a16:creationId xmlns:a16="http://schemas.microsoft.com/office/drawing/2014/main" id="{1A49F714-5AD9-42F8-9AD2-231E9962AFDB}"/>
-              </a:ext>
-            </a:extLst>
-          </p:cNvPr>
+          <p:cNvPr id="8" name="Footer Placeholder 7"/>
           <p:cNvSpPr>
             <a:spLocks noGrp="1"/>
           </p:cNvSpPr>
@@ -1861,13 +4395,7 @@
       </p:sp>
       <p:sp>
         <p:nvSpPr>
-          <p:cNvPr id="9" name="Slide Number Placeholder 8">
-            <a:extLst>
-              <a:ext uri="{FF2B5EF4-FFF2-40B4-BE49-F238E27FC236}">
-                <a16:creationId xmlns:a16="http://schemas.microsoft.com/office/drawing/2014/main" id="{90733E4E-EAD5-4C38-B150-21FDB060B791}"/>
-              </a:ext>
-            </a:extLst>
-          </p:cNvPr>
+          <p:cNvPr id="9" name="Slide Number Placeholder 8"/>
           <p:cNvSpPr>
             <a:spLocks noGrp="1"/>
           </p:cNvSpPr>
@@ -1891,7 +4419,7 @@
     </p:spTree>
     <p:extLst>
       <p:ext uri="{BB962C8B-B14F-4D97-AF65-F5344CB8AC3E}">
-        <p14:creationId xmlns:p14="http://schemas.microsoft.com/office/powerpoint/2010/main" val="1320998835"/>
+        <p14:creationId xmlns:p14="http://schemas.microsoft.com/office/powerpoint/2010/main" val="737278142"/>
       </p:ext>
     </p:extLst>
   </p:cSld>
@@ -1920,13 +4448,7 @@
       </p:grpSpPr>
       <p:sp>
         <p:nvSpPr>
-          <p:cNvPr id="2" name="Title 1">
-            <a:extLst>
-              <a:ext uri="{FF2B5EF4-FFF2-40B4-BE49-F238E27FC236}">
-                <a16:creationId xmlns:a16="http://schemas.microsoft.com/office/drawing/2014/main" id="{FAD09D78-FC43-4273-A4B2-F2E1CCC50A61}"/>
-              </a:ext>
-            </a:extLst>
-          </p:cNvPr>
+          <p:cNvPr id="2" name="Title 1"/>
           <p:cNvSpPr>
             <a:spLocks noGrp="1"/>
           </p:cNvSpPr>
@@ -1943,19 +4465,13 @@
               <a:rPr lang="en-US"/>
               <a:t>Click to edit Master title style</a:t>
             </a:r>
-            <a:endParaRPr lang="en-IN"/>
-          </a:p>
-        </p:txBody>
-      </p:sp>
-      <p:sp>
-        <p:nvSpPr>
-          <p:cNvPr id="3" name="Date Placeholder 2">
-            <a:extLst>
-              <a:ext uri="{FF2B5EF4-FFF2-40B4-BE49-F238E27FC236}">
-                <a16:creationId xmlns:a16="http://schemas.microsoft.com/office/drawing/2014/main" id="{08C5A23B-F24F-4751-9EE5-FAD985797872}"/>
-              </a:ext>
-            </a:extLst>
-          </p:cNvPr>
+            <a:endParaRPr lang="en-US" dirty="0"/>
+          </a:p>
+        </p:txBody>
+      </p:sp>
+      <p:sp>
+        <p:nvSpPr>
+          <p:cNvPr id="7" name="Date Placeholder 2"/>
           <p:cNvSpPr>
             <a:spLocks noGrp="1"/>
           </p:cNvSpPr>
@@ -1978,13 +4494,7 @@
       </p:sp>
       <p:sp>
         <p:nvSpPr>
-          <p:cNvPr id="4" name="Footer Placeholder 3">
-            <a:extLst>
-              <a:ext uri="{FF2B5EF4-FFF2-40B4-BE49-F238E27FC236}">
-                <a16:creationId xmlns:a16="http://schemas.microsoft.com/office/drawing/2014/main" id="{4C34FD0F-6AAA-408F-8DE6-388695C3F876}"/>
-              </a:ext>
-            </a:extLst>
-          </p:cNvPr>
+          <p:cNvPr id="5" name="Footer Placeholder 3"/>
           <p:cNvSpPr>
             <a:spLocks noGrp="1"/>
           </p:cNvSpPr>
@@ -2003,13 +4513,7 @@
       </p:sp>
       <p:sp>
         <p:nvSpPr>
-          <p:cNvPr id="5" name="Slide Number Placeholder 4">
-            <a:extLst>
-              <a:ext uri="{FF2B5EF4-FFF2-40B4-BE49-F238E27FC236}">
-                <a16:creationId xmlns:a16="http://schemas.microsoft.com/office/drawing/2014/main" id="{C9BEEFB9-B328-483E-B56B-775FB8E400AC}"/>
-              </a:ext>
-            </a:extLst>
-          </p:cNvPr>
+          <p:cNvPr id="6" name="Slide Number Placeholder 4"/>
           <p:cNvSpPr>
             <a:spLocks noGrp="1"/>
           </p:cNvSpPr>
@@ -2033,7 +4537,7 @@
     </p:spTree>
     <p:extLst>
       <p:ext uri="{BB962C8B-B14F-4D97-AF65-F5344CB8AC3E}">
-        <p14:creationId xmlns:p14="http://schemas.microsoft.com/office/powerpoint/2010/main" val="2200498609"/>
+        <p14:creationId xmlns:p14="http://schemas.microsoft.com/office/powerpoint/2010/main" val="1651601308"/>
       </p:ext>
     </p:extLst>
   </p:cSld>
@@ -2062,13 +4566,7 @@
       </p:grpSpPr>
       <p:sp>
         <p:nvSpPr>
-          <p:cNvPr id="2" name="Date Placeholder 1">
-            <a:extLst>
-              <a:ext uri="{FF2B5EF4-FFF2-40B4-BE49-F238E27FC236}">
-                <a16:creationId xmlns:a16="http://schemas.microsoft.com/office/drawing/2014/main" id="{D498DE06-D41A-4D6F-AF74-6B62B41F65E9}"/>
-              </a:ext>
-            </a:extLst>
-          </p:cNvPr>
+          <p:cNvPr id="7" name="Date Placeholder 1"/>
           <p:cNvSpPr>
             <a:spLocks noGrp="1"/>
           </p:cNvSpPr>
@@ -2091,13 +4589,7 @@
       </p:sp>
       <p:sp>
         <p:nvSpPr>
-          <p:cNvPr id="3" name="Footer Placeholder 2">
-            <a:extLst>
-              <a:ext uri="{FF2B5EF4-FFF2-40B4-BE49-F238E27FC236}">
-                <a16:creationId xmlns:a16="http://schemas.microsoft.com/office/drawing/2014/main" id="{11DBA541-DD01-4F70-9E92-8FBF912385CE}"/>
-              </a:ext>
-            </a:extLst>
-          </p:cNvPr>
+          <p:cNvPr id="5" name="Footer Placeholder 2"/>
           <p:cNvSpPr>
             <a:spLocks noGrp="1"/>
           </p:cNvSpPr>
@@ -2116,13 +4608,7 @@
       </p:sp>
       <p:sp>
         <p:nvSpPr>
-          <p:cNvPr id="4" name="Slide Number Placeholder 3">
-            <a:extLst>
-              <a:ext uri="{FF2B5EF4-FFF2-40B4-BE49-F238E27FC236}">
-                <a16:creationId xmlns:a16="http://schemas.microsoft.com/office/drawing/2014/main" id="{5092B73F-2DD1-41BF-A9CE-799F7138470C}"/>
-              </a:ext>
-            </a:extLst>
-          </p:cNvPr>
+          <p:cNvPr id="6" name="Slide Number Placeholder 3"/>
           <p:cNvSpPr>
             <a:spLocks noGrp="1"/>
           </p:cNvSpPr>
@@ -2146,7 +4632,7 @@
     </p:spTree>
     <p:extLst>
       <p:ext uri="{BB962C8B-B14F-4D97-AF65-F5344CB8AC3E}">
-        <p14:creationId xmlns:p14="http://schemas.microsoft.com/office/powerpoint/2010/main" val="614042593"/>
+        <p14:creationId xmlns:p14="http://schemas.microsoft.com/office/powerpoint/2010/main" val="104433844"/>
       </p:ext>
     </p:extLst>
   </p:cSld>
@@ -2175,13 +4661,7 @@
       </p:grpSpPr>
       <p:sp>
         <p:nvSpPr>
-          <p:cNvPr id="2" name="Title 1">
-            <a:extLst>
-              <a:ext uri="{FF2B5EF4-FFF2-40B4-BE49-F238E27FC236}">
-                <a16:creationId xmlns:a16="http://schemas.microsoft.com/office/drawing/2014/main" id="{33E5FBAE-EDE1-4027-93B0-3C2B66F7089A}"/>
-              </a:ext>
-            </a:extLst>
-          </p:cNvPr>
+          <p:cNvPr id="2" name="Title 1"/>
           <p:cNvSpPr>
             <a:spLocks noGrp="1"/>
           </p:cNvSpPr>
@@ -2191,15 +4671,15 @@
         </p:nvSpPr>
         <p:spPr>
           <a:xfrm>
-            <a:off x="839788" y="457200"/>
-            <a:ext cx="3932237" cy="1600200"/>
+            <a:off x="1154953" y="1447800"/>
+            <a:ext cx="3401064" cy="1447800"/>
           </a:xfrm>
         </p:spPr>
         <p:txBody>
           <a:bodyPr anchor="b"/>
           <a:lstStyle>
-            <a:lvl1pPr>
-              <a:defRPr sz="3200"/>
+            <a:lvl1pPr algn="l">
+              <a:defRPr sz="2400" b="0"/>
             </a:lvl1pPr>
           </a:lstStyle>
           <a:p>
@@ -2207,19 +4687,13 @@
               <a:rPr lang="en-US"/>
               <a:t>Click to edit Master title style</a:t>
             </a:r>
-            <a:endParaRPr lang="en-IN"/>
-          </a:p>
-        </p:txBody>
-      </p:sp>
-      <p:sp>
-        <p:nvSpPr>
-          <p:cNvPr id="3" name="Content Placeholder 2">
-            <a:extLst>
-              <a:ext uri="{FF2B5EF4-FFF2-40B4-BE49-F238E27FC236}">
-                <a16:creationId xmlns:a16="http://schemas.microsoft.com/office/drawing/2014/main" id="{0BDB06B9-ED8F-47BD-9301-B68F6CF49519}"/>
-              </a:ext>
-            </a:extLst>
-          </p:cNvPr>
+            <a:endParaRPr lang="en-US" dirty="0"/>
+          </a:p>
+        </p:txBody>
+      </p:sp>
+      <p:sp>
+        <p:nvSpPr>
+          <p:cNvPr id="3" name="Content Placeholder 2"/>
           <p:cNvSpPr>
             <a:spLocks noGrp="1"/>
           </p:cNvSpPr>
@@ -2229,39 +4703,41 @@
         </p:nvSpPr>
         <p:spPr>
           <a:xfrm>
-            <a:off x="5183188" y="987425"/>
-            <a:ext cx="6172200" cy="4873625"/>
+            <a:off x="4784616" y="1447800"/>
+            <a:ext cx="5195997" cy="4572000"/>
           </a:xfrm>
         </p:spPr>
         <p:txBody>
-          <a:bodyPr/>
+          <a:bodyPr anchor="ctr">
+            <a:normAutofit/>
+          </a:bodyPr>
           <a:lstStyle>
             <a:lvl1pPr>
-              <a:defRPr sz="3200"/>
+              <a:defRPr sz="2000"/>
             </a:lvl1pPr>
             <a:lvl2pPr>
-              <a:defRPr sz="2800"/>
+              <a:defRPr sz="1800"/>
             </a:lvl2pPr>
             <a:lvl3pPr>
-              <a:defRPr sz="2400"/>
+              <a:defRPr sz="1600"/>
             </a:lvl3pPr>
             <a:lvl4pPr>
-              <a:defRPr sz="2000"/>
+              <a:defRPr sz="1400"/>
             </a:lvl4pPr>
             <a:lvl5pPr>
-              <a:defRPr sz="2000"/>
+              <a:defRPr sz="1400"/>
             </a:lvl5pPr>
             <a:lvl6pPr>
-              <a:defRPr sz="2000"/>
+              <a:defRPr sz="1400"/>
             </a:lvl6pPr>
             <a:lvl7pPr>
-              <a:defRPr sz="2000"/>
+              <a:defRPr sz="1400"/>
             </a:lvl7pPr>
             <a:lvl8pPr>
-              <a:defRPr sz="2000"/>
+              <a:defRPr sz="1400"/>
             </a:lvl8pPr>
             <a:lvl9pPr>
-              <a:defRPr sz="2000"/>
+              <a:defRPr sz="1400"/>
             </a:lvl9pPr>
           </a:lstStyle>
           <a:p>
@@ -2298,19 +4774,13 @@
               <a:rPr lang="en-US"/>
               <a:t>Fifth level</a:t>
             </a:r>
-            <a:endParaRPr lang="en-IN"/>
-          </a:p>
-        </p:txBody>
-      </p:sp>
-      <p:sp>
-        <p:nvSpPr>
-          <p:cNvPr id="4" name="Text Placeholder 3">
-            <a:extLst>
-              <a:ext uri="{FF2B5EF4-FFF2-40B4-BE49-F238E27FC236}">
-                <a16:creationId xmlns:a16="http://schemas.microsoft.com/office/drawing/2014/main" id="{D9F6F39F-AACA-4C3F-A9DA-BE193F347083}"/>
-              </a:ext>
-            </a:extLst>
-          </p:cNvPr>
+            <a:endParaRPr lang="en-US" dirty="0"/>
+          </a:p>
+        </p:txBody>
+      </p:sp>
+      <p:sp>
+        <p:nvSpPr>
+          <p:cNvPr id="4" name="Text Placeholder 3"/>
           <p:cNvSpPr>
             <a:spLocks noGrp="1"/>
           </p:cNvSpPr>
@@ -2320,8 +4790,8 @@
         </p:nvSpPr>
         <p:spPr>
           <a:xfrm>
-            <a:off x="839788" y="2057400"/>
-            <a:ext cx="3932237" cy="3811588"/>
+            <a:off x="1154953" y="3129280"/>
+            <a:ext cx="3401063" cy="2895599"/>
           </a:xfrm>
         </p:spPr>
         <p:txBody>
@@ -2329,39 +4799,39 @@
           <a:lstStyle>
             <a:lvl1pPr marL="0" indent="0">
               <a:buNone/>
-              <a:defRPr sz="1600"/>
+              <a:defRPr sz="1400"/>
             </a:lvl1pPr>
             <a:lvl2pPr marL="457200" indent="0">
               <a:buNone/>
-              <a:defRPr sz="1400"/>
+              <a:defRPr sz="1200"/>
             </a:lvl2pPr>
             <a:lvl3pPr marL="914400" indent="0">
               <a:buNone/>
-              <a:defRPr sz="1200"/>
+              <a:defRPr sz="1000"/>
             </a:lvl3pPr>
             <a:lvl4pPr marL="1371600" indent="0">
               <a:buNone/>
-              <a:defRPr sz="1000"/>
+              <a:defRPr sz="900"/>
             </a:lvl4pPr>
             <a:lvl5pPr marL="1828800" indent="0">
               <a:buNone/>
-              <a:defRPr sz="1000"/>
+              <a:defRPr sz="900"/>
             </a:lvl5pPr>
             <a:lvl6pPr marL="2286000" indent="0">
               <a:buNone/>
-              <a:defRPr sz="1000"/>
+              <a:defRPr sz="900"/>
             </a:lvl6pPr>
             <a:lvl7pPr marL="2743200" indent="0">
               <a:buNone/>
-              <a:defRPr sz="1000"/>
+              <a:defRPr sz="900"/>
             </a:lvl7pPr>
             <a:lvl8pPr marL="3200400" indent="0">
               <a:buNone/>
-              <a:defRPr sz="1000"/>
+              <a:defRPr sz="900"/>
             </a:lvl8pPr>
             <a:lvl9pPr marL="3657600" indent="0">
               <a:buNone/>
-              <a:defRPr sz="1000"/>
+              <a:defRPr sz="900"/>
             </a:lvl9pPr>
           </a:lstStyle>
           <a:p>
@@ -2375,13 +4845,7 @@
       </p:sp>
       <p:sp>
         <p:nvSpPr>
-          <p:cNvPr id="5" name="Date Placeholder 4">
-            <a:extLst>
-              <a:ext uri="{FF2B5EF4-FFF2-40B4-BE49-F238E27FC236}">
-                <a16:creationId xmlns:a16="http://schemas.microsoft.com/office/drawing/2014/main" id="{1F517EA6-E7CF-413B-89A4-000EDA1C49E1}"/>
-              </a:ext>
-            </a:extLst>
-          </p:cNvPr>
+          <p:cNvPr id="7" name="Date Placeholder 4"/>
           <p:cNvSpPr>
             <a:spLocks noGrp="1"/>
           </p:cNvSpPr>
@@ -2404,13 +4868,7 @@
       </p:sp>
       <p:sp>
         <p:nvSpPr>
-          <p:cNvPr id="6" name="Footer Placeholder 5">
-            <a:extLst>
-              <a:ext uri="{FF2B5EF4-FFF2-40B4-BE49-F238E27FC236}">
-                <a16:creationId xmlns:a16="http://schemas.microsoft.com/office/drawing/2014/main" id="{E8C3AD3B-9C8D-4CD6-857E-86B5A2D3F6DC}"/>
-              </a:ext>
-            </a:extLst>
-          </p:cNvPr>
+          <p:cNvPr id="5" name="Footer Placeholder 5"/>
           <p:cNvSpPr>
             <a:spLocks noGrp="1"/>
           </p:cNvSpPr>
@@ -2429,13 +4887,7 @@
       </p:sp>
       <p:sp>
         <p:nvSpPr>
-          <p:cNvPr id="7" name="Slide Number Placeholder 6">
-            <a:extLst>
-              <a:ext uri="{FF2B5EF4-FFF2-40B4-BE49-F238E27FC236}">
-                <a16:creationId xmlns:a16="http://schemas.microsoft.com/office/drawing/2014/main" id="{5D015F06-1708-4C81-AA61-8B930F8EE03B}"/>
-              </a:ext>
-            </a:extLst>
-          </p:cNvPr>
+          <p:cNvPr id="6" name="Slide Number Placeholder 6"/>
           <p:cNvSpPr>
             <a:spLocks noGrp="1"/>
           </p:cNvSpPr>
@@ -2459,7 +4911,7 @@
     </p:spTree>
     <p:extLst>
       <p:ext uri="{BB962C8B-B14F-4D97-AF65-F5344CB8AC3E}">
-        <p14:creationId xmlns:p14="http://schemas.microsoft.com/office/powerpoint/2010/main" val="3917937474"/>
+        <p14:creationId xmlns:p14="http://schemas.microsoft.com/office/powerpoint/2010/main" val="521197998"/>
       </p:ext>
     </p:extLst>
   </p:cSld>
@@ -2488,13 +4940,7 @@
       </p:grpSpPr>
       <p:sp>
         <p:nvSpPr>
-          <p:cNvPr id="2" name="Title 1">
-            <a:extLst>
-              <a:ext uri="{FF2B5EF4-FFF2-40B4-BE49-F238E27FC236}">
-                <a16:creationId xmlns:a16="http://schemas.microsoft.com/office/drawing/2014/main" id="{9B14D261-BF1F-40B0-8B36-122CD29E180F}"/>
-              </a:ext>
-            </a:extLst>
-          </p:cNvPr>
+          <p:cNvPr id="2" name="Title 1"/>
           <p:cNvSpPr>
             <a:spLocks noGrp="1"/>
           </p:cNvSpPr>
@@ -2504,15 +4950,17 @@
         </p:nvSpPr>
         <p:spPr>
           <a:xfrm>
-            <a:off x="839788" y="457200"/>
-            <a:ext cx="3932237" cy="1600200"/>
+            <a:off x="1153907" y="1854192"/>
+            <a:ext cx="5092906" cy="1574808"/>
           </a:xfrm>
         </p:spPr>
         <p:txBody>
-          <a:bodyPr anchor="b"/>
+          <a:bodyPr anchor="b">
+            <a:normAutofit/>
+          </a:bodyPr>
           <a:lstStyle>
-            <a:lvl1pPr>
-              <a:defRPr sz="3200"/>
+            <a:lvl1pPr algn="l">
+              <a:defRPr sz="3600" b="0"/>
             </a:lvl1pPr>
           </a:lstStyle>
           <a:p>
@@ -2520,21 +4968,15 @@
               <a:rPr lang="en-US"/>
               <a:t>Click to edit Master title style</a:t>
             </a:r>
-            <a:endParaRPr lang="en-IN"/>
-          </a:p>
-        </p:txBody>
-      </p:sp>
-      <p:sp>
-        <p:nvSpPr>
-          <p:cNvPr id="3" name="Picture Placeholder 2">
-            <a:extLst>
-              <a:ext uri="{FF2B5EF4-FFF2-40B4-BE49-F238E27FC236}">
-                <a16:creationId xmlns:a16="http://schemas.microsoft.com/office/drawing/2014/main" id="{A3FA2DB8-933A-40B4-896D-999888FB0008}"/>
-              </a:ext>
-            </a:extLst>
-          </p:cNvPr>
-          <p:cNvSpPr>
-            <a:spLocks noGrp="1"/>
+            <a:endParaRPr lang="en-US" dirty="0"/>
+          </a:p>
+        </p:txBody>
+      </p:sp>
+      <p:sp>
+        <p:nvSpPr>
+          <p:cNvPr id="3" name="Picture Placeholder 2"/>
+          <p:cNvSpPr>
+            <a:spLocks noGrp="1" noChangeAspect="1"/>
           </p:cNvSpPr>
           <p:nvPr>
             <p:ph type="pic" idx="1"/>
@@ -2542,118 +4984,132 @@
         </p:nvSpPr>
         <p:spPr>
           <a:xfrm>
-            <a:off x="5183188" y="987425"/>
-            <a:ext cx="6172200" cy="4873625"/>
+            <a:off x="6949546" y="1143000"/>
+            <a:ext cx="3200400" cy="4572000"/>
           </a:xfrm>
+          <a:prstGeom prst="roundRect">
+            <a:avLst>
+              <a:gd name="adj" fmla="val 1858"/>
+            </a:avLst>
+          </a:prstGeom>
+          <a:effectLst>
+            <a:outerShdw blurRad="50800" dist="50800" dir="5400000" algn="tl" rotWithShape="0">
+              <a:srgbClr val="000000">
+                <a:alpha val="43000"/>
+              </a:srgbClr>
+            </a:outerShdw>
+          </a:effectLst>
         </p:spPr>
         <p:txBody>
-          <a:bodyPr/>
+          <a:bodyPr anchor="t">
+            <a:normAutofit/>
+          </a:bodyPr>
           <a:lstStyle>
-            <a:lvl1pPr marL="0" indent="0">
-              <a:buNone/>
-              <a:defRPr sz="3200"/>
-            </a:lvl1pPr>
-            <a:lvl2pPr marL="457200" indent="0">
-              <a:buNone/>
-              <a:defRPr sz="2800"/>
-            </a:lvl2pPr>
-            <a:lvl3pPr marL="914400" indent="0">
-              <a:buNone/>
-              <a:defRPr sz="2400"/>
-            </a:lvl3pPr>
-            <a:lvl4pPr marL="1371600" indent="0">
-              <a:buNone/>
-              <a:defRPr sz="2000"/>
-            </a:lvl4pPr>
-            <a:lvl5pPr marL="1828800" indent="0">
-              <a:buNone/>
-              <a:defRPr sz="2000"/>
-            </a:lvl5pPr>
-            <a:lvl6pPr marL="2286000" indent="0">
-              <a:buNone/>
-              <a:defRPr sz="2000"/>
-            </a:lvl6pPr>
-            <a:lvl7pPr marL="2743200" indent="0">
-              <a:buNone/>
-              <a:defRPr sz="2000"/>
-            </a:lvl7pPr>
-            <a:lvl8pPr marL="3200400" indent="0">
-              <a:buNone/>
-              <a:defRPr sz="2000"/>
-            </a:lvl8pPr>
-            <a:lvl9pPr marL="3657600" indent="0">
-              <a:buNone/>
-              <a:defRPr sz="2000"/>
-            </a:lvl9pPr>
-          </a:lstStyle>
-          <a:p>
-            <a:endParaRPr lang="en-IN"/>
-          </a:p>
-        </p:txBody>
-      </p:sp>
-      <p:sp>
-        <p:nvSpPr>
-          <p:cNvPr id="4" name="Text Placeholder 3">
-            <a:extLst>
-              <a:ext uri="{FF2B5EF4-FFF2-40B4-BE49-F238E27FC236}">
-                <a16:creationId xmlns:a16="http://schemas.microsoft.com/office/drawing/2014/main" id="{67339AEF-21C9-4CDA-9BE2-A4AAF7BDFFEB}"/>
-              </a:ext>
-            </a:extLst>
-          </p:cNvPr>
-          <p:cNvSpPr>
-            <a:spLocks noGrp="1"/>
-          </p:cNvSpPr>
-          <p:nvPr>
-            <p:ph type="body" sz="half" idx="2"/>
-          </p:nvPr>
-        </p:nvSpPr>
-        <p:spPr>
-          <a:xfrm>
-            <a:off x="839788" y="2057400"/>
-            <a:ext cx="3932237" cy="3811588"/>
-          </a:xfrm>
-        </p:spPr>
-        <p:txBody>
-          <a:bodyPr/>
-          <a:lstStyle>
-            <a:lvl1pPr marL="0" indent="0">
+            <a:lvl1pPr marL="0" indent="0" algn="ctr">
               <a:buNone/>
               <a:defRPr sz="1600"/>
             </a:lvl1pPr>
             <a:lvl2pPr marL="457200" indent="0">
               <a:buNone/>
-              <a:defRPr sz="1400"/>
+              <a:defRPr sz="1600"/>
             </a:lvl2pPr>
             <a:lvl3pPr marL="914400" indent="0">
               <a:buNone/>
-              <a:defRPr sz="1200"/>
+              <a:defRPr sz="1600"/>
             </a:lvl3pPr>
             <a:lvl4pPr marL="1371600" indent="0">
               <a:buNone/>
-              <a:defRPr sz="1000"/>
+              <a:defRPr sz="1600"/>
             </a:lvl4pPr>
             <a:lvl5pPr marL="1828800" indent="0">
               <a:buNone/>
-              <a:defRPr sz="1000"/>
+              <a:defRPr sz="1600"/>
             </a:lvl5pPr>
             <a:lvl6pPr marL="2286000" indent="0">
               <a:buNone/>
-              <a:defRPr sz="1000"/>
+              <a:defRPr sz="1600"/>
             </a:lvl6pPr>
             <a:lvl7pPr marL="2743200" indent="0">
               <a:buNone/>
-              <a:defRPr sz="1000"/>
+              <a:defRPr sz="1600"/>
             </a:lvl7pPr>
             <a:lvl8pPr marL="3200400" indent="0">
               <a:buNone/>
-              <a:defRPr sz="1000"/>
+              <a:defRPr sz="1600"/>
             </a:lvl8pPr>
             <a:lvl9pPr marL="3657600" indent="0">
               <a:buNone/>
-              <a:defRPr sz="1000"/>
+              <a:defRPr sz="1600"/>
             </a:lvl9pPr>
           </a:lstStyle>
           <a:p>
+            <a:r>
+              <a:rPr lang="en-US"/>
+              <a:t>Click icon to add picture</a:t>
+            </a:r>
+            <a:endParaRPr lang="en-US" dirty="0"/>
+          </a:p>
+        </p:txBody>
+      </p:sp>
+      <p:sp>
+        <p:nvSpPr>
+          <p:cNvPr id="4" name="Text Placeholder 3"/>
+          <p:cNvSpPr>
+            <a:spLocks noGrp="1"/>
+          </p:cNvSpPr>
+          <p:nvPr>
+            <p:ph type="body" sz="half" idx="2"/>
+          </p:nvPr>
+        </p:nvSpPr>
+        <p:spPr>
+          <a:xfrm>
+            <a:off x="1154954" y="3657600"/>
+            <a:ext cx="5084979" cy="1371600"/>
+          </a:xfrm>
+        </p:spPr>
+        <p:txBody>
+          <a:bodyPr>
+            <a:normAutofit/>
+          </a:bodyPr>
+          <a:lstStyle>
+            <a:lvl1pPr marL="0" indent="0">
+              <a:buNone/>
+              <a:defRPr sz="1400"/>
+            </a:lvl1pPr>
+            <a:lvl2pPr marL="457200" indent="0">
+              <a:buNone/>
+              <a:defRPr sz="1200"/>
+            </a:lvl2pPr>
+            <a:lvl3pPr marL="914400" indent="0">
+              <a:buNone/>
+              <a:defRPr sz="1000"/>
+            </a:lvl3pPr>
+            <a:lvl4pPr marL="1371600" indent="0">
+              <a:buNone/>
+              <a:defRPr sz="900"/>
+            </a:lvl4pPr>
+            <a:lvl5pPr marL="1828800" indent="0">
+              <a:buNone/>
+              <a:defRPr sz="900"/>
+            </a:lvl5pPr>
+            <a:lvl6pPr marL="2286000" indent="0">
+              <a:buNone/>
+              <a:defRPr sz="900"/>
+            </a:lvl6pPr>
+            <a:lvl7pPr marL="2743200" indent="0">
+              <a:buNone/>
+              <a:defRPr sz="900"/>
+            </a:lvl7pPr>
+            <a:lvl8pPr marL="3200400" indent="0">
+              <a:buNone/>
+              <a:defRPr sz="900"/>
+            </a:lvl8pPr>
+            <a:lvl9pPr marL="3657600" indent="0">
+              <a:buNone/>
+              <a:defRPr sz="900"/>
+            </a:lvl9pPr>
+          </a:lstStyle>
+          <a:p>
             <a:pPr lvl="0"/>
             <a:r>
               <a:rPr lang="en-US"/>
@@ -2664,13 +5120,7 @@
       </p:sp>
       <p:sp>
         <p:nvSpPr>
-          <p:cNvPr id="5" name="Date Placeholder 4">
-            <a:extLst>
-              <a:ext uri="{FF2B5EF4-FFF2-40B4-BE49-F238E27FC236}">
-                <a16:creationId xmlns:a16="http://schemas.microsoft.com/office/drawing/2014/main" id="{9E99F6F7-D588-4050-975F-2BEB24F76330}"/>
-              </a:ext>
-            </a:extLst>
-          </p:cNvPr>
+          <p:cNvPr id="5" name="Date Placeholder 4"/>
           <p:cNvSpPr>
             <a:spLocks noGrp="1"/>
           </p:cNvSpPr>
@@ -2693,13 +5143,7 @@
       </p:sp>
       <p:sp>
         <p:nvSpPr>
-          <p:cNvPr id="6" name="Footer Placeholder 5">
-            <a:extLst>
-              <a:ext uri="{FF2B5EF4-FFF2-40B4-BE49-F238E27FC236}">
-                <a16:creationId xmlns:a16="http://schemas.microsoft.com/office/drawing/2014/main" id="{7B276403-3CDC-47C7-ACD5-221EB61CDA4F}"/>
-              </a:ext>
-            </a:extLst>
-          </p:cNvPr>
+          <p:cNvPr id="6" name="Footer Placeholder 5"/>
           <p:cNvSpPr>
             <a:spLocks noGrp="1"/>
           </p:cNvSpPr>
@@ -2718,13 +5162,7 @@
       </p:sp>
       <p:sp>
         <p:nvSpPr>
-          <p:cNvPr id="7" name="Slide Number Placeholder 6">
-            <a:extLst>
-              <a:ext uri="{FF2B5EF4-FFF2-40B4-BE49-F238E27FC236}">
-                <a16:creationId xmlns:a16="http://schemas.microsoft.com/office/drawing/2014/main" id="{D76E4989-46CE-46F0-BD54-75E474C1C536}"/>
-              </a:ext>
-            </a:extLst>
-          </p:cNvPr>
+          <p:cNvPr id="7" name="Slide Number Placeholder 6"/>
           <p:cNvSpPr>
             <a:spLocks noGrp="1"/>
           </p:cNvSpPr>
@@ -2748,7 +5186,7 @@
     </p:spTree>
     <p:extLst>
       <p:ext uri="{BB962C8B-B14F-4D97-AF65-F5344CB8AC3E}">
-        <p14:creationId xmlns:p14="http://schemas.microsoft.com/office/powerpoint/2010/main" val="982002350"/>
+        <p14:creationId xmlns:p14="http://schemas.microsoft.com/office/powerpoint/2010/main" val="245719390"/>
       </p:ext>
     </p:extLst>
   </p:cSld>
@@ -2762,8 +5200,8 @@
 <p:sldMaster xmlns:a="http://schemas.openxmlformats.org/drawingml/2006/main" xmlns:r="http://schemas.openxmlformats.org/officeDocument/2006/relationships" xmlns:p="http://schemas.openxmlformats.org/presentationml/2006/main">
   <p:cSld>
     <p:bg>
-      <p:bgRef idx="1001">
-        <a:schemeClr val="bg1"/>
+      <p:bgRef idx="1003">
+        <a:schemeClr val="bg2"/>
       </p:bgRef>
     </p:bg>
     <p:spTree>
@@ -2780,143 +5218,420 @@
           <a:chExt cx="0" cy="0"/>
         </a:xfrm>
       </p:grpSpPr>
-      <p:sp>
-        <p:nvSpPr>
-          <p:cNvPr id="2" name="Title Placeholder 1">
+      <p:pic>
+        <p:nvPicPr>
+          <p:cNvPr id="8" name="Picture 7"/>
+          <p:cNvPicPr>
+            <a:picLocks noChangeAspect="1"/>
+          </p:cNvPicPr>
+          <p:nvPr/>
+        </p:nvPicPr>
+        <p:blipFill rotWithShape="1">
+          <a:blip r:embed="rId19">
             <a:extLst>
-              <a:ext uri="{FF2B5EF4-FFF2-40B4-BE49-F238E27FC236}">
-                <a16:creationId xmlns:a16="http://schemas.microsoft.com/office/drawing/2014/main" id="{92E3CA1C-DE34-4851-8C85-7885B232808D}"/>
+              <a:ext uri="{28A0092B-C50C-407E-A947-70E740481C1C}">
+                <a14:useLocalDpi xmlns:a14="http://schemas.microsoft.com/office/drawing/2010/main" val="0"/>
               </a:ext>
             </a:extLst>
-          </p:cNvPr>
-          <p:cNvSpPr>
-            <a:spLocks noGrp="1"/>
-          </p:cNvSpPr>
-          <p:nvPr>
-            <p:ph type="title"/>
-          </p:nvPr>
-        </p:nvSpPr>
+          </a:blip>
+          <a:srcRect l="3613"/>
+          <a:stretch/>
+        </p:blipFill>
         <p:spPr>
           <a:xfrm>
-            <a:off x="838200" y="365125"/>
-            <a:ext cx="10515600" cy="1325563"/>
+            <a:off x="0" y="2669685"/>
+            <a:ext cx="4037012" cy="4188315"/>
           </a:xfrm>
           <a:prstGeom prst="rect">
             <a:avLst/>
           </a:prstGeom>
         </p:spPr>
-        <p:txBody>
-          <a:bodyPr vert="horz" lIns="91440" tIns="45720" rIns="91440" bIns="45720" rtlCol="0" anchor="ctr">
-            <a:normAutofit/>
-          </a:bodyPr>
-          <a:lstStyle/>
-          <a:p>
-            <a:r>
-              <a:rPr lang="en-US"/>
-              <a:t>Click to edit Master title style</a:t>
-            </a:r>
-            <a:endParaRPr lang="en-IN"/>
-          </a:p>
-        </p:txBody>
-      </p:sp>
-      <p:sp>
-        <p:nvSpPr>
-          <p:cNvPr id="3" name="Text Placeholder 2">
+      </p:pic>
+      <p:pic>
+        <p:nvPicPr>
+          <p:cNvPr id="7" name="Picture 6"/>
+          <p:cNvPicPr>
+            <a:picLocks noChangeAspect="1"/>
+          </p:cNvPicPr>
+          <p:nvPr/>
+        </p:nvPicPr>
+        <p:blipFill rotWithShape="1">
+          <a:blip r:embed="rId20">
             <a:extLst>
-              <a:ext uri="{FF2B5EF4-FFF2-40B4-BE49-F238E27FC236}">
-                <a16:creationId xmlns:a16="http://schemas.microsoft.com/office/drawing/2014/main" id="{D79C4D8F-41DC-4A52-879B-2A56269136D7}"/>
+              <a:ext uri="{28A0092B-C50C-407E-A947-70E740481C1C}">
+                <a14:useLocalDpi xmlns:a14="http://schemas.microsoft.com/office/drawing/2010/main" val="0"/>
               </a:ext>
             </a:extLst>
-          </p:cNvPr>
-          <p:cNvSpPr>
-            <a:spLocks noGrp="1"/>
-          </p:cNvSpPr>
-          <p:nvPr>
-            <p:ph type="body" idx="1"/>
-          </p:nvPr>
-        </p:nvSpPr>
+          </a:blip>
+          <a:srcRect l="35640"/>
+          <a:stretch/>
+        </p:blipFill>
         <p:spPr>
           <a:xfrm>
-            <a:off x="838200" y="1825625"/>
-            <a:ext cx="10515600" cy="4351338"/>
+            <a:off x="0" y="2892347"/>
+            <a:ext cx="1522412" cy="2365453"/>
           </a:xfrm>
           <a:prstGeom prst="rect">
             <a:avLst/>
           </a:prstGeom>
         </p:spPr>
-        <p:txBody>
-          <a:bodyPr vert="horz" lIns="91440" tIns="45720" rIns="91440" bIns="45720" rtlCol="0">
-            <a:normAutofit/>
-          </a:bodyPr>
-          <a:lstStyle/>
-          <a:p>
-            <a:pPr lvl="0"/>
-            <a:r>
-              <a:rPr lang="en-US"/>
-              <a:t>Click to edit Master text styles</a:t>
-            </a:r>
-          </a:p>
-          <a:p>
-            <a:pPr lvl="1"/>
-            <a:r>
-              <a:rPr lang="en-US"/>
-              <a:t>Second level</a:t>
-            </a:r>
-          </a:p>
-          <a:p>
-            <a:pPr lvl="2"/>
-            <a:r>
-              <a:rPr lang="en-US"/>
-              <a:t>Third level</a:t>
-            </a:r>
-          </a:p>
-          <a:p>
-            <a:pPr lvl="3"/>
-            <a:r>
-              <a:rPr lang="en-US"/>
-              <a:t>Fourth level</a:t>
-            </a:r>
-          </a:p>
-          <a:p>
-            <a:pPr lvl="4"/>
-            <a:r>
-              <a:rPr lang="en-US"/>
-              <a:t>Fifth level</a:t>
-            </a:r>
-            <a:endParaRPr lang="en-IN"/>
-          </a:p>
-        </p:txBody>
-      </p:sp>
-      <p:sp>
-        <p:nvSpPr>
-          <p:cNvPr id="4" name="Date Placeholder 3">
+      </p:pic>
+      <p:sp>
+        <p:nvSpPr>
+          <p:cNvPr id="16" name="Oval 15"/>
+          <p:cNvSpPr/>
+          <p:nvPr/>
+        </p:nvSpPr>
+        <p:spPr>
+          <a:xfrm>
+            <a:off x="8609012" y="1676400"/>
+            <a:ext cx="2819400" cy="2819400"/>
+          </a:xfrm>
+          <a:prstGeom prst="ellipse">
+            <a:avLst/>
+          </a:prstGeom>
+          <a:gradFill flip="none" rotWithShape="1">
+            <a:gsLst>
+              <a:gs pos="0">
+                <a:schemeClr val="bg2">
+                  <a:lumMod val="60000"/>
+                  <a:lumOff val="40000"/>
+                  <a:alpha val="7000"/>
+                </a:schemeClr>
+              </a:gs>
+              <a:gs pos="69000">
+                <a:schemeClr val="bg2">
+                  <a:lumMod val="60000"/>
+                  <a:lumOff val="40000"/>
+                  <a:alpha val="0"/>
+                </a:schemeClr>
+              </a:gs>
+              <a:gs pos="36000">
+                <a:schemeClr val="bg2">
+                  <a:lumMod val="60000"/>
+                  <a:lumOff val="40000"/>
+                  <a:alpha val="6000"/>
+                </a:schemeClr>
+              </a:gs>
+            </a:gsLst>
+            <a:path path="circle">
+              <a:fillToRect l="50000" t="50000" r="50000" b="50000"/>
+            </a:path>
+            <a:tileRect/>
+          </a:gradFill>
+          <a:ln>
+            <a:noFill/>
+          </a:ln>
+          <a:effectLst/>
+        </p:spPr>
+        <p:style>
+          <a:lnRef idx="1">
+            <a:schemeClr val="accent1"/>
+          </a:lnRef>
+          <a:fillRef idx="3">
+            <a:schemeClr val="accent1"/>
+          </a:fillRef>
+          <a:effectRef idx="2">
+            <a:schemeClr val="accent1"/>
+          </a:effectRef>
+          <a:fontRef idx="minor">
+            <a:schemeClr val="lt1"/>
+          </a:fontRef>
+        </p:style>
+      </p:sp>
+      <p:pic>
+        <p:nvPicPr>
+          <p:cNvPr id="9" name="Picture 8"/>
+          <p:cNvPicPr>
+            <a:picLocks noChangeAspect="1"/>
+          </p:cNvPicPr>
+          <p:nvPr/>
+        </p:nvPicPr>
+        <p:blipFill rotWithShape="1">
+          <a:blip r:embed="rId21">
             <a:extLst>
-              <a:ext uri="{FF2B5EF4-FFF2-40B4-BE49-F238E27FC236}">
-                <a16:creationId xmlns:a16="http://schemas.microsoft.com/office/drawing/2014/main" id="{6D7FF2E7-387F-41ED-A5F7-A258F592A157}"/>
+              <a:ext uri="{28A0092B-C50C-407E-A947-70E740481C1C}">
+                <a14:useLocalDpi xmlns:a14="http://schemas.microsoft.com/office/drawing/2010/main" val="0"/>
               </a:ext>
             </a:extLst>
-          </p:cNvPr>
-          <p:cNvSpPr>
-            <a:spLocks noGrp="1"/>
-          </p:cNvSpPr>
-          <p:nvPr>
-            <p:ph type="dt" sz="half" idx="2"/>
-          </p:nvPr>
-        </p:nvSpPr>
+          </a:blip>
+          <a:srcRect t="28813"/>
+          <a:stretch/>
+        </p:blipFill>
         <p:spPr>
           <a:xfrm>
-            <a:off x="838200" y="6356350"/>
-            <a:ext cx="2743200" cy="365125"/>
+            <a:off x="7999412" y="0"/>
+            <a:ext cx="1603387" cy="1141407"/>
           </a:xfrm>
           <a:prstGeom prst="rect">
             <a:avLst/>
           </a:prstGeom>
         </p:spPr>
-        <p:txBody>
-          <a:bodyPr vert="horz" lIns="91440" tIns="45720" rIns="91440" bIns="45720" rtlCol="0" anchor="ctr"/>
+      </p:pic>
+      <p:pic>
+        <p:nvPicPr>
+          <p:cNvPr id="10" name="Picture 9"/>
+          <p:cNvPicPr>
+            <a:picLocks noChangeAspect="1"/>
+          </p:cNvPicPr>
+          <p:nvPr/>
+        </p:nvPicPr>
+        <p:blipFill rotWithShape="1">
+          <a:blip r:embed="rId22">
+            <a:extLst>
+              <a:ext uri="{28A0092B-C50C-407E-A947-70E740481C1C}">
+                <a14:useLocalDpi xmlns:a14="http://schemas.microsoft.com/office/drawing/2010/main" val="0"/>
+              </a:ext>
+            </a:extLst>
+          </a:blip>
+          <a:srcRect b="23320"/>
+          <a:stretch/>
+        </p:blipFill>
+        <p:spPr>
+          <a:xfrm>
+            <a:off x="8605878" y="6096000"/>
+            <a:ext cx="993734" cy="762000"/>
+          </a:xfrm>
+          <a:prstGeom prst="rect">
+            <a:avLst/>
+          </a:prstGeom>
+        </p:spPr>
+      </p:pic>
+      <p:sp>
+        <p:nvSpPr>
+          <p:cNvPr id="14" name="Rectangle 13"/>
+          <p:cNvSpPr/>
+          <p:nvPr/>
+        </p:nvSpPr>
+        <p:spPr>
+          <a:xfrm>
+            <a:off x="10437812" y="0"/>
+            <a:ext cx="685800" cy="1143000"/>
+          </a:xfrm>
+          <a:prstGeom prst="rect">
+            <a:avLst/>
+          </a:prstGeom>
+          <a:solidFill>
+            <a:schemeClr val="accent1"/>
+          </a:solidFill>
+          <a:ln>
+            <a:noFill/>
+          </a:ln>
+        </p:spPr>
+        <p:style>
+          <a:lnRef idx="1">
+            <a:schemeClr val="accent1"/>
+          </a:lnRef>
+          <a:fillRef idx="3">
+            <a:schemeClr val="accent1"/>
+          </a:fillRef>
+          <a:effectRef idx="2">
+            <a:schemeClr val="accent1"/>
+          </a:effectRef>
+          <a:fontRef idx="minor">
+            <a:schemeClr val="lt1"/>
+          </a:fontRef>
+        </p:style>
+      </p:sp>
+      <p:sp>
+        <p:nvSpPr>
+          <p:cNvPr id="2" name="Title Placeholder 1"/>
+          <p:cNvSpPr>
+            <a:spLocks noGrp="1"/>
+          </p:cNvSpPr>
+          <p:nvPr>
+            <p:ph type="title"/>
+          </p:nvPr>
+        </p:nvSpPr>
+        <p:spPr>
+          <a:xfrm>
+            <a:off x="646111" y="452718"/>
+            <a:ext cx="9404723" cy="1400530"/>
+          </a:xfrm>
+          <a:prstGeom prst="rect">
+            <a:avLst/>
+          </a:prstGeom>
+        </p:spPr>
+        <p:txBody>
+          <a:bodyPr vert="horz" lIns="91440" tIns="45720" rIns="91440" bIns="45720" rtlCol="0" anchor="t">
+            <a:noAutofit/>
+          </a:bodyPr>
+          <a:lstStyle/>
+          <a:p>
+            <a:r>
+              <a:rPr lang="en-US"/>
+              <a:t>Click to edit Master title style</a:t>
+            </a:r>
+            <a:endParaRPr lang="en-US" dirty="0"/>
+          </a:p>
+        </p:txBody>
+      </p:sp>
+      <p:sp>
+        <p:nvSpPr>
+          <p:cNvPr id="3" name="Text Placeholder 2"/>
+          <p:cNvSpPr>
+            <a:spLocks noGrp="1"/>
+          </p:cNvSpPr>
+          <p:nvPr>
+            <p:ph type="body" idx="1"/>
+          </p:nvPr>
+        </p:nvSpPr>
+        <p:spPr>
+          <a:xfrm>
+            <a:off x="1103312" y="2052918"/>
+            <a:ext cx="8946541" cy="4195481"/>
+          </a:xfrm>
+          <a:prstGeom prst="rect">
+            <a:avLst/>
+          </a:prstGeom>
+        </p:spPr>
+        <p:txBody>
+          <a:bodyPr vert="horz" lIns="91440" tIns="45720" rIns="91440" bIns="45720" rtlCol="0">
+            <a:normAutofit/>
+          </a:bodyPr>
+          <a:lstStyle/>
+          <a:p>
+            <a:pPr lvl="0"/>
+            <a:r>
+              <a:rPr lang="en-US"/>
+              <a:t>Click to edit Master text styles</a:t>
+            </a:r>
+          </a:p>
+          <a:p>
+            <a:pPr lvl="1"/>
+            <a:r>
+              <a:rPr lang="en-US"/>
+              <a:t>Second level</a:t>
+            </a:r>
+          </a:p>
+          <a:p>
+            <a:pPr lvl="2"/>
+            <a:r>
+              <a:rPr lang="en-US"/>
+              <a:t>Third level</a:t>
+            </a:r>
+          </a:p>
+          <a:p>
+            <a:pPr lvl="3"/>
+            <a:r>
+              <a:rPr lang="en-US"/>
+              <a:t>Fourth level</a:t>
+            </a:r>
+          </a:p>
+          <a:p>
+            <a:pPr lvl="4"/>
+            <a:r>
+              <a:rPr lang="en-US"/>
+              <a:t>Fifth level</a:t>
+            </a:r>
+            <a:endParaRPr lang="en-US" dirty="0"/>
+          </a:p>
+        </p:txBody>
+      </p:sp>
+      <p:sp>
+        <p:nvSpPr>
+          <p:cNvPr id="4" name="Date Placeholder 3"/>
+          <p:cNvSpPr>
+            <a:spLocks noGrp="1"/>
+          </p:cNvSpPr>
+          <p:nvPr>
+            <p:ph type="dt" sz="half" idx="2"/>
+          </p:nvPr>
+        </p:nvSpPr>
+        <p:spPr>
+          <a:xfrm rot="5400000">
+            <a:off x="10155639" y="1790701"/>
+            <a:ext cx="990599" cy="304799"/>
+          </a:xfrm>
+          <a:prstGeom prst="rect">
+            <a:avLst/>
+          </a:prstGeom>
+        </p:spPr>
+        <p:txBody>
+          <a:bodyPr vert="horz" lIns="91440" tIns="45720" rIns="91440" bIns="45720" rtlCol="0" anchor="t"/>
           <a:lstStyle>
             <a:lvl1pPr algn="l">
-              <a:defRPr sz="1200">
+              <a:defRPr sz="1100" b="0" i="0">
+                <a:solidFill>
+                  <a:schemeClr val="tx1">
+                    <a:tint val="75000"/>
+                    <a:alpha val="60000"/>
+                  </a:schemeClr>
+                </a:solidFill>
+              </a:defRPr>
+            </a:lvl1pPr>
+          </a:lstStyle>
+          <a:p>
+            <a:fld id="{196A9782-DDD8-4320-9083-74C1B0D6F4EC}" type="datetimeFigureOut">
+              <a:rPr lang="en-IN" smtClean="0"/>
+              <a:t>2020/07/14</a:t>
+            </a:fld>
+            <a:endParaRPr lang="en-IN"/>
+          </a:p>
+        </p:txBody>
+      </p:sp>
+      <p:sp>
+        <p:nvSpPr>
+          <p:cNvPr id="5" name="Footer Placeholder 4"/>
+          <p:cNvSpPr>
+            <a:spLocks noGrp="1"/>
+          </p:cNvSpPr>
+          <p:nvPr>
+            <p:ph type="ftr" sz="quarter" idx="3"/>
+          </p:nvPr>
+        </p:nvSpPr>
+        <p:spPr>
+          <a:xfrm rot="5400000">
+            <a:off x="8951573" y="3225297"/>
+            <a:ext cx="3859795" cy="304801"/>
+          </a:xfrm>
+          <a:prstGeom prst="rect">
+            <a:avLst/>
+          </a:prstGeom>
+        </p:spPr>
+        <p:txBody>
+          <a:bodyPr vert="horz" lIns="91440" tIns="45720" rIns="91440" bIns="45720" rtlCol="0" anchor="b"/>
+          <a:lstStyle>
+            <a:lvl1pPr algn="l">
+              <a:defRPr sz="1100" b="0" i="0">
+                <a:solidFill>
+                  <a:schemeClr val="tx1">
+                    <a:tint val="75000"/>
+                    <a:alpha val="60000"/>
+                  </a:schemeClr>
+                </a:solidFill>
+              </a:defRPr>
+            </a:lvl1pPr>
+          </a:lstStyle>
+          <a:p>
+            <a:endParaRPr lang="en-IN"/>
+          </a:p>
+        </p:txBody>
+      </p:sp>
+      <p:sp>
+        <p:nvSpPr>
+          <p:cNvPr id="6" name="Slide Number Placeholder 5"/>
+          <p:cNvSpPr>
+            <a:spLocks noGrp="1"/>
+          </p:cNvSpPr>
+          <p:nvPr>
+            <p:ph type="sldNum" sz="quarter" idx="4"/>
+          </p:nvPr>
+        </p:nvSpPr>
+        <p:spPr bwMode="gray">
+          <a:xfrm>
+            <a:off x="10352540" y="295729"/>
+            <a:ext cx="838199" cy="767687"/>
+          </a:xfrm>
+          <a:prstGeom prst="rect">
+            <a:avLst/>
+          </a:prstGeom>
+        </p:spPr>
+        <p:txBody>
+          <a:bodyPr vert="horz" lIns="91440" tIns="45720" rIns="91440" bIns="45720" rtlCol="0" anchor="b"/>
+          <a:lstStyle>
+            <a:lvl1pPr algn="ctr">
+              <a:defRPr sz="2800" b="0" i="0">
                 <a:solidFill>
                   <a:schemeClr val="tx1">
                     <a:tint val="75000"/>
@@ -2926,96 +5641,6 @@
             </a:lvl1pPr>
           </a:lstStyle>
           <a:p>
-            <a:fld id="{196A9782-DDD8-4320-9083-74C1B0D6F4EC}" type="datetimeFigureOut">
-              <a:rPr lang="en-IN" smtClean="0"/>
-              <a:t>2020/07/14</a:t>
-            </a:fld>
-            <a:endParaRPr lang="en-IN"/>
-          </a:p>
-        </p:txBody>
-      </p:sp>
-      <p:sp>
-        <p:nvSpPr>
-          <p:cNvPr id="5" name="Footer Placeholder 4">
-            <a:extLst>
-              <a:ext uri="{FF2B5EF4-FFF2-40B4-BE49-F238E27FC236}">
-                <a16:creationId xmlns:a16="http://schemas.microsoft.com/office/drawing/2014/main" id="{F4222733-0CE4-415A-87C1-7BC5E02C2C04}"/>
-              </a:ext>
-            </a:extLst>
-          </p:cNvPr>
-          <p:cNvSpPr>
-            <a:spLocks noGrp="1"/>
-          </p:cNvSpPr>
-          <p:nvPr>
-            <p:ph type="ftr" sz="quarter" idx="3"/>
-          </p:nvPr>
-        </p:nvSpPr>
-        <p:spPr>
-          <a:xfrm>
-            <a:off x="4038600" y="6356350"/>
-            <a:ext cx="4114800" cy="365125"/>
-          </a:xfrm>
-          <a:prstGeom prst="rect">
-            <a:avLst/>
-          </a:prstGeom>
-        </p:spPr>
-        <p:txBody>
-          <a:bodyPr vert="horz" lIns="91440" tIns="45720" rIns="91440" bIns="45720" rtlCol="0" anchor="ctr"/>
-          <a:lstStyle>
-            <a:lvl1pPr algn="ctr">
-              <a:defRPr sz="1200">
-                <a:solidFill>
-                  <a:schemeClr val="tx1">
-                    <a:tint val="75000"/>
-                  </a:schemeClr>
-                </a:solidFill>
-              </a:defRPr>
-            </a:lvl1pPr>
-          </a:lstStyle>
-          <a:p>
-            <a:endParaRPr lang="en-IN"/>
-          </a:p>
-        </p:txBody>
-      </p:sp>
-      <p:sp>
-        <p:nvSpPr>
-          <p:cNvPr id="6" name="Slide Number Placeholder 5">
-            <a:extLst>
-              <a:ext uri="{FF2B5EF4-FFF2-40B4-BE49-F238E27FC236}">
-                <a16:creationId xmlns:a16="http://schemas.microsoft.com/office/drawing/2014/main" id="{B07907AC-7FFD-4891-A4A6-34182EDC4CF8}"/>
-              </a:ext>
-            </a:extLst>
-          </p:cNvPr>
-          <p:cNvSpPr>
-            <a:spLocks noGrp="1"/>
-          </p:cNvSpPr>
-          <p:nvPr>
-            <p:ph type="sldNum" sz="quarter" idx="4"/>
-          </p:nvPr>
-        </p:nvSpPr>
-        <p:spPr>
-          <a:xfrm>
-            <a:off x="8610600" y="6356350"/>
-            <a:ext cx="2743200" cy="365125"/>
-          </a:xfrm>
-          <a:prstGeom prst="rect">
-            <a:avLst/>
-          </a:prstGeom>
-        </p:spPr>
-        <p:txBody>
-          <a:bodyPr vert="horz" lIns="91440" tIns="45720" rIns="91440" bIns="45720" rtlCol="0" anchor="ctr"/>
-          <a:lstStyle>
-            <a:lvl1pPr algn="r">
-              <a:defRPr sz="1200">
-                <a:solidFill>
-                  <a:schemeClr val="tx1">
-                    <a:tint val="75000"/>
-                  </a:schemeClr>
-                </a:solidFill>
-              </a:defRPr>
-            </a:lvl1pPr>
-          </a:lstStyle>
-          <a:p>
             <a:fld id="{B0934C4B-494C-4345-98AD-060CF3C50BA2}" type="slidenum">
               <a:rPr lang="en-IN" smtClean="0"/>
               <a:t>‹#›</a:t>
@@ -3027,35 +5652,121 @@
     </p:spTree>
     <p:extLst>
       <p:ext uri="{BB962C8B-B14F-4D97-AF65-F5344CB8AC3E}">
-        <p14:creationId xmlns:p14="http://schemas.microsoft.com/office/powerpoint/2010/main" val="1664784963"/>
+        <p14:creationId xmlns:p14="http://schemas.microsoft.com/office/powerpoint/2010/main" val="3408770377"/>
       </p:ext>
     </p:extLst>
   </p:cSld>
-  <p:clrMap bg1="lt1" tx1="dk1" bg2="lt2" tx2="dk2" accent1="accent1" accent2="accent2" accent3="accent3" accent4="accent4" accent5="accent5" accent6="accent6" hlink="hlink" folHlink="folHlink"/>
+  <p:clrMap bg1="dk1" tx1="lt1" bg2="dk2" tx2="lt2" accent1="accent1" accent2="accent2" accent3="accent3" accent4="accent4" accent5="accent5" accent6="accent6" hlink="hlink" folHlink="folHlink"/>
   <p:sldLayoutIdLst>
-    <p:sldLayoutId id="2147483649" r:id="rId1"/>
-    <p:sldLayoutId id="2147483650" r:id="rId2"/>
-    <p:sldLayoutId id="2147483651" r:id="rId3"/>
-    <p:sldLayoutId id="2147483652" r:id="rId4"/>
-    <p:sldLayoutId id="2147483653" r:id="rId5"/>
-    <p:sldLayoutId id="2147483654" r:id="rId6"/>
-    <p:sldLayoutId id="2147483655" r:id="rId7"/>
-    <p:sldLayoutId id="2147483656" r:id="rId8"/>
-    <p:sldLayoutId id="2147483657" r:id="rId9"/>
-    <p:sldLayoutId id="2147483658" r:id="rId10"/>
-    <p:sldLayoutId id="2147483659" r:id="rId11"/>
+    <p:sldLayoutId id="2147483661" r:id="rId1"/>
+    <p:sldLayoutId id="2147483662" r:id="rId2"/>
+    <p:sldLayoutId id="2147483663" r:id="rId3"/>
+    <p:sldLayoutId id="2147483664" r:id="rId4"/>
+    <p:sldLayoutId id="2147483665" r:id="rId5"/>
+    <p:sldLayoutId id="2147483666" r:id="rId6"/>
+    <p:sldLayoutId id="2147483667" r:id="rId7"/>
+    <p:sldLayoutId id="2147483668" r:id="rId8"/>
+    <p:sldLayoutId id="2147483669" r:id="rId9"/>
+    <p:sldLayoutId id="2147483670" r:id="rId10"/>
+    <p:sldLayoutId id="2147483671" r:id="rId11"/>
+    <p:sldLayoutId id="2147483672" r:id="rId12"/>
+    <p:sldLayoutId id="2147483673" r:id="rId13"/>
+    <p:sldLayoutId id="2147483674" r:id="rId14"/>
+    <p:sldLayoutId id="2147483675" r:id="rId15"/>
+    <p:sldLayoutId id="2147483676" r:id="rId16"/>
+    <p:sldLayoutId id="2147483677" r:id="rId17"/>
   </p:sldLayoutIdLst>
   <p:txStyles>
     <p:titleStyle>
-      <a:lvl1pPr algn="l" defTabSz="914400" rtl="0" eaLnBrk="1" latinLnBrk="0" hangingPunct="1">
-        <a:lnSpc>
-          <a:spcPct val="90000"/>
-        </a:lnSpc>
+      <a:lvl1pPr algn="l" defTabSz="457200" rtl="0" eaLnBrk="1" latinLnBrk="0" hangingPunct="1">
         <a:spcBef>
           <a:spcPct val="0"/>
         </a:spcBef>
         <a:buNone/>
-        <a:defRPr sz="4400" kern="1200">
+        <a:defRPr sz="4200" b="0" i="0" kern="1200">
+          <a:solidFill>
+            <a:schemeClr val="tx2"/>
+          </a:solidFill>
+          <a:latin typeface="+mj-lt"/>
+          <a:ea typeface="+mj-ea"/>
+          <a:cs typeface="+mj-cs"/>
+        </a:defRPr>
+      </a:lvl1pPr>
+      <a:lvl2pPr eaLnBrk="1" hangingPunct="1">
+        <a:defRPr>
+          <a:solidFill>
+            <a:schemeClr val="tx2"/>
+          </a:solidFill>
+        </a:defRPr>
+      </a:lvl2pPr>
+      <a:lvl3pPr eaLnBrk="1" hangingPunct="1">
+        <a:defRPr>
+          <a:solidFill>
+            <a:schemeClr val="tx2"/>
+          </a:solidFill>
+        </a:defRPr>
+      </a:lvl3pPr>
+      <a:lvl4pPr eaLnBrk="1" hangingPunct="1">
+        <a:defRPr>
+          <a:solidFill>
+            <a:schemeClr val="tx2"/>
+          </a:solidFill>
+        </a:defRPr>
+      </a:lvl4pPr>
+      <a:lvl5pPr eaLnBrk="1" hangingPunct="1">
+        <a:defRPr>
+          <a:solidFill>
+            <a:schemeClr val="tx2"/>
+          </a:solidFill>
+        </a:defRPr>
+      </a:lvl5pPr>
+      <a:lvl6pPr eaLnBrk="1" hangingPunct="1">
+        <a:defRPr>
+          <a:solidFill>
+            <a:schemeClr val="tx2"/>
+          </a:solidFill>
+        </a:defRPr>
+      </a:lvl6pPr>
+      <a:lvl7pPr eaLnBrk="1" hangingPunct="1">
+        <a:defRPr>
+          <a:solidFill>
+            <a:schemeClr val="tx2"/>
+          </a:solidFill>
+        </a:defRPr>
+      </a:lvl7pPr>
+      <a:lvl8pPr eaLnBrk="1" hangingPunct="1">
+        <a:defRPr>
+          <a:solidFill>
+            <a:schemeClr val="tx2"/>
+          </a:solidFill>
+        </a:defRPr>
+      </a:lvl8pPr>
+      <a:lvl9pPr eaLnBrk="1" hangingPunct="1">
+        <a:defRPr>
+          <a:solidFill>
+            <a:schemeClr val="tx2"/>
+          </a:solidFill>
+        </a:defRPr>
+      </a:lvl9pPr>
+    </p:titleStyle>
+    <p:bodyStyle>
+      <a:lvl1pPr marL="342900" indent="-342900" algn="l" defTabSz="457200" rtl="0" eaLnBrk="1" latinLnBrk="0" hangingPunct="1">
+        <a:spcBef>
+          <a:spcPts val="1000"/>
+        </a:spcBef>
+        <a:spcAft>
+          <a:spcPts val="0"/>
+        </a:spcAft>
+        <a:buClr>
+          <a:schemeClr val="bg2">
+            <a:lumMod val="40000"/>
+            <a:lumOff val="60000"/>
+          </a:schemeClr>
+        </a:buClr>
+        <a:buSzPct val="80000"/>
+        <a:buFont typeface="Wingdings 3" charset="2"/>
+        <a:buChar char=""/>
+        <a:defRPr sz="2000" b="0" i="0" kern="1200">
           <a:solidFill>
             <a:schemeClr val="tx1"/>
           </a:solidFill>
@@ -3064,18 +5775,213 @@
           <a:cs typeface="+mj-cs"/>
         </a:defRPr>
       </a:lvl1pPr>
-    </p:titleStyle>
-    <p:bodyStyle>
-      <a:lvl1pPr marL="228600" indent="-228600" algn="l" defTabSz="914400" rtl="0" eaLnBrk="1" latinLnBrk="0" hangingPunct="1">
-        <a:lnSpc>
-          <a:spcPct val="90000"/>
-        </a:lnSpc>
+      <a:lvl2pPr marL="742950" indent="-285750" algn="l" defTabSz="457200" rtl="0" eaLnBrk="1" latinLnBrk="0" hangingPunct="1">
         <a:spcBef>
           <a:spcPts val="1000"/>
         </a:spcBef>
-        <a:buFont typeface="Arial" panose="020B0604020202020204" pitchFamily="34" charset="0"/>
-        <a:buChar char="•"/>
-        <a:defRPr sz="2800" kern="1200">
+        <a:spcAft>
+          <a:spcPts val="0"/>
+        </a:spcAft>
+        <a:buClr>
+          <a:schemeClr val="bg2">
+            <a:lumMod val="40000"/>
+            <a:lumOff val="60000"/>
+          </a:schemeClr>
+        </a:buClr>
+        <a:buSzPct val="80000"/>
+        <a:buFont typeface="Wingdings 3" charset="2"/>
+        <a:buChar char=""/>
+        <a:defRPr sz="1800" b="0" i="0" kern="1200">
+          <a:solidFill>
+            <a:schemeClr val="tx1"/>
+          </a:solidFill>
+          <a:latin typeface="+mj-lt"/>
+          <a:ea typeface="+mj-ea"/>
+          <a:cs typeface="+mj-cs"/>
+        </a:defRPr>
+      </a:lvl2pPr>
+      <a:lvl3pPr marL="1143000" indent="-228600" algn="l" defTabSz="457200" rtl="0" eaLnBrk="1" latinLnBrk="0" hangingPunct="1">
+        <a:spcBef>
+          <a:spcPts val="1000"/>
+        </a:spcBef>
+        <a:spcAft>
+          <a:spcPts val="0"/>
+        </a:spcAft>
+        <a:buClr>
+          <a:schemeClr val="bg2">
+            <a:lumMod val="40000"/>
+            <a:lumOff val="60000"/>
+          </a:schemeClr>
+        </a:buClr>
+        <a:buSzPct val="80000"/>
+        <a:buFont typeface="Wingdings 3" charset="2"/>
+        <a:buChar char=""/>
+        <a:defRPr sz="1600" b="0" i="0" kern="1200">
+          <a:solidFill>
+            <a:schemeClr val="tx1"/>
+          </a:solidFill>
+          <a:latin typeface="+mj-lt"/>
+          <a:ea typeface="+mj-ea"/>
+          <a:cs typeface="+mj-cs"/>
+        </a:defRPr>
+      </a:lvl3pPr>
+      <a:lvl4pPr marL="1600200" indent="-228600" algn="l" defTabSz="457200" rtl="0" eaLnBrk="1" latinLnBrk="0" hangingPunct="1">
+        <a:spcBef>
+          <a:spcPts val="1000"/>
+        </a:spcBef>
+        <a:spcAft>
+          <a:spcPts val="0"/>
+        </a:spcAft>
+        <a:buClr>
+          <a:schemeClr val="bg2">
+            <a:lumMod val="40000"/>
+            <a:lumOff val="60000"/>
+          </a:schemeClr>
+        </a:buClr>
+        <a:buSzPct val="80000"/>
+        <a:buFont typeface="Wingdings 3" charset="2"/>
+        <a:buChar char=""/>
+        <a:defRPr sz="1400" b="0" i="0" kern="1200">
+          <a:solidFill>
+            <a:schemeClr val="tx1"/>
+          </a:solidFill>
+          <a:latin typeface="+mj-lt"/>
+          <a:ea typeface="+mj-ea"/>
+          <a:cs typeface="+mj-cs"/>
+        </a:defRPr>
+      </a:lvl4pPr>
+      <a:lvl5pPr marL="2057400" indent="-228600" algn="l" defTabSz="457200" rtl="0" eaLnBrk="1" latinLnBrk="0" hangingPunct="1">
+        <a:spcBef>
+          <a:spcPts val="1000"/>
+        </a:spcBef>
+        <a:spcAft>
+          <a:spcPts val="0"/>
+        </a:spcAft>
+        <a:buClr>
+          <a:schemeClr val="bg2">
+            <a:lumMod val="40000"/>
+            <a:lumOff val="60000"/>
+          </a:schemeClr>
+        </a:buClr>
+        <a:buSzPct val="80000"/>
+        <a:buFont typeface="Wingdings 3" charset="2"/>
+        <a:buChar char=""/>
+        <a:defRPr sz="1400" b="0" i="0" kern="1200">
+          <a:solidFill>
+            <a:schemeClr val="tx1"/>
+          </a:solidFill>
+          <a:latin typeface="+mj-lt"/>
+          <a:ea typeface="+mj-ea"/>
+          <a:cs typeface="+mj-cs"/>
+        </a:defRPr>
+      </a:lvl5pPr>
+      <a:lvl6pPr marL="2506000" indent="-228600" algn="l" defTabSz="457200" rtl="0" eaLnBrk="1" latinLnBrk="0" hangingPunct="1">
+        <a:spcBef>
+          <a:spcPts val="1000"/>
+        </a:spcBef>
+        <a:spcAft>
+          <a:spcPts val="0"/>
+        </a:spcAft>
+        <a:buClr>
+          <a:schemeClr val="bg2">
+            <a:lumMod val="40000"/>
+            <a:lumOff val="60000"/>
+          </a:schemeClr>
+        </a:buClr>
+        <a:buSzPct val="80000"/>
+        <a:buFont typeface="Wingdings 3" charset="2"/>
+        <a:buChar char=""/>
+        <a:defRPr sz="1400" b="0" i="0" kern="1200">
+          <a:solidFill>
+            <a:schemeClr val="tx1"/>
+          </a:solidFill>
+          <a:latin typeface="+mj-lt"/>
+          <a:ea typeface="+mj-ea"/>
+          <a:cs typeface="+mj-cs"/>
+        </a:defRPr>
+      </a:lvl6pPr>
+      <a:lvl7pPr marL="2971800" indent="-228600" algn="l" defTabSz="457200" rtl="0" eaLnBrk="1" latinLnBrk="0" hangingPunct="1">
+        <a:spcBef>
+          <a:spcPts val="1000"/>
+        </a:spcBef>
+        <a:spcAft>
+          <a:spcPts val="0"/>
+        </a:spcAft>
+        <a:buClr>
+          <a:schemeClr val="bg2">
+            <a:lumMod val="40000"/>
+            <a:lumOff val="60000"/>
+          </a:schemeClr>
+        </a:buClr>
+        <a:buSzPct val="80000"/>
+        <a:buFont typeface="Wingdings 3" charset="2"/>
+        <a:buChar char=""/>
+        <a:defRPr sz="1400" b="0" i="0" kern="1200">
+          <a:solidFill>
+            <a:schemeClr val="tx1"/>
+          </a:solidFill>
+          <a:latin typeface="+mj-lt"/>
+          <a:ea typeface="+mj-ea"/>
+          <a:cs typeface="+mj-cs"/>
+        </a:defRPr>
+      </a:lvl7pPr>
+      <a:lvl8pPr marL="3429000" indent="-228600" algn="l" defTabSz="457200" rtl="0" eaLnBrk="1" latinLnBrk="0" hangingPunct="1">
+        <a:spcBef>
+          <a:spcPts val="1000"/>
+        </a:spcBef>
+        <a:spcAft>
+          <a:spcPts val="0"/>
+        </a:spcAft>
+        <a:buClr>
+          <a:schemeClr val="bg2">
+            <a:lumMod val="40000"/>
+            <a:lumOff val="60000"/>
+          </a:schemeClr>
+        </a:buClr>
+        <a:buSzPct val="80000"/>
+        <a:buFont typeface="Wingdings 3" charset="2"/>
+        <a:buChar char=""/>
+        <a:defRPr sz="1400" b="0" i="0" kern="1200">
+          <a:solidFill>
+            <a:schemeClr val="tx1"/>
+          </a:solidFill>
+          <a:latin typeface="+mj-lt"/>
+          <a:ea typeface="+mj-ea"/>
+          <a:cs typeface="+mj-cs"/>
+        </a:defRPr>
+      </a:lvl8pPr>
+      <a:lvl9pPr marL="3886200" indent="-228600" algn="l" defTabSz="457200" rtl="0" eaLnBrk="1" latinLnBrk="0" hangingPunct="1">
+        <a:spcBef>
+          <a:spcPts val="1000"/>
+        </a:spcBef>
+        <a:spcAft>
+          <a:spcPts val="0"/>
+        </a:spcAft>
+        <a:buClr>
+          <a:schemeClr val="bg2">
+            <a:lumMod val="40000"/>
+            <a:lumOff val="60000"/>
+          </a:schemeClr>
+        </a:buClr>
+        <a:buSzPct val="80000"/>
+        <a:buFont typeface="Wingdings 3" charset="2"/>
+        <a:buChar char=""/>
+        <a:defRPr sz="1400" b="0" i="0" kern="1200">
+          <a:solidFill>
+            <a:schemeClr val="tx1"/>
+          </a:solidFill>
+          <a:latin typeface="+mj-lt"/>
+          <a:ea typeface="+mj-ea"/>
+          <a:cs typeface="+mj-cs"/>
+        </a:defRPr>
+      </a:lvl9pPr>
+    </p:bodyStyle>
+    <p:otherStyle>
+      <a:defPPr>
+        <a:defRPr lang="en-US"/>
+      </a:defPPr>
+      <a:lvl1pPr marL="0" algn="l" defTabSz="457200" rtl="0" eaLnBrk="1" latinLnBrk="0" hangingPunct="1">
+        <a:defRPr sz="1800" kern="1200">
           <a:solidFill>
             <a:schemeClr val="tx1"/>
           </a:solidFill>
@@ -3084,16 +5990,8 @@
           <a:cs typeface="+mn-cs"/>
         </a:defRPr>
       </a:lvl1pPr>
-      <a:lvl2pPr marL="685800" indent="-228600" algn="l" defTabSz="914400" rtl="0" eaLnBrk="1" latinLnBrk="0" hangingPunct="1">
-        <a:lnSpc>
-          <a:spcPct val="90000"/>
-        </a:lnSpc>
-        <a:spcBef>
-          <a:spcPts val="500"/>
-        </a:spcBef>
-        <a:buFont typeface="Arial" panose="020B0604020202020204" pitchFamily="34" charset="0"/>
-        <a:buChar char="•"/>
-        <a:defRPr sz="2400" kern="1200">
+      <a:lvl2pPr marL="457200" algn="l" defTabSz="457200" rtl="0" eaLnBrk="1" latinLnBrk="0" hangingPunct="1">
+        <a:defRPr sz="1800" kern="1200">
           <a:solidFill>
             <a:schemeClr val="tx1"/>
           </a:solidFill>
@@ -3102,16 +6000,8 @@
           <a:cs typeface="+mn-cs"/>
         </a:defRPr>
       </a:lvl2pPr>
-      <a:lvl3pPr marL="1143000" indent="-228600" algn="l" defTabSz="914400" rtl="0" eaLnBrk="1" latinLnBrk="0" hangingPunct="1">
-        <a:lnSpc>
-          <a:spcPct val="90000"/>
-        </a:lnSpc>
-        <a:spcBef>
-          <a:spcPts val="500"/>
-        </a:spcBef>
-        <a:buFont typeface="Arial" panose="020B0604020202020204" pitchFamily="34" charset="0"/>
-        <a:buChar char="•"/>
-        <a:defRPr sz="2000" kern="1200">
+      <a:lvl3pPr marL="914400" algn="l" defTabSz="457200" rtl="0" eaLnBrk="1" latinLnBrk="0" hangingPunct="1">
+        <a:defRPr sz="1800" kern="1200">
           <a:solidFill>
             <a:schemeClr val="tx1"/>
           </a:solidFill>
@@ -3120,15 +6010,7 @@
           <a:cs typeface="+mn-cs"/>
         </a:defRPr>
       </a:lvl3pPr>
-      <a:lvl4pPr marL="1600200" indent="-228600" algn="l" defTabSz="914400" rtl="0" eaLnBrk="1" latinLnBrk="0" hangingPunct="1">
-        <a:lnSpc>
-          <a:spcPct val="90000"/>
-        </a:lnSpc>
-        <a:spcBef>
-          <a:spcPts val="500"/>
-        </a:spcBef>
-        <a:buFont typeface="Arial" panose="020B0604020202020204" pitchFamily="34" charset="0"/>
-        <a:buChar char="•"/>
+      <a:lvl4pPr marL="1371600" algn="l" defTabSz="457200" rtl="0" eaLnBrk="1" latinLnBrk="0" hangingPunct="1">
         <a:defRPr sz="1800" kern="1200">
           <a:solidFill>
             <a:schemeClr val="tx1"/>
@@ -3138,15 +6020,7 @@
           <a:cs typeface="+mn-cs"/>
         </a:defRPr>
       </a:lvl4pPr>
-      <a:lvl5pPr marL="2057400" indent="-228600" algn="l" defTabSz="914400" rtl="0" eaLnBrk="1" latinLnBrk="0" hangingPunct="1">
-        <a:lnSpc>
-          <a:spcPct val="90000"/>
-        </a:lnSpc>
-        <a:spcBef>
-          <a:spcPts val="500"/>
-        </a:spcBef>
-        <a:buFont typeface="Arial" panose="020B0604020202020204" pitchFamily="34" charset="0"/>
-        <a:buChar char="•"/>
+      <a:lvl5pPr marL="1828800" algn="l" defTabSz="457200" rtl="0" eaLnBrk="1" latinLnBrk="0" hangingPunct="1">
         <a:defRPr sz="1800" kern="1200">
           <a:solidFill>
             <a:schemeClr val="tx1"/>
@@ -3156,15 +6030,7 @@
           <a:cs typeface="+mn-cs"/>
         </a:defRPr>
       </a:lvl5pPr>
-      <a:lvl6pPr marL="2514600" indent="-228600" algn="l" defTabSz="914400" rtl="0" eaLnBrk="1" latinLnBrk="0" hangingPunct="1">
-        <a:lnSpc>
-          <a:spcPct val="90000"/>
-        </a:lnSpc>
-        <a:spcBef>
-          <a:spcPts val="500"/>
-        </a:spcBef>
-        <a:buFont typeface="Arial" panose="020B0604020202020204" pitchFamily="34" charset="0"/>
-        <a:buChar char="•"/>
+      <a:lvl6pPr marL="2286000" algn="l" defTabSz="457200" rtl="0" eaLnBrk="1" latinLnBrk="0" hangingPunct="1">
         <a:defRPr sz="1800" kern="1200">
           <a:solidFill>
             <a:schemeClr val="tx1"/>
@@ -3174,15 +6040,7 @@
           <a:cs typeface="+mn-cs"/>
         </a:defRPr>
       </a:lvl6pPr>
-      <a:lvl7pPr marL="2971800" indent="-228600" algn="l" defTabSz="914400" rtl="0" eaLnBrk="1" latinLnBrk="0" hangingPunct="1">
-        <a:lnSpc>
-          <a:spcPct val="90000"/>
-        </a:lnSpc>
-        <a:spcBef>
-          <a:spcPts val="500"/>
-        </a:spcBef>
-        <a:buFont typeface="Arial" panose="020B0604020202020204" pitchFamily="34" charset="0"/>
-        <a:buChar char="•"/>
+      <a:lvl7pPr marL="2743200" algn="l" defTabSz="457200" rtl="0" eaLnBrk="1" latinLnBrk="0" hangingPunct="1">
         <a:defRPr sz="1800" kern="1200">
           <a:solidFill>
             <a:schemeClr val="tx1"/>
@@ -3192,15 +6050,7 @@
           <a:cs typeface="+mn-cs"/>
         </a:defRPr>
       </a:lvl7pPr>
-      <a:lvl8pPr marL="3429000" indent="-228600" algn="l" defTabSz="914400" rtl="0" eaLnBrk="1" latinLnBrk="0" hangingPunct="1">
-        <a:lnSpc>
-          <a:spcPct val="90000"/>
-        </a:lnSpc>
-        <a:spcBef>
-          <a:spcPts val="500"/>
-        </a:spcBef>
-        <a:buFont typeface="Arial" panose="020B0604020202020204" pitchFamily="34" charset="0"/>
-        <a:buChar char="•"/>
+      <a:lvl8pPr marL="3200400" algn="l" defTabSz="457200" rtl="0" eaLnBrk="1" latinLnBrk="0" hangingPunct="1">
         <a:defRPr sz="1800" kern="1200">
           <a:solidFill>
             <a:schemeClr val="tx1"/>
@@ -3210,110 +6060,7 @@
           <a:cs typeface="+mn-cs"/>
         </a:defRPr>
       </a:lvl8pPr>
-      <a:lvl9pPr marL="3886200" indent="-228600" algn="l" defTabSz="914400" rtl="0" eaLnBrk="1" latinLnBrk="0" hangingPunct="1">
-        <a:lnSpc>
-          <a:spcPct val="90000"/>
-        </a:lnSpc>
-        <a:spcBef>
-          <a:spcPts val="500"/>
-        </a:spcBef>
-        <a:buFont typeface="Arial" panose="020B0604020202020204" pitchFamily="34" charset="0"/>
-        <a:buChar char="•"/>
-        <a:defRPr sz="1800" kern="1200">
-          <a:solidFill>
-            <a:schemeClr val="tx1"/>
-          </a:solidFill>
-          <a:latin typeface="+mn-lt"/>
-          <a:ea typeface="+mn-ea"/>
-          <a:cs typeface="+mn-cs"/>
-        </a:defRPr>
-      </a:lvl9pPr>
-    </p:bodyStyle>
-    <p:otherStyle>
-      <a:defPPr>
-        <a:defRPr lang="en-US"/>
-      </a:defPPr>
-      <a:lvl1pPr marL="0" algn="l" defTabSz="914400" rtl="0" eaLnBrk="1" latinLnBrk="0" hangingPunct="1">
-        <a:defRPr sz="1800" kern="1200">
-          <a:solidFill>
-            <a:schemeClr val="tx1"/>
-          </a:solidFill>
-          <a:latin typeface="+mn-lt"/>
-          <a:ea typeface="+mn-ea"/>
-          <a:cs typeface="+mn-cs"/>
-        </a:defRPr>
-      </a:lvl1pPr>
-      <a:lvl2pPr marL="457200" algn="l" defTabSz="914400" rtl="0" eaLnBrk="1" latinLnBrk="0" hangingPunct="1">
-        <a:defRPr sz="1800" kern="1200">
-          <a:solidFill>
-            <a:schemeClr val="tx1"/>
-          </a:solidFill>
-          <a:latin typeface="+mn-lt"/>
-          <a:ea typeface="+mn-ea"/>
-          <a:cs typeface="+mn-cs"/>
-        </a:defRPr>
-      </a:lvl2pPr>
-      <a:lvl3pPr marL="914400" algn="l" defTabSz="914400" rtl="0" eaLnBrk="1" latinLnBrk="0" hangingPunct="1">
-        <a:defRPr sz="1800" kern="1200">
-          <a:solidFill>
-            <a:schemeClr val="tx1"/>
-          </a:solidFill>
-          <a:latin typeface="+mn-lt"/>
-          <a:ea typeface="+mn-ea"/>
-          <a:cs typeface="+mn-cs"/>
-        </a:defRPr>
-      </a:lvl3pPr>
-      <a:lvl4pPr marL="1371600" algn="l" defTabSz="914400" rtl="0" eaLnBrk="1" latinLnBrk="0" hangingPunct="1">
-        <a:defRPr sz="1800" kern="1200">
-          <a:solidFill>
-            <a:schemeClr val="tx1"/>
-          </a:solidFill>
-          <a:latin typeface="+mn-lt"/>
-          <a:ea typeface="+mn-ea"/>
-          <a:cs typeface="+mn-cs"/>
-        </a:defRPr>
-      </a:lvl4pPr>
-      <a:lvl5pPr marL="1828800" algn="l" defTabSz="914400" rtl="0" eaLnBrk="1" latinLnBrk="0" hangingPunct="1">
-        <a:defRPr sz="1800" kern="1200">
-          <a:solidFill>
-            <a:schemeClr val="tx1"/>
-          </a:solidFill>
-          <a:latin typeface="+mn-lt"/>
-          <a:ea typeface="+mn-ea"/>
-          <a:cs typeface="+mn-cs"/>
-        </a:defRPr>
-      </a:lvl5pPr>
-      <a:lvl6pPr marL="2286000" algn="l" defTabSz="914400" rtl="0" eaLnBrk="1" latinLnBrk="0" hangingPunct="1">
-        <a:defRPr sz="1800" kern="1200">
-          <a:solidFill>
-            <a:schemeClr val="tx1"/>
-          </a:solidFill>
-          <a:latin typeface="+mn-lt"/>
-          <a:ea typeface="+mn-ea"/>
-          <a:cs typeface="+mn-cs"/>
-        </a:defRPr>
-      </a:lvl6pPr>
-      <a:lvl7pPr marL="2743200" algn="l" defTabSz="914400" rtl="0" eaLnBrk="1" latinLnBrk="0" hangingPunct="1">
-        <a:defRPr sz="1800" kern="1200">
-          <a:solidFill>
-            <a:schemeClr val="tx1"/>
-          </a:solidFill>
-          <a:latin typeface="+mn-lt"/>
-          <a:ea typeface="+mn-ea"/>
-          <a:cs typeface="+mn-cs"/>
-        </a:defRPr>
-      </a:lvl7pPr>
-      <a:lvl8pPr marL="3200400" algn="l" defTabSz="914400" rtl="0" eaLnBrk="1" latinLnBrk="0" hangingPunct="1">
-        <a:defRPr sz="1800" kern="1200">
-          <a:solidFill>
-            <a:schemeClr val="tx1"/>
-          </a:solidFill>
-          <a:latin typeface="+mn-lt"/>
-          <a:ea typeface="+mn-ea"/>
-          <a:cs typeface="+mn-cs"/>
-        </a:defRPr>
-      </a:lvl8pPr>
-      <a:lvl9pPr marL="3657600" algn="l" defTabSz="914400" rtl="0" eaLnBrk="1" latinLnBrk="0" hangingPunct="1">
+      <a:lvl9pPr marL="3657600" algn="l" defTabSz="457200" rtl="0" eaLnBrk="1" latinLnBrk="0" hangingPunct="1">
         <a:defRPr sz="1800" kern="1200">
           <a:solidFill>
             <a:schemeClr val="tx1"/>
@@ -3607,6 +6354,30 @@
             </a:r>
           </a:p>
           <a:p>
+            <a:r>
+              <a:rPr lang="en-IN" dirty="0"/>
+              <a:t>X86 –family 32+64 = 82</a:t>
+            </a:r>
+          </a:p>
+          <a:p>
+            <a:r>
+              <a:rPr lang="en-IN" dirty="0"/>
+              <a:t>64 – 32bit application and 64 bit application</a:t>
+            </a:r>
+          </a:p>
+          <a:p>
+            <a:r>
+              <a:rPr lang="en-IN" dirty="0"/>
+              <a:t>32 bit – 32 bit application</a:t>
+            </a:r>
+          </a:p>
+          <a:p>
+            <a:r>
+              <a:rPr lang="en-IN" dirty="0"/>
+              <a:t>2012 -&gt; 128bit</a:t>
+            </a:r>
+          </a:p>
+          <a:p>
             <a:pPr marL="0" indent="0">
               <a:buNone/>
             </a:pPr>
@@ -3755,10 +6526,811 @@
 </p:sld>
 </file>
 
+<file path=ppt/slides/slide5.xml><?xml version="1.0" encoding="utf-8"?>
+<p:sld xmlns:a="http://schemas.openxmlformats.org/drawingml/2006/main" xmlns:r="http://schemas.openxmlformats.org/officeDocument/2006/relationships" xmlns:p="http://schemas.openxmlformats.org/presentationml/2006/main">
+  <p:cSld>
+    <p:spTree>
+      <p:nvGrpSpPr>
+        <p:cNvPr id="1" name=""/>
+        <p:cNvGrpSpPr/>
+        <p:nvPr/>
+      </p:nvGrpSpPr>
+      <p:grpSpPr>
+        <a:xfrm>
+          <a:off x="0" y="0"/>
+          <a:ext cx="0" cy="0"/>
+          <a:chOff x="0" y="0"/>
+          <a:chExt cx="0" cy="0"/>
+        </a:xfrm>
+      </p:grpSpPr>
+      <p:sp>
+        <p:nvSpPr>
+          <p:cNvPr id="2" name="Title 1">
+            <a:extLst>
+              <a:ext uri="{FF2B5EF4-FFF2-40B4-BE49-F238E27FC236}">
+                <a16:creationId xmlns:a16="http://schemas.microsoft.com/office/drawing/2014/main" id="{CC3F8C22-89AD-479B-B501-D351A1FD5366}"/>
+              </a:ext>
+            </a:extLst>
+          </p:cNvPr>
+          <p:cNvSpPr>
+            <a:spLocks noGrp="1"/>
+          </p:cNvSpPr>
+          <p:nvPr>
+            <p:ph type="title"/>
+          </p:nvPr>
+        </p:nvSpPr>
+        <p:spPr/>
+        <p:txBody>
+          <a:bodyPr/>
+          <a:lstStyle/>
+          <a:p>
+            <a:r>
+              <a:rPr lang="en-IN" dirty="0"/>
+              <a:t>Types of data</a:t>
+            </a:r>
+          </a:p>
+        </p:txBody>
+      </p:sp>
+      <p:sp>
+        <p:nvSpPr>
+          <p:cNvPr id="3" name="Content Placeholder 2">
+            <a:extLst>
+              <a:ext uri="{FF2B5EF4-FFF2-40B4-BE49-F238E27FC236}">
+                <a16:creationId xmlns:a16="http://schemas.microsoft.com/office/drawing/2014/main" id="{1499FD7A-E678-4279-B9C2-3912FA6423E2}"/>
+              </a:ext>
+            </a:extLst>
+          </p:cNvPr>
+          <p:cNvSpPr>
+            <a:spLocks noGrp="1"/>
+          </p:cNvSpPr>
+          <p:nvPr>
+            <p:ph idx="1"/>
+          </p:nvPr>
+        </p:nvSpPr>
+        <p:spPr/>
+        <p:txBody>
+          <a:bodyPr/>
+          <a:lstStyle/>
+          <a:p>
+            <a:r>
+              <a:rPr lang="en-IN" dirty="0"/>
+              <a:t>Structured – Data's will be aligned in row and column format, instead of using processor for searching mechanism they came up with database engine </a:t>
+            </a:r>
+          </a:p>
+          <a:p>
+            <a:pPr lvl="1"/>
+            <a:r>
+              <a:rPr lang="en-IN" dirty="0"/>
+              <a:t>Ex: Database</a:t>
+            </a:r>
+          </a:p>
+          <a:p>
+            <a:r>
+              <a:rPr lang="en-IN" dirty="0"/>
+              <a:t>Unstructured -&gt; it doesn’t have any specified  for to align , Unsorted searching, priority folder and files </a:t>
+            </a:r>
+          </a:p>
+          <a:p>
+            <a:r>
+              <a:rPr lang="en-IN" dirty="0"/>
+              <a:t>Semi-Structured -&gt; Data's will be aligned in row and column format</a:t>
+            </a:r>
+          </a:p>
+          <a:p>
+            <a:pPr lvl="1"/>
+            <a:r>
+              <a:rPr lang="en-IN" dirty="0"/>
+              <a:t>Ex: Excel, XML, Json</a:t>
+            </a:r>
+          </a:p>
+        </p:txBody>
+      </p:sp>
+    </p:spTree>
+    <p:extLst>
+      <p:ext uri="{BB962C8B-B14F-4D97-AF65-F5344CB8AC3E}">
+        <p14:creationId xmlns:p14="http://schemas.microsoft.com/office/powerpoint/2010/main" val="2890219762"/>
+      </p:ext>
+    </p:extLst>
+  </p:cSld>
+  <p:clrMapOvr>
+    <a:masterClrMapping/>
+  </p:clrMapOvr>
+</p:sld>
+</file>
+
+<file path=ppt/slides/slide6.xml><?xml version="1.0" encoding="utf-8"?>
+<p:sld xmlns:a="http://schemas.openxmlformats.org/drawingml/2006/main" xmlns:r="http://schemas.openxmlformats.org/officeDocument/2006/relationships" xmlns:p="http://schemas.openxmlformats.org/presentationml/2006/main">
+  <p:cSld>
+    <p:spTree>
+      <p:nvGrpSpPr>
+        <p:cNvPr id="1" name=""/>
+        <p:cNvGrpSpPr/>
+        <p:nvPr/>
+      </p:nvGrpSpPr>
+      <p:grpSpPr>
+        <a:xfrm>
+          <a:off x="0" y="0"/>
+          <a:ext cx="0" cy="0"/>
+          <a:chOff x="0" y="0"/>
+          <a:chExt cx="0" cy="0"/>
+        </a:xfrm>
+      </p:grpSpPr>
+      <p:sp>
+        <p:nvSpPr>
+          <p:cNvPr id="2" name="Title 1">
+            <a:extLst>
+              <a:ext uri="{FF2B5EF4-FFF2-40B4-BE49-F238E27FC236}">
+                <a16:creationId xmlns:a16="http://schemas.microsoft.com/office/drawing/2014/main" id="{A852127B-78AE-4331-92AF-BA845E7663C6}"/>
+              </a:ext>
+            </a:extLst>
+          </p:cNvPr>
+          <p:cNvSpPr>
+            <a:spLocks noGrp="1"/>
+          </p:cNvSpPr>
+          <p:nvPr>
+            <p:ph type="title"/>
+          </p:nvPr>
+        </p:nvSpPr>
+        <p:spPr/>
+        <p:txBody>
+          <a:bodyPr/>
+          <a:lstStyle/>
+          <a:p>
+            <a:r>
+              <a:rPr lang="en-IN" dirty="0"/>
+              <a:t>Structured Data</a:t>
+            </a:r>
+          </a:p>
+        </p:txBody>
+      </p:sp>
+      <p:graphicFrame>
+        <p:nvGraphicFramePr>
+          <p:cNvPr id="4" name="Table 4">
+            <a:extLst>
+              <a:ext uri="{FF2B5EF4-FFF2-40B4-BE49-F238E27FC236}">
+                <a16:creationId xmlns:a16="http://schemas.microsoft.com/office/drawing/2014/main" id="{34519F95-FE62-4B9B-B4FC-E92E07D8E7F0}"/>
+              </a:ext>
+            </a:extLst>
+          </p:cNvPr>
+          <p:cNvGraphicFramePr>
+            <a:graphicFrameLocks noGrp="1"/>
+          </p:cNvGraphicFramePr>
+          <p:nvPr>
+            <p:ph idx="1"/>
+            <p:extLst>
+              <p:ext uri="{D42A27DB-BD31-4B8C-83A1-F6EECF244321}">
+                <p14:modId xmlns:p14="http://schemas.microsoft.com/office/powerpoint/2010/main" val="1815442868"/>
+              </p:ext>
+            </p:extLst>
+          </p:nvPr>
+        </p:nvGraphicFramePr>
+        <p:xfrm>
+          <a:off x="1103313" y="2052638"/>
+          <a:ext cx="8947149" cy="1854200"/>
+        </p:xfrm>
+        <a:graphic>
+          <a:graphicData uri="http://schemas.openxmlformats.org/drawingml/2006/table">
+            <a:tbl>
+              <a:tblPr firstRow="1" bandRow="1">
+                <a:tableStyleId>{5C22544A-7EE6-4342-B048-85BDC9FD1C3A}</a:tableStyleId>
+              </a:tblPr>
+              <a:tblGrid>
+                <a:gridCol w="2982383">
+                  <a:extLst>
+                    <a:ext uri="{9D8B030D-6E8A-4147-A177-3AD203B41FA5}">
+                      <a16:colId xmlns:a16="http://schemas.microsoft.com/office/drawing/2014/main" val="3846998919"/>
+                    </a:ext>
+                  </a:extLst>
+                </a:gridCol>
+                <a:gridCol w="2982383">
+                  <a:extLst>
+                    <a:ext uri="{9D8B030D-6E8A-4147-A177-3AD203B41FA5}">
+                      <a16:colId xmlns:a16="http://schemas.microsoft.com/office/drawing/2014/main" val="1235686731"/>
+                    </a:ext>
+                  </a:extLst>
+                </a:gridCol>
+                <a:gridCol w="2982383">
+                  <a:extLst>
+                    <a:ext uri="{9D8B030D-6E8A-4147-A177-3AD203B41FA5}">
+                      <a16:colId xmlns:a16="http://schemas.microsoft.com/office/drawing/2014/main" val="21355227"/>
+                    </a:ext>
+                  </a:extLst>
+                </a:gridCol>
+              </a:tblGrid>
+              <a:tr h="370840">
+                <a:tc>
+                  <a:txBody>
+                    <a:bodyPr/>
+                    <a:lstStyle/>
+                    <a:p>
+                      <a:r>
+                        <a:rPr lang="en-IN" dirty="0" err="1"/>
+                        <a:t>rollno</a:t>
+                      </a:r>
+                      <a:endParaRPr lang="en-IN" dirty="0"/>
+                    </a:p>
+                  </a:txBody>
+                  <a:tcPr/>
+                </a:tc>
+                <a:tc>
+                  <a:txBody>
+                    <a:bodyPr/>
+                    <a:lstStyle/>
+                    <a:p>
+                      <a:r>
+                        <a:rPr lang="en-IN" dirty="0"/>
+                        <a:t>name</a:t>
+                      </a:r>
+                    </a:p>
+                  </a:txBody>
+                  <a:tcPr/>
+                </a:tc>
+                <a:tc>
+                  <a:txBody>
+                    <a:bodyPr/>
+                    <a:lstStyle/>
+                    <a:p>
+                      <a:r>
+                        <a:rPr lang="en-IN" dirty="0"/>
+                        <a:t>s1</a:t>
+                      </a:r>
+                    </a:p>
+                  </a:txBody>
+                  <a:tcPr/>
+                </a:tc>
+                <a:extLst>
+                  <a:ext uri="{0D108BD9-81ED-4DB2-BD59-A6C34878D82A}">
+                    <a16:rowId xmlns:a16="http://schemas.microsoft.com/office/drawing/2014/main" val="1422453497"/>
+                  </a:ext>
+                </a:extLst>
+              </a:tr>
+              <a:tr h="370840">
+                <a:tc>
+                  <a:txBody>
+                    <a:bodyPr/>
+                    <a:lstStyle/>
+                    <a:p>
+                      <a:r>
+                        <a:rPr lang="en-IN" dirty="0"/>
+                        <a:t>1</a:t>
+                      </a:r>
+                    </a:p>
+                  </a:txBody>
+                  <a:tcPr/>
+                </a:tc>
+                <a:tc>
+                  <a:txBody>
+                    <a:bodyPr/>
+                    <a:lstStyle/>
+                    <a:p>
+                      <a:r>
+                        <a:rPr lang="en-IN" dirty="0"/>
+                        <a:t>a</a:t>
+                      </a:r>
+                    </a:p>
+                  </a:txBody>
+                  <a:tcPr/>
+                </a:tc>
+                <a:tc>
+                  <a:txBody>
+                    <a:bodyPr/>
+                    <a:lstStyle/>
+                    <a:p>
+                      <a:r>
+                        <a:rPr lang="en-IN" dirty="0"/>
+                        <a:t>40</a:t>
+                      </a:r>
+                    </a:p>
+                  </a:txBody>
+                  <a:tcPr/>
+                </a:tc>
+                <a:extLst>
+                  <a:ext uri="{0D108BD9-81ED-4DB2-BD59-A6C34878D82A}">
+                    <a16:rowId xmlns:a16="http://schemas.microsoft.com/office/drawing/2014/main" val="65845950"/>
+                  </a:ext>
+                </a:extLst>
+              </a:tr>
+              <a:tr h="370840">
+                <a:tc>
+                  <a:txBody>
+                    <a:bodyPr/>
+                    <a:lstStyle/>
+                    <a:p>
+                      <a:r>
+                        <a:rPr lang="en-IN" dirty="0"/>
+                        <a:t>2</a:t>
+                      </a:r>
+                    </a:p>
+                  </a:txBody>
+                  <a:tcPr/>
+                </a:tc>
+                <a:tc>
+                  <a:txBody>
+                    <a:bodyPr/>
+                    <a:lstStyle/>
+                    <a:p>
+                      <a:r>
+                        <a:rPr lang="en-IN" dirty="0"/>
+                        <a:t>b</a:t>
+                      </a:r>
+                    </a:p>
+                  </a:txBody>
+                  <a:tcPr/>
+                </a:tc>
+                <a:tc>
+                  <a:txBody>
+                    <a:bodyPr/>
+                    <a:lstStyle/>
+                    <a:p>
+                      <a:r>
+                        <a:rPr lang="en-IN" dirty="0"/>
+                        <a:t>50</a:t>
+                      </a:r>
+                    </a:p>
+                  </a:txBody>
+                  <a:tcPr/>
+                </a:tc>
+                <a:extLst>
+                  <a:ext uri="{0D108BD9-81ED-4DB2-BD59-A6C34878D82A}">
+                    <a16:rowId xmlns:a16="http://schemas.microsoft.com/office/drawing/2014/main" val="2995092609"/>
+                  </a:ext>
+                </a:extLst>
+              </a:tr>
+              <a:tr h="370840">
+                <a:tc>
+                  <a:txBody>
+                    <a:bodyPr/>
+                    <a:lstStyle/>
+                    <a:p>
+                      <a:r>
+                        <a:rPr lang="en-IN" dirty="0"/>
+                        <a:t>3</a:t>
+                      </a:r>
+                    </a:p>
+                  </a:txBody>
+                  <a:tcPr/>
+                </a:tc>
+                <a:tc>
+                  <a:txBody>
+                    <a:bodyPr/>
+                    <a:lstStyle/>
+                    <a:p>
+                      <a:r>
+                        <a:rPr lang="en-IN" dirty="0"/>
+                        <a:t>c</a:t>
+                      </a:r>
+                    </a:p>
+                  </a:txBody>
+                  <a:tcPr/>
+                </a:tc>
+                <a:tc>
+                  <a:txBody>
+                    <a:bodyPr/>
+                    <a:lstStyle/>
+                    <a:p>
+                      <a:r>
+                        <a:rPr lang="en-IN" dirty="0"/>
+                        <a:t>60</a:t>
+                      </a:r>
+                    </a:p>
+                  </a:txBody>
+                  <a:tcPr/>
+                </a:tc>
+                <a:extLst>
+                  <a:ext uri="{0D108BD9-81ED-4DB2-BD59-A6C34878D82A}">
+                    <a16:rowId xmlns:a16="http://schemas.microsoft.com/office/drawing/2014/main" val="173145572"/>
+                  </a:ext>
+                </a:extLst>
+              </a:tr>
+              <a:tr h="370840">
+                <a:tc>
+                  <a:txBody>
+                    <a:bodyPr/>
+                    <a:lstStyle/>
+                    <a:p>
+                      <a:r>
+                        <a:rPr lang="en-IN" dirty="0"/>
+                        <a:t>4</a:t>
+                      </a:r>
+                    </a:p>
+                  </a:txBody>
+                  <a:tcPr/>
+                </a:tc>
+                <a:tc>
+                  <a:txBody>
+                    <a:bodyPr/>
+                    <a:lstStyle/>
+                    <a:p>
+                      <a:r>
+                        <a:rPr lang="en-IN" dirty="0"/>
+                        <a:t>d</a:t>
+                      </a:r>
+                    </a:p>
+                  </a:txBody>
+                  <a:tcPr/>
+                </a:tc>
+                <a:tc>
+                  <a:txBody>
+                    <a:bodyPr/>
+                    <a:lstStyle/>
+                    <a:p>
+                      <a:r>
+                        <a:rPr lang="en-IN" dirty="0"/>
+                        <a:t>70</a:t>
+                      </a:r>
+                    </a:p>
+                  </a:txBody>
+                  <a:tcPr/>
+                </a:tc>
+                <a:extLst>
+                  <a:ext uri="{0D108BD9-81ED-4DB2-BD59-A6C34878D82A}">
+                    <a16:rowId xmlns:a16="http://schemas.microsoft.com/office/drawing/2014/main" val="3210243033"/>
+                  </a:ext>
+                </a:extLst>
+              </a:tr>
+            </a:tbl>
+          </a:graphicData>
+        </a:graphic>
+      </p:graphicFrame>
+    </p:spTree>
+    <p:extLst>
+      <p:ext uri="{BB962C8B-B14F-4D97-AF65-F5344CB8AC3E}">
+        <p14:creationId xmlns:p14="http://schemas.microsoft.com/office/powerpoint/2010/main" val="202281873"/>
+      </p:ext>
+    </p:extLst>
+  </p:cSld>
+  <p:clrMapOvr>
+    <a:masterClrMapping/>
+  </p:clrMapOvr>
+</p:sld>
+</file>
+
+<file path=ppt/slides/slide7.xml><?xml version="1.0" encoding="utf-8"?>
+<p:sld xmlns:a="http://schemas.openxmlformats.org/drawingml/2006/main" xmlns:r="http://schemas.openxmlformats.org/officeDocument/2006/relationships" xmlns:p="http://schemas.openxmlformats.org/presentationml/2006/main">
+  <p:cSld>
+    <p:spTree>
+      <p:nvGrpSpPr>
+        <p:cNvPr id="1" name=""/>
+        <p:cNvGrpSpPr/>
+        <p:nvPr/>
+      </p:nvGrpSpPr>
+      <p:grpSpPr>
+        <a:xfrm>
+          <a:off x="0" y="0"/>
+          <a:ext cx="0" cy="0"/>
+          <a:chOff x="0" y="0"/>
+          <a:chExt cx="0" cy="0"/>
+        </a:xfrm>
+      </p:grpSpPr>
+      <p:sp>
+        <p:nvSpPr>
+          <p:cNvPr id="2" name="Title 1">
+            <a:extLst>
+              <a:ext uri="{FF2B5EF4-FFF2-40B4-BE49-F238E27FC236}">
+                <a16:creationId xmlns:a16="http://schemas.microsoft.com/office/drawing/2014/main" id="{A852127B-78AE-4331-92AF-BA845E7663C6}"/>
+              </a:ext>
+            </a:extLst>
+          </p:cNvPr>
+          <p:cNvSpPr>
+            <a:spLocks noGrp="1"/>
+          </p:cNvSpPr>
+          <p:nvPr>
+            <p:ph type="title"/>
+          </p:nvPr>
+        </p:nvSpPr>
+        <p:spPr/>
+        <p:txBody>
+          <a:bodyPr/>
+          <a:lstStyle/>
+          <a:p>
+            <a:r>
+              <a:rPr lang="en-IN" dirty="0"/>
+              <a:t>Semi-Structured Data</a:t>
+            </a:r>
+          </a:p>
+        </p:txBody>
+      </p:sp>
+      <p:graphicFrame>
+        <p:nvGraphicFramePr>
+          <p:cNvPr id="4" name="Table 4">
+            <a:extLst>
+              <a:ext uri="{FF2B5EF4-FFF2-40B4-BE49-F238E27FC236}">
+                <a16:creationId xmlns:a16="http://schemas.microsoft.com/office/drawing/2014/main" id="{34519F95-FE62-4B9B-B4FC-E92E07D8E7F0}"/>
+              </a:ext>
+            </a:extLst>
+          </p:cNvPr>
+          <p:cNvGraphicFramePr>
+            <a:graphicFrameLocks noGrp="1"/>
+          </p:cNvGraphicFramePr>
+          <p:nvPr>
+            <p:ph idx="1"/>
+          </p:nvPr>
+        </p:nvGraphicFramePr>
+        <p:xfrm>
+          <a:off x="1103313" y="2052638"/>
+          <a:ext cx="8947149" cy="1854200"/>
+        </p:xfrm>
+        <a:graphic>
+          <a:graphicData uri="http://schemas.openxmlformats.org/drawingml/2006/table">
+            <a:tbl>
+              <a:tblPr firstRow="1" bandRow="1">
+                <a:tableStyleId>{5C22544A-7EE6-4342-B048-85BDC9FD1C3A}</a:tableStyleId>
+              </a:tblPr>
+              <a:tblGrid>
+                <a:gridCol w="2982383">
+                  <a:extLst>
+                    <a:ext uri="{9D8B030D-6E8A-4147-A177-3AD203B41FA5}">
+                      <a16:colId xmlns:a16="http://schemas.microsoft.com/office/drawing/2014/main" val="3846998919"/>
+                    </a:ext>
+                  </a:extLst>
+                </a:gridCol>
+                <a:gridCol w="2982383">
+                  <a:extLst>
+                    <a:ext uri="{9D8B030D-6E8A-4147-A177-3AD203B41FA5}">
+                      <a16:colId xmlns:a16="http://schemas.microsoft.com/office/drawing/2014/main" val="1235686731"/>
+                    </a:ext>
+                  </a:extLst>
+                </a:gridCol>
+                <a:gridCol w="2982383">
+                  <a:extLst>
+                    <a:ext uri="{9D8B030D-6E8A-4147-A177-3AD203B41FA5}">
+                      <a16:colId xmlns:a16="http://schemas.microsoft.com/office/drawing/2014/main" val="21355227"/>
+                    </a:ext>
+                  </a:extLst>
+                </a:gridCol>
+              </a:tblGrid>
+              <a:tr h="370840">
+                <a:tc>
+                  <a:txBody>
+                    <a:bodyPr/>
+                    <a:lstStyle/>
+                    <a:p>
+                      <a:r>
+                        <a:rPr lang="en-IN" dirty="0" err="1"/>
+                        <a:t>rollno</a:t>
+                      </a:r>
+                      <a:endParaRPr lang="en-IN" dirty="0"/>
+                    </a:p>
+                  </a:txBody>
+                  <a:tcPr/>
+                </a:tc>
+                <a:tc>
+                  <a:txBody>
+                    <a:bodyPr/>
+                    <a:lstStyle/>
+                    <a:p>
+                      <a:r>
+                        <a:rPr lang="en-IN" dirty="0"/>
+                        <a:t>name</a:t>
+                      </a:r>
+                    </a:p>
+                  </a:txBody>
+                  <a:tcPr/>
+                </a:tc>
+                <a:tc>
+                  <a:txBody>
+                    <a:bodyPr/>
+                    <a:lstStyle/>
+                    <a:p>
+                      <a:r>
+                        <a:rPr lang="en-IN" dirty="0"/>
+                        <a:t>s1</a:t>
+                      </a:r>
+                    </a:p>
+                  </a:txBody>
+                  <a:tcPr/>
+                </a:tc>
+                <a:extLst>
+                  <a:ext uri="{0D108BD9-81ED-4DB2-BD59-A6C34878D82A}">
+                    <a16:rowId xmlns:a16="http://schemas.microsoft.com/office/drawing/2014/main" val="1422453497"/>
+                  </a:ext>
+                </a:extLst>
+              </a:tr>
+              <a:tr h="370840">
+                <a:tc>
+                  <a:txBody>
+                    <a:bodyPr/>
+                    <a:lstStyle/>
+                    <a:p>
+                      <a:r>
+                        <a:rPr lang="en-IN" dirty="0"/>
+                        <a:t>1</a:t>
+                      </a:r>
+                    </a:p>
+                  </a:txBody>
+                  <a:tcPr/>
+                </a:tc>
+                <a:tc>
+                  <a:txBody>
+                    <a:bodyPr/>
+                    <a:lstStyle/>
+                    <a:p>
+                      <a:r>
+                        <a:rPr lang="en-IN" dirty="0"/>
+                        <a:t>a</a:t>
+                      </a:r>
+                    </a:p>
+                  </a:txBody>
+                  <a:tcPr/>
+                </a:tc>
+                <a:tc>
+                  <a:txBody>
+                    <a:bodyPr/>
+                    <a:lstStyle/>
+                    <a:p>
+                      <a:r>
+                        <a:rPr lang="en-IN" dirty="0"/>
+                        <a:t>40</a:t>
+                      </a:r>
+                    </a:p>
+                  </a:txBody>
+                  <a:tcPr/>
+                </a:tc>
+                <a:extLst>
+                  <a:ext uri="{0D108BD9-81ED-4DB2-BD59-A6C34878D82A}">
+                    <a16:rowId xmlns:a16="http://schemas.microsoft.com/office/drawing/2014/main" val="65845950"/>
+                  </a:ext>
+                </a:extLst>
+              </a:tr>
+              <a:tr h="370840">
+                <a:tc>
+                  <a:txBody>
+                    <a:bodyPr/>
+                    <a:lstStyle/>
+                    <a:p>
+                      <a:r>
+                        <a:rPr lang="en-IN" dirty="0"/>
+                        <a:t>2</a:t>
+                      </a:r>
+                    </a:p>
+                  </a:txBody>
+                  <a:tcPr/>
+                </a:tc>
+                <a:tc>
+                  <a:txBody>
+                    <a:bodyPr/>
+                    <a:lstStyle/>
+                    <a:p>
+                      <a:r>
+                        <a:rPr lang="en-IN" dirty="0"/>
+                        <a:t>b</a:t>
+                      </a:r>
+                    </a:p>
+                  </a:txBody>
+                  <a:tcPr/>
+                </a:tc>
+                <a:tc>
+                  <a:txBody>
+                    <a:bodyPr/>
+                    <a:lstStyle/>
+                    <a:p>
+                      <a:r>
+                        <a:rPr lang="en-IN" dirty="0"/>
+                        <a:t>50</a:t>
+                      </a:r>
+                    </a:p>
+                  </a:txBody>
+                  <a:tcPr/>
+                </a:tc>
+                <a:extLst>
+                  <a:ext uri="{0D108BD9-81ED-4DB2-BD59-A6C34878D82A}">
+                    <a16:rowId xmlns:a16="http://schemas.microsoft.com/office/drawing/2014/main" val="2995092609"/>
+                  </a:ext>
+                </a:extLst>
+              </a:tr>
+              <a:tr h="370840">
+                <a:tc>
+                  <a:txBody>
+                    <a:bodyPr/>
+                    <a:lstStyle/>
+                    <a:p>
+                      <a:r>
+                        <a:rPr lang="en-IN" dirty="0"/>
+                        <a:t>3</a:t>
+                      </a:r>
+                    </a:p>
+                  </a:txBody>
+                  <a:tcPr/>
+                </a:tc>
+                <a:tc>
+                  <a:txBody>
+                    <a:bodyPr/>
+                    <a:lstStyle/>
+                    <a:p>
+                      <a:r>
+                        <a:rPr lang="en-IN" dirty="0"/>
+                        <a:t>c</a:t>
+                      </a:r>
+                    </a:p>
+                  </a:txBody>
+                  <a:tcPr/>
+                </a:tc>
+                <a:tc>
+                  <a:txBody>
+                    <a:bodyPr/>
+                    <a:lstStyle/>
+                    <a:p>
+                      <a:r>
+                        <a:rPr lang="en-IN" dirty="0"/>
+                        <a:t>60</a:t>
+                      </a:r>
+                    </a:p>
+                  </a:txBody>
+                  <a:tcPr/>
+                </a:tc>
+                <a:extLst>
+                  <a:ext uri="{0D108BD9-81ED-4DB2-BD59-A6C34878D82A}">
+                    <a16:rowId xmlns:a16="http://schemas.microsoft.com/office/drawing/2014/main" val="173145572"/>
+                  </a:ext>
+                </a:extLst>
+              </a:tr>
+              <a:tr h="370840">
+                <a:tc>
+                  <a:txBody>
+                    <a:bodyPr/>
+                    <a:lstStyle/>
+                    <a:p>
+                      <a:r>
+                        <a:rPr lang="en-IN" dirty="0"/>
+                        <a:t>4</a:t>
+                      </a:r>
+                    </a:p>
+                  </a:txBody>
+                  <a:tcPr/>
+                </a:tc>
+                <a:tc>
+                  <a:txBody>
+                    <a:bodyPr/>
+                    <a:lstStyle/>
+                    <a:p>
+                      <a:r>
+                        <a:rPr lang="en-IN" dirty="0"/>
+                        <a:t>d</a:t>
+                      </a:r>
+                    </a:p>
+                  </a:txBody>
+                  <a:tcPr/>
+                </a:tc>
+                <a:tc>
+                  <a:txBody>
+                    <a:bodyPr/>
+                    <a:lstStyle/>
+                    <a:p>
+                      <a:r>
+                        <a:rPr lang="en-IN" dirty="0"/>
+                        <a:t>70</a:t>
+                      </a:r>
+                    </a:p>
+                  </a:txBody>
+                  <a:tcPr/>
+                </a:tc>
+                <a:extLst>
+                  <a:ext uri="{0D108BD9-81ED-4DB2-BD59-A6C34878D82A}">
+                    <a16:rowId xmlns:a16="http://schemas.microsoft.com/office/drawing/2014/main" val="3210243033"/>
+                  </a:ext>
+                </a:extLst>
+              </a:tr>
+            </a:tbl>
+          </a:graphicData>
+        </a:graphic>
+      </p:graphicFrame>
+    </p:spTree>
+    <p:extLst>
+      <p:ext uri="{BB962C8B-B14F-4D97-AF65-F5344CB8AC3E}">
+        <p14:creationId xmlns:p14="http://schemas.microsoft.com/office/powerpoint/2010/main" val="4141128368"/>
+      </p:ext>
+    </p:extLst>
+  </p:cSld>
+  <p:clrMapOvr>
+    <a:masterClrMapping/>
+  </p:clrMapOvr>
+</p:sld>
+</file>
+
 <file path=ppt/theme/theme1.xml><?xml version="1.0" encoding="utf-8"?>
-<a:theme xmlns:a="http://schemas.openxmlformats.org/drawingml/2006/main" name="Office Theme">
+<a:theme xmlns:a="http://schemas.openxmlformats.org/drawingml/2006/main" name="Ion">
   <a:themeElements>
-    <a:clrScheme name="Office">
+    <a:clrScheme name="Ion">
       <a:dk1>
         <a:sysClr val="windowText" lastClr="000000"/>
       </a:dk1>
@@ -3766,44 +7338,44 @@
         <a:sysClr val="window" lastClr="FFFFFF"/>
       </a:lt1>
       <a:dk2>
-        <a:srgbClr val="44546A"/>
+        <a:srgbClr val="1E5155"/>
       </a:dk2>
       <a:lt2>
-        <a:srgbClr val="E7E6E6"/>
+        <a:srgbClr val="EBEBEB"/>
       </a:lt2>
       <a:accent1>
-        <a:srgbClr val="4472C4"/>
+        <a:srgbClr val="B01513"/>
       </a:accent1>
       <a:accent2>
-        <a:srgbClr val="ED7D31"/>
+        <a:srgbClr val="EA6312"/>
       </a:accent2>
       <a:accent3>
-        <a:srgbClr val="A5A5A5"/>
+        <a:srgbClr val="E6B729"/>
       </a:accent3>
       <a:accent4>
-        <a:srgbClr val="FFC000"/>
+        <a:srgbClr val="6AAC90"/>
       </a:accent4>
       <a:accent5>
-        <a:srgbClr val="5B9BD5"/>
+        <a:srgbClr val="54849A"/>
       </a:accent5>
       <a:accent6>
-        <a:srgbClr val="70AD47"/>
+        <a:srgbClr val="9E5E9B"/>
       </a:accent6>
       <a:hlink>
-        <a:srgbClr val="0563C1"/>
+        <a:srgbClr val="58C1BA"/>
       </a:hlink>
       <a:folHlink>
-        <a:srgbClr val="954F72"/>
+        <a:srgbClr val="9DFFCB"/>
       </a:folHlink>
     </a:clrScheme>
-    <a:fontScheme name="Office">
+    <a:fontScheme name="Ion">
       <a:majorFont>
-        <a:latin typeface="Calibri Light" panose="020F0302020204030204"/>
+        <a:latin typeface="Century Gothic" panose="020B0502020202020204"/>
         <a:ea typeface=""/>
         <a:cs typeface=""/>
-        <a:font script="Jpan" typeface="游ゴシック Light"/>
+        <a:font script="Jpan" typeface="メイリオ"/>
         <a:font script="Hang" typeface="맑은 고딕"/>
-        <a:font script="Hans" typeface="等线 Light"/>
+        <a:font script="Hans" typeface="宋体"/>
         <a:font script="Hant" typeface="新細明體"/>
         <a:font script="Arab" typeface="Times New Roman"/>
         <a:font script="Hebr" typeface="Times New Roman"/>
@@ -3831,31 +7403,14 @@
         <a:font script="Viet" typeface="Times New Roman"/>
         <a:font script="Uigh" typeface="Microsoft Uighur"/>
         <a:font script="Geor" typeface="Sylfaen"/>
-        <a:font script="Armn" typeface="Arial"/>
-        <a:font script="Bugi" typeface="Leelawadee UI"/>
-        <a:font script="Bopo" typeface="Microsoft JhengHei"/>
-        <a:font script="Java" typeface="Javanese Text"/>
-        <a:font script="Lisu" typeface="Segoe UI"/>
-        <a:font script="Mymr" typeface="Myanmar Text"/>
-        <a:font script="Nkoo" typeface="Ebrima"/>
-        <a:font script="Olck" typeface="Nirmala UI"/>
-        <a:font script="Osma" typeface="Ebrima"/>
-        <a:font script="Phag" typeface="Phagspa"/>
-        <a:font script="Syrn" typeface="Estrangelo Edessa"/>
-        <a:font script="Syrj" typeface="Estrangelo Edessa"/>
-        <a:font script="Syre" typeface="Estrangelo Edessa"/>
-        <a:font script="Sora" typeface="Nirmala UI"/>
-        <a:font script="Tale" typeface="Microsoft Tai Le"/>
-        <a:font script="Talu" typeface="Microsoft New Tai Lue"/>
-        <a:font script="Tfng" typeface="Ebrima"/>
       </a:majorFont>
       <a:minorFont>
-        <a:latin typeface="Calibri" panose="020F0502020204030204"/>
+        <a:latin typeface="Century Gothic" panose="020B0502020202020204"/>
         <a:ea typeface=""/>
         <a:cs typeface=""/>
-        <a:font script="Jpan" typeface="游ゴシック"/>
+        <a:font script="Jpan" typeface="メイリオ"/>
         <a:font script="Hang" typeface="맑은 고딕"/>
-        <a:font script="Hans" typeface="等线"/>
+        <a:font script="Hans" typeface="宋体"/>
         <a:font script="Hant" typeface="新細明體"/>
         <a:font script="Arab" typeface="Arial"/>
         <a:font script="Hebr" typeface="Arial"/>
@@ -3883,26 +7438,9 @@
         <a:font script="Viet" typeface="Arial"/>
         <a:font script="Uigh" typeface="Microsoft Uighur"/>
         <a:font script="Geor" typeface="Sylfaen"/>
-        <a:font script="Armn" typeface="Arial"/>
-        <a:font script="Bugi" typeface="Leelawadee UI"/>
-        <a:font script="Bopo" typeface="Microsoft JhengHei"/>
-        <a:font script="Java" typeface="Javanese Text"/>
-        <a:font script="Lisu" typeface="Segoe UI"/>
-        <a:font script="Mymr" typeface="Myanmar Text"/>
-        <a:font script="Nkoo" typeface="Ebrima"/>
-        <a:font script="Olck" typeface="Nirmala UI"/>
-        <a:font script="Osma" typeface="Ebrima"/>
-        <a:font script="Phag" typeface="Phagspa"/>
-        <a:font script="Syrn" typeface="Estrangelo Edessa"/>
-        <a:font script="Syrj" typeface="Estrangelo Edessa"/>
-        <a:font script="Syre" typeface="Estrangelo Edessa"/>
-        <a:font script="Sora" typeface="Nirmala UI"/>
-        <a:font script="Tale" typeface="Microsoft Tai Le"/>
-        <a:font script="Talu" typeface="Microsoft New Tai Lue"/>
-        <a:font script="Tfng" typeface="Ebrima"/>
       </a:minorFont>
     </a:fontScheme>
-    <a:fmtScheme name="Office">
+    <a:fmtScheme name="Ion">
       <a:fillStyleLst>
         <a:solidFill>
           <a:schemeClr val="phClr"/>
@@ -3911,23 +7449,15 @@
           <a:gsLst>
             <a:gs pos="0">
               <a:schemeClr val="phClr">
-                <a:lumMod val="110000"/>
-                <a:satMod val="105000"/>
-                <a:tint val="67000"/>
-              </a:schemeClr>
-            </a:gs>
-            <a:gs pos="50000">
-              <a:schemeClr val="phClr">
-                <a:lumMod val="105000"/>
-                <a:satMod val="103000"/>
-                <a:tint val="73000"/>
+                <a:tint val="64000"/>
+                <a:lumMod val="118000"/>
               </a:schemeClr>
             </a:gs>
             <a:gs pos="100000">
               <a:schemeClr val="phClr">
-                <a:lumMod val="105000"/>
-                <a:satMod val="109000"/>
-                <a:tint val="81000"/>
+                <a:tint val="92000"/>
+                <a:alpha val="100000"/>
+                <a:lumMod val="110000"/>
               </a:schemeClr>
             </a:gs>
           </a:gsLst>
@@ -3937,23 +7467,14 @@
           <a:gsLst>
             <a:gs pos="0">
               <a:schemeClr val="phClr">
-                <a:satMod val="103000"/>
-                <a:lumMod val="102000"/>
-                <a:tint val="94000"/>
-              </a:schemeClr>
-            </a:gs>
-            <a:gs pos="50000">
-              <a:schemeClr val="phClr">
-                <a:satMod val="110000"/>
-                <a:lumMod val="100000"/>
-                <a:shade val="100000"/>
+                <a:tint val="98000"/>
+                <a:lumMod val="114000"/>
               </a:schemeClr>
             </a:gs>
             <a:gs pos="100000">
               <a:schemeClr val="phClr">
-                <a:lumMod val="99000"/>
-                <a:satMod val="120000"/>
-                <a:shade val="78000"/>
+                <a:shade val="90000"/>
+                <a:lumMod val="84000"/>
               </a:schemeClr>
             </a:gs>
           </a:gsLst>
@@ -3961,26 +7482,23 @@
         </a:gradFill>
       </a:fillStyleLst>
       <a:lnStyleLst>
-        <a:ln w="6350" cap="flat" cmpd="sng" algn="ctr">
+        <a:ln w="9525" cap="rnd" cmpd="sng" algn="ctr">
           <a:solidFill>
             <a:schemeClr val="phClr"/>
           </a:solidFill>
           <a:prstDash val="solid"/>
-          <a:miter lim="800000"/>
         </a:ln>
-        <a:ln w="12700" cap="flat" cmpd="sng" algn="ctr">
+        <a:ln w="19050" cap="rnd" cmpd="sng" algn="ctr">
           <a:solidFill>
             <a:schemeClr val="phClr"/>
           </a:solidFill>
           <a:prstDash val="solid"/>
-          <a:miter lim="800000"/>
         </a:ln>
-        <a:ln w="19050" cap="flat" cmpd="sng" algn="ctr">
+        <a:ln w="28575" cap="rnd" cmpd="sng" algn="ctr">
           <a:solidFill>
             <a:schemeClr val="phClr"/>
           </a:solidFill>
           <a:prstDash val="solid"/>
-          <a:miter lim="800000"/>
         </a:ln>
       </a:lnStyleLst>
       <a:effectStyleLst>
@@ -3988,55 +7506,80 @@
           <a:effectLst/>
         </a:effectStyle>
         <a:effectStyle>
-          <a:effectLst/>
+          <a:effectLst>
+            <a:outerShdw blurRad="38100" dist="25400" dir="5400000" rotWithShape="0">
+              <a:srgbClr val="000000">
+                <a:alpha val="45000"/>
+              </a:srgbClr>
+            </a:outerShdw>
+          </a:effectLst>
         </a:effectStyle>
         <a:effectStyle>
           <a:effectLst>
-            <a:outerShdw blurRad="57150" dist="19050" dir="5400000" algn="ctr" rotWithShape="0">
+            <a:outerShdw blurRad="63500" dist="38100" dir="5400000" rotWithShape="0">
               <a:srgbClr val="000000">
-                <a:alpha val="63000"/>
+                <a:alpha val="60000"/>
               </a:srgbClr>
             </a:outerShdw>
           </a:effectLst>
+          <a:scene3d>
+            <a:camera prst="orthographicFront">
+              <a:rot lat="0" lon="0" rev="0"/>
+            </a:camera>
+            <a:lightRig rig="threePt" dir="tl"/>
+          </a:scene3d>
+          <a:sp3d prstMaterial="plastic">
+            <a:bevelT w="0" h="0"/>
+          </a:sp3d>
         </a:effectStyle>
       </a:effectStyleLst>
       <a:bgFillStyleLst>
         <a:solidFill>
           <a:schemeClr val="phClr"/>
         </a:solidFill>
-        <a:solidFill>
-          <a:schemeClr val="phClr">
-            <a:tint val="95000"/>
-            <a:satMod val="170000"/>
-          </a:schemeClr>
-        </a:solidFill>
         <a:gradFill rotWithShape="1">
           <a:gsLst>
             <a:gs pos="0">
               <a:schemeClr val="phClr">
-                <a:tint val="93000"/>
-                <a:satMod val="150000"/>
-                <a:shade val="98000"/>
-                <a:lumMod val="102000"/>
-              </a:schemeClr>
-            </a:gs>
-            <a:gs pos="50000">
-              <a:schemeClr val="phClr">
-                <a:tint val="98000"/>
+                <a:tint val="97000"/>
+                <a:hueMod val="88000"/>
                 <a:satMod val="130000"/>
-                <a:shade val="90000"/>
-                <a:lumMod val="103000"/>
+                <a:lumMod val="124000"/>
               </a:schemeClr>
             </a:gs>
             <a:gs pos="100000">
               <a:schemeClr val="phClr">
-                <a:shade val="63000"/>
-                <a:satMod val="120000"/>
+                <a:tint val="96000"/>
+                <a:shade val="88000"/>
+                <a:hueMod val="108000"/>
+                <a:satMod val="164000"/>
+                <a:lumMod val="76000"/>
               </a:schemeClr>
             </a:gs>
           </a:gsLst>
-          <a:lin ang="5400000" scaled="0"/>
+          <a:path path="circle">
+            <a:fillToRect l="45000" t="65000" r="125000" b="100000"/>
+          </a:path>
         </a:gradFill>
+        <a:blipFill rotWithShape="1">
+          <a:blip xmlns:r="http://schemas.openxmlformats.org/officeDocument/2006/relationships" r:embed="rId1">
+            <a:duotone>
+              <a:schemeClr val="phClr">
+                <a:shade val="69000"/>
+                <a:hueMod val="108000"/>
+                <a:satMod val="164000"/>
+                <a:lumMod val="74000"/>
+              </a:schemeClr>
+              <a:schemeClr val="phClr">
+                <a:tint val="96000"/>
+                <a:hueMod val="88000"/>
+                <a:satMod val="140000"/>
+                <a:lumMod val="132000"/>
+              </a:schemeClr>
+            </a:duotone>
+          </a:blip>
+          <a:stretch/>
+        </a:blipFill>
       </a:bgFillStyleLst>
     </a:fmtScheme>
   </a:themeElements>
@@ -4044,7 +7587,7 @@
   <a:extraClrSchemeLst/>
   <a:extLst>
     <a:ext uri="{05A4C25C-085E-4340-85A3-A5531E510DB2}">
-      <thm15:themeFamily xmlns:thm15="http://schemas.microsoft.com/office/thememl/2012/main" name="Office Theme" id="{62F939B6-93AF-4DB8-9C6B-D6C7DFDC589F}" vid="{4A3C46E8-61CC-4603-A589-7422A47A8E4A}"/>
+      <thm15:themeFamily xmlns:thm15="http://schemas.microsoft.com/office/thememl/2012/main" name="Ion" id="{B8441ADB-2E43-4AF7-B97A-BD870242C6A8}" vid="{292E63A9-BB86-4E3D-B92A-7223C6510D2E}"/>
     </a:ext>
   </a:extLst>
 </a:theme>

--- a/New Microsoft PowerPoint Presentation.pptx
+++ b/New Microsoft PowerPoint Presentation.pptx
@@ -12,6 +12,13 @@
     <p:sldId id="260" r:id="rId6"/>
     <p:sldId id="261" r:id="rId7"/>
     <p:sldId id="262" r:id="rId8"/>
+    <p:sldId id="263" r:id="rId9"/>
+    <p:sldId id="264" r:id="rId10"/>
+    <p:sldId id="266" r:id="rId11"/>
+    <p:sldId id="267" r:id="rId12"/>
+    <p:sldId id="268" r:id="rId13"/>
+    <p:sldId id="269" r:id="rId14"/>
+    <p:sldId id="265" r:id="rId15"/>
   </p:sldIdLst>
   <p:sldSz cx="12192000" cy="6858000"/>
   <p:notesSz cx="6858000" cy="9144000"/>
@@ -6155,6 +6162,702 @@
 </p:sld>
 </file>
 
+<file path=ppt/slides/slide10.xml><?xml version="1.0" encoding="utf-8"?>
+<p:sld xmlns:a="http://schemas.openxmlformats.org/drawingml/2006/main" xmlns:r="http://schemas.openxmlformats.org/officeDocument/2006/relationships" xmlns:p="http://schemas.openxmlformats.org/presentationml/2006/main">
+  <p:cSld>
+    <p:spTree>
+      <p:nvGrpSpPr>
+        <p:cNvPr id="1" name=""/>
+        <p:cNvGrpSpPr/>
+        <p:nvPr/>
+      </p:nvGrpSpPr>
+      <p:grpSpPr>
+        <a:xfrm>
+          <a:off x="0" y="0"/>
+          <a:ext cx="0" cy="0"/>
+          <a:chOff x="0" y="0"/>
+          <a:chExt cx="0" cy="0"/>
+        </a:xfrm>
+      </p:grpSpPr>
+      <p:sp>
+        <p:nvSpPr>
+          <p:cNvPr id="2" name="Title 1">
+            <a:extLst>
+              <a:ext uri="{FF2B5EF4-FFF2-40B4-BE49-F238E27FC236}">
+                <a16:creationId xmlns:a16="http://schemas.microsoft.com/office/drawing/2014/main" id="{13B5EA13-BC00-4892-A6F2-7E685554757D}"/>
+              </a:ext>
+            </a:extLst>
+          </p:cNvPr>
+          <p:cNvSpPr>
+            <a:spLocks noGrp="1"/>
+          </p:cNvSpPr>
+          <p:nvPr>
+            <p:ph type="title"/>
+          </p:nvPr>
+        </p:nvSpPr>
+        <p:spPr/>
+        <p:txBody>
+          <a:bodyPr/>
+          <a:lstStyle/>
+          <a:p>
+            <a:endParaRPr lang="en-IN"/>
+          </a:p>
+        </p:txBody>
+      </p:sp>
+      <p:sp>
+        <p:nvSpPr>
+          <p:cNvPr id="3" name="Content Placeholder 2">
+            <a:extLst>
+              <a:ext uri="{FF2B5EF4-FFF2-40B4-BE49-F238E27FC236}">
+                <a16:creationId xmlns:a16="http://schemas.microsoft.com/office/drawing/2014/main" id="{5445B759-7C34-4AA0-BA2F-868905A279BD}"/>
+              </a:ext>
+            </a:extLst>
+          </p:cNvPr>
+          <p:cNvSpPr>
+            <a:spLocks noGrp="1"/>
+          </p:cNvSpPr>
+          <p:nvPr>
+            <p:ph idx="1"/>
+          </p:nvPr>
+        </p:nvSpPr>
+        <p:spPr/>
+        <p:txBody>
+          <a:bodyPr>
+            <a:normAutofit fontScale="92500" lnSpcReduction="10000"/>
+          </a:bodyPr>
+          <a:lstStyle/>
+          <a:p>
+            <a:r>
+              <a:rPr lang="en-US" b="1" dirty="0"/>
+              <a:t>MariaDB</a:t>
+            </a:r>
+          </a:p>
+          <a:p>
+            <a:r>
+              <a:rPr lang="en-US" dirty="0"/>
+              <a:t>MariaDB Community Edition is a MySQL-compatible database with strong support from the open source community, and extra features and performance optimizations.</a:t>
+            </a:r>
+          </a:p>
+          <a:p>
+            <a:pPr>
+              <a:buFont typeface="Arial" panose="020B0604020202020204" pitchFamily="34" charset="0"/>
+              <a:buChar char="•"/>
+            </a:pPr>
+            <a:r>
+              <a:rPr lang="en-US" dirty="0"/>
+              <a:t>Supports database size up to 64 </a:t>
+            </a:r>
+            <a:r>
+              <a:rPr lang="en-US" dirty="0" err="1"/>
+              <a:t>TiB</a:t>
+            </a:r>
+            <a:r>
+              <a:rPr lang="en-US" dirty="0"/>
+              <a:t>.</a:t>
+            </a:r>
+          </a:p>
+          <a:p>
+            <a:pPr>
+              <a:buFont typeface="Arial" panose="020B0604020202020204" pitchFamily="34" charset="0"/>
+              <a:buChar char="•"/>
+            </a:pPr>
+            <a:r>
+              <a:rPr lang="en-US" dirty="0"/>
+              <a:t>Supports General Purpose, Memory Optimized, and Burstable Performance instance classes.</a:t>
+            </a:r>
+          </a:p>
+          <a:p>
+            <a:pPr>
+              <a:buFont typeface="Arial" panose="020B0604020202020204" pitchFamily="34" charset="0"/>
+              <a:buChar char="•"/>
+            </a:pPr>
+            <a:r>
+              <a:rPr lang="en-US" dirty="0"/>
+              <a:t>Supports automated backup and point-in-time recovery.</a:t>
+            </a:r>
+          </a:p>
+          <a:p>
+            <a:pPr>
+              <a:buFont typeface="Arial" panose="020B0604020202020204" pitchFamily="34" charset="0"/>
+              <a:buChar char="•"/>
+            </a:pPr>
+            <a:r>
+              <a:rPr lang="en-US" dirty="0"/>
+              <a:t>Supports up to 5 Read Replicas per instance, within a single Region or cross-region.</a:t>
+            </a:r>
+          </a:p>
+          <a:p>
+            <a:pPr>
+              <a:buFont typeface="Arial" panose="020B0604020202020204" pitchFamily="34" charset="0"/>
+              <a:buChar char="•"/>
+            </a:pPr>
+            <a:r>
+              <a:rPr lang="en-US" dirty="0"/>
+              <a:t>Supports global transaction ID (GTID) and thread pooling.</a:t>
+            </a:r>
+          </a:p>
+          <a:p>
+            <a:pPr>
+              <a:buFont typeface="Arial" panose="020B0604020202020204" pitchFamily="34" charset="0"/>
+              <a:buChar char="•"/>
+            </a:pPr>
+            <a:r>
+              <a:rPr lang="en-US" dirty="0"/>
+              <a:t>Developed and supported by the MariaDB open source community.</a:t>
+            </a:r>
+          </a:p>
+          <a:p>
+            <a:endParaRPr lang="en-IN" dirty="0"/>
+          </a:p>
+        </p:txBody>
+      </p:sp>
+    </p:spTree>
+    <p:extLst>
+      <p:ext uri="{BB962C8B-B14F-4D97-AF65-F5344CB8AC3E}">
+        <p14:creationId xmlns:p14="http://schemas.microsoft.com/office/powerpoint/2010/main" val="4158861902"/>
+      </p:ext>
+    </p:extLst>
+  </p:cSld>
+  <p:clrMapOvr>
+    <a:masterClrMapping/>
+  </p:clrMapOvr>
+</p:sld>
+</file>
+
+<file path=ppt/slides/slide11.xml><?xml version="1.0" encoding="utf-8"?>
+<p:sld xmlns:a="http://schemas.openxmlformats.org/drawingml/2006/main" xmlns:r="http://schemas.openxmlformats.org/officeDocument/2006/relationships" xmlns:p="http://schemas.openxmlformats.org/presentationml/2006/main">
+  <p:cSld>
+    <p:spTree>
+      <p:nvGrpSpPr>
+        <p:cNvPr id="1" name=""/>
+        <p:cNvGrpSpPr/>
+        <p:nvPr/>
+      </p:nvGrpSpPr>
+      <p:grpSpPr>
+        <a:xfrm>
+          <a:off x="0" y="0"/>
+          <a:ext cx="0" cy="0"/>
+          <a:chOff x="0" y="0"/>
+          <a:chExt cx="0" cy="0"/>
+        </a:xfrm>
+      </p:grpSpPr>
+      <p:sp>
+        <p:nvSpPr>
+          <p:cNvPr id="2" name="Title 1">
+            <a:extLst>
+              <a:ext uri="{FF2B5EF4-FFF2-40B4-BE49-F238E27FC236}">
+                <a16:creationId xmlns:a16="http://schemas.microsoft.com/office/drawing/2014/main" id="{BD2E4FEE-1104-4389-A3B6-1019B623B566}"/>
+              </a:ext>
+            </a:extLst>
+          </p:cNvPr>
+          <p:cNvSpPr>
+            <a:spLocks noGrp="1"/>
+          </p:cNvSpPr>
+          <p:nvPr>
+            <p:ph type="title"/>
+          </p:nvPr>
+        </p:nvSpPr>
+        <p:spPr/>
+        <p:txBody>
+          <a:bodyPr/>
+          <a:lstStyle/>
+          <a:p>
+            <a:endParaRPr lang="en-IN"/>
+          </a:p>
+        </p:txBody>
+      </p:sp>
+      <p:sp>
+        <p:nvSpPr>
+          <p:cNvPr id="3" name="Content Placeholder 2">
+            <a:extLst>
+              <a:ext uri="{FF2B5EF4-FFF2-40B4-BE49-F238E27FC236}">
+                <a16:creationId xmlns:a16="http://schemas.microsoft.com/office/drawing/2014/main" id="{389B53D0-9207-4D61-8E41-4B8868539A79}"/>
+              </a:ext>
+            </a:extLst>
+          </p:cNvPr>
+          <p:cNvSpPr>
+            <a:spLocks noGrp="1"/>
+          </p:cNvSpPr>
+          <p:nvPr>
+            <p:ph idx="1"/>
+          </p:nvPr>
+        </p:nvSpPr>
+        <p:spPr/>
+        <p:txBody>
+          <a:bodyPr>
+            <a:normAutofit fontScale="92500" lnSpcReduction="10000"/>
+          </a:bodyPr>
+          <a:lstStyle/>
+          <a:p>
+            <a:r>
+              <a:rPr lang="en-US" b="1" dirty="0"/>
+              <a:t>PostgreSQL</a:t>
+            </a:r>
+          </a:p>
+          <a:p>
+            <a:r>
+              <a:rPr lang="en-US" dirty="0"/>
+              <a:t>PostgreSQL is a powerful, open-source object-relational database system with a strong reputation of reliability, stability, and correctness.</a:t>
+            </a:r>
+          </a:p>
+          <a:p>
+            <a:pPr>
+              <a:buFont typeface="Arial" panose="020B0604020202020204" pitchFamily="34" charset="0"/>
+              <a:buChar char="•"/>
+            </a:pPr>
+            <a:r>
+              <a:rPr lang="en-US" dirty="0"/>
+              <a:t>High reliability and stability in a variety of workloads.</a:t>
+            </a:r>
+          </a:p>
+          <a:p>
+            <a:pPr>
+              <a:buFont typeface="Arial" panose="020B0604020202020204" pitchFamily="34" charset="0"/>
+              <a:buChar char="•"/>
+            </a:pPr>
+            <a:r>
+              <a:rPr lang="en-US" dirty="0"/>
+              <a:t>Advanced features to perform in high-volume environments. </a:t>
+            </a:r>
+          </a:p>
+          <a:p>
+            <a:pPr>
+              <a:buFont typeface="Arial" panose="020B0604020202020204" pitchFamily="34" charset="0"/>
+              <a:buChar char="•"/>
+            </a:pPr>
+            <a:r>
+              <a:rPr lang="en-US" dirty="0"/>
+              <a:t>Vibrant open-source community that releases new features multiple times per year.</a:t>
+            </a:r>
+          </a:p>
+          <a:p>
+            <a:pPr>
+              <a:buFont typeface="Arial" panose="020B0604020202020204" pitchFamily="34" charset="0"/>
+              <a:buChar char="•"/>
+            </a:pPr>
+            <a:r>
+              <a:rPr lang="en-US" dirty="0"/>
+              <a:t>Supports multiple extensions that add even more functionality to the database.</a:t>
+            </a:r>
+          </a:p>
+          <a:p>
+            <a:pPr>
+              <a:buFont typeface="Arial" panose="020B0604020202020204" pitchFamily="34" charset="0"/>
+              <a:buChar char="•"/>
+            </a:pPr>
+            <a:r>
+              <a:rPr lang="en-US" dirty="0"/>
+              <a:t>Supports up to 5 Read Replicas per instance, within a single Region or cross-region.</a:t>
+            </a:r>
+          </a:p>
+          <a:p>
+            <a:pPr>
+              <a:buFont typeface="Arial" panose="020B0604020202020204" pitchFamily="34" charset="0"/>
+              <a:buChar char="•"/>
+            </a:pPr>
+            <a:r>
+              <a:rPr lang="en-US" dirty="0"/>
+              <a:t>The most Oracle-compatible open-source database.</a:t>
+            </a:r>
+          </a:p>
+          <a:p>
+            <a:endParaRPr lang="en-IN" dirty="0"/>
+          </a:p>
+        </p:txBody>
+      </p:sp>
+    </p:spTree>
+    <p:extLst>
+      <p:ext uri="{BB962C8B-B14F-4D97-AF65-F5344CB8AC3E}">
+        <p14:creationId xmlns:p14="http://schemas.microsoft.com/office/powerpoint/2010/main" val="343613159"/>
+      </p:ext>
+    </p:extLst>
+  </p:cSld>
+  <p:clrMapOvr>
+    <a:masterClrMapping/>
+  </p:clrMapOvr>
+</p:sld>
+</file>
+
+<file path=ppt/slides/slide12.xml><?xml version="1.0" encoding="utf-8"?>
+<p:sld xmlns:a="http://schemas.openxmlformats.org/drawingml/2006/main" xmlns:r="http://schemas.openxmlformats.org/officeDocument/2006/relationships" xmlns:p="http://schemas.openxmlformats.org/presentationml/2006/main">
+  <p:cSld>
+    <p:spTree>
+      <p:nvGrpSpPr>
+        <p:cNvPr id="1" name=""/>
+        <p:cNvGrpSpPr/>
+        <p:nvPr/>
+      </p:nvGrpSpPr>
+      <p:grpSpPr>
+        <a:xfrm>
+          <a:off x="0" y="0"/>
+          <a:ext cx="0" cy="0"/>
+          <a:chOff x="0" y="0"/>
+          <a:chExt cx="0" cy="0"/>
+        </a:xfrm>
+      </p:grpSpPr>
+      <p:sp>
+        <p:nvSpPr>
+          <p:cNvPr id="2" name="Title 1">
+            <a:extLst>
+              <a:ext uri="{FF2B5EF4-FFF2-40B4-BE49-F238E27FC236}">
+                <a16:creationId xmlns:a16="http://schemas.microsoft.com/office/drawing/2014/main" id="{BECC490F-54F3-409D-A15D-07E9E998166C}"/>
+              </a:ext>
+            </a:extLst>
+          </p:cNvPr>
+          <p:cNvSpPr>
+            <a:spLocks noGrp="1"/>
+          </p:cNvSpPr>
+          <p:nvPr>
+            <p:ph type="title"/>
+          </p:nvPr>
+        </p:nvSpPr>
+        <p:spPr/>
+        <p:txBody>
+          <a:bodyPr/>
+          <a:lstStyle/>
+          <a:p>
+            <a:endParaRPr lang="en-IN"/>
+          </a:p>
+        </p:txBody>
+      </p:sp>
+      <p:sp>
+        <p:nvSpPr>
+          <p:cNvPr id="3" name="Content Placeholder 2">
+            <a:extLst>
+              <a:ext uri="{FF2B5EF4-FFF2-40B4-BE49-F238E27FC236}">
+                <a16:creationId xmlns:a16="http://schemas.microsoft.com/office/drawing/2014/main" id="{6AED5EC6-A499-4911-8B5E-2F4C8F50F1CD}"/>
+              </a:ext>
+            </a:extLst>
+          </p:cNvPr>
+          <p:cNvSpPr>
+            <a:spLocks noGrp="1"/>
+          </p:cNvSpPr>
+          <p:nvPr>
+            <p:ph idx="1"/>
+          </p:nvPr>
+        </p:nvSpPr>
+        <p:spPr/>
+        <p:txBody>
+          <a:bodyPr>
+            <a:normAutofit fontScale="70000" lnSpcReduction="20000"/>
+          </a:bodyPr>
+          <a:lstStyle/>
+          <a:p>
+            <a:r>
+              <a:rPr lang="en-US" dirty="0"/>
+              <a:t>Oracle</a:t>
+            </a:r>
+          </a:p>
+          <a:p>
+            <a:r>
+              <a:rPr lang="en-US" dirty="0"/>
+              <a:t>Edition</a:t>
+            </a:r>
+          </a:p>
+          <a:p>
+            <a:r>
+              <a:rPr lang="en-US" dirty="0"/>
+              <a:t>Oracle Enterprise Edition</a:t>
+            </a:r>
+          </a:p>
+          <a:p>
+            <a:r>
+              <a:rPr lang="en-US" dirty="0"/>
+              <a:t>Efficient, reliable, and secure database management system that delivers comprehensive high-end capabilities for mission-critical applications and demanding database workloads.</a:t>
+            </a:r>
+          </a:p>
+          <a:p>
+            <a:r>
+              <a:rPr lang="en-US" dirty="0"/>
+              <a:t>Oracle Standard Edition</a:t>
+            </a:r>
+          </a:p>
+          <a:p>
+            <a:r>
+              <a:rPr lang="en-US" dirty="0"/>
+              <a:t>Affordable and full-featured database management system supporting up to 32 vCPUs.</a:t>
+            </a:r>
+          </a:p>
+          <a:p>
+            <a:r>
+              <a:rPr lang="en-US" dirty="0"/>
+              <a:t>Oracle Standard Edition One</a:t>
+            </a:r>
+          </a:p>
+          <a:p>
+            <a:r>
+              <a:rPr lang="en-US" dirty="0"/>
+              <a:t>Affordable and full-featured database management system supporting up to 16 vCPUs.</a:t>
+            </a:r>
+          </a:p>
+          <a:p>
+            <a:r>
+              <a:rPr lang="en-US" dirty="0"/>
+              <a:t>Oracle Standard Edition Two</a:t>
+            </a:r>
+          </a:p>
+          <a:p>
+            <a:r>
+              <a:rPr lang="en-US" dirty="0"/>
+              <a:t>Affordable and full-featured database management system supporting up to 16 vCPUs. Oracle Database Standard Edition Two is a replacement for Standard Edition and Standard Edition One.</a:t>
+            </a:r>
+            <a:endParaRPr lang="en-IN" dirty="0"/>
+          </a:p>
+        </p:txBody>
+      </p:sp>
+    </p:spTree>
+    <p:extLst>
+      <p:ext uri="{BB962C8B-B14F-4D97-AF65-F5344CB8AC3E}">
+        <p14:creationId xmlns:p14="http://schemas.microsoft.com/office/powerpoint/2010/main" val="114989643"/>
+      </p:ext>
+    </p:extLst>
+  </p:cSld>
+  <p:clrMapOvr>
+    <a:masterClrMapping/>
+  </p:clrMapOvr>
+</p:sld>
+</file>
+
+<file path=ppt/slides/slide13.xml><?xml version="1.0" encoding="utf-8"?>
+<p:sld xmlns:a="http://schemas.openxmlformats.org/drawingml/2006/main" xmlns:r="http://schemas.openxmlformats.org/officeDocument/2006/relationships" xmlns:p="http://schemas.openxmlformats.org/presentationml/2006/main">
+  <p:cSld>
+    <p:spTree>
+      <p:nvGrpSpPr>
+        <p:cNvPr id="1" name=""/>
+        <p:cNvGrpSpPr/>
+        <p:nvPr/>
+      </p:nvGrpSpPr>
+      <p:grpSpPr>
+        <a:xfrm>
+          <a:off x="0" y="0"/>
+          <a:ext cx="0" cy="0"/>
+          <a:chOff x="0" y="0"/>
+          <a:chExt cx="0" cy="0"/>
+        </a:xfrm>
+      </p:grpSpPr>
+      <p:sp>
+        <p:nvSpPr>
+          <p:cNvPr id="2" name="Title 1">
+            <a:extLst>
+              <a:ext uri="{FF2B5EF4-FFF2-40B4-BE49-F238E27FC236}">
+                <a16:creationId xmlns:a16="http://schemas.microsoft.com/office/drawing/2014/main" id="{C5E394AE-99E3-49B2-A5D4-14075D130780}"/>
+              </a:ext>
+            </a:extLst>
+          </p:cNvPr>
+          <p:cNvSpPr>
+            <a:spLocks noGrp="1"/>
+          </p:cNvSpPr>
+          <p:nvPr>
+            <p:ph type="title"/>
+          </p:nvPr>
+        </p:nvSpPr>
+        <p:spPr/>
+        <p:txBody>
+          <a:bodyPr/>
+          <a:lstStyle/>
+          <a:p>
+            <a:endParaRPr lang="en-IN"/>
+          </a:p>
+        </p:txBody>
+      </p:sp>
+      <p:sp>
+        <p:nvSpPr>
+          <p:cNvPr id="3" name="Content Placeholder 2">
+            <a:extLst>
+              <a:ext uri="{FF2B5EF4-FFF2-40B4-BE49-F238E27FC236}">
+                <a16:creationId xmlns:a16="http://schemas.microsoft.com/office/drawing/2014/main" id="{D9D5B6A0-E2C9-44C5-A774-142CB2F2975A}"/>
+              </a:ext>
+            </a:extLst>
+          </p:cNvPr>
+          <p:cNvSpPr>
+            <a:spLocks noGrp="1"/>
+          </p:cNvSpPr>
+          <p:nvPr>
+            <p:ph idx="1"/>
+          </p:nvPr>
+        </p:nvSpPr>
+        <p:spPr/>
+        <p:txBody>
+          <a:bodyPr>
+            <a:normAutofit fontScale="77500" lnSpcReduction="20000"/>
+          </a:bodyPr>
+          <a:lstStyle/>
+          <a:p>
+            <a:r>
+              <a:rPr lang="en-US" dirty="0"/>
+              <a:t>Microsoft SQL Server</a:t>
+            </a:r>
+          </a:p>
+          <a:p>
+            <a:r>
+              <a:rPr lang="en-US" dirty="0"/>
+              <a:t>Edition</a:t>
+            </a:r>
+          </a:p>
+          <a:p>
+            <a:r>
+              <a:rPr lang="en-US" dirty="0"/>
+              <a:t>SQL Server Express Edition</a:t>
+            </a:r>
+          </a:p>
+          <a:p>
+            <a:r>
+              <a:rPr lang="en-US" dirty="0"/>
+              <a:t>Affordable database management system that supports database sizes up to 10 </a:t>
+            </a:r>
+            <a:r>
+              <a:rPr lang="en-US" dirty="0" err="1"/>
+              <a:t>GiB.</a:t>
+            </a:r>
+            <a:endParaRPr lang="en-US" dirty="0"/>
+          </a:p>
+          <a:p>
+            <a:r>
+              <a:rPr lang="en-US" dirty="0"/>
+              <a:t>SQL Server Web Edition</a:t>
+            </a:r>
+          </a:p>
+          <a:p>
+            <a:r>
+              <a:rPr lang="en-US" dirty="0"/>
+              <a:t>In accordance with Microsoft's licensing policies, it can only be used to support public and Internet-accessible webpages, websites, web applications, and web services.</a:t>
+            </a:r>
+          </a:p>
+          <a:p>
+            <a:r>
+              <a:rPr lang="en-US" dirty="0"/>
+              <a:t>SQL Server Standard Edition</a:t>
+            </a:r>
+          </a:p>
+          <a:p>
+            <a:r>
+              <a:rPr lang="en-US" dirty="0"/>
+              <a:t>Core data management and business intelligence capabilities for mission-critical applications and mixed workloads.</a:t>
+            </a:r>
+          </a:p>
+          <a:p>
+            <a:r>
+              <a:rPr lang="en-US" dirty="0"/>
+              <a:t>SQL Server Enterprise Edition</a:t>
+            </a:r>
+          </a:p>
+          <a:p>
+            <a:r>
+              <a:rPr lang="en-US" dirty="0"/>
+              <a:t>Comprehensive high-end capabilities for mission-critical applications with demanding database workloads and business intelligence requirements.</a:t>
+            </a:r>
+            <a:endParaRPr lang="en-IN" dirty="0"/>
+          </a:p>
+        </p:txBody>
+      </p:sp>
+    </p:spTree>
+    <p:extLst>
+      <p:ext uri="{BB962C8B-B14F-4D97-AF65-F5344CB8AC3E}">
+        <p14:creationId xmlns:p14="http://schemas.microsoft.com/office/powerpoint/2010/main" val="4043450227"/>
+      </p:ext>
+    </p:extLst>
+  </p:cSld>
+  <p:clrMapOvr>
+    <a:masterClrMapping/>
+  </p:clrMapOvr>
+</p:sld>
+</file>
+
+<file path=ppt/slides/slide14.xml><?xml version="1.0" encoding="utf-8"?>
+<p:sld xmlns:a="http://schemas.openxmlformats.org/drawingml/2006/main" xmlns:r="http://schemas.openxmlformats.org/officeDocument/2006/relationships" xmlns:p="http://schemas.openxmlformats.org/presentationml/2006/main">
+  <p:cSld>
+    <p:spTree>
+      <p:nvGrpSpPr>
+        <p:cNvPr id="1" name=""/>
+        <p:cNvGrpSpPr/>
+        <p:nvPr/>
+      </p:nvGrpSpPr>
+      <p:grpSpPr>
+        <a:xfrm>
+          <a:off x="0" y="0"/>
+          <a:ext cx="0" cy="0"/>
+          <a:chOff x="0" y="0"/>
+          <a:chExt cx="0" cy="0"/>
+        </a:xfrm>
+      </p:grpSpPr>
+      <p:sp>
+        <p:nvSpPr>
+          <p:cNvPr id="2" name="Title 1">
+            <a:extLst>
+              <a:ext uri="{FF2B5EF4-FFF2-40B4-BE49-F238E27FC236}">
+                <a16:creationId xmlns:a16="http://schemas.microsoft.com/office/drawing/2014/main" id="{5D8062ED-37CD-4DA9-8359-1C68E591977F}"/>
+              </a:ext>
+            </a:extLst>
+          </p:cNvPr>
+          <p:cNvSpPr>
+            <a:spLocks noGrp="1"/>
+          </p:cNvSpPr>
+          <p:nvPr>
+            <p:ph type="title"/>
+          </p:nvPr>
+        </p:nvSpPr>
+        <p:spPr/>
+        <p:txBody>
+          <a:bodyPr/>
+          <a:lstStyle/>
+          <a:p>
+            <a:endParaRPr lang="en-IN"/>
+          </a:p>
+        </p:txBody>
+      </p:sp>
+      <p:sp>
+        <p:nvSpPr>
+          <p:cNvPr id="3" name="Content Placeholder 2">
+            <a:extLst>
+              <a:ext uri="{FF2B5EF4-FFF2-40B4-BE49-F238E27FC236}">
+                <a16:creationId xmlns:a16="http://schemas.microsoft.com/office/drawing/2014/main" id="{59C66E84-2F34-44BC-8A10-2D97E94C1563}"/>
+              </a:ext>
+            </a:extLst>
+          </p:cNvPr>
+          <p:cNvSpPr>
+            <a:spLocks noGrp="1"/>
+          </p:cNvSpPr>
+          <p:nvPr>
+            <p:ph idx="1"/>
+          </p:nvPr>
+        </p:nvSpPr>
+        <p:spPr/>
+        <p:txBody>
+          <a:bodyPr/>
+          <a:lstStyle/>
+          <a:p>
+            <a:r>
+              <a:rPr lang="en-IN" dirty="0"/>
+              <a:t>CLUSTER – GROUP of computer</a:t>
+            </a:r>
+          </a:p>
+          <a:p>
+            <a:r>
+              <a:rPr lang="en-IN" dirty="0"/>
+              <a:t>Instead of achieving the task on single system – it will consume more and more processing time as well as storage limitations are also there</a:t>
+            </a:r>
+          </a:p>
+          <a:p>
+            <a:r>
+              <a:rPr lang="en-IN" dirty="0"/>
+              <a:t>Group of Computer that can accomplish some particular task as in group of computing resource as well as group of storage resource</a:t>
+            </a:r>
+          </a:p>
+        </p:txBody>
+      </p:sp>
+    </p:spTree>
+    <p:extLst>
+      <p:ext uri="{BB962C8B-B14F-4D97-AF65-F5344CB8AC3E}">
+        <p14:creationId xmlns:p14="http://schemas.microsoft.com/office/powerpoint/2010/main" val="145260790"/>
+      </p:ext>
+    </p:extLst>
+  </p:cSld>
+  <p:clrMapOvr>
+    <a:masterClrMapping/>
+  </p:clrMapOvr>
+</p:sld>
+</file>
+
 <file path=ppt/slides/slide2.xml><?xml version="1.0" encoding="utf-8"?>
 <p:sld xmlns:a="http://schemas.openxmlformats.org/drawingml/2006/main" xmlns:r="http://schemas.openxmlformats.org/officeDocument/2006/relationships" xmlns:p="http://schemas.openxmlformats.org/presentationml/2006/main">
   <p:cSld>
@@ -7327,6 +8030,263 @@
 </p:sld>
 </file>
 
+<file path=ppt/slides/slide8.xml><?xml version="1.0" encoding="utf-8"?>
+<p:sld xmlns:a="http://schemas.openxmlformats.org/drawingml/2006/main" xmlns:r="http://schemas.openxmlformats.org/officeDocument/2006/relationships" xmlns:p="http://schemas.openxmlformats.org/presentationml/2006/main">
+  <p:cSld>
+    <p:spTree>
+      <p:nvGrpSpPr>
+        <p:cNvPr id="1" name=""/>
+        <p:cNvGrpSpPr/>
+        <p:nvPr/>
+      </p:nvGrpSpPr>
+      <p:grpSpPr>
+        <a:xfrm>
+          <a:off x="0" y="0"/>
+          <a:ext cx="0" cy="0"/>
+          <a:chOff x="0" y="0"/>
+          <a:chExt cx="0" cy="0"/>
+        </a:xfrm>
+      </p:grpSpPr>
+      <p:sp>
+        <p:nvSpPr>
+          <p:cNvPr id="2" name="Title 1">
+            <a:extLst>
+              <a:ext uri="{FF2B5EF4-FFF2-40B4-BE49-F238E27FC236}">
+                <a16:creationId xmlns:a16="http://schemas.microsoft.com/office/drawing/2014/main" id="{4BAA8E83-E67A-47D0-89A8-2373EF2D0B61}"/>
+              </a:ext>
+            </a:extLst>
+          </p:cNvPr>
+          <p:cNvSpPr>
+            <a:spLocks noGrp="1"/>
+          </p:cNvSpPr>
+          <p:nvPr>
+            <p:ph type="title"/>
+          </p:nvPr>
+        </p:nvSpPr>
+        <p:spPr/>
+        <p:txBody>
+          <a:bodyPr/>
+          <a:lstStyle/>
+          <a:p>
+            <a:r>
+              <a:rPr lang="en-IN" dirty="0"/>
+              <a:t>RDBMS</a:t>
+            </a:r>
+          </a:p>
+        </p:txBody>
+      </p:sp>
+      <p:sp>
+        <p:nvSpPr>
+          <p:cNvPr id="3" name="Content Placeholder 2">
+            <a:extLst>
+              <a:ext uri="{FF2B5EF4-FFF2-40B4-BE49-F238E27FC236}">
+                <a16:creationId xmlns:a16="http://schemas.microsoft.com/office/drawing/2014/main" id="{70E80AD6-9DC0-461A-AD8D-8525D53D3B2D}"/>
+              </a:ext>
+            </a:extLst>
+          </p:cNvPr>
+          <p:cNvSpPr>
+            <a:spLocks noGrp="1"/>
+          </p:cNvSpPr>
+          <p:nvPr>
+            <p:ph idx="1"/>
+          </p:nvPr>
+        </p:nvSpPr>
+        <p:spPr/>
+        <p:txBody>
+          <a:bodyPr/>
+          <a:lstStyle/>
+          <a:p>
+            <a:r>
+              <a:rPr lang="en-IN" dirty="0"/>
+              <a:t>Amazon Aurora</a:t>
+            </a:r>
+          </a:p>
+          <a:p>
+            <a:r>
+              <a:rPr lang="en-IN" dirty="0"/>
+              <a:t>MYSQL</a:t>
+            </a:r>
+          </a:p>
+          <a:p>
+            <a:r>
+              <a:rPr lang="en-IN" dirty="0"/>
+              <a:t>Microsoft SQL</a:t>
+            </a:r>
+          </a:p>
+          <a:p>
+            <a:r>
+              <a:rPr lang="en-IN" dirty="0"/>
+              <a:t>Oracle</a:t>
+            </a:r>
+          </a:p>
+          <a:p>
+            <a:r>
+              <a:rPr lang="en-IN" dirty="0"/>
+              <a:t>Postgres</a:t>
+            </a:r>
+          </a:p>
+          <a:p>
+            <a:r>
+              <a:rPr lang="en-IN" dirty="0"/>
+              <a:t>MariaDB</a:t>
+            </a:r>
+          </a:p>
+        </p:txBody>
+      </p:sp>
+    </p:spTree>
+    <p:extLst>
+      <p:ext uri="{BB962C8B-B14F-4D97-AF65-F5344CB8AC3E}">
+        <p14:creationId xmlns:p14="http://schemas.microsoft.com/office/powerpoint/2010/main" val="3590231086"/>
+      </p:ext>
+    </p:extLst>
+  </p:cSld>
+  <p:clrMapOvr>
+    <a:masterClrMapping/>
+  </p:clrMapOvr>
+</p:sld>
+</file>
+
+<file path=ppt/slides/slide9.xml><?xml version="1.0" encoding="utf-8"?>
+<p:sld xmlns:a="http://schemas.openxmlformats.org/drawingml/2006/main" xmlns:r="http://schemas.openxmlformats.org/officeDocument/2006/relationships" xmlns:p="http://schemas.openxmlformats.org/presentationml/2006/main">
+  <p:cSld>
+    <p:spTree>
+      <p:nvGrpSpPr>
+        <p:cNvPr id="1" name=""/>
+        <p:cNvGrpSpPr/>
+        <p:nvPr/>
+      </p:nvGrpSpPr>
+      <p:grpSpPr>
+        <a:xfrm>
+          <a:off x="0" y="0"/>
+          <a:ext cx="0" cy="0"/>
+          <a:chOff x="0" y="0"/>
+          <a:chExt cx="0" cy="0"/>
+        </a:xfrm>
+      </p:grpSpPr>
+      <p:sp>
+        <p:nvSpPr>
+          <p:cNvPr id="2" name="Title 1">
+            <a:extLst>
+              <a:ext uri="{FF2B5EF4-FFF2-40B4-BE49-F238E27FC236}">
+                <a16:creationId xmlns:a16="http://schemas.microsoft.com/office/drawing/2014/main" id="{70B84024-D283-43EC-AFEC-16FAB3FFBBB8}"/>
+              </a:ext>
+            </a:extLst>
+          </p:cNvPr>
+          <p:cNvSpPr>
+            <a:spLocks noGrp="1"/>
+          </p:cNvSpPr>
+          <p:nvPr>
+            <p:ph type="title"/>
+          </p:nvPr>
+        </p:nvSpPr>
+        <p:spPr/>
+        <p:txBody>
+          <a:bodyPr/>
+          <a:lstStyle/>
+          <a:p>
+            <a:r>
+              <a:rPr lang="en-US" b="1" dirty="0"/>
+              <a:t>MySQL</a:t>
+            </a:r>
+            <a:br>
+              <a:rPr lang="en-US" b="1" dirty="0"/>
+            </a:br>
+            <a:endParaRPr lang="en-IN" dirty="0"/>
+          </a:p>
+        </p:txBody>
+      </p:sp>
+      <p:sp>
+        <p:nvSpPr>
+          <p:cNvPr id="3" name="Content Placeholder 2">
+            <a:extLst>
+              <a:ext uri="{FF2B5EF4-FFF2-40B4-BE49-F238E27FC236}">
+                <a16:creationId xmlns:a16="http://schemas.microsoft.com/office/drawing/2014/main" id="{AE4BC548-5CDD-4D6E-98F5-F7646D251BC5}"/>
+              </a:ext>
+            </a:extLst>
+          </p:cNvPr>
+          <p:cNvSpPr>
+            <a:spLocks noGrp="1"/>
+          </p:cNvSpPr>
+          <p:nvPr>
+            <p:ph idx="1"/>
+          </p:nvPr>
+        </p:nvSpPr>
+        <p:spPr/>
+        <p:txBody>
+          <a:bodyPr/>
+          <a:lstStyle/>
+          <a:p>
+            <a:r>
+              <a:rPr lang="en-US" dirty="0"/>
+              <a:t>MySQL is the most popular open source database in the world. MySQL on RDS offers the rich features of the MySQL community edition with the flexibility to easily scale compute resources or storage capacity for your database.</a:t>
+            </a:r>
+          </a:p>
+          <a:p>
+            <a:pPr>
+              <a:buFont typeface="Arial" panose="020B0604020202020204" pitchFamily="34" charset="0"/>
+              <a:buChar char="•"/>
+            </a:pPr>
+            <a:r>
+              <a:rPr lang="en-US" dirty="0"/>
+              <a:t>Supports database size up to 64 </a:t>
+            </a:r>
+            <a:r>
+              <a:rPr lang="en-US" dirty="0" err="1"/>
+              <a:t>TiB</a:t>
+            </a:r>
+            <a:r>
+              <a:rPr lang="en-US" dirty="0"/>
+              <a:t>.</a:t>
+            </a:r>
+          </a:p>
+          <a:p>
+            <a:pPr>
+              <a:buFont typeface="Arial" panose="020B0604020202020204" pitchFamily="34" charset="0"/>
+              <a:buChar char="•"/>
+            </a:pPr>
+            <a:r>
+              <a:rPr lang="en-US" dirty="0"/>
+              <a:t>Supports General Purpose, Memory Optimized, and Burstable Performance instance classes.</a:t>
+            </a:r>
+          </a:p>
+          <a:p>
+            <a:pPr>
+              <a:buFont typeface="Arial" panose="020B0604020202020204" pitchFamily="34" charset="0"/>
+              <a:buChar char="•"/>
+            </a:pPr>
+            <a:r>
+              <a:rPr lang="en-US" dirty="0"/>
+              <a:t>Supports automated backup and point-in-time recovery.</a:t>
+            </a:r>
+          </a:p>
+          <a:p>
+            <a:pPr>
+              <a:buFont typeface="Arial" panose="020B0604020202020204" pitchFamily="34" charset="0"/>
+              <a:buChar char="•"/>
+            </a:pPr>
+            <a:r>
+              <a:rPr lang="en-US" dirty="0"/>
+              <a:t>Supports up to 5 Read Replicas per instance, within a single Region or cross-region.</a:t>
+            </a:r>
+          </a:p>
+          <a:p>
+            <a:endParaRPr lang="en-IN" dirty="0"/>
+          </a:p>
+        </p:txBody>
+      </p:sp>
+    </p:spTree>
+    <p:extLst>
+      <p:ext uri="{BB962C8B-B14F-4D97-AF65-F5344CB8AC3E}">
+        <p14:creationId xmlns:p14="http://schemas.microsoft.com/office/powerpoint/2010/main" val="753695638"/>
+      </p:ext>
+    </p:extLst>
+  </p:cSld>
+  <p:clrMapOvr>
+    <a:masterClrMapping/>
+  </p:clrMapOvr>
+</p:sld>
+</file>
+
 <file path=ppt/theme/theme1.xml><?xml version="1.0" encoding="utf-8"?>
 <a:theme xmlns:a="http://schemas.openxmlformats.org/drawingml/2006/main" name="Ion">
   <a:themeElements>

--- a/New Microsoft PowerPoint Presentation.pptx
+++ b/New Microsoft PowerPoint Presentation.pptx
@@ -19,6 +19,11 @@
     <p:sldId id="268" r:id="rId13"/>
     <p:sldId id="269" r:id="rId14"/>
     <p:sldId id="265" r:id="rId15"/>
+    <p:sldId id="270" r:id="rId16"/>
+    <p:sldId id="271" r:id="rId17"/>
+    <p:sldId id="273" r:id="rId18"/>
+    <p:sldId id="272" r:id="rId19"/>
+    <p:sldId id="274" r:id="rId20"/>
   </p:sldIdLst>
   <p:sldSz cx="12192000" cy="6858000"/>
   <p:notesSz cx="6858000" cy="9144000"/>
@@ -6200,7 +6205,14 @@
           <a:bodyPr/>
           <a:lstStyle/>
           <a:p>
-            <a:endParaRPr lang="en-IN"/>
+            <a:r>
+              <a:rPr lang="en-US" b="1" dirty="0"/>
+              <a:t>MariaDB</a:t>
+            </a:r>
+            <a:br>
+              <a:rPr lang="en-US" b="1" dirty="0"/>
+            </a:br>
+            <a:endParaRPr lang="en-IN" dirty="0"/>
           </a:p>
         </p:txBody>
       </p:sp>
@@ -6223,15 +6235,9 @@
         <p:spPr/>
         <p:txBody>
           <a:bodyPr>
-            <a:normAutofit fontScale="92500" lnSpcReduction="10000"/>
+            <a:normAutofit lnSpcReduction="10000"/>
           </a:bodyPr>
           <a:lstStyle/>
-          <a:p>
-            <a:r>
-              <a:rPr lang="en-US" b="1" dirty="0"/>
-              <a:t>MariaDB</a:t>
-            </a:r>
-          </a:p>
           <a:p>
             <a:r>
               <a:rPr lang="en-US" dirty="0"/>
@@ -6362,7 +6368,14 @@
           <a:bodyPr/>
           <a:lstStyle/>
           <a:p>
-            <a:endParaRPr lang="en-IN"/>
+            <a:r>
+              <a:rPr lang="en-US" b="1" dirty="0"/>
+              <a:t>PostgreSQL</a:t>
+            </a:r>
+            <a:br>
+              <a:rPr lang="en-US" b="1" dirty="0"/>
+            </a:br>
+            <a:endParaRPr lang="en-IN" dirty="0"/>
           </a:p>
         </p:txBody>
       </p:sp>
@@ -6385,15 +6398,9 @@
         <p:spPr/>
         <p:txBody>
           <a:bodyPr>
-            <a:normAutofit fontScale="92500" lnSpcReduction="10000"/>
+            <a:normAutofit lnSpcReduction="10000"/>
           </a:bodyPr>
           <a:lstStyle/>
-          <a:p>
-            <a:r>
-              <a:rPr lang="en-US" b="1" dirty="0"/>
-              <a:t>PostgreSQL</a:t>
-            </a:r>
-          </a:p>
           <a:p>
             <a:r>
               <a:rPr lang="en-US" dirty="0"/>
@@ -6516,7 +6523,14 @@
           <a:bodyPr/>
           <a:lstStyle/>
           <a:p>
-            <a:endParaRPr lang="en-IN"/>
+            <a:r>
+              <a:rPr lang="en-US" dirty="0"/>
+              <a:t>Oracle</a:t>
+            </a:r>
+            <a:br>
+              <a:rPr lang="en-US" dirty="0"/>
+            </a:br>
+            <a:endParaRPr lang="en-IN" dirty="0"/>
           </a:p>
         </p:txBody>
       </p:sp>
@@ -6539,21 +6553,9 @@
         <p:spPr/>
         <p:txBody>
           <a:bodyPr>
-            <a:normAutofit fontScale="70000" lnSpcReduction="20000"/>
+            <a:normAutofit fontScale="85000" lnSpcReduction="20000"/>
           </a:bodyPr>
           <a:lstStyle/>
-          <a:p>
-            <a:r>
-              <a:rPr lang="en-US" dirty="0"/>
-              <a:t>Oracle</a:t>
-            </a:r>
-          </a:p>
-          <a:p>
-            <a:r>
-              <a:rPr lang="en-US" dirty="0"/>
-              <a:t>Edition</a:t>
-            </a:r>
-          </a:p>
           <a:p>
             <a:r>
               <a:rPr lang="en-US" dirty="0"/>
@@ -6656,7 +6658,14 @@
           <a:bodyPr/>
           <a:lstStyle/>
           <a:p>
-            <a:endParaRPr lang="en-IN"/>
+            <a:r>
+              <a:rPr lang="en-US" dirty="0"/>
+              <a:t>Microsoft SQL Server</a:t>
+            </a:r>
+            <a:br>
+              <a:rPr lang="en-US" dirty="0"/>
+            </a:br>
+            <a:endParaRPr lang="en-IN" dirty="0"/>
           </a:p>
         </p:txBody>
       </p:sp>
@@ -6679,21 +6688,9 @@
         <p:spPr/>
         <p:txBody>
           <a:bodyPr>
-            <a:normAutofit fontScale="77500" lnSpcReduction="20000"/>
+            <a:normAutofit fontScale="85000" lnSpcReduction="10000"/>
           </a:bodyPr>
           <a:lstStyle/>
-          <a:p>
-            <a:r>
-              <a:rPr lang="en-US" dirty="0"/>
-              <a:t>Microsoft SQL Server</a:t>
-            </a:r>
-          </a:p>
-          <a:p>
-            <a:r>
-              <a:rPr lang="en-US" dirty="0"/>
-              <a:t>Edition</a:t>
-            </a:r>
-          </a:p>
           <a:p>
             <a:r>
               <a:rPr lang="en-US" dirty="0"/>
@@ -6849,6 +6846,1045 @@
     <p:extLst>
       <p:ext uri="{BB962C8B-B14F-4D97-AF65-F5344CB8AC3E}">
         <p14:creationId xmlns:p14="http://schemas.microsoft.com/office/powerpoint/2010/main" val="145260790"/>
+      </p:ext>
+    </p:extLst>
+  </p:cSld>
+  <p:clrMapOvr>
+    <a:masterClrMapping/>
+  </p:clrMapOvr>
+</p:sld>
+</file>
+
+<file path=ppt/slides/slide15.xml><?xml version="1.0" encoding="utf-8"?>
+<p:sld xmlns:a="http://schemas.openxmlformats.org/drawingml/2006/main" xmlns:r="http://schemas.openxmlformats.org/officeDocument/2006/relationships" xmlns:p="http://schemas.openxmlformats.org/presentationml/2006/main">
+  <p:cSld>
+    <p:spTree>
+      <p:nvGrpSpPr>
+        <p:cNvPr id="1" name=""/>
+        <p:cNvGrpSpPr/>
+        <p:nvPr/>
+      </p:nvGrpSpPr>
+      <p:grpSpPr>
+        <a:xfrm>
+          <a:off x="0" y="0"/>
+          <a:ext cx="0" cy="0"/>
+          <a:chOff x="0" y="0"/>
+          <a:chExt cx="0" cy="0"/>
+        </a:xfrm>
+      </p:grpSpPr>
+      <p:sp>
+        <p:nvSpPr>
+          <p:cNvPr id="2" name="Title 1">
+            <a:extLst>
+              <a:ext uri="{FF2B5EF4-FFF2-40B4-BE49-F238E27FC236}">
+                <a16:creationId xmlns:a16="http://schemas.microsoft.com/office/drawing/2014/main" id="{B50F0715-26ED-4CCC-85B7-8A9D9D81AAD2}"/>
+              </a:ext>
+            </a:extLst>
+          </p:cNvPr>
+          <p:cNvSpPr>
+            <a:spLocks noGrp="1"/>
+          </p:cNvSpPr>
+          <p:nvPr>
+            <p:ph type="title"/>
+          </p:nvPr>
+        </p:nvSpPr>
+        <p:spPr/>
+        <p:txBody>
+          <a:bodyPr/>
+          <a:lstStyle/>
+          <a:p>
+            <a:r>
+              <a:rPr lang="en-IN" dirty="0"/>
+              <a:t>Database Operations</a:t>
+            </a:r>
+          </a:p>
+        </p:txBody>
+      </p:sp>
+      <p:sp>
+        <p:nvSpPr>
+          <p:cNvPr id="3" name="Content Placeholder 2">
+            <a:extLst>
+              <a:ext uri="{FF2B5EF4-FFF2-40B4-BE49-F238E27FC236}">
+                <a16:creationId xmlns:a16="http://schemas.microsoft.com/office/drawing/2014/main" id="{61BA4936-E49D-4378-8FCC-3198A957F1D5}"/>
+              </a:ext>
+            </a:extLst>
+          </p:cNvPr>
+          <p:cNvSpPr>
+            <a:spLocks noGrp="1"/>
+          </p:cNvSpPr>
+          <p:nvPr>
+            <p:ph idx="1"/>
+          </p:nvPr>
+        </p:nvSpPr>
+        <p:spPr/>
+        <p:txBody>
+          <a:bodyPr/>
+          <a:lstStyle/>
+          <a:p>
+            <a:r>
+              <a:rPr lang="en-IN" dirty="0"/>
+              <a:t>Create</a:t>
+            </a:r>
+          </a:p>
+          <a:p>
+            <a:r>
+              <a:rPr lang="en-IN" dirty="0"/>
+              <a:t>Update</a:t>
+            </a:r>
+          </a:p>
+          <a:p>
+            <a:r>
+              <a:rPr lang="en-IN" dirty="0"/>
+              <a:t>Delete</a:t>
+            </a:r>
+          </a:p>
+          <a:p>
+            <a:r>
+              <a:rPr lang="en-IN" dirty="0"/>
+              <a:t>Read</a:t>
+            </a:r>
+          </a:p>
+        </p:txBody>
+      </p:sp>
+    </p:spTree>
+    <p:extLst>
+      <p:ext uri="{BB962C8B-B14F-4D97-AF65-F5344CB8AC3E}">
+        <p14:creationId xmlns:p14="http://schemas.microsoft.com/office/powerpoint/2010/main" val="887685231"/>
+      </p:ext>
+    </p:extLst>
+  </p:cSld>
+  <p:clrMapOvr>
+    <a:masterClrMapping/>
+  </p:clrMapOvr>
+</p:sld>
+</file>
+
+<file path=ppt/slides/slide16.xml><?xml version="1.0" encoding="utf-8"?>
+<p:sld xmlns:a="http://schemas.openxmlformats.org/drawingml/2006/main" xmlns:r="http://schemas.openxmlformats.org/officeDocument/2006/relationships" xmlns:p="http://schemas.openxmlformats.org/presentationml/2006/main">
+  <p:cSld>
+    <p:spTree>
+      <p:nvGrpSpPr>
+        <p:cNvPr id="1" name=""/>
+        <p:cNvGrpSpPr/>
+        <p:nvPr/>
+      </p:nvGrpSpPr>
+      <p:grpSpPr>
+        <a:xfrm>
+          <a:off x="0" y="0"/>
+          <a:ext cx="0" cy="0"/>
+          <a:chOff x="0" y="0"/>
+          <a:chExt cx="0" cy="0"/>
+        </a:xfrm>
+      </p:grpSpPr>
+      <p:sp>
+        <p:nvSpPr>
+          <p:cNvPr id="2" name="Title 1">
+            <a:extLst>
+              <a:ext uri="{FF2B5EF4-FFF2-40B4-BE49-F238E27FC236}">
+                <a16:creationId xmlns:a16="http://schemas.microsoft.com/office/drawing/2014/main" id="{2558D23C-5267-4CF5-8188-7EC2E65BAEC3}"/>
+              </a:ext>
+            </a:extLst>
+          </p:cNvPr>
+          <p:cNvSpPr>
+            <a:spLocks noGrp="1"/>
+          </p:cNvSpPr>
+          <p:nvPr>
+            <p:ph type="title"/>
+          </p:nvPr>
+        </p:nvSpPr>
+        <p:spPr/>
+        <p:txBody>
+          <a:bodyPr/>
+          <a:lstStyle/>
+          <a:p>
+            <a:r>
+              <a:rPr lang="en-IN" dirty="0"/>
+              <a:t>Flipkart</a:t>
+            </a:r>
+          </a:p>
+        </p:txBody>
+      </p:sp>
+      <p:pic>
+        <p:nvPicPr>
+          <p:cNvPr id="5" name="Content Placeholder 4" descr="Internet">
+            <a:extLst>
+              <a:ext uri="{FF2B5EF4-FFF2-40B4-BE49-F238E27FC236}">
+                <a16:creationId xmlns:a16="http://schemas.microsoft.com/office/drawing/2014/main" id="{61F72190-D29D-4A9E-9223-F0A119B8C3E6}"/>
+              </a:ext>
+            </a:extLst>
+          </p:cNvPr>
+          <p:cNvPicPr>
+            <a:picLocks noGrp="1" noChangeAspect="1"/>
+          </p:cNvPicPr>
+          <p:nvPr>
+            <p:ph idx="1"/>
+          </p:nvPr>
+        </p:nvPicPr>
+        <p:blipFill>
+          <a:blip r:embed="rId2">
+            <a:extLst>
+              <a:ext uri="{28A0092B-C50C-407E-A947-70E740481C1C}">
+                <a14:useLocalDpi xmlns:a14="http://schemas.microsoft.com/office/drawing/2010/main" val="0"/>
+              </a:ext>
+              <a:ext uri="{96DAC541-7B7A-43D3-8B79-37D633B846F1}">
+                <asvg:svgBlip xmlns:asvg="http://schemas.microsoft.com/office/drawing/2016/SVG/main" r:embed="rId3"/>
+              </a:ext>
+            </a:extLst>
+          </a:blip>
+          <a:stretch>
+            <a:fillRect/>
+          </a:stretch>
+        </p:blipFill>
+        <p:spPr>
+          <a:xfrm>
+            <a:off x="3098800" y="3089564"/>
+            <a:ext cx="914400" cy="914400"/>
+          </a:xfrm>
+        </p:spPr>
+      </p:pic>
+      <p:pic>
+        <p:nvPicPr>
+          <p:cNvPr id="7" name="Graphic 6" descr="Database">
+            <a:extLst>
+              <a:ext uri="{FF2B5EF4-FFF2-40B4-BE49-F238E27FC236}">
+                <a16:creationId xmlns:a16="http://schemas.microsoft.com/office/drawing/2014/main" id="{32CBB2B3-2D6E-480C-BD84-6B78AB12DE0D}"/>
+              </a:ext>
+            </a:extLst>
+          </p:cNvPr>
+          <p:cNvPicPr>
+            <a:picLocks noChangeAspect="1"/>
+          </p:cNvPicPr>
+          <p:nvPr/>
+        </p:nvPicPr>
+        <p:blipFill>
+          <a:blip r:embed="rId4">
+            <a:extLst>
+              <a:ext uri="{28A0092B-C50C-407E-A947-70E740481C1C}">
+                <a14:useLocalDpi xmlns:a14="http://schemas.microsoft.com/office/drawing/2010/main" val="0"/>
+              </a:ext>
+              <a:ext uri="{96DAC541-7B7A-43D3-8B79-37D633B846F1}">
+                <asvg:svgBlip xmlns:asvg="http://schemas.microsoft.com/office/drawing/2016/SVG/main" r:embed="rId5"/>
+              </a:ext>
+            </a:extLst>
+          </a:blip>
+          <a:stretch>
+            <a:fillRect/>
+          </a:stretch>
+        </p:blipFill>
+        <p:spPr>
+          <a:xfrm>
+            <a:off x="771236" y="2024120"/>
+            <a:ext cx="914400" cy="914400"/>
+          </a:xfrm>
+          <a:prstGeom prst="rect">
+            <a:avLst/>
+          </a:prstGeom>
+        </p:spPr>
+      </p:pic>
+      <p:pic>
+        <p:nvPicPr>
+          <p:cNvPr id="9" name="Graphic 8" descr="Target Audience">
+            <a:extLst>
+              <a:ext uri="{FF2B5EF4-FFF2-40B4-BE49-F238E27FC236}">
+                <a16:creationId xmlns:a16="http://schemas.microsoft.com/office/drawing/2014/main" id="{B19FD1D3-2500-4E52-B492-0A66AE0EDC43}"/>
+              </a:ext>
+            </a:extLst>
+          </p:cNvPr>
+          <p:cNvPicPr>
+            <a:picLocks noChangeAspect="1"/>
+          </p:cNvPicPr>
+          <p:nvPr/>
+        </p:nvPicPr>
+        <p:blipFill>
+          <a:blip r:embed="rId6">
+            <a:extLst>
+              <a:ext uri="{28A0092B-C50C-407E-A947-70E740481C1C}">
+                <a14:useLocalDpi xmlns:a14="http://schemas.microsoft.com/office/drawing/2010/main" val="0"/>
+              </a:ext>
+              <a:ext uri="{96DAC541-7B7A-43D3-8B79-37D633B846F1}">
+                <asvg:svgBlip xmlns:asvg="http://schemas.microsoft.com/office/drawing/2016/SVG/main" r:embed="rId7"/>
+              </a:ext>
+            </a:extLst>
+          </a:blip>
+          <a:stretch>
+            <a:fillRect/>
+          </a:stretch>
+        </p:blipFill>
+        <p:spPr>
+          <a:xfrm>
+            <a:off x="3500582" y="5004753"/>
+            <a:ext cx="914400" cy="914400"/>
+          </a:xfrm>
+          <a:prstGeom prst="rect">
+            <a:avLst/>
+          </a:prstGeom>
+        </p:spPr>
+      </p:pic>
+      <p:pic>
+        <p:nvPicPr>
+          <p:cNvPr id="11" name="Graphic 10" descr="Target Audience">
+            <a:extLst>
+              <a:ext uri="{FF2B5EF4-FFF2-40B4-BE49-F238E27FC236}">
+                <a16:creationId xmlns:a16="http://schemas.microsoft.com/office/drawing/2014/main" id="{767B7849-7F8E-4068-A577-C229F7894CC2}"/>
+              </a:ext>
+            </a:extLst>
+          </p:cNvPr>
+          <p:cNvPicPr>
+            <a:picLocks noChangeAspect="1"/>
+          </p:cNvPicPr>
+          <p:nvPr/>
+        </p:nvPicPr>
+        <p:blipFill>
+          <a:blip r:embed="rId6">
+            <a:extLst>
+              <a:ext uri="{28A0092B-C50C-407E-A947-70E740481C1C}">
+                <a14:useLocalDpi xmlns:a14="http://schemas.microsoft.com/office/drawing/2010/main" val="0"/>
+              </a:ext>
+              <a:ext uri="{96DAC541-7B7A-43D3-8B79-37D633B846F1}">
+                <asvg:svgBlip xmlns:asvg="http://schemas.microsoft.com/office/drawing/2016/SVG/main" r:embed="rId7"/>
+              </a:ext>
+            </a:extLst>
+          </a:blip>
+          <a:stretch>
+            <a:fillRect/>
+          </a:stretch>
+        </p:blipFill>
+        <p:spPr>
+          <a:xfrm>
+            <a:off x="5348472" y="3050309"/>
+            <a:ext cx="914400" cy="914400"/>
+          </a:xfrm>
+          <a:prstGeom prst="rect">
+            <a:avLst/>
+          </a:prstGeom>
+        </p:spPr>
+      </p:pic>
+      <p:sp>
+        <p:nvSpPr>
+          <p:cNvPr id="12" name="Arrow: Up-Down 11">
+            <a:extLst>
+              <a:ext uri="{FF2B5EF4-FFF2-40B4-BE49-F238E27FC236}">
+                <a16:creationId xmlns:a16="http://schemas.microsoft.com/office/drawing/2014/main" id="{915D02A5-0058-4BCA-AAF0-983043C5A7F4}"/>
+              </a:ext>
+            </a:extLst>
+          </p:cNvPr>
+          <p:cNvSpPr/>
+          <p:nvPr/>
+        </p:nvSpPr>
+        <p:spPr>
+          <a:xfrm rot="17754198">
+            <a:off x="1896073" y="2109155"/>
+            <a:ext cx="914400" cy="1930400"/>
+          </a:xfrm>
+          <a:prstGeom prst="upDownArrow">
+            <a:avLst/>
+          </a:prstGeom>
+        </p:spPr>
+        <p:style>
+          <a:lnRef idx="2">
+            <a:schemeClr val="accent1">
+              <a:shade val="50000"/>
+            </a:schemeClr>
+          </a:lnRef>
+          <a:fillRef idx="1">
+            <a:schemeClr val="accent1"/>
+          </a:fillRef>
+          <a:effectRef idx="0">
+            <a:schemeClr val="accent1"/>
+          </a:effectRef>
+          <a:fontRef idx="minor">
+            <a:schemeClr val="lt1"/>
+          </a:fontRef>
+        </p:style>
+        <p:txBody>
+          <a:bodyPr rtlCol="0" anchor="ctr"/>
+          <a:lstStyle/>
+          <a:p>
+            <a:pPr algn="ctr"/>
+            <a:endParaRPr lang="en-IN"/>
+          </a:p>
+        </p:txBody>
+      </p:sp>
+      <p:sp>
+        <p:nvSpPr>
+          <p:cNvPr id="13" name="TextBox 12">
+            <a:extLst>
+              <a:ext uri="{FF2B5EF4-FFF2-40B4-BE49-F238E27FC236}">
+                <a16:creationId xmlns:a16="http://schemas.microsoft.com/office/drawing/2014/main" id="{56EF161F-A005-4AC8-8C31-226F2FD46636}"/>
+              </a:ext>
+            </a:extLst>
+          </p:cNvPr>
+          <p:cNvSpPr txBox="1"/>
+          <p:nvPr/>
+        </p:nvSpPr>
+        <p:spPr>
+          <a:xfrm>
+            <a:off x="5495636" y="2733964"/>
+            <a:ext cx="1372492" cy="369332"/>
+          </a:xfrm>
+          <a:prstGeom prst="rect">
+            <a:avLst/>
+          </a:prstGeom>
+          <a:noFill/>
+        </p:spPr>
+        <p:txBody>
+          <a:bodyPr wrap="none" rtlCol="0">
+            <a:spAutoFit/>
+          </a:bodyPr>
+          <a:lstStyle/>
+          <a:p>
+            <a:r>
+              <a:rPr lang="en-IN" dirty="0"/>
+              <a:t>Merchants</a:t>
+            </a:r>
+          </a:p>
+        </p:txBody>
+      </p:sp>
+      <p:sp>
+        <p:nvSpPr>
+          <p:cNvPr id="14" name="TextBox 13">
+            <a:extLst>
+              <a:ext uri="{FF2B5EF4-FFF2-40B4-BE49-F238E27FC236}">
+                <a16:creationId xmlns:a16="http://schemas.microsoft.com/office/drawing/2014/main" id="{FF114888-316B-4650-ACFB-A3F6A03901B9}"/>
+              </a:ext>
+            </a:extLst>
+          </p:cNvPr>
+          <p:cNvSpPr txBox="1"/>
+          <p:nvPr/>
+        </p:nvSpPr>
+        <p:spPr>
+          <a:xfrm>
+            <a:off x="3343564" y="5837382"/>
+            <a:ext cx="1358064" cy="369332"/>
+          </a:xfrm>
+          <a:prstGeom prst="rect">
+            <a:avLst/>
+          </a:prstGeom>
+          <a:noFill/>
+        </p:spPr>
+        <p:txBody>
+          <a:bodyPr wrap="none" rtlCol="0">
+            <a:spAutoFit/>
+          </a:bodyPr>
+          <a:lstStyle/>
+          <a:p>
+            <a:r>
+              <a:rPr lang="en-IN" dirty="0"/>
+              <a:t>Customers</a:t>
+            </a:r>
+          </a:p>
+        </p:txBody>
+      </p:sp>
+      <p:sp>
+        <p:nvSpPr>
+          <p:cNvPr id="16" name="Arrow: Up-Down 15">
+            <a:extLst>
+              <a:ext uri="{FF2B5EF4-FFF2-40B4-BE49-F238E27FC236}">
+                <a16:creationId xmlns:a16="http://schemas.microsoft.com/office/drawing/2014/main" id="{5065ACBD-5279-4CDB-8488-CFBCC90C7796}"/>
+              </a:ext>
+            </a:extLst>
+          </p:cNvPr>
+          <p:cNvSpPr/>
+          <p:nvPr/>
+        </p:nvSpPr>
+        <p:spPr>
+          <a:xfrm rot="16200000">
+            <a:off x="4415574" y="2904415"/>
+            <a:ext cx="458126" cy="1206187"/>
+          </a:xfrm>
+          <a:prstGeom prst="upDownArrow">
+            <a:avLst/>
+          </a:prstGeom>
+        </p:spPr>
+        <p:style>
+          <a:lnRef idx="2">
+            <a:schemeClr val="accent1">
+              <a:shade val="50000"/>
+            </a:schemeClr>
+          </a:lnRef>
+          <a:fillRef idx="1">
+            <a:schemeClr val="accent1"/>
+          </a:fillRef>
+          <a:effectRef idx="0">
+            <a:schemeClr val="accent1"/>
+          </a:effectRef>
+          <a:fontRef idx="minor">
+            <a:schemeClr val="lt1"/>
+          </a:fontRef>
+        </p:style>
+        <p:txBody>
+          <a:bodyPr rtlCol="0" anchor="ctr"/>
+          <a:lstStyle/>
+          <a:p>
+            <a:pPr algn="ctr"/>
+            <a:endParaRPr lang="en-IN"/>
+          </a:p>
+        </p:txBody>
+      </p:sp>
+      <p:sp>
+        <p:nvSpPr>
+          <p:cNvPr id="18" name="Arrow: Up-Down 17">
+            <a:extLst>
+              <a:ext uri="{FF2B5EF4-FFF2-40B4-BE49-F238E27FC236}">
+                <a16:creationId xmlns:a16="http://schemas.microsoft.com/office/drawing/2014/main" id="{9D6D8C6B-CA65-48EC-A60A-1C4AF681F149}"/>
+              </a:ext>
+            </a:extLst>
+          </p:cNvPr>
+          <p:cNvSpPr/>
+          <p:nvPr/>
+        </p:nvSpPr>
+        <p:spPr>
+          <a:xfrm rot="20768861">
+            <a:off x="3389256" y="3908198"/>
+            <a:ext cx="631697" cy="1209220"/>
+          </a:xfrm>
+          <a:prstGeom prst="upDownArrow">
+            <a:avLst/>
+          </a:prstGeom>
+        </p:spPr>
+        <p:style>
+          <a:lnRef idx="2">
+            <a:schemeClr val="accent1">
+              <a:shade val="50000"/>
+            </a:schemeClr>
+          </a:lnRef>
+          <a:fillRef idx="1">
+            <a:schemeClr val="accent1"/>
+          </a:fillRef>
+          <a:effectRef idx="0">
+            <a:schemeClr val="accent1"/>
+          </a:effectRef>
+          <a:fontRef idx="minor">
+            <a:schemeClr val="lt1"/>
+          </a:fontRef>
+        </p:style>
+        <p:txBody>
+          <a:bodyPr rtlCol="0" anchor="ctr"/>
+          <a:lstStyle/>
+          <a:p>
+            <a:pPr algn="ctr"/>
+            <a:endParaRPr lang="en-IN"/>
+          </a:p>
+        </p:txBody>
+      </p:sp>
+    </p:spTree>
+    <p:extLst>
+      <p:ext uri="{BB962C8B-B14F-4D97-AF65-F5344CB8AC3E}">
+        <p14:creationId xmlns:p14="http://schemas.microsoft.com/office/powerpoint/2010/main" val="768111555"/>
+      </p:ext>
+    </p:extLst>
+  </p:cSld>
+  <p:clrMapOvr>
+    <a:masterClrMapping/>
+  </p:clrMapOvr>
+</p:sld>
+</file>
+
+<file path=ppt/slides/slide17.xml><?xml version="1.0" encoding="utf-8"?>
+<p:sld xmlns:a="http://schemas.openxmlformats.org/drawingml/2006/main" xmlns:r="http://schemas.openxmlformats.org/officeDocument/2006/relationships" xmlns:p="http://schemas.openxmlformats.org/presentationml/2006/main">
+  <p:cSld>
+    <p:spTree>
+      <p:nvGrpSpPr>
+        <p:cNvPr id="1" name=""/>
+        <p:cNvGrpSpPr/>
+        <p:nvPr/>
+      </p:nvGrpSpPr>
+      <p:grpSpPr>
+        <a:xfrm>
+          <a:off x="0" y="0"/>
+          <a:ext cx="0" cy="0"/>
+          <a:chOff x="0" y="0"/>
+          <a:chExt cx="0" cy="0"/>
+        </a:xfrm>
+      </p:grpSpPr>
+      <p:sp>
+        <p:nvSpPr>
+          <p:cNvPr id="2" name="Title 1">
+            <a:extLst>
+              <a:ext uri="{FF2B5EF4-FFF2-40B4-BE49-F238E27FC236}">
+                <a16:creationId xmlns:a16="http://schemas.microsoft.com/office/drawing/2014/main" id="{2558D23C-5267-4CF5-8188-7EC2E65BAEC3}"/>
+              </a:ext>
+            </a:extLst>
+          </p:cNvPr>
+          <p:cNvSpPr>
+            <a:spLocks noGrp="1"/>
+          </p:cNvSpPr>
+          <p:nvPr>
+            <p:ph type="title"/>
+          </p:nvPr>
+        </p:nvSpPr>
+        <p:spPr/>
+        <p:txBody>
+          <a:bodyPr/>
+          <a:lstStyle/>
+          <a:p>
+            <a:r>
+              <a:rPr lang="en-IN" dirty="0"/>
+              <a:t>Bank</a:t>
+            </a:r>
+          </a:p>
+        </p:txBody>
+      </p:sp>
+      <p:pic>
+        <p:nvPicPr>
+          <p:cNvPr id="5" name="Content Placeholder 4" descr="Internet">
+            <a:extLst>
+              <a:ext uri="{FF2B5EF4-FFF2-40B4-BE49-F238E27FC236}">
+                <a16:creationId xmlns:a16="http://schemas.microsoft.com/office/drawing/2014/main" id="{61F72190-D29D-4A9E-9223-F0A119B8C3E6}"/>
+              </a:ext>
+            </a:extLst>
+          </p:cNvPr>
+          <p:cNvPicPr>
+            <a:picLocks noGrp="1" noChangeAspect="1"/>
+          </p:cNvPicPr>
+          <p:nvPr>
+            <p:ph idx="1"/>
+          </p:nvPr>
+        </p:nvPicPr>
+        <p:blipFill>
+          <a:blip r:embed="rId2">
+            <a:extLst>
+              <a:ext uri="{28A0092B-C50C-407E-A947-70E740481C1C}">
+                <a14:useLocalDpi xmlns:a14="http://schemas.microsoft.com/office/drawing/2010/main" val="0"/>
+              </a:ext>
+              <a:ext uri="{96DAC541-7B7A-43D3-8B79-37D633B846F1}">
+                <asvg:svgBlip xmlns:asvg="http://schemas.microsoft.com/office/drawing/2016/SVG/main" r:embed="rId3"/>
+              </a:ext>
+            </a:extLst>
+          </a:blip>
+          <a:stretch>
+            <a:fillRect/>
+          </a:stretch>
+        </p:blipFill>
+        <p:spPr>
+          <a:xfrm>
+            <a:off x="3098800" y="3089564"/>
+            <a:ext cx="914400" cy="914400"/>
+          </a:xfrm>
+        </p:spPr>
+      </p:pic>
+      <p:pic>
+        <p:nvPicPr>
+          <p:cNvPr id="7" name="Graphic 6" descr="Database">
+            <a:extLst>
+              <a:ext uri="{FF2B5EF4-FFF2-40B4-BE49-F238E27FC236}">
+                <a16:creationId xmlns:a16="http://schemas.microsoft.com/office/drawing/2014/main" id="{32CBB2B3-2D6E-480C-BD84-6B78AB12DE0D}"/>
+              </a:ext>
+            </a:extLst>
+          </p:cNvPr>
+          <p:cNvPicPr>
+            <a:picLocks noChangeAspect="1"/>
+          </p:cNvPicPr>
+          <p:nvPr/>
+        </p:nvPicPr>
+        <p:blipFill>
+          <a:blip r:embed="rId4">
+            <a:extLst>
+              <a:ext uri="{28A0092B-C50C-407E-A947-70E740481C1C}">
+                <a14:useLocalDpi xmlns:a14="http://schemas.microsoft.com/office/drawing/2010/main" val="0"/>
+              </a:ext>
+              <a:ext uri="{96DAC541-7B7A-43D3-8B79-37D633B846F1}">
+                <asvg:svgBlip xmlns:asvg="http://schemas.microsoft.com/office/drawing/2016/SVG/main" r:embed="rId5"/>
+              </a:ext>
+            </a:extLst>
+          </a:blip>
+          <a:stretch>
+            <a:fillRect/>
+          </a:stretch>
+        </p:blipFill>
+        <p:spPr>
+          <a:xfrm>
+            <a:off x="771236" y="2024120"/>
+            <a:ext cx="914400" cy="914400"/>
+          </a:xfrm>
+          <a:prstGeom prst="rect">
+            <a:avLst/>
+          </a:prstGeom>
+        </p:spPr>
+      </p:pic>
+      <p:pic>
+        <p:nvPicPr>
+          <p:cNvPr id="9" name="Graphic 8" descr="Target Audience">
+            <a:extLst>
+              <a:ext uri="{FF2B5EF4-FFF2-40B4-BE49-F238E27FC236}">
+                <a16:creationId xmlns:a16="http://schemas.microsoft.com/office/drawing/2014/main" id="{B19FD1D3-2500-4E52-B492-0A66AE0EDC43}"/>
+              </a:ext>
+            </a:extLst>
+          </p:cNvPr>
+          <p:cNvPicPr>
+            <a:picLocks noChangeAspect="1"/>
+          </p:cNvPicPr>
+          <p:nvPr/>
+        </p:nvPicPr>
+        <p:blipFill>
+          <a:blip r:embed="rId6">
+            <a:extLst>
+              <a:ext uri="{28A0092B-C50C-407E-A947-70E740481C1C}">
+                <a14:useLocalDpi xmlns:a14="http://schemas.microsoft.com/office/drawing/2010/main" val="0"/>
+              </a:ext>
+              <a:ext uri="{96DAC541-7B7A-43D3-8B79-37D633B846F1}">
+                <asvg:svgBlip xmlns:asvg="http://schemas.microsoft.com/office/drawing/2016/SVG/main" r:embed="rId7"/>
+              </a:ext>
+            </a:extLst>
+          </a:blip>
+          <a:stretch>
+            <a:fillRect/>
+          </a:stretch>
+        </p:blipFill>
+        <p:spPr>
+          <a:xfrm>
+            <a:off x="3500582" y="5004753"/>
+            <a:ext cx="914400" cy="914400"/>
+          </a:xfrm>
+          <a:prstGeom prst="rect">
+            <a:avLst/>
+          </a:prstGeom>
+        </p:spPr>
+      </p:pic>
+      <p:sp>
+        <p:nvSpPr>
+          <p:cNvPr id="12" name="Arrow: Up-Down 11">
+            <a:extLst>
+              <a:ext uri="{FF2B5EF4-FFF2-40B4-BE49-F238E27FC236}">
+                <a16:creationId xmlns:a16="http://schemas.microsoft.com/office/drawing/2014/main" id="{915D02A5-0058-4BCA-AAF0-983043C5A7F4}"/>
+              </a:ext>
+            </a:extLst>
+          </p:cNvPr>
+          <p:cNvSpPr/>
+          <p:nvPr/>
+        </p:nvSpPr>
+        <p:spPr>
+          <a:xfrm rot="17754198">
+            <a:off x="1896073" y="2109155"/>
+            <a:ext cx="914400" cy="1930400"/>
+          </a:xfrm>
+          <a:prstGeom prst="upDownArrow">
+            <a:avLst/>
+          </a:prstGeom>
+        </p:spPr>
+        <p:style>
+          <a:lnRef idx="2">
+            <a:schemeClr val="accent1">
+              <a:shade val="50000"/>
+            </a:schemeClr>
+          </a:lnRef>
+          <a:fillRef idx="1">
+            <a:schemeClr val="accent1"/>
+          </a:fillRef>
+          <a:effectRef idx="0">
+            <a:schemeClr val="accent1"/>
+          </a:effectRef>
+          <a:fontRef idx="minor">
+            <a:schemeClr val="lt1"/>
+          </a:fontRef>
+        </p:style>
+        <p:txBody>
+          <a:bodyPr rtlCol="0" anchor="ctr"/>
+          <a:lstStyle/>
+          <a:p>
+            <a:pPr algn="ctr"/>
+            <a:endParaRPr lang="en-IN"/>
+          </a:p>
+        </p:txBody>
+      </p:sp>
+      <p:sp>
+        <p:nvSpPr>
+          <p:cNvPr id="14" name="TextBox 13">
+            <a:extLst>
+              <a:ext uri="{FF2B5EF4-FFF2-40B4-BE49-F238E27FC236}">
+                <a16:creationId xmlns:a16="http://schemas.microsoft.com/office/drawing/2014/main" id="{FF114888-316B-4650-ACFB-A3F6A03901B9}"/>
+              </a:ext>
+            </a:extLst>
+          </p:cNvPr>
+          <p:cNvSpPr txBox="1"/>
+          <p:nvPr/>
+        </p:nvSpPr>
+        <p:spPr>
+          <a:xfrm>
+            <a:off x="3343564" y="5837382"/>
+            <a:ext cx="1358064" cy="369332"/>
+          </a:xfrm>
+          <a:prstGeom prst="rect">
+            <a:avLst/>
+          </a:prstGeom>
+          <a:noFill/>
+        </p:spPr>
+        <p:txBody>
+          <a:bodyPr wrap="none" rtlCol="0">
+            <a:spAutoFit/>
+          </a:bodyPr>
+          <a:lstStyle/>
+          <a:p>
+            <a:r>
+              <a:rPr lang="en-IN" dirty="0"/>
+              <a:t>Customers</a:t>
+            </a:r>
+          </a:p>
+        </p:txBody>
+      </p:sp>
+      <p:sp>
+        <p:nvSpPr>
+          <p:cNvPr id="18" name="Arrow: Up-Down 17">
+            <a:extLst>
+              <a:ext uri="{FF2B5EF4-FFF2-40B4-BE49-F238E27FC236}">
+                <a16:creationId xmlns:a16="http://schemas.microsoft.com/office/drawing/2014/main" id="{9D6D8C6B-CA65-48EC-A60A-1C4AF681F149}"/>
+              </a:ext>
+            </a:extLst>
+          </p:cNvPr>
+          <p:cNvSpPr/>
+          <p:nvPr/>
+        </p:nvSpPr>
+        <p:spPr>
+          <a:xfrm rot="20768861">
+            <a:off x="3389256" y="3908198"/>
+            <a:ext cx="631697" cy="1209220"/>
+          </a:xfrm>
+          <a:prstGeom prst="upDownArrow">
+            <a:avLst/>
+          </a:prstGeom>
+        </p:spPr>
+        <p:style>
+          <a:lnRef idx="2">
+            <a:schemeClr val="accent1">
+              <a:shade val="50000"/>
+            </a:schemeClr>
+          </a:lnRef>
+          <a:fillRef idx="1">
+            <a:schemeClr val="accent1"/>
+          </a:fillRef>
+          <a:effectRef idx="0">
+            <a:schemeClr val="accent1"/>
+          </a:effectRef>
+          <a:fontRef idx="minor">
+            <a:schemeClr val="lt1"/>
+          </a:fontRef>
+        </p:style>
+        <p:txBody>
+          <a:bodyPr rtlCol="0" anchor="ctr"/>
+          <a:lstStyle/>
+          <a:p>
+            <a:pPr algn="ctr"/>
+            <a:endParaRPr lang="en-IN"/>
+          </a:p>
+        </p:txBody>
+      </p:sp>
+    </p:spTree>
+    <p:extLst>
+      <p:ext uri="{BB962C8B-B14F-4D97-AF65-F5344CB8AC3E}">
+        <p14:creationId xmlns:p14="http://schemas.microsoft.com/office/powerpoint/2010/main" val="1991522545"/>
+      </p:ext>
+    </p:extLst>
+  </p:cSld>
+  <p:clrMapOvr>
+    <a:masterClrMapping/>
+  </p:clrMapOvr>
+</p:sld>
+</file>
+
+<file path=ppt/slides/slide18.xml><?xml version="1.0" encoding="utf-8"?>
+<p:sld xmlns:a="http://schemas.openxmlformats.org/drawingml/2006/main" xmlns:r="http://schemas.openxmlformats.org/officeDocument/2006/relationships" xmlns:p="http://schemas.openxmlformats.org/presentationml/2006/main">
+  <p:cSld>
+    <p:spTree>
+      <p:nvGrpSpPr>
+        <p:cNvPr id="1" name=""/>
+        <p:cNvGrpSpPr/>
+        <p:nvPr/>
+      </p:nvGrpSpPr>
+      <p:grpSpPr>
+        <a:xfrm>
+          <a:off x="0" y="0"/>
+          <a:ext cx="0" cy="0"/>
+          <a:chOff x="0" y="0"/>
+          <a:chExt cx="0" cy="0"/>
+        </a:xfrm>
+      </p:grpSpPr>
+      <p:sp>
+        <p:nvSpPr>
+          <p:cNvPr id="2" name="Title 1">
+            <a:extLst>
+              <a:ext uri="{FF2B5EF4-FFF2-40B4-BE49-F238E27FC236}">
+                <a16:creationId xmlns:a16="http://schemas.microsoft.com/office/drawing/2014/main" id="{3BFF4CB9-B114-46AB-9ACD-F6E467B141A5}"/>
+              </a:ext>
+            </a:extLst>
+          </p:cNvPr>
+          <p:cNvSpPr>
+            <a:spLocks noGrp="1"/>
+          </p:cNvSpPr>
+          <p:nvPr>
+            <p:ph type="title"/>
+          </p:nvPr>
+        </p:nvSpPr>
+        <p:spPr/>
+        <p:txBody>
+          <a:bodyPr/>
+          <a:lstStyle/>
+          <a:p>
+            <a:endParaRPr lang="en-IN"/>
+          </a:p>
+        </p:txBody>
+      </p:sp>
+      <p:sp>
+        <p:nvSpPr>
+          <p:cNvPr id="3" name="Content Placeholder 2">
+            <a:extLst>
+              <a:ext uri="{FF2B5EF4-FFF2-40B4-BE49-F238E27FC236}">
+                <a16:creationId xmlns:a16="http://schemas.microsoft.com/office/drawing/2014/main" id="{69B289BE-928B-4E55-894B-EAD053C382ED}"/>
+              </a:ext>
+            </a:extLst>
+          </p:cNvPr>
+          <p:cNvSpPr>
+            <a:spLocks noGrp="1"/>
+          </p:cNvSpPr>
+          <p:nvPr>
+            <p:ph idx="1"/>
+          </p:nvPr>
+        </p:nvSpPr>
+        <p:spPr/>
+        <p:txBody>
+          <a:bodyPr/>
+          <a:lstStyle/>
+          <a:p>
+            <a:r>
+              <a:rPr lang="en-IN" dirty="0"/>
+              <a:t>OLAP</a:t>
+            </a:r>
+          </a:p>
+          <a:p>
+            <a:pPr lvl="1"/>
+            <a:r>
+              <a:rPr lang="en-US" dirty="0"/>
+              <a:t>Online Analytical Processing (</a:t>
+            </a:r>
+            <a:r>
+              <a:rPr lang="en-US" b="1" dirty="0"/>
+              <a:t>OLAP</a:t>
+            </a:r>
+            <a:r>
+              <a:rPr lang="en-US" dirty="0"/>
+              <a:t>) is a category of software that allows users to analyze information from multiple database systems at the same time. It is a technology that enables analysts to extract and view business data from different points of view.</a:t>
+            </a:r>
+          </a:p>
+          <a:p>
+            <a:pPr lvl="1"/>
+            <a:r>
+              <a:rPr lang="en-US" dirty="0"/>
+              <a:t>Recommended: Bigdata</a:t>
+            </a:r>
+            <a:endParaRPr lang="en-IN" dirty="0"/>
+          </a:p>
+          <a:p>
+            <a:r>
+              <a:rPr lang="en-IN" dirty="0"/>
+              <a:t>OLTP</a:t>
+            </a:r>
+          </a:p>
+          <a:p>
+            <a:pPr lvl="1"/>
+            <a:r>
+              <a:rPr lang="en-IN" dirty="0"/>
+              <a:t>If your database is involving more on insert, update, delete operation OLTP</a:t>
+            </a:r>
+          </a:p>
+          <a:p>
+            <a:pPr lvl="1"/>
+            <a:r>
+              <a:rPr lang="en-IN" dirty="0"/>
+              <a:t>Recommended : Traditional Database</a:t>
+            </a:r>
+          </a:p>
+        </p:txBody>
+      </p:sp>
+    </p:spTree>
+    <p:extLst>
+      <p:ext uri="{BB962C8B-B14F-4D97-AF65-F5344CB8AC3E}">
+        <p14:creationId xmlns:p14="http://schemas.microsoft.com/office/powerpoint/2010/main" val="50309947"/>
+      </p:ext>
+    </p:extLst>
+  </p:cSld>
+  <p:clrMapOvr>
+    <a:masterClrMapping/>
+  </p:clrMapOvr>
+</p:sld>
+</file>
+
+<file path=ppt/slides/slide19.xml><?xml version="1.0" encoding="utf-8"?>
+<p:sld xmlns:a="http://schemas.openxmlformats.org/drawingml/2006/main" xmlns:r="http://schemas.openxmlformats.org/officeDocument/2006/relationships" xmlns:p="http://schemas.openxmlformats.org/presentationml/2006/main">
+  <p:cSld>
+    <p:spTree>
+      <p:nvGrpSpPr>
+        <p:cNvPr id="1" name=""/>
+        <p:cNvGrpSpPr/>
+        <p:nvPr/>
+      </p:nvGrpSpPr>
+      <p:grpSpPr>
+        <a:xfrm>
+          <a:off x="0" y="0"/>
+          <a:ext cx="0" cy="0"/>
+          <a:chOff x="0" y="0"/>
+          <a:chExt cx="0" cy="0"/>
+        </a:xfrm>
+      </p:grpSpPr>
+      <p:sp>
+        <p:nvSpPr>
+          <p:cNvPr id="2" name="Title 1">
+            <a:extLst>
+              <a:ext uri="{FF2B5EF4-FFF2-40B4-BE49-F238E27FC236}">
+                <a16:creationId xmlns:a16="http://schemas.microsoft.com/office/drawing/2014/main" id="{5047422C-08C7-49B7-BC91-379080C50763}"/>
+              </a:ext>
+            </a:extLst>
+          </p:cNvPr>
+          <p:cNvSpPr>
+            <a:spLocks noGrp="1"/>
+          </p:cNvSpPr>
+          <p:nvPr>
+            <p:ph type="title"/>
+          </p:nvPr>
+        </p:nvSpPr>
+        <p:spPr/>
+        <p:txBody>
+          <a:bodyPr/>
+          <a:lstStyle/>
+          <a:p>
+            <a:endParaRPr lang="en-IN"/>
+          </a:p>
+        </p:txBody>
+      </p:sp>
+      <p:sp>
+        <p:nvSpPr>
+          <p:cNvPr id="3" name="Content Placeholder 2">
+            <a:extLst>
+              <a:ext uri="{FF2B5EF4-FFF2-40B4-BE49-F238E27FC236}">
+                <a16:creationId xmlns:a16="http://schemas.microsoft.com/office/drawing/2014/main" id="{D938AF40-2DC0-40C9-980F-D069FAEC1A19}"/>
+              </a:ext>
+            </a:extLst>
+          </p:cNvPr>
+          <p:cNvSpPr>
+            <a:spLocks noGrp="1"/>
+          </p:cNvSpPr>
+          <p:nvPr>
+            <p:ph idx="1"/>
+          </p:nvPr>
+        </p:nvSpPr>
+        <p:spPr/>
+        <p:txBody>
+          <a:bodyPr/>
+          <a:lstStyle/>
+          <a:p>
+            <a:r>
+              <a:rPr lang="en-IN" dirty="0"/>
+              <a:t>Bigdata industry is not so good for OLTP Data, If you are using OLAP it got well define architecture to handle </a:t>
+            </a:r>
+            <a:r>
+              <a:rPr lang="en-IN"/>
+              <a:t>any volume of data</a:t>
+            </a:r>
+          </a:p>
+        </p:txBody>
+      </p:sp>
+    </p:spTree>
+    <p:extLst>
+      <p:ext uri="{BB962C8B-B14F-4D97-AF65-F5344CB8AC3E}">
+        <p14:creationId xmlns:p14="http://schemas.microsoft.com/office/powerpoint/2010/main" val="4132121464"/>
       </p:ext>
     </p:extLst>
   </p:cSld>

--- a/New Microsoft PowerPoint Presentation.pptx
+++ b/New Microsoft PowerPoint Presentation.pptx
@@ -24,6 +24,12 @@
     <p:sldId id="273" r:id="rId18"/>
     <p:sldId id="272" r:id="rId19"/>
     <p:sldId id="274" r:id="rId20"/>
+    <p:sldId id="275" r:id="rId21"/>
+    <p:sldId id="276" r:id="rId22"/>
+    <p:sldId id="277" r:id="rId23"/>
+    <p:sldId id="278" r:id="rId24"/>
+    <p:sldId id="279" r:id="rId25"/>
+    <p:sldId id="280" r:id="rId26"/>
   </p:sldIdLst>
   <p:sldSz cx="12192000" cy="6858000"/>
   <p:notesSz cx="6858000" cy="9144000"/>
@@ -7872,11 +7878,7 @@
           <a:p>
             <a:r>
               <a:rPr lang="en-IN" dirty="0"/>
-              <a:t>Bigdata industry is not so good for OLTP Data, If you are using OLAP it got well define architecture to handle </a:t>
-            </a:r>
-            <a:r>
-              <a:rPr lang="en-IN"/>
-              <a:t>any volume of data</a:t>
+              <a:t>Bigdata industry is not so good for OLTP Data, If you are using OLAP it got well define architecture to handle any volume of data</a:t>
             </a:r>
           </a:p>
         </p:txBody>
@@ -7992,6 +7994,742 @@
     <p:extLst>
       <p:ext uri="{BB962C8B-B14F-4D97-AF65-F5344CB8AC3E}">
         <p14:creationId xmlns:p14="http://schemas.microsoft.com/office/powerpoint/2010/main" val="1026180042"/>
+      </p:ext>
+    </p:extLst>
+  </p:cSld>
+  <p:clrMapOvr>
+    <a:masterClrMapping/>
+  </p:clrMapOvr>
+</p:sld>
+</file>
+
+<file path=ppt/slides/slide20.xml><?xml version="1.0" encoding="utf-8"?>
+<p:sld xmlns:a="http://schemas.openxmlformats.org/drawingml/2006/main" xmlns:r="http://schemas.openxmlformats.org/officeDocument/2006/relationships" xmlns:p="http://schemas.openxmlformats.org/presentationml/2006/main">
+  <p:cSld>
+    <p:spTree>
+      <p:nvGrpSpPr>
+        <p:cNvPr id="1" name=""/>
+        <p:cNvGrpSpPr/>
+        <p:nvPr/>
+      </p:nvGrpSpPr>
+      <p:grpSpPr>
+        <a:xfrm>
+          <a:off x="0" y="0"/>
+          <a:ext cx="0" cy="0"/>
+          <a:chOff x="0" y="0"/>
+          <a:chExt cx="0" cy="0"/>
+        </a:xfrm>
+      </p:grpSpPr>
+      <p:sp>
+        <p:nvSpPr>
+          <p:cNvPr id="2" name="Title 1">
+            <a:extLst>
+              <a:ext uri="{FF2B5EF4-FFF2-40B4-BE49-F238E27FC236}">
+                <a16:creationId xmlns:a16="http://schemas.microsoft.com/office/drawing/2014/main" id="{395C3839-BDC4-42BC-AD95-B08EBCD8971C}"/>
+              </a:ext>
+            </a:extLst>
+          </p:cNvPr>
+          <p:cNvSpPr>
+            <a:spLocks noGrp="1"/>
+          </p:cNvSpPr>
+          <p:nvPr>
+            <p:ph type="title"/>
+          </p:nvPr>
+        </p:nvSpPr>
+        <p:spPr/>
+        <p:txBody>
+          <a:bodyPr/>
+          <a:lstStyle/>
+          <a:p>
+            <a:r>
+              <a:rPr lang="en-IN" dirty="0"/>
+              <a:t>What is Bigdata?</a:t>
+            </a:r>
+          </a:p>
+        </p:txBody>
+      </p:sp>
+      <p:sp>
+        <p:nvSpPr>
+          <p:cNvPr id="3" name="Content Placeholder 2">
+            <a:extLst>
+              <a:ext uri="{FF2B5EF4-FFF2-40B4-BE49-F238E27FC236}">
+                <a16:creationId xmlns:a16="http://schemas.microsoft.com/office/drawing/2014/main" id="{44B9F2FE-A839-4510-99C0-555B4738AE83}"/>
+              </a:ext>
+            </a:extLst>
+          </p:cNvPr>
+          <p:cNvSpPr>
+            <a:spLocks noGrp="1"/>
+          </p:cNvSpPr>
+          <p:nvPr>
+            <p:ph idx="1"/>
+          </p:nvPr>
+        </p:nvSpPr>
+        <p:spPr/>
+        <p:txBody>
+          <a:bodyPr/>
+          <a:lstStyle/>
+          <a:p>
+            <a:r>
+              <a:rPr lang="en-US" dirty="0"/>
+              <a:t>Big data is a collection of large datasets that cannot be processed using traditional computing techniques. </a:t>
+            </a:r>
+          </a:p>
+          <a:p>
+            <a:r>
+              <a:rPr lang="en-US" dirty="0"/>
+              <a:t>Data that is not compatible within the systems.</a:t>
+            </a:r>
+          </a:p>
+          <a:p>
+            <a:r>
+              <a:rPr lang="en-IN" dirty="0"/>
+              <a:t>data's beyond exa-bytes/peta bytes </a:t>
+            </a:r>
+          </a:p>
+        </p:txBody>
+      </p:sp>
+    </p:spTree>
+    <p:extLst>
+      <p:ext uri="{BB962C8B-B14F-4D97-AF65-F5344CB8AC3E}">
+        <p14:creationId xmlns:p14="http://schemas.microsoft.com/office/powerpoint/2010/main" val="221198137"/>
+      </p:ext>
+    </p:extLst>
+  </p:cSld>
+  <p:clrMapOvr>
+    <a:masterClrMapping/>
+  </p:clrMapOvr>
+</p:sld>
+</file>
+
+<file path=ppt/slides/slide21.xml><?xml version="1.0" encoding="utf-8"?>
+<p:sld xmlns:a="http://schemas.openxmlformats.org/drawingml/2006/main" xmlns:r="http://schemas.openxmlformats.org/officeDocument/2006/relationships" xmlns:p="http://schemas.openxmlformats.org/presentationml/2006/main">
+  <p:cSld>
+    <p:spTree>
+      <p:nvGrpSpPr>
+        <p:cNvPr id="1" name=""/>
+        <p:cNvGrpSpPr/>
+        <p:nvPr/>
+      </p:nvGrpSpPr>
+      <p:grpSpPr>
+        <a:xfrm>
+          <a:off x="0" y="0"/>
+          <a:ext cx="0" cy="0"/>
+          <a:chOff x="0" y="0"/>
+          <a:chExt cx="0" cy="0"/>
+        </a:xfrm>
+      </p:grpSpPr>
+      <p:sp>
+        <p:nvSpPr>
+          <p:cNvPr id="2" name="Title 1">
+            <a:extLst>
+              <a:ext uri="{FF2B5EF4-FFF2-40B4-BE49-F238E27FC236}">
+                <a16:creationId xmlns:a16="http://schemas.microsoft.com/office/drawing/2014/main" id="{BB1B5EE1-1C55-46E4-ACF7-D33B54D88CAA}"/>
+              </a:ext>
+            </a:extLst>
+          </p:cNvPr>
+          <p:cNvSpPr>
+            <a:spLocks noGrp="1"/>
+          </p:cNvSpPr>
+          <p:nvPr>
+            <p:ph type="title"/>
+          </p:nvPr>
+        </p:nvSpPr>
+        <p:spPr/>
+        <p:txBody>
+          <a:bodyPr/>
+          <a:lstStyle/>
+          <a:p>
+            <a:endParaRPr lang="en-IN"/>
+          </a:p>
+        </p:txBody>
+      </p:sp>
+      <p:sp>
+        <p:nvSpPr>
+          <p:cNvPr id="3" name="Content Placeholder 2">
+            <a:extLst>
+              <a:ext uri="{FF2B5EF4-FFF2-40B4-BE49-F238E27FC236}">
+                <a16:creationId xmlns:a16="http://schemas.microsoft.com/office/drawing/2014/main" id="{1FE5AF67-03AA-478C-B772-A67D1413AF98}"/>
+              </a:ext>
+            </a:extLst>
+          </p:cNvPr>
+          <p:cNvSpPr>
+            <a:spLocks noGrp="1"/>
+          </p:cNvSpPr>
+          <p:nvPr>
+            <p:ph idx="1"/>
+          </p:nvPr>
+        </p:nvSpPr>
+        <p:spPr/>
+        <p:txBody>
+          <a:bodyPr/>
+          <a:lstStyle/>
+          <a:p>
+            <a:r>
+              <a:rPr lang="en-IN" dirty="0"/>
+              <a:t>Bigdata is the term for a collection of datasets so large and complex that it becomes so difficult to process or using on-hand database management tools or traditional data processing application.</a:t>
+            </a:r>
+          </a:p>
+          <a:p>
+            <a:r>
+              <a:rPr lang="en-IN" dirty="0"/>
+              <a:t>The challenges include capture, curation, storage, search, sharing, transfer, analysis and visualization</a:t>
+            </a:r>
+          </a:p>
+          <a:p>
+            <a:endParaRPr lang="en-IN" dirty="0"/>
+          </a:p>
+        </p:txBody>
+      </p:sp>
+    </p:spTree>
+    <p:extLst>
+      <p:ext uri="{BB962C8B-B14F-4D97-AF65-F5344CB8AC3E}">
+        <p14:creationId xmlns:p14="http://schemas.microsoft.com/office/powerpoint/2010/main" val="1571991901"/>
+      </p:ext>
+    </p:extLst>
+  </p:cSld>
+  <p:clrMapOvr>
+    <a:masterClrMapping/>
+  </p:clrMapOvr>
+</p:sld>
+</file>
+
+<file path=ppt/slides/slide22.xml><?xml version="1.0" encoding="utf-8"?>
+<p:sld xmlns:a="http://schemas.openxmlformats.org/drawingml/2006/main" xmlns:r="http://schemas.openxmlformats.org/officeDocument/2006/relationships" xmlns:p="http://schemas.openxmlformats.org/presentationml/2006/main">
+  <p:cSld>
+    <p:spTree>
+      <p:nvGrpSpPr>
+        <p:cNvPr id="1" name=""/>
+        <p:cNvGrpSpPr/>
+        <p:nvPr/>
+      </p:nvGrpSpPr>
+      <p:grpSpPr>
+        <a:xfrm>
+          <a:off x="0" y="0"/>
+          <a:ext cx="0" cy="0"/>
+          <a:chOff x="0" y="0"/>
+          <a:chExt cx="0" cy="0"/>
+        </a:xfrm>
+      </p:grpSpPr>
+      <p:sp>
+        <p:nvSpPr>
+          <p:cNvPr id="2" name="Title 1">
+            <a:extLst>
+              <a:ext uri="{FF2B5EF4-FFF2-40B4-BE49-F238E27FC236}">
+                <a16:creationId xmlns:a16="http://schemas.microsoft.com/office/drawing/2014/main" id="{B604D9F7-255A-4DA7-86A4-768E2A5EE446}"/>
+              </a:ext>
+            </a:extLst>
+          </p:cNvPr>
+          <p:cNvSpPr>
+            <a:spLocks noGrp="1"/>
+          </p:cNvSpPr>
+          <p:nvPr>
+            <p:ph type="title"/>
+          </p:nvPr>
+        </p:nvSpPr>
+        <p:spPr/>
+        <p:txBody>
+          <a:bodyPr/>
+          <a:lstStyle/>
+          <a:p>
+            <a:endParaRPr lang="en-IN"/>
+          </a:p>
+        </p:txBody>
+      </p:sp>
+      <p:sp>
+        <p:nvSpPr>
+          <p:cNvPr id="3" name="Content Placeholder 2">
+            <a:extLst>
+              <a:ext uri="{FF2B5EF4-FFF2-40B4-BE49-F238E27FC236}">
+                <a16:creationId xmlns:a16="http://schemas.microsoft.com/office/drawing/2014/main" id="{AB5E12EA-80BF-4886-8D3F-27AC8F004CFC}"/>
+              </a:ext>
+            </a:extLst>
+          </p:cNvPr>
+          <p:cNvSpPr>
+            <a:spLocks noGrp="1"/>
+          </p:cNvSpPr>
+          <p:nvPr>
+            <p:ph idx="1"/>
+          </p:nvPr>
+        </p:nvSpPr>
+        <p:spPr/>
+        <p:txBody>
+          <a:bodyPr/>
+          <a:lstStyle/>
+          <a:p>
+            <a:r>
+              <a:rPr lang="en-IN" dirty="0"/>
+              <a:t>44x increase of data usage from 2009 to 2020</a:t>
+            </a:r>
+          </a:p>
+          <a:p>
+            <a:r>
+              <a:rPr lang="en-IN" dirty="0"/>
+              <a:t>From 0.8 Zettabytes to 35 ZB</a:t>
+            </a:r>
+          </a:p>
+          <a:p>
+            <a:r>
+              <a:rPr lang="en-IN" dirty="0"/>
+              <a:t>Data volume is increasing exponentially day by day</a:t>
+            </a:r>
+          </a:p>
+          <a:p>
+            <a:r>
+              <a:rPr lang="en-IN" dirty="0"/>
+              <a:t>BY 2020, International Data Corporation predicts the number will reach 40,000 EB or 40 ZB</a:t>
+            </a:r>
+          </a:p>
+          <a:p>
+            <a:r>
+              <a:rPr lang="en-IN" dirty="0"/>
+              <a:t>The Entire World information is doubling every 2 years, there will be 52000 GB of data for every person on earth</a:t>
+            </a:r>
+          </a:p>
+          <a:p>
+            <a:endParaRPr lang="en-IN" dirty="0"/>
+          </a:p>
+        </p:txBody>
+      </p:sp>
+    </p:spTree>
+    <p:extLst>
+      <p:ext uri="{BB962C8B-B14F-4D97-AF65-F5344CB8AC3E}">
+        <p14:creationId xmlns:p14="http://schemas.microsoft.com/office/powerpoint/2010/main" val="513026759"/>
+      </p:ext>
+    </p:extLst>
+  </p:cSld>
+  <p:clrMapOvr>
+    <a:masterClrMapping/>
+  </p:clrMapOvr>
+</p:sld>
+</file>
+
+<file path=ppt/slides/slide23.xml><?xml version="1.0" encoding="utf-8"?>
+<p:sld xmlns:a="http://schemas.openxmlformats.org/drawingml/2006/main" xmlns:r="http://schemas.openxmlformats.org/officeDocument/2006/relationships" xmlns:p="http://schemas.openxmlformats.org/presentationml/2006/main">
+  <p:cSld>
+    <p:spTree>
+      <p:nvGrpSpPr>
+        <p:cNvPr id="1" name=""/>
+        <p:cNvGrpSpPr/>
+        <p:nvPr/>
+      </p:nvGrpSpPr>
+      <p:grpSpPr>
+        <a:xfrm>
+          <a:off x="0" y="0"/>
+          <a:ext cx="0" cy="0"/>
+          <a:chOff x="0" y="0"/>
+          <a:chExt cx="0" cy="0"/>
+        </a:xfrm>
+      </p:grpSpPr>
+      <p:sp>
+        <p:nvSpPr>
+          <p:cNvPr id="2" name="Title 1">
+            <a:extLst>
+              <a:ext uri="{FF2B5EF4-FFF2-40B4-BE49-F238E27FC236}">
+                <a16:creationId xmlns:a16="http://schemas.microsoft.com/office/drawing/2014/main" id="{38F9D836-40B2-49E6-84D9-C7C501FE3DB4}"/>
+              </a:ext>
+            </a:extLst>
+          </p:cNvPr>
+          <p:cNvSpPr>
+            <a:spLocks noGrp="1"/>
+          </p:cNvSpPr>
+          <p:nvPr>
+            <p:ph type="title"/>
+          </p:nvPr>
+        </p:nvSpPr>
+        <p:spPr/>
+        <p:txBody>
+          <a:bodyPr/>
+          <a:lstStyle/>
+          <a:p>
+            <a:endParaRPr lang="en-IN"/>
+          </a:p>
+        </p:txBody>
+      </p:sp>
+      <p:pic>
+        <p:nvPicPr>
+          <p:cNvPr id="5" name="Content Placeholder 4" descr="Computer">
+            <a:extLst>
+              <a:ext uri="{FF2B5EF4-FFF2-40B4-BE49-F238E27FC236}">
+                <a16:creationId xmlns:a16="http://schemas.microsoft.com/office/drawing/2014/main" id="{F5FF7072-7E54-42BC-9AF8-C7D47810E9F8}"/>
+              </a:ext>
+            </a:extLst>
+          </p:cNvPr>
+          <p:cNvPicPr>
+            <a:picLocks noGrp="1" noChangeAspect="1"/>
+          </p:cNvPicPr>
+          <p:nvPr>
+            <p:ph idx="1"/>
+          </p:nvPr>
+        </p:nvPicPr>
+        <p:blipFill>
+          <a:blip r:embed="rId2">
+            <a:extLst>
+              <a:ext uri="{28A0092B-C50C-407E-A947-70E740481C1C}">
+                <a14:useLocalDpi xmlns:a14="http://schemas.microsoft.com/office/drawing/2010/main" val="0"/>
+              </a:ext>
+              <a:ext uri="{96DAC541-7B7A-43D3-8B79-37D633B846F1}">
+                <asvg:svgBlip xmlns:asvg="http://schemas.microsoft.com/office/drawing/2016/SVG/main" r:embed="rId3"/>
+              </a:ext>
+            </a:extLst>
+          </a:blip>
+          <a:stretch>
+            <a:fillRect/>
+          </a:stretch>
+        </p:blipFill>
+        <p:spPr>
+          <a:xfrm>
+            <a:off x="928688" y="2514600"/>
+            <a:ext cx="1915886" cy="1915886"/>
+          </a:xfrm>
+        </p:spPr>
+      </p:pic>
+      <p:sp>
+        <p:nvSpPr>
+          <p:cNvPr id="6" name="TextBox 5">
+            <a:extLst>
+              <a:ext uri="{FF2B5EF4-FFF2-40B4-BE49-F238E27FC236}">
+                <a16:creationId xmlns:a16="http://schemas.microsoft.com/office/drawing/2014/main" id="{475B2734-1B25-40AA-9351-E04DC4622A59}"/>
+              </a:ext>
+            </a:extLst>
+          </p:cNvPr>
+          <p:cNvSpPr txBox="1"/>
+          <p:nvPr/>
+        </p:nvSpPr>
+        <p:spPr>
+          <a:xfrm>
+            <a:off x="228599" y="4061154"/>
+            <a:ext cx="4147457" cy="369332"/>
+          </a:xfrm>
+          <a:prstGeom prst="rect">
+            <a:avLst/>
+          </a:prstGeom>
+          <a:noFill/>
+        </p:spPr>
+        <p:txBody>
+          <a:bodyPr wrap="square" rtlCol="0">
+            <a:spAutoFit/>
+          </a:bodyPr>
+          <a:lstStyle/>
+          <a:p>
+            <a:r>
+              <a:rPr lang="en-IN" dirty="0"/>
+              <a:t>1 Gb ram with Dual Core Processor</a:t>
+            </a:r>
+          </a:p>
+        </p:txBody>
+      </p:sp>
+      <p:pic>
+        <p:nvPicPr>
+          <p:cNvPr id="8" name="Graphic 7" descr="Database">
+            <a:extLst>
+              <a:ext uri="{FF2B5EF4-FFF2-40B4-BE49-F238E27FC236}">
+                <a16:creationId xmlns:a16="http://schemas.microsoft.com/office/drawing/2014/main" id="{FFF9EA5C-B234-45B7-9E2B-EF0F6F51851C}"/>
+              </a:ext>
+            </a:extLst>
+          </p:cNvPr>
+          <p:cNvPicPr>
+            <a:picLocks noChangeAspect="1"/>
+          </p:cNvPicPr>
+          <p:nvPr/>
+        </p:nvPicPr>
+        <p:blipFill>
+          <a:blip r:embed="rId4">
+            <a:extLst>
+              <a:ext uri="{28A0092B-C50C-407E-A947-70E740481C1C}">
+                <a14:useLocalDpi xmlns:a14="http://schemas.microsoft.com/office/drawing/2010/main" val="0"/>
+              </a:ext>
+              <a:ext uri="{96DAC541-7B7A-43D3-8B79-37D633B846F1}">
+                <asvg:svgBlip xmlns:asvg="http://schemas.microsoft.com/office/drawing/2016/SVG/main" r:embed="rId5"/>
+              </a:ext>
+            </a:extLst>
+          </a:blip>
+          <a:stretch>
+            <a:fillRect/>
+          </a:stretch>
+        </p:blipFill>
+        <p:spPr>
+          <a:xfrm>
+            <a:off x="1209987" y="2970150"/>
+            <a:ext cx="760328" cy="760328"/>
+          </a:xfrm>
+          <a:prstGeom prst="rect">
+            <a:avLst/>
+          </a:prstGeom>
+        </p:spPr>
+      </p:pic>
+      <p:sp>
+        <p:nvSpPr>
+          <p:cNvPr id="10" name="Arrow: Left 9">
+            <a:extLst>
+              <a:ext uri="{FF2B5EF4-FFF2-40B4-BE49-F238E27FC236}">
+                <a16:creationId xmlns:a16="http://schemas.microsoft.com/office/drawing/2014/main" id="{CAAC6865-B476-4B72-9222-769612ADD2CE}"/>
+              </a:ext>
+            </a:extLst>
+          </p:cNvPr>
+          <p:cNvSpPr/>
+          <p:nvPr/>
+        </p:nvSpPr>
+        <p:spPr>
+          <a:xfrm>
+            <a:off x="3544663" y="3058886"/>
+            <a:ext cx="3182708" cy="576943"/>
+          </a:xfrm>
+          <a:prstGeom prst="leftArrow">
+            <a:avLst/>
+          </a:prstGeom>
+        </p:spPr>
+        <p:style>
+          <a:lnRef idx="2">
+            <a:schemeClr val="accent1">
+              <a:shade val="50000"/>
+            </a:schemeClr>
+          </a:lnRef>
+          <a:fillRef idx="1">
+            <a:schemeClr val="accent1"/>
+          </a:fillRef>
+          <a:effectRef idx="0">
+            <a:schemeClr val="accent1"/>
+          </a:effectRef>
+          <a:fontRef idx="minor">
+            <a:schemeClr val="lt1"/>
+          </a:fontRef>
+        </p:style>
+        <p:txBody>
+          <a:bodyPr rtlCol="0" anchor="ctr"/>
+          <a:lstStyle/>
+          <a:p>
+            <a:pPr algn="ctr"/>
+            <a:endParaRPr lang="en-IN"/>
+          </a:p>
+        </p:txBody>
+      </p:sp>
+      <p:sp>
+        <p:nvSpPr>
+          <p:cNvPr id="11" name="TextBox 10">
+            <a:extLst>
+              <a:ext uri="{FF2B5EF4-FFF2-40B4-BE49-F238E27FC236}">
+                <a16:creationId xmlns:a16="http://schemas.microsoft.com/office/drawing/2014/main" id="{31DF462F-AB04-43DB-B237-20C06DD5B815}"/>
+              </a:ext>
+            </a:extLst>
+          </p:cNvPr>
+          <p:cNvSpPr txBox="1"/>
+          <p:nvPr/>
+        </p:nvSpPr>
+        <p:spPr>
+          <a:xfrm>
+            <a:off x="7419437" y="2960914"/>
+            <a:ext cx="3411849" cy="923330"/>
+          </a:xfrm>
+          <a:prstGeom prst="rect">
+            <a:avLst/>
+          </a:prstGeom>
+          <a:noFill/>
+        </p:spPr>
+        <p:txBody>
+          <a:bodyPr wrap="square" rtlCol="0">
+            <a:spAutoFit/>
+          </a:bodyPr>
+          <a:lstStyle/>
+          <a:p>
+            <a:r>
+              <a:rPr lang="en-IN" dirty="0"/>
+              <a:t>DB Volume is high it will consume more and more time to process it</a:t>
+            </a:r>
+          </a:p>
+        </p:txBody>
+      </p:sp>
+    </p:spTree>
+    <p:extLst>
+      <p:ext uri="{BB962C8B-B14F-4D97-AF65-F5344CB8AC3E}">
+        <p14:creationId xmlns:p14="http://schemas.microsoft.com/office/powerpoint/2010/main" val="2220609808"/>
+      </p:ext>
+    </p:extLst>
+  </p:cSld>
+  <p:clrMapOvr>
+    <a:masterClrMapping/>
+  </p:clrMapOvr>
+</p:sld>
+</file>
+
+<file path=ppt/slides/slide24.xml><?xml version="1.0" encoding="utf-8"?>
+<p:sld xmlns:a="http://schemas.openxmlformats.org/drawingml/2006/main" xmlns:r="http://schemas.openxmlformats.org/officeDocument/2006/relationships" xmlns:p="http://schemas.openxmlformats.org/presentationml/2006/main">
+  <p:cSld>
+    <p:spTree>
+      <p:nvGrpSpPr>
+        <p:cNvPr id="1" name=""/>
+        <p:cNvGrpSpPr/>
+        <p:nvPr/>
+      </p:nvGrpSpPr>
+      <p:grpSpPr>
+        <a:xfrm>
+          <a:off x="0" y="0"/>
+          <a:ext cx="0" cy="0"/>
+          <a:chOff x="0" y="0"/>
+          <a:chExt cx="0" cy="0"/>
+        </a:xfrm>
+      </p:grpSpPr>
+      <p:sp>
+        <p:nvSpPr>
+          <p:cNvPr id="2" name="Title 1">
+            <a:extLst>
+              <a:ext uri="{FF2B5EF4-FFF2-40B4-BE49-F238E27FC236}">
+                <a16:creationId xmlns:a16="http://schemas.microsoft.com/office/drawing/2014/main" id="{C889BF8A-BE12-492A-89BA-61B0374D27BA}"/>
+              </a:ext>
+            </a:extLst>
+          </p:cNvPr>
+          <p:cNvSpPr>
+            <a:spLocks noGrp="1"/>
+          </p:cNvSpPr>
+          <p:nvPr>
+            <p:ph type="title"/>
+          </p:nvPr>
+        </p:nvSpPr>
+        <p:spPr/>
+        <p:txBody>
+          <a:bodyPr/>
+          <a:lstStyle/>
+          <a:p>
+            <a:endParaRPr lang="en-IN"/>
+          </a:p>
+        </p:txBody>
+      </p:sp>
+      <p:pic>
+        <p:nvPicPr>
+          <p:cNvPr id="5" name="Content Placeholder 4">
+            <a:extLst>
+              <a:ext uri="{FF2B5EF4-FFF2-40B4-BE49-F238E27FC236}">
+                <a16:creationId xmlns:a16="http://schemas.microsoft.com/office/drawing/2014/main" id="{42E6A1B0-1472-4FD3-A86B-C7E0A94F3CE9}"/>
+              </a:ext>
+            </a:extLst>
+          </p:cNvPr>
+          <p:cNvPicPr>
+            <a:picLocks noGrp="1" noChangeAspect="1"/>
+          </p:cNvPicPr>
+          <p:nvPr>
+            <p:ph idx="1"/>
+          </p:nvPr>
+        </p:nvPicPr>
+        <p:blipFill>
+          <a:blip r:embed="rId2">
+            <a:extLst>
+              <a:ext uri="{28A0092B-C50C-407E-A947-70E740481C1C}">
+                <a14:useLocalDpi xmlns:a14="http://schemas.microsoft.com/office/drawing/2010/main" val="0"/>
+              </a:ext>
+            </a:extLst>
+          </a:blip>
+          <a:stretch>
+            <a:fillRect/>
+          </a:stretch>
+        </p:blipFill>
+        <p:spPr>
+          <a:xfrm>
+            <a:off x="0" y="0"/>
+            <a:ext cx="12192000" cy="6858000"/>
+          </a:xfrm>
+        </p:spPr>
+      </p:pic>
+    </p:spTree>
+    <p:extLst>
+      <p:ext uri="{BB962C8B-B14F-4D97-AF65-F5344CB8AC3E}">
+        <p14:creationId xmlns:p14="http://schemas.microsoft.com/office/powerpoint/2010/main" val="904879182"/>
+      </p:ext>
+    </p:extLst>
+  </p:cSld>
+  <p:clrMapOvr>
+    <a:masterClrMapping/>
+  </p:clrMapOvr>
+</p:sld>
+</file>
+
+<file path=ppt/slides/slide25.xml><?xml version="1.0" encoding="utf-8"?>
+<p:sld xmlns:a="http://schemas.openxmlformats.org/drawingml/2006/main" xmlns:r="http://schemas.openxmlformats.org/officeDocument/2006/relationships" xmlns:p="http://schemas.openxmlformats.org/presentationml/2006/main">
+  <p:cSld>
+    <p:spTree>
+      <p:nvGrpSpPr>
+        <p:cNvPr id="1" name=""/>
+        <p:cNvGrpSpPr/>
+        <p:nvPr/>
+      </p:nvGrpSpPr>
+      <p:grpSpPr>
+        <a:xfrm>
+          <a:off x="0" y="0"/>
+          <a:ext cx="0" cy="0"/>
+          <a:chOff x="0" y="0"/>
+          <a:chExt cx="0" cy="0"/>
+        </a:xfrm>
+      </p:grpSpPr>
+      <p:sp>
+        <p:nvSpPr>
+          <p:cNvPr id="2" name="Title 1">
+            <a:extLst>
+              <a:ext uri="{FF2B5EF4-FFF2-40B4-BE49-F238E27FC236}">
+                <a16:creationId xmlns:a16="http://schemas.microsoft.com/office/drawing/2014/main" id="{86CFB81F-9E89-4FF5-BB78-7EA967D112DD}"/>
+              </a:ext>
+            </a:extLst>
+          </p:cNvPr>
+          <p:cNvSpPr>
+            <a:spLocks noGrp="1"/>
+          </p:cNvSpPr>
+          <p:nvPr>
+            <p:ph type="title"/>
+          </p:nvPr>
+        </p:nvSpPr>
+        <p:spPr/>
+        <p:txBody>
+          <a:bodyPr/>
+          <a:lstStyle/>
+          <a:p>
+            <a:r>
+              <a:rPr lang="en-IN" dirty="0"/>
+              <a:t>Distributed File System</a:t>
+            </a:r>
+          </a:p>
+        </p:txBody>
+      </p:sp>
+      <p:sp>
+        <p:nvSpPr>
+          <p:cNvPr id="3" name="Content Placeholder 2">
+            <a:extLst>
+              <a:ext uri="{FF2B5EF4-FFF2-40B4-BE49-F238E27FC236}">
+                <a16:creationId xmlns:a16="http://schemas.microsoft.com/office/drawing/2014/main" id="{63993ACF-B6F3-4EFE-B071-4FC3054E84FD}"/>
+              </a:ext>
+            </a:extLst>
+          </p:cNvPr>
+          <p:cNvSpPr>
+            <a:spLocks noGrp="1"/>
+          </p:cNvSpPr>
+          <p:nvPr>
+            <p:ph idx="1"/>
+          </p:nvPr>
+        </p:nvSpPr>
+        <p:spPr/>
+        <p:txBody>
+          <a:bodyPr/>
+          <a:lstStyle/>
+          <a:p>
+            <a:r>
+              <a:rPr lang="en-IN" dirty="0"/>
+              <a:t>Bigdata they designed some application that will support for Distributed Computing as well as Distributed storage Mechanism</a:t>
+            </a:r>
+          </a:p>
+          <a:p>
+            <a:r>
+              <a:rPr lang="en-IN" dirty="0"/>
+              <a:t>Distributed computing -&gt; limitation of computing resource, because of single hardware dependency</a:t>
+            </a:r>
+          </a:p>
+          <a:p>
+            <a:r>
+              <a:rPr lang="en-IN" dirty="0"/>
+              <a:t>They designed some application that will run on multiple computers at the same time and fetch those computing resource and use it for single task execution across the cluster.</a:t>
+            </a:r>
+          </a:p>
+        </p:txBody>
+      </p:sp>
+    </p:spTree>
+    <p:extLst>
+      <p:ext uri="{BB962C8B-B14F-4D97-AF65-F5344CB8AC3E}">
+        <p14:creationId xmlns:p14="http://schemas.microsoft.com/office/powerpoint/2010/main" val="421695031"/>
       </p:ext>
     </p:extLst>
   </p:cSld>

--- a/New Microsoft PowerPoint Presentation.pptx
+++ b/New Microsoft PowerPoint Presentation.pptx
@@ -30,6 +30,13 @@
     <p:sldId id="278" r:id="rId24"/>
     <p:sldId id="279" r:id="rId25"/>
     <p:sldId id="280" r:id="rId26"/>
+    <p:sldId id="281" r:id="rId27"/>
+    <p:sldId id="284" r:id="rId28"/>
+    <p:sldId id="282" r:id="rId29"/>
+    <p:sldId id="283" r:id="rId30"/>
+    <p:sldId id="285" r:id="rId31"/>
+    <p:sldId id="286" r:id="rId32"/>
+    <p:sldId id="287" r:id="rId33"/>
   </p:sldIdLst>
   <p:sldSz cx="12192000" cy="6858000"/>
   <p:notesSz cx="6858000" cy="9144000"/>
@@ -8724,12 +8731,855 @@
               <a:t>They designed some application that will run on multiple computers at the same time and fetch those computing resource and use it for single task execution across the cluster.</a:t>
             </a:r>
           </a:p>
+          <a:p>
+            <a:r>
+              <a:rPr lang="en-IN" dirty="0"/>
+              <a:t>Distributed Storage -&gt; clustering of storage, that will save the data in multiple systems</a:t>
+            </a:r>
+          </a:p>
         </p:txBody>
       </p:sp>
     </p:spTree>
     <p:extLst>
       <p:ext uri="{BB962C8B-B14F-4D97-AF65-F5344CB8AC3E}">
         <p14:creationId xmlns:p14="http://schemas.microsoft.com/office/powerpoint/2010/main" val="421695031"/>
+      </p:ext>
+    </p:extLst>
+  </p:cSld>
+  <p:clrMapOvr>
+    <a:masterClrMapping/>
+  </p:clrMapOvr>
+</p:sld>
+</file>
+
+<file path=ppt/slides/slide26.xml><?xml version="1.0" encoding="utf-8"?>
+<p:sld xmlns:a="http://schemas.openxmlformats.org/drawingml/2006/main" xmlns:r="http://schemas.openxmlformats.org/officeDocument/2006/relationships" xmlns:p="http://schemas.openxmlformats.org/presentationml/2006/main">
+  <p:cSld>
+    <p:spTree>
+      <p:nvGrpSpPr>
+        <p:cNvPr id="1" name=""/>
+        <p:cNvGrpSpPr/>
+        <p:nvPr/>
+      </p:nvGrpSpPr>
+      <p:grpSpPr>
+        <a:xfrm>
+          <a:off x="0" y="0"/>
+          <a:ext cx="0" cy="0"/>
+          <a:chOff x="0" y="0"/>
+          <a:chExt cx="0" cy="0"/>
+        </a:xfrm>
+      </p:grpSpPr>
+      <p:sp>
+        <p:nvSpPr>
+          <p:cNvPr id="2" name="Title 1">
+            <a:extLst>
+              <a:ext uri="{FF2B5EF4-FFF2-40B4-BE49-F238E27FC236}">
+                <a16:creationId xmlns:a16="http://schemas.microsoft.com/office/drawing/2014/main" id="{E3834188-BC0D-48F2-8323-252A8685C838}"/>
+              </a:ext>
+            </a:extLst>
+          </p:cNvPr>
+          <p:cNvSpPr>
+            <a:spLocks noGrp="1"/>
+          </p:cNvSpPr>
+          <p:nvPr>
+            <p:ph type="title"/>
+          </p:nvPr>
+        </p:nvSpPr>
+        <p:spPr/>
+        <p:txBody>
+          <a:bodyPr/>
+          <a:lstStyle/>
+          <a:p>
+            <a:endParaRPr lang="en-IN"/>
+          </a:p>
+        </p:txBody>
+      </p:sp>
+      <p:pic>
+        <p:nvPicPr>
+          <p:cNvPr id="5" name="Content Placeholder 4" descr="Database">
+            <a:extLst>
+              <a:ext uri="{FF2B5EF4-FFF2-40B4-BE49-F238E27FC236}">
+                <a16:creationId xmlns:a16="http://schemas.microsoft.com/office/drawing/2014/main" id="{BB2477DF-CED4-49A0-A559-669E5A6F20DF}"/>
+              </a:ext>
+            </a:extLst>
+          </p:cNvPr>
+          <p:cNvPicPr>
+            <a:picLocks noGrp="1" noChangeAspect="1"/>
+          </p:cNvPicPr>
+          <p:nvPr>
+            <p:ph idx="1"/>
+          </p:nvPr>
+        </p:nvPicPr>
+        <p:blipFill>
+          <a:blip r:embed="rId2">
+            <a:extLst>
+              <a:ext uri="{28A0092B-C50C-407E-A947-70E740481C1C}">
+                <a14:useLocalDpi xmlns:a14="http://schemas.microsoft.com/office/drawing/2010/main" val="0"/>
+              </a:ext>
+              <a:ext uri="{96DAC541-7B7A-43D3-8B79-37D633B846F1}">
+                <asvg:svgBlip xmlns:asvg="http://schemas.microsoft.com/office/drawing/2016/SVG/main" r:embed="rId3"/>
+              </a:ext>
+            </a:extLst>
+          </a:blip>
+          <a:stretch>
+            <a:fillRect/>
+          </a:stretch>
+        </p:blipFill>
+        <p:spPr>
+          <a:xfrm>
+            <a:off x="1560059" y="2604747"/>
+            <a:ext cx="914400" cy="914400"/>
+          </a:xfrm>
+        </p:spPr>
+      </p:pic>
+      <p:sp>
+        <p:nvSpPr>
+          <p:cNvPr id="6" name="TextBox 5">
+            <a:extLst>
+              <a:ext uri="{FF2B5EF4-FFF2-40B4-BE49-F238E27FC236}">
+                <a16:creationId xmlns:a16="http://schemas.microsoft.com/office/drawing/2014/main" id="{31EADFBF-A2F4-4F10-AA4C-7EC97A66680D}"/>
+              </a:ext>
+            </a:extLst>
+          </p:cNvPr>
+          <p:cNvSpPr txBox="1"/>
+          <p:nvPr/>
+        </p:nvSpPr>
+        <p:spPr>
+          <a:xfrm>
+            <a:off x="1611086" y="4147457"/>
+            <a:ext cx="3243943" cy="369332"/>
+          </a:xfrm>
+          <a:prstGeom prst="rect">
+            <a:avLst/>
+          </a:prstGeom>
+          <a:noFill/>
+        </p:spPr>
+        <p:txBody>
+          <a:bodyPr wrap="square" rtlCol="0">
+            <a:spAutoFit/>
+          </a:bodyPr>
+          <a:lstStyle/>
+          <a:p>
+            <a:r>
+              <a:rPr lang="en-IN" dirty="0"/>
+              <a:t>100 PB</a:t>
+            </a:r>
+          </a:p>
+        </p:txBody>
+      </p:sp>
+      <p:pic>
+        <p:nvPicPr>
+          <p:cNvPr id="8" name="Graphic 7" descr="Computer">
+            <a:extLst>
+              <a:ext uri="{FF2B5EF4-FFF2-40B4-BE49-F238E27FC236}">
+                <a16:creationId xmlns:a16="http://schemas.microsoft.com/office/drawing/2014/main" id="{35B1C9C1-F1B6-4132-A9A3-7652F84A4B2F}"/>
+              </a:ext>
+            </a:extLst>
+          </p:cNvPr>
+          <p:cNvPicPr>
+            <a:picLocks noChangeAspect="1"/>
+          </p:cNvPicPr>
+          <p:nvPr/>
+        </p:nvPicPr>
+        <p:blipFill>
+          <a:blip r:embed="rId4">
+            <a:extLst>
+              <a:ext uri="{28A0092B-C50C-407E-A947-70E740481C1C}">
+                <a14:useLocalDpi xmlns:a14="http://schemas.microsoft.com/office/drawing/2010/main" val="0"/>
+              </a:ext>
+              <a:ext uri="{96DAC541-7B7A-43D3-8B79-37D633B846F1}">
+                <asvg:svgBlip xmlns:asvg="http://schemas.microsoft.com/office/drawing/2016/SVG/main" r:embed="rId5"/>
+              </a:ext>
+            </a:extLst>
+          </a:blip>
+          <a:stretch>
+            <a:fillRect/>
+          </a:stretch>
+        </p:blipFill>
+        <p:spPr>
+          <a:xfrm>
+            <a:off x="5181600" y="4821198"/>
+            <a:ext cx="914400" cy="914400"/>
+          </a:xfrm>
+          <a:prstGeom prst="rect">
+            <a:avLst/>
+          </a:prstGeom>
+        </p:spPr>
+      </p:pic>
+      <p:sp>
+        <p:nvSpPr>
+          <p:cNvPr id="9" name="TextBox 8">
+            <a:extLst>
+              <a:ext uri="{FF2B5EF4-FFF2-40B4-BE49-F238E27FC236}">
+                <a16:creationId xmlns:a16="http://schemas.microsoft.com/office/drawing/2014/main" id="{65EB858E-360D-423A-980F-A252E7120700}"/>
+              </a:ext>
+            </a:extLst>
+          </p:cNvPr>
+          <p:cNvSpPr txBox="1"/>
+          <p:nvPr/>
+        </p:nvSpPr>
+        <p:spPr>
+          <a:xfrm>
+            <a:off x="5932714" y="4071257"/>
+            <a:ext cx="1153886" cy="369332"/>
+          </a:xfrm>
+          <a:prstGeom prst="rect">
+            <a:avLst/>
+          </a:prstGeom>
+          <a:noFill/>
+        </p:spPr>
+        <p:txBody>
+          <a:bodyPr wrap="square" rtlCol="0">
+            <a:spAutoFit/>
+          </a:bodyPr>
+          <a:lstStyle/>
+          <a:p>
+            <a:r>
+              <a:rPr lang="en-IN" dirty="0"/>
+              <a:t>1000 tb</a:t>
+            </a:r>
+          </a:p>
+        </p:txBody>
+      </p:sp>
+      <p:pic>
+        <p:nvPicPr>
+          <p:cNvPr id="11" name="Graphic 10" descr="Computer">
+            <a:extLst>
+              <a:ext uri="{FF2B5EF4-FFF2-40B4-BE49-F238E27FC236}">
+                <a16:creationId xmlns:a16="http://schemas.microsoft.com/office/drawing/2014/main" id="{C3944A89-6D26-4C55-8079-9251320108B2}"/>
+              </a:ext>
+            </a:extLst>
+          </p:cNvPr>
+          <p:cNvPicPr>
+            <a:picLocks noChangeAspect="1"/>
+          </p:cNvPicPr>
+          <p:nvPr/>
+        </p:nvPicPr>
+        <p:blipFill>
+          <a:blip r:embed="rId4">
+            <a:extLst>
+              <a:ext uri="{28A0092B-C50C-407E-A947-70E740481C1C}">
+                <a14:useLocalDpi xmlns:a14="http://schemas.microsoft.com/office/drawing/2010/main" val="0"/>
+              </a:ext>
+              <a:ext uri="{96DAC541-7B7A-43D3-8B79-37D633B846F1}">
+                <asvg:svgBlip xmlns:asvg="http://schemas.microsoft.com/office/drawing/2016/SVG/main" r:embed="rId5"/>
+              </a:ext>
+            </a:extLst>
+          </a:blip>
+          <a:stretch>
+            <a:fillRect/>
+          </a:stretch>
+        </p:blipFill>
+        <p:spPr>
+          <a:xfrm>
+            <a:off x="7990115" y="2699657"/>
+            <a:ext cx="914400" cy="914400"/>
+          </a:xfrm>
+          <a:prstGeom prst="rect">
+            <a:avLst/>
+          </a:prstGeom>
+        </p:spPr>
+      </p:pic>
+      <p:pic>
+        <p:nvPicPr>
+          <p:cNvPr id="13" name="Graphic 12" descr="Computer">
+            <a:extLst>
+              <a:ext uri="{FF2B5EF4-FFF2-40B4-BE49-F238E27FC236}">
+                <a16:creationId xmlns:a16="http://schemas.microsoft.com/office/drawing/2014/main" id="{B4A19C4D-F9E3-499C-9790-091A80080AC9}"/>
+              </a:ext>
+            </a:extLst>
+          </p:cNvPr>
+          <p:cNvPicPr>
+            <a:picLocks noChangeAspect="1"/>
+          </p:cNvPicPr>
+          <p:nvPr/>
+        </p:nvPicPr>
+        <p:blipFill>
+          <a:blip r:embed="rId4">
+            <a:extLst>
+              <a:ext uri="{28A0092B-C50C-407E-A947-70E740481C1C}">
+                <a14:useLocalDpi xmlns:a14="http://schemas.microsoft.com/office/drawing/2010/main" val="0"/>
+              </a:ext>
+              <a:ext uri="{96DAC541-7B7A-43D3-8B79-37D633B846F1}">
+                <asvg:svgBlip xmlns:asvg="http://schemas.microsoft.com/office/drawing/2016/SVG/main" r:embed="rId5"/>
+              </a:ext>
+            </a:extLst>
+          </a:blip>
+          <a:stretch>
+            <a:fillRect/>
+          </a:stretch>
+        </p:blipFill>
+        <p:spPr>
+          <a:xfrm>
+            <a:off x="8654143" y="4147457"/>
+            <a:ext cx="914400" cy="914400"/>
+          </a:xfrm>
+          <a:prstGeom prst="rect">
+            <a:avLst/>
+          </a:prstGeom>
+        </p:spPr>
+      </p:pic>
+      <p:pic>
+        <p:nvPicPr>
+          <p:cNvPr id="15" name="Graphic 14" descr="Computer">
+            <a:extLst>
+              <a:ext uri="{FF2B5EF4-FFF2-40B4-BE49-F238E27FC236}">
+                <a16:creationId xmlns:a16="http://schemas.microsoft.com/office/drawing/2014/main" id="{ECDF5A40-0E38-43A8-8A9B-E5505A771877}"/>
+              </a:ext>
+            </a:extLst>
+          </p:cNvPr>
+          <p:cNvPicPr>
+            <a:picLocks noChangeAspect="1"/>
+          </p:cNvPicPr>
+          <p:nvPr/>
+        </p:nvPicPr>
+        <p:blipFill>
+          <a:blip r:embed="rId4">
+            <a:extLst>
+              <a:ext uri="{28A0092B-C50C-407E-A947-70E740481C1C}">
+                <a14:useLocalDpi xmlns:a14="http://schemas.microsoft.com/office/drawing/2010/main" val="0"/>
+              </a:ext>
+              <a:ext uri="{96DAC541-7B7A-43D3-8B79-37D633B846F1}">
+                <asvg:svgBlip xmlns:asvg="http://schemas.microsoft.com/office/drawing/2016/SVG/main" r:embed="rId5"/>
+              </a:ext>
+            </a:extLst>
+          </a:blip>
+          <a:stretch>
+            <a:fillRect/>
+          </a:stretch>
+        </p:blipFill>
+        <p:spPr>
+          <a:xfrm>
+            <a:off x="10018177" y="2124052"/>
+            <a:ext cx="914400" cy="914400"/>
+          </a:xfrm>
+          <a:prstGeom prst="rect">
+            <a:avLst/>
+          </a:prstGeom>
+        </p:spPr>
+      </p:pic>
+      <p:pic>
+        <p:nvPicPr>
+          <p:cNvPr id="17" name="Graphic 16" descr="Computer">
+            <a:extLst>
+              <a:ext uri="{FF2B5EF4-FFF2-40B4-BE49-F238E27FC236}">
+                <a16:creationId xmlns:a16="http://schemas.microsoft.com/office/drawing/2014/main" id="{8D27AF4F-9B95-439A-B720-7E2FD64B1D2A}"/>
+              </a:ext>
+            </a:extLst>
+          </p:cNvPr>
+          <p:cNvPicPr>
+            <a:picLocks noChangeAspect="1"/>
+          </p:cNvPicPr>
+          <p:nvPr/>
+        </p:nvPicPr>
+        <p:blipFill>
+          <a:blip r:embed="rId4">
+            <a:extLst>
+              <a:ext uri="{28A0092B-C50C-407E-A947-70E740481C1C}">
+                <a14:useLocalDpi xmlns:a14="http://schemas.microsoft.com/office/drawing/2010/main" val="0"/>
+              </a:ext>
+              <a:ext uri="{96DAC541-7B7A-43D3-8B79-37D633B846F1}">
+                <asvg:svgBlip xmlns:asvg="http://schemas.microsoft.com/office/drawing/2016/SVG/main" r:embed="rId5"/>
+              </a:ext>
+            </a:extLst>
+          </a:blip>
+          <a:stretch>
+            <a:fillRect/>
+          </a:stretch>
+        </p:blipFill>
+        <p:spPr>
+          <a:xfrm>
+            <a:off x="6419253" y="2004310"/>
+            <a:ext cx="914400" cy="914400"/>
+          </a:xfrm>
+          <a:prstGeom prst="rect">
+            <a:avLst/>
+          </a:prstGeom>
+        </p:spPr>
+      </p:pic>
+      <p:pic>
+        <p:nvPicPr>
+          <p:cNvPr id="19" name="Graphic 18" descr="Computer">
+            <a:extLst>
+              <a:ext uri="{FF2B5EF4-FFF2-40B4-BE49-F238E27FC236}">
+                <a16:creationId xmlns:a16="http://schemas.microsoft.com/office/drawing/2014/main" id="{47F971F0-034F-4BCF-A004-3A561F33BAAA}"/>
+              </a:ext>
+            </a:extLst>
+          </p:cNvPr>
+          <p:cNvPicPr>
+            <a:picLocks noChangeAspect="1"/>
+          </p:cNvPicPr>
+          <p:nvPr/>
+        </p:nvPicPr>
+        <p:blipFill>
+          <a:blip r:embed="rId4">
+            <a:extLst>
+              <a:ext uri="{28A0092B-C50C-407E-A947-70E740481C1C}">
+                <a14:useLocalDpi xmlns:a14="http://schemas.microsoft.com/office/drawing/2010/main" val="0"/>
+              </a:ext>
+              <a:ext uri="{96DAC541-7B7A-43D3-8B79-37D633B846F1}">
+                <asvg:svgBlip xmlns:asvg="http://schemas.microsoft.com/office/drawing/2016/SVG/main" r:embed="rId5"/>
+              </a:ext>
+            </a:extLst>
+          </a:blip>
+          <a:stretch>
+            <a:fillRect/>
+          </a:stretch>
+        </p:blipFill>
+        <p:spPr>
+          <a:xfrm>
+            <a:off x="6419253" y="5278398"/>
+            <a:ext cx="914400" cy="914400"/>
+          </a:xfrm>
+          <a:prstGeom prst="rect">
+            <a:avLst/>
+          </a:prstGeom>
+        </p:spPr>
+      </p:pic>
+      <p:pic>
+        <p:nvPicPr>
+          <p:cNvPr id="21" name="Graphic 20" descr="Computer">
+            <a:extLst>
+              <a:ext uri="{FF2B5EF4-FFF2-40B4-BE49-F238E27FC236}">
+                <a16:creationId xmlns:a16="http://schemas.microsoft.com/office/drawing/2014/main" id="{38730EAF-4FB6-4536-BE99-351471513D71}"/>
+              </a:ext>
+            </a:extLst>
+          </p:cNvPr>
+          <p:cNvPicPr>
+            <a:picLocks noChangeAspect="1"/>
+          </p:cNvPicPr>
+          <p:nvPr/>
+        </p:nvPicPr>
+        <p:blipFill>
+          <a:blip r:embed="rId4">
+            <a:extLst>
+              <a:ext uri="{28A0092B-C50C-407E-A947-70E740481C1C}">
+                <a14:useLocalDpi xmlns:a14="http://schemas.microsoft.com/office/drawing/2010/main" val="0"/>
+              </a:ext>
+              <a:ext uri="{96DAC541-7B7A-43D3-8B79-37D633B846F1}">
+                <asvg:svgBlip xmlns:asvg="http://schemas.microsoft.com/office/drawing/2016/SVG/main" r:embed="rId5"/>
+              </a:ext>
+            </a:extLst>
+          </a:blip>
+          <a:stretch>
+            <a:fillRect/>
+          </a:stretch>
+        </p:blipFill>
+        <p:spPr>
+          <a:xfrm>
+            <a:off x="8904515" y="5490882"/>
+            <a:ext cx="914400" cy="914400"/>
+          </a:xfrm>
+          <a:prstGeom prst="rect">
+            <a:avLst/>
+          </a:prstGeom>
+        </p:spPr>
+      </p:pic>
+      <p:pic>
+        <p:nvPicPr>
+          <p:cNvPr id="23" name="Graphic 22" descr="Computer">
+            <a:extLst>
+              <a:ext uri="{FF2B5EF4-FFF2-40B4-BE49-F238E27FC236}">
+                <a16:creationId xmlns:a16="http://schemas.microsoft.com/office/drawing/2014/main" id="{24E72A14-D2F6-4D4E-A224-D713634F6479}"/>
+              </a:ext>
+            </a:extLst>
+          </p:cNvPr>
+          <p:cNvPicPr>
+            <a:picLocks noChangeAspect="1"/>
+          </p:cNvPicPr>
+          <p:nvPr/>
+        </p:nvPicPr>
+        <p:blipFill>
+          <a:blip r:embed="rId4">
+            <a:extLst>
+              <a:ext uri="{28A0092B-C50C-407E-A947-70E740481C1C}">
+                <a14:useLocalDpi xmlns:a14="http://schemas.microsoft.com/office/drawing/2010/main" val="0"/>
+              </a:ext>
+              <a:ext uri="{96DAC541-7B7A-43D3-8B79-37D633B846F1}">
+                <asvg:svgBlip xmlns:asvg="http://schemas.microsoft.com/office/drawing/2016/SVG/main" r:embed="rId5"/>
+              </a:ext>
+            </a:extLst>
+          </a:blip>
+          <a:stretch>
+            <a:fillRect/>
+          </a:stretch>
+        </p:blipFill>
+        <p:spPr>
+          <a:xfrm>
+            <a:off x="10428514" y="3506924"/>
+            <a:ext cx="914400" cy="914400"/>
+          </a:xfrm>
+          <a:prstGeom prst="rect">
+            <a:avLst/>
+          </a:prstGeom>
+        </p:spPr>
+      </p:pic>
+      <p:pic>
+        <p:nvPicPr>
+          <p:cNvPr id="25" name="Graphic 24" descr="Computer">
+            <a:extLst>
+              <a:ext uri="{FF2B5EF4-FFF2-40B4-BE49-F238E27FC236}">
+                <a16:creationId xmlns:a16="http://schemas.microsoft.com/office/drawing/2014/main" id="{28564199-AEF0-4962-B2B5-D03DA64DA846}"/>
+              </a:ext>
+            </a:extLst>
+          </p:cNvPr>
+          <p:cNvPicPr>
+            <a:picLocks noChangeAspect="1"/>
+          </p:cNvPicPr>
+          <p:nvPr/>
+        </p:nvPicPr>
+        <p:blipFill>
+          <a:blip r:embed="rId4">
+            <a:extLst>
+              <a:ext uri="{28A0092B-C50C-407E-A947-70E740481C1C}">
+                <a14:useLocalDpi xmlns:a14="http://schemas.microsoft.com/office/drawing/2010/main" val="0"/>
+              </a:ext>
+              <a:ext uri="{96DAC541-7B7A-43D3-8B79-37D633B846F1}">
+                <asvg:svgBlip xmlns:asvg="http://schemas.microsoft.com/office/drawing/2016/SVG/main" r:embed="rId5"/>
+              </a:ext>
+            </a:extLst>
+          </a:blip>
+          <a:stretch>
+            <a:fillRect/>
+          </a:stretch>
+        </p:blipFill>
+        <p:spPr>
+          <a:xfrm>
+            <a:off x="5816373" y="3049724"/>
+            <a:ext cx="914400" cy="914400"/>
+          </a:xfrm>
+          <a:prstGeom prst="rect">
+            <a:avLst/>
+          </a:prstGeom>
+        </p:spPr>
+      </p:pic>
+      <p:pic>
+        <p:nvPicPr>
+          <p:cNvPr id="27" name="Graphic 26" descr="Computer">
+            <a:extLst>
+              <a:ext uri="{FF2B5EF4-FFF2-40B4-BE49-F238E27FC236}">
+                <a16:creationId xmlns:a16="http://schemas.microsoft.com/office/drawing/2014/main" id="{9BA8C2ED-1458-4F9F-A346-B6B6C26E5592}"/>
+              </a:ext>
+            </a:extLst>
+          </p:cNvPr>
+          <p:cNvPicPr>
+            <a:picLocks noChangeAspect="1"/>
+          </p:cNvPicPr>
+          <p:nvPr/>
+        </p:nvPicPr>
+        <p:blipFill>
+          <a:blip r:embed="rId4">
+            <a:extLst>
+              <a:ext uri="{28A0092B-C50C-407E-A947-70E740481C1C}">
+                <a14:useLocalDpi xmlns:a14="http://schemas.microsoft.com/office/drawing/2010/main" val="0"/>
+              </a:ext>
+              <a:ext uri="{96DAC541-7B7A-43D3-8B79-37D633B846F1}">
+                <asvg:svgBlip xmlns:asvg="http://schemas.microsoft.com/office/drawing/2016/SVG/main" r:embed="rId5"/>
+              </a:ext>
+            </a:extLst>
+          </a:blip>
+          <a:stretch>
+            <a:fillRect/>
+          </a:stretch>
+        </p:blipFill>
+        <p:spPr>
+          <a:xfrm>
+            <a:off x="10682205" y="5061857"/>
+            <a:ext cx="914400" cy="914400"/>
+          </a:xfrm>
+          <a:prstGeom prst="rect">
+            <a:avLst/>
+          </a:prstGeom>
+        </p:spPr>
+      </p:pic>
+    </p:spTree>
+    <p:extLst>
+      <p:ext uri="{BB962C8B-B14F-4D97-AF65-F5344CB8AC3E}">
+        <p14:creationId xmlns:p14="http://schemas.microsoft.com/office/powerpoint/2010/main" val="4150930525"/>
+      </p:ext>
+    </p:extLst>
+  </p:cSld>
+  <p:clrMapOvr>
+    <a:masterClrMapping/>
+  </p:clrMapOvr>
+</p:sld>
+</file>
+
+<file path=ppt/slides/slide27.xml><?xml version="1.0" encoding="utf-8"?>
+<p:sld xmlns:a="http://schemas.openxmlformats.org/drawingml/2006/main" xmlns:r="http://schemas.openxmlformats.org/officeDocument/2006/relationships" xmlns:p="http://schemas.openxmlformats.org/presentationml/2006/main">
+  <p:cSld>
+    <p:spTree>
+      <p:nvGrpSpPr>
+        <p:cNvPr id="1" name=""/>
+        <p:cNvGrpSpPr/>
+        <p:nvPr/>
+      </p:nvGrpSpPr>
+      <p:grpSpPr>
+        <a:xfrm>
+          <a:off x="0" y="0"/>
+          <a:ext cx="0" cy="0"/>
+          <a:chOff x="0" y="0"/>
+          <a:chExt cx="0" cy="0"/>
+        </a:xfrm>
+      </p:grpSpPr>
+      <p:sp>
+        <p:nvSpPr>
+          <p:cNvPr id="2" name="Title 1">
+            <a:extLst>
+              <a:ext uri="{FF2B5EF4-FFF2-40B4-BE49-F238E27FC236}">
+                <a16:creationId xmlns:a16="http://schemas.microsoft.com/office/drawing/2014/main" id="{D01CA3EE-4A55-40FF-888F-A01C9B81E882}"/>
+              </a:ext>
+            </a:extLst>
+          </p:cNvPr>
+          <p:cNvSpPr>
+            <a:spLocks noGrp="1"/>
+          </p:cNvSpPr>
+          <p:nvPr>
+            <p:ph type="title"/>
+          </p:nvPr>
+        </p:nvSpPr>
+        <p:spPr/>
+        <p:txBody>
+          <a:bodyPr/>
+          <a:lstStyle/>
+          <a:p>
+            <a:endParaRPr lang="en-IN"/>
+          </a:p>
+        </p:txBody>
+      </p:sp>
+      <p:pic>
+        <p:nvPicPr>
+          <p:cNvPr id="5" name="Content Placeholder 4">
+            <a:extLst>
+              <a:ext uri="{FF2B5EF4-FFF2-40B4-BE49-F238E27FC236}">
+                <a16:creationId xmlns:a16="http://schemas.microsoft.com/office/drawing/2014/main" id="{3D1EDC43-ECB7-48A2-A1E9-418C857A7BA7}"/>
+              </a:ext>
+            </a:extLst>
+          </p:cNvPr>
+          <p:cNvPicPr>
+            <a:picLocks noGrp="1" noChangeAspect="1"/>
+          </p:cNvPicPr>
+          <p:nvPr>
+            <p:ph idx="1"/>
+          </p:nvPr>
+        </p:nvPicPr>
+        <p:blipFill>
+          <a:blip r:embed="rId2">
+            <a:extLst>
+              <a:ext uri="{28A0092B-C50C-407E-A947-70E740481C1C}">
+                <a14:useLocalDpi xmlns:a14="http://schemas.microsoft.com/office/drawing/2010/main" val="0"/>
+              </a:ext>
+            </a:extLst>
+          </a:blip>
+          <a:stretch>
+            <a:fillRect/>
+          </a:stretch>
+        </p:blipFill>
+        <p:spPr>
+          <a:xfrm>
+            <a:off x="1847322" y="2052638"/>
+            <a:ext cx="7459132" cy="4195762"/>
+          </a:xfrm>
+        </p:spPr>
+      </p:pic>
+    </p:spTree>
+    <p:extLst>
+      <p:ext uri="{BB962C8B-B14F-4D97-AF65-F5344CB8AC3E}">
+        <p14:creationId xmlns:p14="http://schemas.microsoft.com/office/powerpoint/2010/main" val="1180024144"/>
+      </p:ext>
+    </p:extLst>
+  </p:cSld>
+  <p:clrMapOvr>
+    <a:masterClrMapping/>
+  </p:clrMapOvr>
+</p:sld>
+</file>
+
+<file path=ppt/slides/slide28.xml><?xml version="1.0" encoding="utf-8"?>
+<p:sld xmlns:a="http://schemas.openxmlformats.org/drawingml/2006/main" xmlns:r="http://schemas.openxmlformats.org/officeDocument/2006/relationships" xmlns:p="http://schemas.openxmlformats.org/presentationml/2006/main">
+  <p:cSld>
+    <p:spTree>
+      <p:nvGrpSpPr>
+        <p:cNvPr id="1" name=""/>
+        <p:cNvGrpSpPr/>
+        <p:nvPr/>
+      </p:nvGrpSpPr>
+      <p:grpSpPr>
+        <a:xfrm>
+          <a:off x="0" y="0"/>
+          <a:ext cx="0" cy="0"/>
+          <a:chOff x="0" y="0"/>
+          <a:chExt cx="0" cy="0"/>
+        </a:xfrm>
+      </p:grpSpPr>
+      <p:sp>
+        <p:nvSpPr>
+          <p:cNvPr id="2" name="Title 1">
+            <a:extLst>
+              <a:ext uri="{FF2B5EF4-FFF2-40B4-BE49-F238E27FC236}">
+                <a16:creationId xmlns:a16="http://schemas.microsoft.com/office/drawing/2014/main" id="{BD8D981E-19A6-4620-AC01-8664604EF8C8}"/>
+              </a:ext>
+            </a:extLst>
+          </p:cNvPr>
+          <p:cNvSpPr>
+            <a:spLocks noGrp="1"/>
+          </p:cNvSpPr>
+          <p:nvPr>
+            <p:ph type="title"/>
+          </p:nvPr>
+        </p:nvSpPr>
+        <p:spPr/>
+        <p:txBody>
+          <a:bodyPr/>
+          <a:lstStyle/>
+          <a:p>
+            <a:r>
+              <a:rPr lang="en-IN" dirty="0"/>
+              <a:t>Bigdata</a:t>
+            </a:r>
+          </a:p>
+        </p:txBody>
+      </p:sp>
+      <p:sp>
+        <p:nvSpPr>
+          <p:cNvPr id="3" name="Content Placeholder 2">
+            <a:extLst>
+              <a:ext uri="{FF2B5EF4-FFF2-40B4-BE49-F238E27FC236}">
+                <a16:creationId xmlns:a16="http://schemas.microsoft.com/office/drawing/2014/main" id="{718EE873-7517-4E23-8881-206D4E6BC0B1}"/>
+              </a:ext>
+            </a:extLst>
+          </p:cNvPr>
+          <p:cNvSpPr>
+            <a:spLocks noGrp="1"/>
+          </p:cNvSpPr>
+          <p:nvPr>
+            <p:ph idx="1"/>
+          </p:nvPr>
+        </p:nvSpPr>
+        <p:spPr/>
+        <p:txBody>
+          <a:bodyPr/>
+          <a:lstStyle/>
+          <a:p>
+            <a:r>
+              <a:rPr lang="en-IN" dirty="0"/>
+              <a:t>Bigdata designed their application based in distributed processing module</a:t>
+            </a:r>
+          </a:p>
+          <a:p>
+            <a:r>
+              <a:rPr lang="en-IN" dirty="0"/>
+              <a:t>They got their separate distributed processing model as well distributed storage module</a:t>
+            </a:r>
+          </a:p>
+          <a:p>
+            <a:r>
+              <a:rPr lang="en-IN" dirty="0"/>
+              <a:t>They call distributed processing module as MapReduce and they will call the Distributed Storage module as HDFS </a:t>
+            </a:r>
+          </a:p>
+          <a:p>
+            <a:r>
+              <a:rPr lang="en-IN" dirty="0"/>
+              <a:t>Bigdata they will call their architecture as Hadoop Frame Work</a:t>
+            </a:r>
+          </a:p>
+        </p:txBody>
+      </p:sp>
+    </p:spTree>
+    <p:extLst>
+      <p:ext uri="{BB962C8B-B14F-4D97-AF65-F5344CB8AC3E}">
+        <p14:creationId xmlns:p14="http://schemas.microsoft.com/office/powerpoint/2010/main" val="4249805830"/>
+      </p:ext>
+    </p:extLst>
+  </p:cSld>
+  <p:clrMapOvr>
+    <a:masterClrMapping/>
+  </p:clrMapOvr>
+</p:sld>
+</file>
+
+<file path=ppt/slides/slide29.xml><?xml version="1.0" encoding="utf-8"?>
+<p:sld xmlns:a="http://schemas.openxmlformats.org/drawingml/2006/main" xmlns:r="http://schemas.openxmlformats.org/officeDocument/2006/relationships" xmlns:p="http://schemas.openxmlformats.org/presentationml/2006/main">
+  <p:cSld>
+    <p:spTree>
+      <p:nvGrpSpPr>
+        <p:cNvPr id="1" name=""/>
+        <p:cNvGrpSpPr/>
+        <p:nvPr/>
+      </p:nvGrpSpPr>
+      <p:grpSpPr>
+        <a:xfrm>
+          <a:off x="0" y="0"/>
+          <a:ext cx="0" cy="0"/>
+          <a:chOff x="0" y="0"/>
+          <a:chExt cx="0" cy="0"/>
+        </a:xfrm>
+      </p:grpSpPr>
+      <p:sp>
+        <p:nvSpPr>
+          <p:cNvPr id="2" name="Title 1">
+            <a:extLst>
+              <a:ext uri="{FF2B5EF4-FFF2-40B4-BE49-F238E27FC236}">
+                <a16:creationId xmlns:a16="http://schemas.microsoft.com/office/drawing/2014/main" id="{328E76A9-7D7E-4DA6-B63A-4943FB886396}"/>
+              </a:ext>
+            </a:extLst>
+          </p:cNvPr>
+          <p:cNvSpPr>
+            <a:spLocks noGrp="1"/>
+          </p:cNvSpPr>
+          <p:nvPr>
+            <p:ph type="title"/>
+          </p:nvPr>
+        </p:nvSpPr>
+        <p:spPr/>
+        <p:txBody>
+          <a:bodyPr/>
+          <a:lstStyle/>
+          <a:p>
+            <a:endParaRPr lang="en-IN"/>
+          </a:p>
+        </p:txBody>
+      </p:sp>
+      <p:pic>
+        <p:nvPicPr>
+          <p:cNvPr id="9" name="Content Placeholder 8">
+            <a:extLst>
+              <a:ext uri="{FF2B5EF4-FFF2-40B4-BE49-F238E27FC236}">
+                <a16:creationId xmlns:a16="http://schemas.microsoft.com/office/drawing/2014/main" id="{F20F1FFE-F838-46C8-9572-609AA491354E}"/>
+              </a:ext>
+            </a:extLst>
+          </p:cNvPr>
+          <p:cNvPicPr>
+            <a:picLocks noGrp="1" noChangeAspect="1"/>
+          </p:cNvPicPr>
+          <p:nvPr>
+            <p:ph idx="1"/>
+          </p:nvPr>
+        </p:nvPicPr>
+        <p:blipFill>
+          <a:blip r:embed="rId2">
+            <a:extLst>
+              <a:ext uri="{28A0092B-C50C-407E-A947-70E740481C1C}">
+                <a14:useLocalDpi xmlns:a14="http://schemas.microsoft.com/office/drawing/2010/main" val="0"/>
+              </a:ext>
+            </a:extLst>
+          </a:blip>
+          <a:stretch>
+            <a:fillRect/>
+          </a:stretch>
+        </p:blipFill>
+        <p:spPr>
+          <a:xfrm>
+            <a:off x="1847322" y="2052638"/>
+            <a:ext cx="7459132" cy="4195762"/>
+          </a:xfrm>
+        </p:spPr>
+      </p:pic>
+    </p:spTree>
+    <p:extLst>
+      <p:ext uri="{BB962C8B-B14F-4D97-AF65-F5344CB8AC3E}">
+        <p14:creationId xmlns:p14="http://schemas.microsoft.com/office/powerpoint/2010/main" val="1261617973"/>
       </p:ext>
     </p:extLst>
   </p:cSld>
@@ -8866,6 +9716,391 @@
     <p:extLst>
       <p:ext uri="{BB962C8B-B14F-4D97-AF65-F5344CB8AC3E}">
         <p14:creationId xmlns:p14="http://schemas.microsoft.com/office/powerpoint/2010/main" val="4278630084"/>
+      </p:ext>
+    </p:extLst>
+  </p:cSld>
+  <p:clrMapOvr>
+    <a:masterClrMapping/>
+  </p:clrMapOvr>
+</p:sld>
+</file>
+
+<file path=ppt/slides/slide30.xml><?xml version="1.0" encoding="utf-8"?>
+<p:sld xmlns:a="http://schemas.openxmlformats.org/drawingml/2006/main" xmlns:r="http://schemas.openxmlformats.org/officeDocument/2006/relationships" xmlns:p="http://schemas.openxmlformats.org/presentationml/2006/main">
+  <p:cSld>
+    <p:spTree>
+      <p:nvGrpSpPr>
+        <p:cNvPr id="1" name=""/>
+        <p:cNvGrpSpPr/>
+        <p:nvPr/>
+      </p:nvGrpSpPr>
+      <p:grpSpPr>
+        <a:xfrm>
+          <a:off x="0" y="0"/>
+          <a:ext cx="0" cy="0"/>
+          <a:chOff x="0" y="0"/>
+          <a:chExt cx="0" cy="0"/>
+        </a:xfrm>
+      </p:grpSpPr>
+      <p:sp>
+        <p:nvSpPr>
+          <p:cNvPr id="2" name="Title 1">
+            <a:extLst>
+              <a:ext uri="{FF2B5EF4-FFF2-40B4-BE49-F238E27FC236}">
+                <a16:creationId xmlns:a16="http://schemas.microsoft.com/office/drawing/2014/main" id="{108EC1D3-3038-42E4-9206-B30883DABA87}"/>
+              </a:ext>
+            </a:extLst>
+          </p:cNvPr>
+          <p:cNvSpPr>
+            <a:spLocks noGrp="1"/>
+          </p:cNvSpPr>
+          <p:nvPr>
+            <p:ph type="title"/>
+          </p:nvPr>
+        </p:nvSpPr>
+        <p:spPr/>
+        <p:txBody>
+          <a:bodyPr/>
+          <a:lstStyle/>
+          <a:p>
+            <a:r>
+              <a:rPr lang="en-IN" dirty="0"/>
+              <a:t>History of Hadoop</a:t>
+            </a:r>
+          </a:p>
+        </p:txBody>
+      </p:sp>
+      <p:sp>
+        <p:nvSpPr>
+          <p:cNvPr id="3" name="Content Placeholder 2">
+            <a:extLst>
+              <a:ext uri="{FF2B5EF4-FFF2-40B4-BE49-F238E27FC236}">
+                <a16:creationId xmlns:a16="http://schemas.microsoft.com/office/drawing/2014/main" id="{F7600230-8B75-45B0-BD6C-61A142336D00}"/>
+              </a:ext>
+            </a:extLst>
+          </p:cNvPr>
+          <p:cNvSpPr>
+            <a:spLocks noGrp="1"/>
+          </p:cNvSpPr>
+          <p:nvPr>
+            <p:ph idx="1"/>
+          </p:nvPr>
+        </p:nvSpPr>
+        <p:spPr/>
+        <p:txBody>
+          <a:bodyPr/>
+          <a:lstStyle/>
+          <a:p>
+            <a:r>
+              <a:rPr lang="en-IN" dirty="0"/>
+              <a:t>In OCT 2003 – google they published their paper Google File System</a:t>
+            </a:r>
+          </a:p>
+          <a:p>
+            <a:r>
+              <a:rPr lang="en-IN" dirty="0"/>
+              <a:t>Dec 2004 - </a:t>
+            </a:r>
+            <a:r>
+              <a:rPr lang="en-US" dirty="0"/>
+              <a:t>Jeffrey Dean &amp; Sanjay Ghemawat from Google published MapReduce paper called “MapReduce: Simplified Data Processing on Large Clusters”</a:t>
+            </a:r>
+          </a:p>
+          <a:p>
+            <a:r>
+              <a:rPr lang="en-IN" dirty="0"/>
+              <a:t>Jan 2006 - </a:t>
+            </a:r>
+            <a:r>
+              <a:rPr lang="en-US" dirty="0"/>
+              <a:t>Above MapReduce Paper inspired Doug cutting, a yahoo employee then to develop an open source implementation of MapReduce framework</a:t>
+            </a:r>
+          </a:p>
+          <a:p>
+            <a:r>
+              <a:rPr lang="en-US" dirty="0"/>
+              <a:t>Jan 2006 - Hadoop subproject created as extension of Apache Nutch project, created by Doug Cutting.</a:t>
+            </a:r>
+          </a:p>
+          <a:p>
+            <a:r>
+              <a:rPr lang="en-US" dirty="0"/>
+              <a:t>Apr 2006 - </a:t>
+            </a:r>
+            <a:r>
+              <a:rPr lang="en-IN" dirty="0"/>
+              <a:t>Hadoop 0.1.0 released </a:t>
+            </a:r>
+            <a:endParaRPr lang="en-US" dirty="0"/>
+          </a:p>
+          <a:p>
+            <a:r>
+              <a:rPr lang="en-US" dirty="0"/>
+              <a:t>May 2006 - Yahoo deploys 300 machine Hadoop cluster</a:t>
+            </a:r>
+            <a:endParaRPr lang="en-IN" dirty="0"/>
+          </a:p>
+        </p:txBody>
+      </p:sp>
+    </p:spTree>
+    <p:extLst>
+      <p:ext uri="{BB962C8B-B14F-4D97-AF65-F5344CB8AC3E}">
+        <p14:creationId xmlns:p14="http://schemas.microsoft.com/office/powerpoint/2010/main" val="2890821509"/>
+      </p:ext>
+    </p:extLst>
+  </p:cSld>
+  <p:clrMapOvr>
+    <a:masterClrMapping/>
+  </p:clrMapOvr>
+</p:sld>
+</file>
+
+<file path=ppt/slides/slide31.xml><?xml version="1.0" encoding="utf-8"?>
+<p:sld xmlns:a="http://schemas.openxmlformats.org/drawingml/2006/main" xmlns:r="http://schemas.openxmlformats.org/officeDocument/2006/relationships" xmlns:p="http://schemas.openxmlformats.org/presentationml/2006/main">
+  <p:cSld>
+    <p:spTree>
+      <p:nvGrpSpPr>
+        <p:cNvPr id="1" name=""/>
+        <p:cNvGrpSpPr/>
+        <p:nvPr/>
+      </p:nvGrpSpPr>
+      <p:grpSpPr>
+        <a:xfrm>
+          <a:off x="0" y="0"/>
+          <a:ext cx="0" cy="0"/>
+          <a:chOff x="0" y="0"/>
+          <a:chExt cx="0" cy="0"/>
+        </a:xfrm>
+      </p:grpSpPr>
+      <p:sp>
+        <p:nvSpPr>
+          <p:cNvPr id="2" name="Title 1">
+            <a:extLst>
+              <a:ext uri="{FF2B5EF4-FFF2-40B4-BE49-F238E27FC236}">
+                <a16:creationId xmlns:a16="http://schemas.microsoft.com/office/drawing/2014/main" id="{61ADCDE8-5DDB-4C88-9C82-031F0FB5D7FB}"/>
+              </a:ext>
+            </a:extLst>
+          </p:cNvPr>
+          <p:cNvSpPr>
+            <a:spLocks noGrp="1"/>
+          </p:cNvSpPr>
+          <p:nvPr>
+            <p:ph type="title"/>
+          </p:nvPr>
+        </p:nvSpPr>
+        <p:spPr/>
+        <p:txBody>
+          <a:bodyPr/>
+          <a:lstStyle/>
+          <a:p>
+            <a:r>
+              <a:rPr lang="en-IN" dirty="0"/>
+              <a:t>History of Hadoop</a:t>
+            </a:r>
+          </a:p>
+        </p:txBody>
+      </p:sp>
+      <p:sp>
+        <p:nvSpPr>
+          <p:cNvPr id="3" name="Content Placeholder 2">
+            <a:extLst>
+              <a:ext uri="{FF2B5EF4-FFF2-40B4-BE49-F238E27FC236}">
+                <a16:creationId xmlns:a16="http://schemas.microsoft.com/office/drawing/2014/main" id="{F48ACDCA-482D-45EF-AD23-F9E926644FBA}"/>
+              </a:ext>
+            </a:extLst>
+          </p:cNvPr>
+          <p:cNvSpPr>
+            <a:spLocks noGrp="1"/>
+          </p:cNvSpPr>
+          <p:nvPr>
+            <p:ph idx="1"/>
+          </p:nvPr>
+        </p:nvSpPr>
+        <p:spPr/>
+        <p:txBody>
+          <a:bodyPr>
+            <a:normAutofit fontScale="92500" lnSpcReduction="10000"/>
+          </a:bodyPr>
+          <a:lstStyle/>
+          <a:p>
+            <a:r>
+              <a:rPr lang="en-IN" dirty="0"/>
+              <a:t>2008: </a:t>
+            </a:r>
+            <a:r>
+              <a:rPr lang="en-US" dirty="0"/>
+              <a:t>Cloudera, one of the major distributor of Hadoop founded.</a:t>
+            </a:r>
+          </a:p>
+          <a:p>
+            <a:r>
+              <a:rPr lang="en-IN" dirty="0"/>
+              <a:t>Apr 2007: Yahoo runs 2 clusters of 1,000 machines </a:t>
+            </a:r>
+          </a:p>
+          <a:p>
+            <a:r>
+              <a:rPr lang="en-IN" dirty="0"/>
+              <a:t>Jul 2008: Hadoop wins </a:t>
+            </a:r>
+            <a:r>
+              <a:rPr lang="en-IN" dirty="0" err="1"/>
+              <a:t>TeraByte</a:t>
+            </a:r>
+            <a:r>
+              <a:rPr lang="en-IN" dirty="0"/>
+              <a:t> sort benchmark (1st time a Java program won this competition) </a:t>
+            </a:r>
+          </a:p>
+          <a:p>
+            <a:r>
+              <a:rPr lang="en-IN" dirty="0"/>
+              <a:t>Jun 2010: Yahoo 4,000 nodes/70 petabytes </a:t>
+            </a:r>
+          </a:p>
+          <a:p>
+            <a:r>
+              <a:rPr lang="en-IN" dirty="0"/>
+              <a:t>Jun 2010: Facebook 2,300 clusters/40 petabytes </a:t>
+            </a:r>
+          </a:p>
+          <a:p>
+            <a:r>
+              <a:rPr lang="en-IN" dirty="0"/>
+              <a:t>Dec 2011: Apache Hadoop release 1.0.0 available </a:t>
+            </a:r>
+          </a:p>
+          <a:p>
+            <a:r>
+              <a:rPr lang="en-IN" dirty="0"/>
+              <a:t>2011: Hortonworks, another major Hadoop distributor founded </a:t>
+            </a:r>
+          </a:p>
+          <a:p>
+            <a:r>
+              <a:rPr lang="en-IN" dirty="0"/>
+              <a:t>Oct 2013: Apache Hadoop release 2.2.0 (YARN) </a:t>
+            </a:r>
+          </a:p>
+          <a:p>
+            <a:r>
+              <a:rPr lang="en-IN" dirty="0"/>
+              <a:t>Dec 2015: Apache Hadoop release 2.6.3 available </a:t>
+            </a:r>
+          </a:p>
+          <a:p>
+            <a:r>
+              <a:rPr lang="en-IN" dirty="0"/>
+              <a:t>Feb 2016: Apache Hadoop release 2.6.4 available</a:t>
+            </a:r>
+          </a:p>
+        </p:txBody>
+      </p:sp>
+    </p:spTree>
+    <p:extLst>
+      <p:ext uri="{BB962C8B-B14F-4D97-AF65-F5344CB8AC3E}">
+        <p14:creationId xmlns:p14="http://schemas.microsoft.com/office/powerpoint/2010/main" val="2567670045"/>
+      </p:ext>
+    </p:extLst>
+  </p:cSld>
+  <p:clrMapOvr>
+    <a:masterClrMapping/>
+  </p:clrMapOvr>
+</p:sld>
+</file>
+
+<file path=ppt/slides/slide32.xml><?xml version="1.0" encoding="utf-8"?>
+<p:sld xmlns:a="http://schemas.openxmlformats.org/drawingml/2006/main" xmlns:r="http://schemas.openxmlformats.org/officeDocument/2006/relationships" xmlns:p="http://schemas.openxmlformats.org/presentationml/2006/main">
+  <p:cSld>
+    <p:spTree>
+      <p:nvGrpSpPr>
+        <p:cNvPr id="1" name=""/>
+        <p:cNvGrpSpPr/>
+        <p:nvPr/>
+      </p:nvGrpSpPr>
+      <p:grpSpPr>
+        <a:xfrm>
+          <a:off x="0" y="0"/>
+          <a:ext cx="0" cy="0"/>
+          <a:chOff x="0" y="0"/>
+          <a:chExt cx="0" cy="0"/>
+        </a:xfrm>
+      </p:grpSpPr>
+      <p:sp>
+        <p:nvSpPr>
+          <p:cNvPr id="2" name="Title 1">
+            <a:extLst>
+              <a:ext uri="{FF2B5EF4-FFF2-40B4-BE49-F238E27FC236}">
+                <a16:creationId xmlns:a16="http://schemas.microsoft.com/office/drawing/2014/main" id="{A775C982-A7E2-4985-81ED-9EAE24A53B6C}"/>
+              </a:ext>
+            </a:extLst>
+          </p:cNvPr>
+          <p:cNvSpPr>
+            <a:spLocks noGrp="1"/>
+          </p:cNvSpPr>
+          <p:nvPr>
+            <p:ph type="title"/>
+          </p:nvPr>
+        </p:nvSpPr>
+        <p:spPr/>
+        <p:txBody>
+          <a:bodyPr/>
+          <a:lstStyle/>
+          <a:p>
+            <a:r>
+              <a:rPr lang="en-IN"/>
+              <a:t>History of Hadoop</a:t>
+            </a:r>
+          </a:p>
+        </p:txBody>
+      </p:sp>
+      <p:sp>
+        <p:nvSpPr>
+          <p:cNvPr id="3" name="Content Placeholder 2">
+            <a:extLst>
+              <a:ext uri="{FF2B5EF4-FFF2-40B4-BE49-F238E27FC236}">
+                <a16:creationId xmlns:a16="http://schemas.microsoft.com/office/drawing/2014/main" id="{9535362F-A4B5-4422-84BE-9B81AE1F0C9A}"/>
+              </a:ext>
+            </a:extLst>
+          </p:cNvPr>
+          <p:cNvSpPr>
+            <a:spLocks noGrp="1"/>
+          </p:cNvSpPr>
+          <p:nvPr>
+            <p:ph idx="1"/>
+          </p:nvPr>
+        </p:nvSpPr>
+        <p:spPr/>
+        <p:txBody>
+          <a:bodyPr/>
+          <a:lstStyle/>
+          <a:p>
+            <a:r>
+              <a:rPr lang="en-IN" dirty="0"/>
+              <a:t>Hadoop is open source frame work -&gt; doesn’t fully supported by windows</a:t>
+            </a:r>
+          </a:p>
+          <a:p>
+            <a:r>
+              <a:rPr lang="en-IN" dirty="0"/>
+              <a:t>Linux – 100% supported OS for Hadoop Framework</a:t>
+            </a:r>
+          </a:p>
+          <a:p>
+            <a:r>
+              <a:rPr lang="en-IN" dirty="0"/>
+              <a:t>Linux -&gt; user friendliness, Cloudera and Hortonworks, they modified the opensource software and they gave some GUI based interface for Hadoop Framework via Webpage</a:t>
+            </a:r>
+          </a:p>
+          <a:p>
+            <a:endParaRPr lang="en-IN" dirty="0"/>
+          </a:p>
+        </p:txBody>
+      </p:sp>
+    </p:spTree>
+    <p:extLst>
+      <p:ext uri="{BB962C8B-B14F-4D97-AF65-F5344CB8AC3E}">
+        <p14:creationId xmlns:p14="http://schemas.microsoft.com/office/powerpoint/2010/main" val="3073581031"/>
       </p:ext>
     </p:extLst>
   </p:cSld>

--- a/New Microsoft PowerPoint Presentation.pptx
+++ b/New Microsoft PowerPoint Presentation.pptx
@@ -37,6 +37,7 @@
     <p:sldId id="285" r:id="rId31"/>
     <p:sldId id="286" r:id="rId32"/>
     <p:sldId id="287" r:id="rId33"/>
+    <p:sldId id="288" r:id="rId34"/>
   </p:sldIdLst>
   <p:sldSz cx="12192000" cy="6858000"/>
   <p:notesSz cx="6858000" cy="9144000"/>
@@ -10048,7 +10049,7 @@
           <a:lstStyle/>
           <a:p>
             <a:r>
-              <a:rPr lang="en-IN"/>
+              <a:rPr lang="en-IN" dirty="0"/>
               <a:t>History of Hadoop</a:t>
             </a:r>
           </a:p>
@@ -10101,6 +10102,114 @@
     <p:extLst>
       <p:ext uri="{BB962C8B-B14F-4D97-AF65-F5344CB8AC3E}">
         <p14:creationId xmlns:p14="http://schemas.microsoft.com/office/powerpoint/2010/main" val="3073581031"/>
+      </p:ext>
+    </p:extLst>
+  </p:cSld>
+  <p:clrMapOvr>
+    <a:masterClrMapping/>
+  </p:clrMapOvr>
+</p:sld>
+</file>
+
+<file path=ppt/slides/slide33.xml><?xml version="1.0" encoding="utf-8"?>
+<p:sld xmlns:a="http://schemas.openxmlformats.org/drawingml/2006/main" xmlns:r="http://schemas.openxmlformats.org/officeDocument/2006/relationships" xmlns:p="http://schemas.openxmlformats.org/presentationml/2006/main">
+  <p:cSld>
+    <p:spTree>
+      <p:nvGrpSpPr>
+        <p:cNvPr id="1" name=""/>
+        <p:cNvGrpSpPr/>
+        <p:nvPr/>
+      </p:nvGrpSpPr>
+      <p:grpSpPr>
+        <a:xfrm>
+          <a:off x="0" y="0"/>
+          <a:ext cx="0" cy="0"/>
+          <a:chOff x="0" y="0"/>
+          <a:chExt cx="0" cy="0"/>
+        </a:xfrm>
+      </p:grpSpPr>
+      <p:sp>
+        <p:nvSpPr>
+          <p:cNvPr id="2" name="Title 1">
+            <a:extLst>
+              <a:ext uri="{FF2B5EF4-FFF2-40B4-BE49-F238E27FC236}">
+                <a16:creationId xmlns:a16="http://schemas.microsoft.com/office/drawing/2014/main" id="{28AF339E-9598-40A9-BA6F-9986C60678FB}"/>
+              </a:ext>
+            </a:extLst>
+          </p:cNvPr>
+          <p:cNvSpPr>
+            <a:spLocks noGrp="1"/>
+          </p:cNvSpPr>
+          <p:nvPr>
+            <p:ph type="title"/>
+          </p:nvPr>
+        </p:nvSpPr>
+        <p:spPr/>
+        <p:txBody>
+          <a:bodyPr/>
+          <a:lstStyle/>
+          <a:p>
+            <a:endParaRPr lang="en-IN"/>
+          </a:p>
+        </p:txBody>
+      </p:sp>
+      <p:sp>
+        <p:nvSpPr>
+          <p:cNvPr id="3" name="Content Placeholder 2">
+            <a:extLst>
+              <a:ext uri="{FF2B5EF4-FFF2-40B4-BE49-F238E27FC236}">
+                <a16:creationId xmlns:a16="http://schemas.microsoft.com/office/drawing/2014/main" id="{3969109C-1DFF-4674-B603-BD18A509197E}"/>
+              </a:ext>
+            </a:extLst>
+          </p:cNvPr>
+          <p:cNvSpPr>
+            <a:spLocks noGrp="1"/>
+          </p:cNvSpPr>
+          <p:nvPr>
+            <p:ph idx="1"/>
+          </p:nvPr>
+        </p:nvSpPr>
+        <p:spPr/>
+        <p:txBody>
+          <a:bodyPr/>
+          <a:lstStyle/>
+          <a:p>
+            <a:r>
+              <a:rPr lang="en-US" dirty="0"/>
+              <a:t>Hadoop is a framework that allows distributed processing of large data sets across clusters of commodity computers using simple programming models. Definition In Depth: </a:t>
+            </a:r>
+          </a:p>
+          <a:p>
+            <a:r>
+              <a:rPr lang="en-US" dirty="0"/>
+              <a:t>Distributed Processing : • Data is processed in multiple machines in a distributed manner </a:t>
+            </a:r>
+          </a:p>
+          <a:p>
+            <a:r>
+              <a:rPr lang="en-US" dirty="0"/>
+              <a:t>Large Data sets: • Large data sets in this context means files that are hundreds of megabytes, gigabytes, or terabytes in size </a:t>
+            </a:r>
+          </a:p>
+          <a:p>
+            <a:r>
+              <a:rPr lang="en-US" dirty="0"/>
+              <a:t>Clusters of commodity computers : • Cheap hardware (not expensive servers) are used to create a cluster </a:t>
+            </a:r>
+          </a:p>
+          <a:p>
+            <a:r>
+              <a:rPr lang="en-US" dirty="0"/>
+              <a:t>Simple Programming Model: • Map Reduce/Spark is used as a programming model to manipulate/process the data</a:t>
+            </a:r>
+            <a:endParaRPr lang="en-IN" dirty="0"/>
+          </a:p>
+        </p:txBody>
+      </p:sp>
+    </p:spTree>
+    <p:extLst>
+      <p:ext uri="{BB962C8B-B14F-4D97-AF65-F5344CB8AC3E}">
+        <p14:creationId xmlns:p14="http://schemas.microsoft.com/office/powerpoint/2010/main" val="4258381790"/>
       </p:ext>
     </p:extLst>
   </p:cSld>

--- a/New Microsoft PowerPoint Presentation.pptx
+++ b/New Microsoft PowerPoint Presentation.pptx
@@ -38,6 +38,9 @@
     <p:sldId id="286" r:id="rId32"/>
     <p:sldId id="287" r:id="rId33"/>
     <p:sldId id="288" r:id="rId34"/>
+    <p:sldId id="289" r:id="rId35"/>
+    <p:sldId id="290" r:id="rId36"/>
+    <p:sldId id="291" r:id="rId37"/>
   </p:sldIdLst>
   <p:sldSz cx="12192000" cy="6858000"/>
   <p:notesSz cx="6858000" cy="9144000"/>
@@ -10149,7 +10152,10 @@
           <a:bodyPr/>
           <a:lstStyle/>
           <a:p>
-            <a:endParaRPr lang="en-IN"/>
+            <a:r>
+              <a:rPr lang="en-IN" dirty="0"/>
+              <a:t>History of Hadoop</a:t>
+            </a:r>
           </a:p>
         </p:txBody>
       </p:sp>
@@ -10210,6 +10216,370 @@
     <p:extLst>
       <p:ext uri="{BB962C8B-B14F-4D97-AF65-F5344CB8AC3E}">
         <p14:creationId xmlns:p14="http://schemas.microsoft.com/office/powerpoint/2010/main" val="4258381790"/>
+      </p:ext>
+    </p:extLst>
+  </p:cSld>
+  <p:clrMapOvr>
+    <a:masterClrMapping/>
+  </p:clrMapOvr>
+</p:sld>
+</file>
+
+<file path=ppt/slides/slide34.xml><?xml version="1.0" encoding="utf-8"?>
+<p:sld xmlns:a="http://schemas.openxmlformats.org/drawingml/2006/main" xmlns:r="http://schemas.openxmlformats.org/officeDocument/2006/relationships" xmlns:p="http://schemas.openxmlformats.org/presentationml/2006/main">
+  <p:cSld>
+    <p:spTree>
+      <p:nvGrpSpPr>
+        <p:cNvPr id="1" name=""/>
+        <p:cNvGrpSpPr/>
+        <p:nvPr/>
+      </p:nvGrpSpPr>
+      <p:grpSpPr>
+        <a:xfrm>
+          <a:off x="0" y="0"/>
+          <a:ext cx="0" cy="0"/>
+          <a:chOff x="0" y="0"/>
+          <a:chExt cx="0" cy="0"/>
+        </a:xfrm>
+      </p:grpSpPr>
+      <p:sp>
+        <p:nvSpPr>
+          <p:cNvPr id="2" name="Title 1">
+            <a:extLst>
+              <a:ext uri="{FF2B5EF4-FFF2-40B4-BE49-F238E27FC236}">
+                <a16:creationId xmlns:a16="http://schemas.microsoft.com/office/drawing/2014/main" id="{495A72D8-1877-4C74-AC6C-441A00EE9F62}"/>
+              </a:ext>
+            </a:extLst>
+          </p:cNvPr>
+          <p:cNvSpPr>
+            <a:spLocks noGrp="1"/>
+          </p:cNvSpPr>
+          <p:nvPr>
+            <p:ph type="title"/>
+          </p:nvPr>
+        </p:nvSpPr>
+        <p:spPr/>
+        <p:txBody>
+          <a:bodyPr/>
+          <a:lstStyle/>
+          <a:p>
+            <a:r>
+              <a:rPr lang="en-IN" dirty="0"/>
+              <a:t>Hadoop Versions</a:t>
+            </a:r>
+          </a:p>
+        </p:txBody>
+      </p:sp>
+      <p:sp>
+        <p:nvSpPr>
+          <p:cNvPr id="3" name="Content Placeholder 2">
+            <a:extLst>
+              <a:ext uri="{FF2B5EF4-FFF2-40B4-BE49-F238E27FC236}">
+                <a16:creationId xmlns:a16="http://schemas.microsoft.com/office/drawing/2014/main" id="{49DC9BD7-92EF-4FEF-9E1D-44F78576A5CB}"/>
+              </a:ext>
+            </a:extLst>
+          </p:cNvPr>
+          <p:cNvSpPr>
+            <a:spLocks noGrp="1"/>
+          </p:cNvSpPr>
+          <p:nvPr>
+            <p:ph idx="1"/>
+          </p:nvPr>
+        </p:nvSpPr>
+        <p:spPr/>
+        <p:txBody>
+          <a:bodyPr/>
+          <a:lstStyle/>
+          <a:p>
+            <a:r>
+              <a:rPr lang="en-IN" dirty="0"/>
+              <a:t>V1.0</a:t>
+            </a:r>
+          </a:p>
+          <a:p>
+            <a:pPr lvl="1"/>
+            <a:r>
+              <a:rPr lang="en-IN" dirty="0"/>
+              <a:t>Distributed Storage Unit – HDFS</a:t>
+            </a:r>
+          </a:p>
+          <a:p>
+            <a:pPr lvl="1"/>
+            <a:r>
+              <a:rPr lang="en-IN" dirty="0"/>
+              <a:t>Distributed Computing Unit – MapReduce V1.0</a:t>
+            </a:r>
+          </a:p>
+          <a:p>
+            <a:r>
+              <a:rPr lang="en-IN" dirty="0"/>
+              <a:t>V2.0</a:t>
+            </a:r>
+          </a:p>
+          <a:p>
+            <a:pPr lvl="1"/>
+            <a:r>
+              <a:rPr lang="en-IN" dirty="0"/>
+              <a:t>Distributed Storage Unit –HDFS</a:t>
+            </a:r>
+          </a:p>
+          <a:p>
+            <a:pPr lvl="1"/>
+            <a:r>
+              <a:rPr lang="en-IN" dirty="0"/>
+              <a:t>Distributed Computing Unit – YARN and MapReduce V2.0</a:t>
+            </a:r>
+          </a:p>
+        </p:txBody>
+      </p:sp>
+    </p:spTree>
+    <p:extLst>
+      <p:ext uri="{BB962C8B-B14F-4D97-AF65-F5344CB8AC3E}">
+        <p14:creationId xmlns:p14="http://schemas.microsoft.com/office/powerpoint/2010/main" val="3449315766"/>
+      </p:ext>
+    </p:extLst>
+  </p:cSld>
+  <p:clrMapOvr>
+    <a:masterClrMapping/>
+  </p:clrMapOvr>
+</p:sld>
+</file>
+
+<file path=ppt/slides/slide35.xml><?xml version="1.0" encoding="utf-8"?>
+<p:sld xmlns:a="http://schemas.openxmlformats.org/drawingml/2006/main" xmlns:r="http://schemas.openxmlformats.org/officeDocument/2006/relationships" xmlns:p="http://schemas.openxmlformats.org/presentationml/2006/main">
+  <p:cSld>
+    <p:spTree>
+      <p:nvGrpSpPr>
+        <p:cNvPr id="1" name=""/>
+        <p:cNvGrpSpPr/>
+        <p:nvPr/>
+      </p:nvGrpSpPr>
+      <p:grpSpPr>
+        <a:xfrm>
+          <a:off x="0" y="0"/>
+          <a:ext cx="0" cy="0"/>
+          <a:chOff x="0" y="0"/>
+          <a:chExt cx="0" cy="0"/>
+        </a:xfrm>
+      </p:grpSpPr>
+      <p:sp>
+        <p:nvSpPr>
+          <p:cNvPr id="2" name="Title 1">
+            <a:extLst>
+              <a:ext uri="{FF2B5EF4-FFF2-40B4-BE49-F238E27FC236}">
+                <a16:creationId xmlns:a16="http://schemas.microsoft.com/office/drawing/2014/main" id="{4EC1FF95-8DAE-469F-9823-26DCE5E6E08D}"/>
+              </a:ext>
+            </a:extLst>
+          </p:cNvPr>
+          <p:cNvSpPr>
+            <a:spLocks noGrp="1"/>
+          </p:cNvSpPr>
+          <p:nvPr>
+            <p:ph type="title"/>
+          </p:nvPr>
+        </p:nvSpPr>
+        <p:spPr/>
+        <p:txBody>
+          <a:bodyPr/>
+          <a:lstStyle/>
+          <a:p>
+            <a:r>
+              <a:rPr lang="en-IN" dirty="0"/>
+              <a:t>Hadoop Daemons</a:t>
+            </a:r>
+          </a:p>
+        </p:txBody>
+      </p:sp>
+      <p:sp>
+        <p:nvSpPr>
+          <p:cNvPr id="3" name="Content Placeholder 2">
+            <a:extLst>
+              <a:ext uri="{FF2B5EF4-FFF2-40B4-BE49-F238E27FC236}">
+                <a16:creationId xmlns:a16="http://schemas.microsoft.com/office/drawing/2014/main" id="{7D0A5D0F-E90A-438C-9176-3C1E1D6EE35A}"/>
+              </a:ext>
+            </a:extLst>
+          </p:cNvPr>
+          <p:cNvSpPr>
+            <a:spLocks noGrp="1"/>
+          </p:cNvSpPr>
+          <p:nvPr>
+            <p:ph idx="1"/>
+          </p:nvPr>
+        </p:nvSpPr>
+        <p:spPr/>
+        <p:txBody>
+          <a:bodyPr>
+            <a:normAutofit/>
+          </a:bodyPr>
+          <a:lstStyle/>
+          <a:p>
+            <a:r>
+              <a:rPr lang="en-IN" dirty="0"/>
+              <a:t>Daemons – Background Process</a:t>
+            </a:r>
+          </a:p>
+          <a:p>
+            <a:r>
+              <a:rPr lang="en-IN" dirty="0"/>
+              <a:t>HDFS Daemons</a:t>
+            </a:r>
+          </a:p>
+          <a:p>
+            <a:pPr lvl="1"/>
+            <a:r>
+              <a:rPr lang="en-IN" dirty="0"/>
+              <a:t>Data Node - Slave</a:t>
+            </a:r>
+          </a:p>
+          <a:p>
+            <a:pPr lvl="1"/>
+            <a:r>
+              <a:rPr lang="en-IN" dirty="0"/>
+              <a:t>Name Node - Master</a:t>
+            </a:r>
+          </a:p>
+          <a:p>
+            <a:r>
+              <a:rPr lang="en-IN" dirty="0"/>
+              <a:t>MapReduce V1.0</a:t>
+            </a:r>
+          </a:p>
+          <a:p>
+            <a:pPr lvl="1"/>
+            <a:r>
+              <a:rPr lang="en-IN" dirty="0"/>
+              <a:t>JobTracker - Master</a:t>
+            </a:r>
+          </a:p>
+          <a:p>
+            <a:pPr lvl="1"/>
+            <a:r>
+              <a:rPr lang="en-IN" dirty="0"/>
+              <a:t>Task Tracker - Slave</a:t>
+            </a:r>
+          </a:p>
+          <a:p>
+            <a:r>
+              <a:rPr lang="en-IN" dirty="0"/>
+              <a:t>MapReduce v2.0/YARN </a:t>
+            </a:r>
+          </a:p>
+          <a:p>
+            <a:pPr lvl="1"/>
+            <a:r>
+              <a:rPr lang="en-IN" dirty="0"/>
+              <a:t>Resource Manager - Master</a:t>
+            </a:r>
+          </a:p>
+          <a:p>
+            <a:pPr lvl="1"/>
+            <a:r>
+              <a:rPr lang="en-IN"/>
+              <a:t>Node Manager - Slave</a:t>
+            </a:r>
+            <a:endParaRPr lang="en-IN" dirty="0"/>
+          </a:p>
+          <a:p>
+            <a:endParaRPr lang="en-IN" dirty="0"/>
+          </a:p>
+        </p:txBody>
+      </p:sp>
+    </p:spTree>
+    <p:extLst>
+      <p:ext uri="{BB962C8B-B14F-4D97-AF65-F5344CB8AC3E}">
+        <p14:creationId xmlns:p14="http://schemas.microsoft.com/office/powerpoint/2010/main" val="2224304619"/>
+      </p:ext>
+    </p:extLst>
+  </p:cSld>
+  <p:clrMapOvr>
+    <a:masterClrMapping/>
+  </p:clrMapOvr>
+</p:sld>
+</file>
+
+<file path=ppt/slides/slide36.xml><?xml version="1.0" encoding="utf-8"?>
+<p:sld xmlns:a="http://schemas.openxmlformats.org/drawingml/2006/main" xmlns:r="http://schemas.openxmlformats.org/officeDocument/2006/relationships" xmlns:p="http://schemas.openxmlformats.org/presentationml/2006/main">
+  <p:cSld>
+    <p:spTree>
+      <p:nvGrpSpPr>
+        <p:cNvPr id="1" name=""/>
+        <p:cNvGrpSpPr/>
+        <p:nvPr/>
+      </p:nvGrpSpPr>
+      <p:grpSpPr>
+        <a:xfrm>
+          <a:off x="0" y="0"/>
+          <a:ext cx="0" cy="0"/>
+          <a:chOff x="0" y="0"/>
+          <a:chExt cx="0" cy="0"/>
+        </a:xfrm>
+      </p:grpSpPr>
+      <p:sp>
+        <p:nvSpPr>
+          <p:cNvPr id="2" name="Title 1">
+            <a:extLst>
+              <a:ext uri="{FF2B5EF4-FFF2-40B4-BE49-F238E27FC236}">
+                <a16:creationId xmlns:a16="http://schemas.microsoft.com/office/drawing/2014/main" id="{656AFDDC-3E4F-48CD-A3F8-194C2A80F8A8}"/>
+              </a:ext>
+            </a:extLst>
+          </p:cNvPr>
+          <p:cNvSpPr>
+            <a:spLocks noGrp="1"/>
+          </p:cNvSpPr>
+          <p:nvPr>
+            <p:ph type="title"/>
+          </p:nvPr>
+        </p:nvSpPr>
+        <p:spPr/>
+        <p:txBody>
+          <a:bodyPr/>
+          <a:lstStyle/>
+          <a:p>
+            <a:r>
+              <a:rPr lang="en-IN" dirty="0"/>
+              <a:t>Clustering Model</a:t>
+            </a:r>
+          </a:p>
+        </p:txBody>
+      </p:sp>
+      <p:sp>
+        <p:nvSpPr>
+          <p:cNvPr id="3" name="Content Placeholder 2">
+            <a:extLst>
+              <a:ext uri="{FF2B5EF4-FFF2-40B4-BE49-F238E27FC236}">
+                <a16:creationId xmlns:a16="http://schemas.microsoft.com/office/drawing/2014/main" id="{16A1376C-E286-4230-9448-CAD121661CFA}"/>
+              </a:ext>
+            </a:extLst>
+          </p:cNvPr>
+          <p:cNvSpPr>
+            <a:spLocks noGrp="1"/>
+          </p:cNvSpPr>
+          <p:nvPr>
+            <p:ph idx="1"/>
+          </p:nvPr>
+        </p:nvSpPr>
+        <p:spPr/>
+        <p:txBody>
+          <a:bodyPr/>
+          <a:lstStyle/>
+          <a:p>
+            <a:r>
+              <a:rPr lang="en-IN" dirty="0"/>
+              <a:t>Master – Slave Architecture</a:t>
+            </a:r>
+          </a:p>
+          <a:p>
+            <a:r>
+              <a:rPr lang="en-IN" dirty="0"/>
+              <a:t>One Master and Multiple Slave Architecture</a:t>
+            </a:r>
+          </a:p>
+        </p:txBody>
+      </p:sp>
+    </p:spTree>
+    <p:extLst>
+      <p:ext uri="{BB962C8B-B14F-4D97-AF65-F5344CB8AC3E}">
+        <p14:creationId xmlns:p14="http://schemas.microsoft.com/office/powerpoint/2010/main" val="2701157843"/>
       </p:ext>
     </p:extLst>
   </p:cSld>
